--- a/SearchRobot/doc/presentation.pptx
+++ b/SearchRobot/doc/presentation.pptx
@@ -5,10 +5,10 @@
     <p:sldMasterId id="2147483660" r:id="rId1"/>
   </p:sldMasterIdLst>
   <p:notesMasterIdLst>
-    <p:notesMasterId r:id="rId9"/>
+    <p:notesMasterId r:id="rId12"/>
   </p:notesMasterIdLst>
   <p:handoutMasterIdLst>
-    <p:handoutMasterId r:id="rId10"/>
+    <p:handoutMasterId r:id="rId13"/>
   </p:handoutMasterIdLst>
   <p:sldIdLst>
     <p:sldId id="256" r:id="rId2"/>
@@ -16,8 +16,11 @@
     <p:sldId id="261" r:id="rId4"/>
     <p:sldId id="260" r:id="rId5"/>
     <p:sldId id="262" r:id="rId6"/>
-    <p:sldId id="263" r:id="rId7"/>
-    <p:sldId id="264" r:id="rId8"/>
+    <p:sldId id="265" r:id="rId7"/>
+    <p:sldId id="266" r:id="rId8"/>
+    <p:sldId id="267" r:id="rId9"/>
+    <p:sldId id="263" r:id="rId10"/>
+    <p:sldId id="264" r:id="rId11"/>
   </p:sldIdLst>
   <p:sldSz cx="9144000" cy="6858000" type="screen4x3"/>
   <p:notesSz cx="6858000" cy="9144000"/>
@@ -201,7 +204,7 @@
           <a:p>
             <a:fld id="{5700CF2B-8EF7-EB4B-86E2-A47F47DC1114}" type="datetime1">
               <a:rPr lang="de-CH" smtClean="0"/>
-              <a:t>05.12.13</a:t>
+              <a:t>11.12.13</a:t>
             </a:fld>
             <a:endParaRPr lang="de-DE"/>
           </a:p>
@@ -367,7 +370,7 @@
           <a:p>
             <a:fld id="{E92AB650-C135-D34D-93AB-17B8508C2308}" type="datetime1">
               <a:rPr lang="de-CH" smtClean="0"/>
-              <a:t>05.12.13</a:t>
+              <a:t>11.12.13</a:t>
             </a:fld>
             <a:endParaRPr lang="de-DE"/>
           </a:p>
@@ -680,7 +683,231 @@
           <a:bodyPr/>
           <a:lstStyle/>
           <a:p>
-            <a:endParaRPr lang="de-DE"/>
+            <a:r>
+              <a:rPr lang="de-DE" sz="1200" b="1" kern="1200" dirty="0" smtClean="0">
+                <a:solidFill>
+                  <a:schemeClr val="tx1"/>
+                </a:solidFill>
+                <a:effectLst/>
+                <a:latin typeface="+mn-lt"/>
+                <a:ea typeface="+mn-ea"/>
+                <a:cs typeface="+mn-cs"/>
+              </a:rPr>
+              <a:t>Hindernisse setzen</a:t>
+            </a:r>
+          </a:p>
+          <a:p>
+            <a:r>
+              <a:rPr lang="de-DE" sz="1200" kern="1200" dirty="0" smtClean="0">
+                <a:solidFill>
+                  <a:schemeClr val="tx1"/>
+                </a:solidFill>
+                <a:effectLst/>
+                <a:latin typeface="+mn-lt"/>
+                <a:ea typeface="+mn-ea"/>
+                <a:cs typeface="+mn-cs"/>
+              </a:rPr>
+              <a:t>Ein Spieler setzt alle gewünschte Hindernisse (2D Hindernisse) auf dem Spielfeld. </a:t>
+            </a:r>
+          </a:p>
+          <a:p>
+            <a:r>
+              <a:rPr lang="de-DE" sz="1200" b="1" kern="1200" dirty="0" smtClean="0">
+                <a:solidFill>
+                  <a:schemeClr val="tx1"/>
+                </a:solidFill>
+                <a:effectLst/>
+                <a:latin typeface="+mn-lt"/>
+                <a:ea typeface="+mn-ea"/>
+                <a:cs typeface="+mn-cs"/>
+              </a:rPr>
+              <a:t>Roboter setzen</a:t>
+            </a:r>
+          </a:p>
+          <a:p>
+            <a:r>
+              <a:rPr lang="de-DE" sz="1200" kern="1200" dirty="0" smtClean="0">
+                <a:solidFill>
+                  <a:schemeClr val="tx1"/>
+                </a:solidFill>
+                <a:effectLst/>
+                <a:latin typeface="+mn-lt"/>
+                <a:ea typeface="+mn-ea"/>
+                <a:cs typeface="+mn-cs"/>
+              </a:rPr>
+              <a:t>Der Spieler setzt den Roboter auf das Spielfeld. Diese Position wird zugleich die Startposition des Roboters sein. </a:t>
+            </a:r>
+          </a:p>
+          <a:p>
+            <a:r>
+              <a:rPr lang="de-DE" sz="1200" b="1" kern="1200" dirty="0" smtClean="0">
+                <a:solidFill>
+                  <a:schemeClr val="tx1"/>
+                </a:solidFill>
+                <a:effectLst/>
+                <a:latin typeface="+mn-lt"/>
+                <a:ea typeface="+mn-ea"/>
+                <a:cs typeface="+mn-cs"/>
+              </a:rPr>
+              <a:t>Ziel setzten</a:t>
+            </a:r>
+          </a:p>
+          <a:p>
+            <a:r>
+              <a:rPr lang="de-DE" sz="1200" kern="1200" dirty="0" smtClean="0">
+                <a:solidFill>
+                  <a:schemeClr val="tx1"/>
+                </a:solidFill>
+                <a:effectLst/>
+                <a:latin typeface="+mn-lt"/>
+                <a:ea typeface="+mn-ea"/>
+                <a:cs typeface="+mn-cs"/>
+              </a:rPr>
+              <a:t>Der Spieler setzt das Ziel, das der Roboter suchen muss, auf das Spielfeld. </a:t>
+            </a:r>
+          </a:p>
+          <a:p>
+            <a:r>
+              <a:rPr lang="de-DE" sz="1200" b="1" kern="1200" dirty="0" smtClean="0">
+                <a:solidFill>
+                  <a:schemeClr val="tx1"/>
+                </a:solidFill>
+                <a:effectLst/>
+                <a:latin typeface="+mn-lt"/>
+                <a:ea typeface="+mn-ea"/>
+                <a:cs typeface="+mn-cs"/>
+              </a:rPr>
+              <a:t>Roboter starten</a:t>
+            </a:r>
+          </a:p>
+          <a:p>
+            <a:r>
+              <a:rPr lang="de-DE" sz="1200" kern="1200" dirty="0" smtClean="0">
+                <a:solidFill>
+                  <a:schemeClr val="tx1"/>
+                </a:solidFill>
+                <a:effectLst/>
+                <a:latin typeface="+mn-lt"/>
+                <a:ea typeface="+mn-ea"/>
+                <a:cs typeface="+mn-cs"/>
+              </a:rPr>
+              <a:t>Der Spieler startet das Spiel, d.h. der Roboter beginnt das Ziel zu suchen. </a:t>
+            </a:r>
+          </a:p>
+          <a:p>
+            <a:r>
+              <a:rPr lang="de-DE" sz="1200" b="1" kern="1200" dirty="0" smtClean="0">
+                <a:solidFill>
+                  <a:schemeClr val="tx1"/>
+                </a:solidFill>
+                <a:effectLst/>
+                <a:latin typeface="+mn-lt"/>
+                <a:ea typeface="+mn-ea"/>
+                <a:cs typeface="+mn-cs"/>
+              </a:rPr>
+              <a:t>Suche abbrechen</a:t>
+            </a:r>
+          </a:p>
+          <a:p>
+            <a:r>
+              <a:rPr lang="de-DE" sz="1200" kern="1200" dirty="0" smtClean="0">
+                <a:solidFill>
+                  <a:schemeClr val="tx1"/>
+                </a:solidFill>
+                <a:effectLst/>
+                <a:latin typeface="+mn-lt"/>
+                <a:ea typeface="+mn-ea"/>
+                <a:cs typeface="+mn-cs"/>
+              </a:rPr>
+              <a:t>Der Spieler unterbricht die Suche nach dem Ziel und kehrt zum Spielfeldeditor zurück</a:t>
+            </a:r>
+          </a:p>
+          <a:p>
+            <a:r>
+              <a:rPr lang="de-DE" sz="1200" b="1" kern="1200" dirty="0" smtClean="0">
+                <a:solidFill>
+                  <a:schemeClr val="tx1"/>
+                </a:solidFill>
+                <a:effectLst/>
+                <a:latin typeface="+mn-lt"/>
+                <a:ea typeface="+mn-ea"/>
+                <a:cs typeface="+mn-cs"/>
+              </a:rPr>
+              <a:t>Spielfeld löschen</a:t>
+            </a:r>
+          </a:p>
+          <a:p>
+            <a:r>
+              <a:rPr lang="de-DE" sz="1200" kern="1200" dirty="0" smtClean="0">
+                <a:solidFill>
+                  <a:schemeClr val="tx1"/>
+                </a:solidFill>
+                <a:effectLst/>
+                <a:latin typeface="+mn-lt"/>
+                <a:ea typeface="+mn-ea"/>
+                <a:cs typeface="+mn-cs"/>
+              </a:rPr>
+              <a:t>Der Spieler hat die Möglichkeit das Spiel jederzeit zurückzusetzten, d.h. Hindernisse, Ziel und Roboter werden vom Spielfeld entfernt. </a:t>
+            </a:r>
+          </a:p>
+          <a:p>
+            <a:r>
+              <a:rPr lang="de-DE" sz="1200" b="1" kern="1200" dirty="0" smtClean="0">
+                <a:solidFill>
+                  <a:schemeClr val="tx1"/>
+                </a:solidFill>
+                <a:effectLst/>
+                <a:latin typeface="+mn-lt"/>
+                <a:ea typeface="+mn-ea"/>
+                <a:cs typeface="+mn-cs"/>
+              </a:rPr>
+              <a:t>Spielfeld importieren</a:t>
+            </a:r>
+          </a:p>
+          <a:p>
+            <a:r>
+              <a:rPr lang="de-DE" sz="1200" kern="1200" dirty="0" smtClean="0">
+                <a:solidFill>
+                  <a:schemeClr val="tx1"/>
+                </a:solidFill>
+                <a:effectLst/>
+                <a:latin typeface="+mn-lt"/>
+                <a:ea typeface="+mn-ea"/>
+                <a:cs typeface="+mn-cs"/>
+              </a:rPr>
+              <a:t>Das Spielfeld kann anhand eines XML-Files importiert werden.</a:t>
+            </a:r>
+          </a:p>
+          <a:p>
+            <a:r>
+              <a:rPr lang="de-DE" sz="1200" b="1" kern="1200" dirty="0" smtClean="0">
+                <a:solidFill>
+                  <a:schemeClr val="tx1"/>
+                </a:solidFill>
+                <a:effectLst/>
+                <a:latin typeface="+mn-lt"/>
+                <a:ea typeface="+mn-ea"/>
+                <a:cs typeface="+mn-cs"/>
+              </a:rPr>
+              <a:t>Spielfeld exportieren</a:t>
+            </a:r>
+          </a:p>
+          <a:p>
+            <a:r>
+              <a:rPr lang="de-DE" sz="1200" kern="1200" dirty="0" smtClean="0">
+                <a:solidFill>
+                  <a:schemeClr val="tx1"/>
+                </a:solidFill>
+                <a:effectLst/>
+                <a:latin typeface="+mn-lt"/>
+                <a:ea typeface="+mn-ea"/>
+                <a:cs typeface="+mn-cs"/>
+              </a:rPr>
+              <a:t>Das Spielfeld wird in ein neu erstelltes XML-File abgespeichert. </a:t>
+            </a:r>
+          </a:p>
+          <a:p>
+            <a:endParaRPr lang="de-DE" dirty="0"/>
           </a:p>
         </p:txBody>
       </p:sp>
@@ -702,6 +929,90 @@
             <a:fld id="{6A2CFF65-CB9C-5A47-B7DE-47882B59B3DA}" type="slidenum">
               <a:rPr lang="de-DE" smtClean="0"/>
               <a:t>7</a:t>
+            </a:fld>
+            <a:endParaRPr lang="de-DE"/>
+          </a:p>
+        </p:txBody>
+      </p:sp>
+    </p:spTree>
+    <p:extLst>
+      <p:ext uri="{BB962C8B-B14F-4D97-AF65-F5344CB8AC3E}">
+        <p14:creationId xmlns:p14="http://schemas.microsoft.com/office/powerpoint/2010/main" val="4154515398"/>
+      </p:ext>
+    </p:extLst>
+  </p:cSld>
+  <p:clrMapOvr>
+    <a:masterClrMapping/>
+  </p:clrMapOvr>
+</p:notes>
+</file>
+
+<file path=ppt/notesSlides/notesSlide2.xml><?xml version="1.0" encoding="utf-8"?>
+<p:notes xmlns:a="http://schemas.openxmlformats.org/drawingml/2006/main" xmlns:r="http://schemas.openxmlformats.org/officeDocument/2006/relationships" xmlns:p="http://schemas.openxmlformats.org/presentationml/2006/main">
+  <p:cSld>
+    <p:spTree>
+      <p:nvGrpSpPr>
+        <p:cNvPr id="1" name=""/>
+        <p:cNvGrpSpPr/>
+        <p:nvPr/>
+      </p:nvGrpSpPr>
+      <p:grpSpPr>
+        <a:xfrm>
+          <a:off x="0" y="0"/>
+          <a:ext cx="0" cy="0"/>
+          <a:chOff x="0" y="0"/>
+          <a:chExt cx="0" cy="0"/>
+        </a:xfrm>
+      </p:grpSpPr>
+      <p:sp>
+        <p:nvSpPr>
+          <p:cNvPr id="2" name="Folienbildplatzhalter 1"/>
+          <p:cNvSpPr>
+            <a:spLocks noGrp="1" noRot="1" noChangeAspect="1"/>
+          </p:cNvSpPr>
+          <p:nvPr>
+            <p:ph type="sldImg"/>
+          </p:nvPr>
+        </p:nvSpPr>
+        <p:spPr/>
+      </p:sp>
+      <p:sp>
+        <p:nvSpPr>
+          <p:cNvPr id="3" name="Notizenplatzhalter 2"/>
+          <p:cNvSpPr>
+            <a:spLocks noGrp="1"/>
+          </p:cNvSpPr>
+          <p:nvPr>
+            <p:ph type="body" idx="1"/>
+          </p:nvPr>
+        </p:nvSpPr>
+        <p:spPr/>
+        <p:txBody>
+          <a:bodyPr/>
+          <a:lstStyle/>
+          <a:p>
+            <a:endParaRPr lang="de-DE"/>
+          </a:p>
+        </p:txBody>
+      </p:sp>
+      <p:sp>
+        <p:nvSpPr>
+          <p:cNvPr id="4" name="Foliennummernplatzhalter 3"/>
+          <p:cNvSpPr>
+            <a:spLocks noGrp="1"/>
+          </p:cNvSpPr>
+          <p:nvPr>
+            <p:ph type="sldNum" sz="quarter" idx="10"/>
+          </p:nvPr>
+        </p:nvSpPr>
+        <p:spPr/>
+        <p:txBody>
+          <a:bodyPr/>
+          <a:lstStyle/>
+          <a:p>
+            <a:fld id="{6A2CFF65-CB9C-5A47-B7DE-47882B59B3DA}" type="slidenum">
+              <a:rPr lang="de-DE" smtClean="0"/>
+              <a:t>10</a:t>
             </a:fld>
             <a:endParaRPr lang="de-DE"/>
           </a:p>
@@ -906,7 +1217,7 @@
           <a:p>
             <a:fld id="{4BB9ED57-D06A-6841-AEF1-9EC3590845AD}" type="datetime1">
               <a:rPr lang="de-CH" smtClean="0"/>
-              <a:t>05.12.13</a:t>
+              <a:t>11.12.13</a:t>
             </a:fld>
             <a:endParaRPr lang="en-US"/>
           </a:p>
@@ -1267,7 +1578,7 @@
           <a:p>
             <a:fld id="{95F272CE-041C-1C41-893C-DDA23BE0160F}" type="datetime1">
               <a:rPr lang="de-CH" smtClean="0"/>
-              <a:t>05.12.13</a:t>
+              <a:t>11.12.13</a:t>
             </a:fld>
             <a:endParaRPr lang="en-US"/>
           </a:p>
@@ -1440,7 +1751,7 @@
           <a:p>
             <a:fld id="{89A08E58-8D68-9748-BF3C-59C04C017569}" type="datetime1">
               <a:rPr lang="de-CH" smtClean="0"/>
-              <a:t>05.12.13</a:t>
+              <a:t>11.12.13</a:t>
             </a:fld>
             <a:endParaRPr lang="en-US"/>
           </a:p>
@@ -1623,7 +1934,7 @@
           <a:p>
             <a:fld id="{27BF19B1-2D39-624F-92F5-63033DC0C277}" type="datetime1">
               <a:rPr lang="de-CH" smtClean="0"/>
-              <a:t>05.12.13</a:t>
+              <a:t>11.12.13</a:t>
             </a:fld>
             <a:endParaRPr lang="en-US"/>
           </a:p>
@@ -1796,7 +2107,7 @@
           <a:p>
             <a:fld id="{888DA9D7-FFEA-1B4A-AF78-999894C2A1ED}" type="datetime1">
               <a:rPr lang="de-CH" smtClean="0"/>
-              <a:t>05.12.13</a:t>
+              <a:t>11.12.13</a:t>
             </a:fld>
             <a:endParaRPr lang="en-US"/>
           </a:p>
@@ -2077,7 +2388,7 @@
           <a:p>
             <a:fld id="{FBB35A6E-A281-A541-AD16-C55A808D744E}" type="datetime1">
               <a:rPr lang="de-CH" smtClean="0"/>
-              <a:t>05.12.13</a:t>
+              <a:t>11.12.13</a:t>
             </a:fld>
             <a:endParaRPr lang="en-US"/>
           </a:p>
@@ -2373,7 +2684,7 @@
           <a:p>
             <a:fld id="{2E7962BB-C82D-F845-801E-BCD66FE917CE}" type="datetime1">
               <a:rPr lang="de-CH" smtClean="0"/>
-              <a:t>05.12.13</a:t>
+              <a:t>11.12.13</a:t>
             </a:fld>
             <a:endParaRPr lang="en-US"/>
           </a:p>
@@ -2813,7 +3124,7 @@
           <a:p>
             <a:fld id="{4AFFAB72-D003-9A4F-9AD5-2977850EC029}" type="datetime1">
               <a:rPr lang="de-CH" smtClean="0"/>
-              <a:t>05.12.13</a:t>
+              <a:t>11.12.13</a:t>
             </a:fld>
             <a:endParaRPr lang="en-US"/>
           </a:p>
@@ -2930,7 +3241,7 @@
           <a:p>
             <a:fld id="{0149C50A-A324-2749-86BA-B53E8B1F97D9}" type="datetime1">
               <a:rPr lang="de-CH" smtClean="0"/>
-              <a:t>05.12.13</a:t>
+              <a:t>11.12.13</a:t>
             </a:fld>
             <a:endParaRPr lang="en-US"/>
           </a:p>
@@ -3024,7 +3335,7 @@
           <a:p>
             <a:fld id="{40076AA9-28AC-F74A-AEDA-D52A19FDEF6D}" type="datetime1">
               <a:rPr lang="de-CH" smtClean="0"/>
-              <a:t>05.12.13</a:t>
+              <a:t>11.12.13</a:t>
             </a:fld>
             <a:endParaRPr lang="en-US"/>
           </a:p>
@@ -3365,7 +3676,7 @@
           <a:p>
             <a:fld id="{CAFB1E87-75BB-0747-B4D2-065C5EAE4DED}" type="datetime1">
               <a:rPr lang="de-CH" smtClean="0"/>
-              <a:t>05.12.13</a:t>
+              <a:t>11.12.13</a:t>
             </a:fld>
             <a:endParaRPr lang="en-US"/>
           </a:p>
@@ -3684,7 +3995,7 @@
           <a:p>
             <a:fld id="{5EB17E15-638F-8B4A-BBAA-33880E209CDA}" type="datetime1">
               <a:rPr lang="de-CH" smtClean="0"/>
-              <a:t>05.12.13</a:t>
+              <a:t>11.12.13</a:t>
             </a:fld>
             <a:endParaRPr lang="en-US"/>
           </a:p>
@@ -3934,7 +4245,7 @@
           <a:p>
             <a:fld id="{C652C00D-1E5F-7441-9ACF-E4D4A208330A}" type="datetime1">
               <a:rPr lang="de-CH" smtClean="0"/>
-              <a:t>05.12.13</a:t>
+              <a:t>11.12.13</a:t>
             </a:fld>
             <a:endParaRPr lang="en-US"/>
           </a:p>
@@ -4472,6 +4783,138 @@
   <p:clrMapOvr>
     <a:masterClrMapping/>
   </p:clrMapOvr>
+  <p:timing>
+    <p:tnLst>
+      <p:par>
+        <p:cTn xmlns:p14="http://schemas.microsoft.com/office/powerpoint/2010/main" id="1" dur="indefinite" restart="never" nodeType="tmRoot"/>
+      </p:par>
+    </p:tnLst>
+  </p:timing>
+</p:sld>
+</file>
+
+<file path=ppt/slides/slide10.xml><?xml version="1.0" encoding="utf-8"?>
+<p:sld xmlns:a="http://schemas.openxmlformats.org/drawingml/2006/main" xmlns:r="http://schemas.openxmlformats.org/officeDocument/2006/relationships" xmlns:p="http://schemas.openxmlformats.org/presentationml/2006/main">
+  <p:cSld>
+    <p:spTree>
+      <p:nvGrpSpPr>
+        <p:cNvPr id="1" name=""/>
+        <p:cNvGrpSpPr/>
+        <p:nvPr/>
+      </p:nvGrpSpPr>
+      <p:grpSpPr>
+        <a:xfrm>
+          <a:off x="0" y="0"/>
+          <a:ext cx="0" cy="0"/>
+          <a:chOff x="0" y="0"/>
+          <a:chExt cx="0" cy="0"/>
+        </a:xfrm>
+      </p:grpSpPr>
+      <p:sp>
+        <p:nvSpPr>
+          <p:cNvPr id="2" name="Titel 1"/>
+          <p:cNvSpPr>
+            <a:spLocks noGrp="1"/>
+          </p:cNvSpPr>
+          <p:nvPr>
+            <p:ph type="title"/>
+          </p:nvPr>
+        </p:nvSpPr>
+        <p:spPr/>
+        <p:txBody>
+          <a:bodyPr/>
+          <a:lstStyle/>
+          <a:p>
+            <a:r>
+              <a:rPr lang="de-DE" dirty="0" smtClean="0"/>
+              <a:t>Vorführung</a:t>
+            </a:r>
+            <a:endParaRPr lang="de-DE" dirty="0"/>
+          </a:p>
+        </p:txBody>
+      </p:sp>
+      <p:sp>
+        <p:nvSpPr>
+          <p:cNvPr id="3" name="Inhaltsplatzhalter 2"/>
+          <p:cNvSpPr>
+            <a:spLocks noGrp="1"/>
+          </p:cNvSpPr>
+          <p:nvPr>
+            <p:ph idx="1"/>
+          </p:nvPr>
+        </p:nvSpPr>
+        <p:spPr/>
+        <p:txBody>
+          <a:bodyPr/>
+          <a:lstStyle/>
+          <a:p>
+            <a:endParaRPr lang="de-DE"/>
+          </a:p>
+        </p:txBody>
+      </p:sp>
+      <p:sp>
+        <p:nvSpPr>
+          <p:cNvPr id="6" name="Foliennummernplatzhalter 5"/>
+          <p:cNvSpPr>
+            <a:spLocks noGrp="1"/>
+          </p:cNvSpPr>
+          <p:nvPr>
+            <p:ph type="sldNum" sz="quarter" idx="12"/>
+          </p:nvPr>
+        </p:nvSpPr>
+        <p:spPr/>
+        <p:txBody>
+          <a:bodyPr/>
+          <a:lstStyle/>
+          <a:p>
+            <a:fld id="{D12AA694-00EB-4F4B-AABB-6F50FB178914}" type="slidenum">
+              <a:rPr lang="en-US" smtClean="0"/>
+              <a:t>10</a:t>
+            </a:fld>
+            <a:endParaRPr lang="en-US"/>
+          </a:p>
+        </p:txBody>
+      </p:sp>
+      <p:sp>
+        <p:nvSpPr>
+          <p:cNvPr id="7" name="Fußzeilenplatzhalter 6"/>
+          <p:cNvSpPr>
+            <a:spLocks noGrp="1"/>
+          </p:cNvSpPr>
+          <p:nvPr>
+            <p:ph type="ftr" sz="quarter" idx="11"/>
+          </p:nvPr>
+        </p:nvSpPr>
+        <p:spPr/>
+        <p:txBody>
+          <a:bodyPr/>
+          <a:lstStyle/>
+          <a:p>
+            <a:r>
+              <a:rPr lang="en-US" smtClean="0"/>
+              <a:t>gfels4 &amp; zannc2</a:t>
+            </a:r>
+            <a:endParaRPr lang="en-US"/>
+          </a:p>
+        </p:txBody>
+      </p:sp>
+    </p:spTree>
+    <p:extLst>
+      <p:ext uri="{BB962C8B-B14F-4D97-AF65-F5344CB8AC3E}">
+        <p14:creationId xmlns:p14="http://schemas.microsoft.com/office/powerpoint/2010/main" val="1260091791"/>
+      </p:ext>
+    </p:extLst>
+  </p:cSld>
+  <p:clrMapOvr>
+    <a:masterClrMapping/>
+  </p:clrMapOvr>
+  <p:timing>
+    <p:tnLst>
+      <p:par>
+        <p:cTn xmlns:p14="http://schemas.microsoft.com/office/powerpoint/2010/main" id="1" dur="indefinite" restart="never" nodeType="tmRoot"/>
+      </p:par>
+    </p:tnLst>
+  </p:timing>
 </p:sld>
 </file>
 
@@ -4620,6 +5063,13 @@
   <p:clrMapOvr>
     <a:masterClrMapping/>
   </p:clrMapOvr>
+  <p:timing>
+    <p:tnLst>
+      <p:par>
+        <p:cTn xmlns:p14="http://schemas.microsoft.com/office/powerpoint/2010/main" id="1" dur="indefinite" restart="never" nodeType="tmRoot"/>
+      </p:par>
+    </p:tnLst>
+  </p:timing>
 </p:sld>
 </file>
 
@@ -4738,6 +5188,13 @@
   <p:clrMapOvr>
     <a:masterClrMapping/>
   </p:clrMapOvr>
+  <p:timing>
+    <p:tnLst>
+      <p:par>
+        <p:cTn xmlns:p14="http://schemas.microsoft.com/office/powerpoint/2010/main" id="1" dur="indefinite" restart="never" nodeType="tmRoot"/>
+      </p:par>
+    </p:tnLst>
+  </p:timing>
 </p:sld>
 </file>
 
@@ -4861,6 +5318,13 @@
   <p:clrMapOvr>
     <a:masterClrMapping/>
   </p:clrMapOvr>
+  <p:timing>
+    <p:tnLst>
+      <p:par>
+        <p:cTn xmlns:p14="http://schemas.microsoft.com/office/powerpoint/2010/main" id="1" dur="indefinite" restart="never" nodeType="tmRoot"/>
+      </p:par>
+    </p:tnLst>
+  </p:timing>
 </p:sld>
 </file>
 
@@ -5009,6 +5473,13 @@
   <p:clrMapOvr>
     <a:masterClrMapping/>
   </p:clrMapOvr>
+  <p:timing>
+    <p:tnLst>
+      <p:par>
+        <p:cTn xmlns:p14="http://schemas.microsoft.com/office/powerpoint/2010/main" id="1" dur="indefinite" restart="never" nodeType="tmRoot"/>
+      </p:par>
+    </p:tnLst>
+  </p:timing>
 </p:sld>
 </file>
 
@@ -5046,7 +5517,7 @@
           <a:p>
             <a:r>
               <a:rPr lang="de-DE" dirty="0" smtClean="0"/>
-              <a:t>Robot</a:t>
+              <a:t>Domain Model</a:t>
             </a:r>
             <a:endParaRPr lang="de-DE" dirty="0"/>
           </a:p>
@@ -5054,61 +5525,30 @@
       </p:sp>
       <p:sp>
         <p:nvSpPr>
-          <p:cNvPr id="3" name="Inhaltsplatzhalter 2"/>
-          <p:cNvSpPr>
-            <a:spLocks noGrp="1"/>
-          </p:cNvSpPr>
-          <p:nvPr>
-            <p:ph idx="1"/>
-          </p:nvPr>
-        </p:nvSpPr>
-        <p:spPr/>
-        <p:txBody>
-          <a:bodyPr/>
-          <a:lstStyle/>
-          <a:p>
-            <a:r>
-              <a:rPr lang="de-DE" dirty="0"/>
-              <a:t>Domain Mode</a:t>
-            </a:r>
-          </a:p>
-          <a:p>
-            <a:r>
-              <a:rPr lang="de-DE" dirty="0" err="1"/>
-              <a:t>Use</a:t>
-            </a:r>
-            <a:r>
-              <a:rPr lang="de-DE" dirty="0"/>
-              <a:t> Cases</a:t>
-            </a:r>
-          </a:p>
-          <a:p>
-            <a:r>
-              <a:rPr lang="de-DE" dirty="0" err="1"/>
-              <a:t>Sequence</a:t>
-            </a:r>
-            <a:r>
-              <a:rPr lang="de-DE" dirty="0"/>
-              <a:t> Diagramme</a:t>
-            </a:r>
-          </a:p>
-          <a:p>
-            <a:r>
-              <a:rPr lang="de-DE" dirty="0"/>
-              <a:t>UML Klassen Diagramme</a:t>
-            </a:r>
-          </a:p>
-          <a:p>
-            <a:pPr marL="0" indent="0">
-              <a:buNone/>
-            </a:pPr>
-            <a:endParaRPr lang="de-DE" dirty="0"/>
-          </a:p>
-        </p:txBody>
-      </p:sp>
-      <p:sp>
-        <p:nvSpPr>
-          <p:cNvPr id="6" name="Foliennummernplatzhalter 5"/>
+          <p:cNvPr id="4" name="Fußzeilenplatzhalter 3"/>
+          <p:cNvSpPr>
+            <a:spLocks noGrp="1"/>
+          </p:cNvSpPr>
+          <p:nvPr>
+            <p:ph type="ftr" sz="quarter" idx="11"/>
+          </p:nvPr>
+        </p:nvSpPr>
+        <p:spPr/>
+        <p:txBody>
+          <a:bodyPr/>
+          <a:lstStyle/>
+          <a:p>
+            <a:r>
+              <a:rPr lang="en-US" smtClean="0"/>
+              <a:t>gfels4 &amp; zannc2</a:t>
+            </a:r>
+            <a:endParaRPr lang="en-US"/>
+          </a:p>
+        </p:txBody>
+      </p:sp>
+      <p:sp>
+        <p:nvSpPr>
+          <p:cNvPr id="5" name="Foliennummernplatzhalter 4"/>
           <p:cNvSpPr>
             <a:spLocks noGrp="1"/>
           </p:cNvSpPr>
@@ -5129,39 +5569,52 @@
           </a:p>
         </p:txBody>
       </p:sp>
-      <p:sp>
-        <p:nvSpPr>
-          <p:cNvPr id="7" name="Fußzeilenplatzhalter 6"/>
-          <p:cNvSpPr>
-            <a:spLocks noGrp="1"/>
-          </p:cNvSpPr>
-          <p:nvPr>
-            <p:ph type="ftr" sz="quarter" idx="11"/>
-          </p:nvPr>
-        </p:nvSpPr>
-        <p:spPr/>
-        <p:txBody>
-          <a:bodyPr/>
-          <a:lstStyle/>
-          <a:p>
-            <a:r>
-              <a:rPr lang="en-US" smtClean="0"/>
-              <a:t>gfels4 &amp; zannc2</a:t>
-            </a:r>
-            <a:endParaRPr lang="en-US"/>
-          </a:p>
-        </p:txBody>
-      </p:sp>
+      <p:pic>
+        <p:nvPicPr>
+          <p:cNvPr id="6" name="Bild 5" descr="domain_model.jpg"/>
+          <p:cNvPicPr>
+            <a:picLocks noChangeAspect="1"/>
+          </p:cNvPicPr>
+          <p:nvPr/>
+        </p:nvPicPr>
+        <p:blipFill rotWithShape="1">
+          <a:blip r:embed="rId2">
+            <a:extLst>
+              <a:ext uri="{28A0092B-C50C-407E-A947-70E740481C1C}">
+                <a14:useLocalDpi xmlns:a14="http://schemas.microsoft.com/office/drawing/2010/main" val="0"/>
+              </a:ext>
+            </a:extLst>
+          </a:blip>
+          <a:srcRect l="12756" t="3824" r="30840" b="48868"/>
+          <a:stretch/>
+        </p:blipFill>
+        <p:spPr>
+          <a:xfrm>
+            <a:off x="1891267" y="1528468"/>
+            <a:ext cx="5397703" cy="4482476"/>
+          </a:xfrm>
+          <a:prstGeom prst="rect">
+            <a:avLst/>
+          </a:prstGeom>
+        </p:spPr>
+      </p:pic>
     </p:spTree>
     <p:extLst>
       <p:ext uri="{BB962C8B-B14F-4D97-AF65-F5344CB8AC3E}">
-        <p14:creationId xmlns:p14="http://schemas.microsoft.com/office/powerpoint/2010/main" val="3514780789"/>
+        <p14:creationId xmlns:p14="http://schemas.microsoft.com/office/powerpoint/2010/main" val="2302201328"/>
       </p:ext>
     </p:extLst>
   </p:cSld>
   <p:clrMapOvr>
     <a:masterClrMapping/>
   </p:clrMapOvr>
+  <p:timing>
+    <p:tnLst>
+      <p:par>
+        <p:cTn xmlns:p14="http://schemas.microsoft.com/office/powerpoint/2010/main" id="1" dur="indefinite" restart="never" nodeType="tmRoot"/>
+      </p:par>
+    </p:tnLst>
+  </p:timing>
 </p:sld>
 </file>
 
@@ -5198,8 +5651,12 @@
           <a:lstStyle/>
           <a:p>
             <a:r>
+              <a:rPr lang="de-DE" dirty="0" err="1" smtClean="0"/>
+              <a:t>Use</a:t>
+            </a:r>
+            <a:r>
               <a:rPr lang="de-DE" dirty="0" smtClean="0"/>
-              <a:t>Vorführung</a:t>
+              <a:t> Cases</a:t>
             </a:r>
             <a:endParaRPr lang="de-DE" dirty="0"/>
           </a:p>
@@ -5207,26 +5664,30 @@
       </p:sp>
       <p:sp>
         <p:nvSpPr>
-          <p:cNvPr id="3" name="Inhaltsplatzhalter 2"/>
-          <p:cNvSpPr>
-            <a:spLocks noGrp="1"/>
-          </p:cNvSpPr>
-          <p:nvPr>
-            <p:ph idx="1"/>
-          </p:nvPr>
-        </p:nvSpPr>
-        <p:spPr/>
-        <p:txBody>
-          <a:bodyPr/>
-          <a:lstStyle/>
-          <a:p>
-            <a:endParaRPr lang="de-DE"/>
-          </a:p>
-        </p:txBody>
-      </p:sp>
-      <p:sp>
-        <p:nvSpPr>
-          <p:cNvPr id="6" name="Foliennummernplatzhalter 5"/>
+          <p:cNvPr id="4" name="Fußzeilenplatzhalter 3"/>
+          <p:cNvSpPr>
+            <a:spLocks noGrp="1"/>
+          </p:cNvSpPr>
+          <p:nvPr>
+            <p:ph type="ftr" sz="quarter" idx="11"/>
+          </p:nvPr>
+        </p:nvSpPr>
+        <p:spPr/>
+        <p:txBody>
+          <a:bodyPr/>
+          <a:lstStyle/>
+          <a:p>
+            <a:r>
+              <a:rPr lang="en-US" smtClean="0"/>
+              <a:t>gfels4 &amp; zannc2</a:t>
+            </a:r>
+            <a:endParaRPr lang="en-US"/>
+          </a:p>
+        </p:txBody>
+      </p:sp>
+      <p:sp>
+        <p:nvSpPr>
+          <p:cNvPr id="5" name="Foliennummernplatzhalter 4"/>
           <p:cNvSpPr>
             <a:spLocks noGrp="1"/>
           </p:cNvSpPr>
@@ -5247,39 +5708,366 @@
           </a:p>
         </p:txBody>
       </p:sp>
-      <p:sp>
-        <p:nvSpPr>
-          <p:cNvPr id="7" name="Fußzeilenplatzhalter 6"/>
-          <p:cNvSpPr>
-            <a:spLocks noGrp="1"/>
-          </p:cNvSpPr>
-          <p:nvPr>
-            <p:ph type="ftr" sz="quarter" idx="11"/>
-          </p:nvPr>
-        </p:nvSpPr>
-        <p:spPr/>
-        <p:txBody>
-          <a:bodyPr/>
-          <a:lstStyle/>
-          <a:p>
-            <a:r>
-              <a:rPr lang="en-US" smtClean="0"/>
-              <a:t>gfels4 &amp; zannc2</a:t>
-            </a:r>
-            <a:endParaRPr lang="en-US"/>
-          </a:p>
-        </p:txBody>
-      </p:sp>
+      <p:pic>
+        <p:nvPicPr>
+          <p:cNvPr id="8" name="Bild 7" descr="UseCase-Diagram.jpg"/>
+          <p:cNvPicPr>
+            <a:picLocks noChangeAspect="1"/>
+          </p:cNvPicPr>
+          <p:nvPr/>
+        </p:nvPicPr>
+        <p:blipFill rotWithShape="1">
+          <a:blip r:embed="rId3">
+            <a:extLst>
+              <a:ext uri="{28A0092B-C50C-407E-A947-70E740481C1C}">
+                <a14:useLocalDpi xmlns:a14="http://schemas.microsoft.com/office/drawing/2010/main" val="0"/>
+              </a:ext>
+            </a:extLst>
+          </a:blip>
+          <a:srcRect l="4741" t="7046" r="37344" b="7315"/>
+          <a:stretch/>
+        </p:blipFill>
+        <p:spPr>
+          <a:xfrm>
+            <a:off x="3169761" y="1514073"/>
+            <a:ext cx="3566477" cy="4842277"/>
+          </a:xfrm>
+          <a:prstGeom prst="rect">
+            <a:avLst/>
+          </a:prstGeom>
+        </p:spPr>
+      </p:pic>
     </p:spTree>
     <p:extLst>
       <p:ext uri="{BB962C8B-B14F-4D97-AF65-F5344CB8AC3E}">
-        <p14:creationId xmlns:p14="http://schemas.microsoft.com/office/powerpoint/2010/main" val="1260091791"/>
+        <p14:creationId xmlns:p14="http://schemas.microsoft.com/office/powerpoint/2010/main" val="217820005"/>
       </p:ext>
     </p:extLst>
   </p:cSld>
   <p:clrMapOvr>
     <a:masterClrMapping/>
   </p:clrMapOvr>
+  <p:timing>
+    <p:tnLst>
+      <p:par>
+        <p:cTn xmlns:p14="http://schemas.microsoft.com/office/powerpoint/2010/main" id="1" dur="indefinite" restart="never" nodeType="tmRoot"/>
+      </p:par>
+    </p:tnLst>
+  </p:timing>
+</p:sld>
+</file>
+
+<file path=ppt/slides/slide8.xml><?xml version="1.0" encoding="utf-8"?>
+<p:sld xmlns:a="http://schemas.openxmlformats.org/drawingml/2006/main" xmlns:r="http://schemas.openxmlformats.org/officeDocument/2006/relationships" xmlns:p="http://schemas.openxmlformats.org/presentationml/2006/main">
+  <p:cSld>
+    <p:spTree>
+      <p:nvGrpSpPr>
+        <p:cNvPr id="1" name=""/>
+        <p:cNvGrpSpPr/>
+        <p:nvPr/>
+      </p:nvGrpSpPr>
+      <p:grpSpPr>
+        <a:xfrm>
+          <a:off x="0" y="0"/>
+          <a:ext cx="0" cy="0"/>
+          <a:chOff x="0" y="0"/>
+          <a:chExt cx="0" cy="0"/>
+        </a:xfrm>
+      </p:grpSpPr>
+      <p:sp>
+        <p:nvSpPr>
+          <p:cNvPr id="2" name="Titel 1"/>
+          <p:cNvSpPr>
+            <a:spLocks noGrp="1"/>
+          </p:cNvSpPr>
+          <p:nvPr>
+            <p:ph type="title"/>
+          </p:nvPr>
+        </p:nvSpPr>
+        <p:spPr/>
+        <p:txBody>
+          <a:bodyPr/>
+          <a:lstStyle/>
+          <a:p>
+            <a:r>
+              <a:rPr lang="de-DE" dirty="0" err="1" smtClean="0"/>
+              <a:t>Sequence</a:t>
+            </a:r>
+            <a:r>
+              <a:rPr lang="de-DE" dirty="0" smtClean="0"/>
+              <a:t> </a:t>
+            </a:r>
+            <a:r>
+              <a:rPr lang="de-DE" dirty="0" err="1" smtClean="0"/>
+              <a:t>Diagram</a:t>
+            </a:r>
+            <a:r>
+              <a:rPr lang="de-DE" dirty="0" smtClean="0"/>
+              <a:t/>
+            </a:r>
+            <a:br>
+              <a:rPr lang="de-DE" dirty="0" smtClean="0"/>
+            </a:br>
+            <a:r>
+              <a:rPr lang="de-DE" sz="3200" dirty="0" smtClean="0"/>
+              <a:t>Spielobjekte setzen</a:t>
+            </a:r>
+            <a:endParaRPr lang="de-DE" sz="3200" dirty="0"/>
+          </a:p>
+        </p:txBody>
+      </p:sp>
+      <p:sp>
+        <p:nvSpPr>
+          <p:cNvPr id="4" name="Fußzeilenplatzhalter 3"/>
+          <p:cNvSpPr>
+            <a:spLocks noGrp="1"/>
+          </p:cNvSpPr>
+          <p:nvPr>
+            <p:ph type="ftr" sz="quarter" idx="11"/>
+          </p:nvPr>
+        </p:nvSpPr>
+        <p:spPr/>
+        <p:txBody>
+          <a:bodyPr/>
+          <a:lstStyle/>
+          <a:p>
+            <a:r>
+              <a:rPr lang="en-US" smtClean="0"/>
+              <a:t>gfels4 &amp; zannc2</a:t>
+            </a:r>
+            <a:endParaRPr lang="en-US"/>
+          </a:p>
+        </p:txBody>
+      </p:sp>
+      <p:sp>
+        <p:nvSpPr>
+          <p:cNvPr id="5" name="Foliennummernplatzhalter 4"/>
+          <p:cNvSpPr>
+            <a:spLocks noGrp="1"/>
+          </p:cNvSpPr>
+          <p:nvPr>
+            <p:ph type="sldNum" sz="quarter" idx="12"/>
+          </p:nvPr>
+        </p:nvSpPr>
+        <p:spPr/>
+        <p:txBody>
+          <a:bodyPr/>
+          <a:lstStyle/>
+          <a:p>
+            <a:fld id="{D12AA694-00EB-4F4B-AABB-6F50FB178914}" type="slidenum">
+              <a:rPr lang="en-US" smtClean="0"/>
+              <a:t>8</a:t>
+            </a:fld>
+            <a:endParaRPr lang="en-US"/>
+          </a:p>
+        </p:txBody>
+      </p:sp>
+      <p:pic>
+        <p:nvPicPr>
+          <p:cNvPr id="6" name="Bild 5" descr="spielfeldobjekte_setzen_SD.jpg"/>
+          <p:cNvPicPr>
+            <a:picLocks noChangeAspect="1"/>
+          </p:cNvPicPr>
+          <p:nvPr/>
+        </p:nvPicPr>
+        <p:blipFill rotWithShape="1">
+          <a:blip r:embed="rId2">
+            <a:extLst>
+              <a:ext uri="{28A0092B-C50C-407E-A947-70E740481C1C}">
+                <a14:useLocalDpi xmlns:a14="http://schemas.microsoft.com/office/drawing/2010/main" val="0"/>
+              </a:ext>
+            </a:extLst>
+          </a:blip>
+          <a:srcRect l="3872" t="7232" r="14102" b="54532"/>
+          <a:stretch/>
+        </p:blipFill>
+        <p:spPr>
+          <a:xfrm>
+            <a:off x="779462" y="2359827"/>
+            <a:ext cx="7500406" cy="2116788"/>
+          </a:xfrm>
+          <a:prstGeom prst="rect">
+            <a:avLst/>
+          </a:prstGeom>
+        </p:spPr>
+      </p:pic>
+    </p:spTree>
+    <p:extLst>
+      <p:ext uri="{BB962C8B-B14F-4D97-AF65-F5344CB8AC3E}">
+        <p14:creationId xmlns:p14="http://schemas.microsoft.com/office/powerpoint/2010/main" val="796978758"/>
+      </p:ext>
+    </p:extLst>
+  </p:cSld>
+  <p:clrMapOvr>
+    <a:masterClrMapping/>
+  </p:clrMapOvr>
+  <p:timing>
+    <p:tnLst>
+      <p:par>
+        <p:cTn xmlns:p14="http://schemas.microsoft.com/office/powerpoint/2010/main" id="1" dur="indefinite" restart="never" nodeType="tmRoot"/>
+      </p:par>
+    </p:tnLst>
+  </p:timing>
+</p:sld>
+</file>
+
+<file path=ppt/slides/slide9.xml><?xml version="1.0" encoding="utf-8"?>
+<p:sld xmlns:a="http://schemas.openxmlformats.org/drawingml/2006/main" xmlns:r="http://schemas.openxmlformats.org/officeDocument/2006/relationships" xmlns:p="http://schemas.openxmlformats.org/presentationml/2006/main">
+  <p:cSld>
+    <p:spTree>
+      <p:nvGrpSpPr>
+        <p:cNvPr id="1" name=""/>
+        <p:cNvGrpSpPr/>
+        <p:nvPr/>
+      </p:nvGrpSpPr>
+      <p:grpSpPr>
+        <a:xfrm>
+          <a:off x="0" y="0"/>
+          <a:ext cx="0" cy="0"/>
+          <a:chOff x="0" y="0"/>
+          <a:chExt cx="0" cy="0"/>
+        </a:xfrm>
+      </p:grpSpPr>
+      <p:sp>
+        <p:nvSpPr>
+          <p:cNvPr id="2" name="Titel 1"/>
+          <p:cNvSpPr>
+            <a:spLocks noGrp="1"/>
+          </p:cNvSpPr>
+          <p:nvPr>
+            <p:ph type="title"/>
+          </p:nvPr>
+        </p:nvSpPr>
+        <p:spPr/>
+        <p:txBody>
+          <a:bodyPr/>
+          <a:lstStyle/>
+          <a:p>
+            <a:r>
+              <a:rPr lang="de-DE" dirty="0" smtClean="0"/>
+              <a:t>Robot</a:t>
+            </a:r>
+            <a:endParaRPr lang="de-DE" dirty="0"/>
+          </a:p>
+        </p:txBody>
+      </p:sp>
+      <p:sp>
+        <p:nvSpPr>
+          <p:cNvPr id="3" name="Inhaltsplatzhalter 2"/>
+          <p:cNvSpPr>
+            <a:spLocks noGrp="1"/>
+          </p:cNvSpPr>
+          <p:nvPr>
+            <p:ph idx="1"/>
+          </p:nvPr>
+        </p:nvSpPr>
+        <p:spPr/>
+        <p:txBody>
+          <a:bodyPr/>
+          <a:lstStyle/>
+          <a:p>
+            <a:r>
+              <a:rPr lang="de-DE" dirty="0"/>
+              <a:t>Domain Mode</a:t>
+            </a:r>
+          </a:p>
+          <a:p>
+            <a:r>
+              <a:rPr lang="de-DE" dirty="0" err="1"/>
+              <a:t>Use</a:t>
+            </a:r>
+            <a:r>
+              <a:rPr lang="de-DE" dirty="0"/>
+              <a:t> Cases</a:t>
+            </a:r>
+          </a:p>
+          <a:p>
+            <a:r>
+              <a:rPr lang="de-DE" dirty="0" err="1"/>
+              <a:t>Sequence</a:t>
+            </a:r>
+            <a:r>
+              <a:rPr lang="de-DE" dirty="0"/>
+              <a:t> Diagramme</a:t>
+            </a:r>
+          </a:p>
+          <a:p>
+            <a:r>
+              <a:rPr lang="de-DE" dirty="0"/>
+              <a:t>UML Klassen Diagramme</a:t>
+            </a:r>
+          </a:p>
+          <a:p>
+            <a:pPr marL="0" indent="0">
+              <a:buNone/>
+            </a:pPr>
+            <a:endParaRPr lang="de-DE" dirty="0"/>
+          </a:p>
+        </p:txBody>
+      </p:sp>
+      <p:sp>
+        <p:nvSpPr>
+          <p:cNvPr id="6" name="Foliennummernplatzhalter 5"/>
+          <p:cNvSpPr>
+            <a:spLocks noGrp="1"/>
+          </p:cNvSpPr>
+          <p:nvPr>
+            <p:ph type="sldNum" sz="quarter" idx="12"/>
+          </p:nvPr>
+        </p:nvSpPr>
+        <p:spPr/>
+        <p:txBody>
+          <a:bodyPr/>
+          <a:lstStyle/>
+          <a:p>
+            <a:fld id="{D12AA694-00EB-4F4B-AABB-6F50FB178914}" type="slidenum">
+              <a:rPr lang="en-US" smtClean="0"/>
+              <a:t>9</a:t>
+            </a:fld>
+            <a:endParaRPr lang="en-US"/>
+          </a:p>
+        </p:txBody>
+      </p:sp>
+      <p:sp>
+        <p:nvSpPr>
+          <p:cNvPr id="7" name="Fußzeilenplatzhalter 6"/>
+          <p:cNvSpPr>
+            <a:spLocks noGrp="1"/>
+          </p:cNvSpPr>
+          <p:nvPr>
+            <p:ph type="ftr" sz="quarter" idx="11"/>
+          </p:nvPr>
+        </p:nvSpPr>
+        <p:spPr/>
+        <p:txBody>
+          <a:bodyPr/>
+          <a:lstStyle/>
+          <a:p>
+            <a:r>
+              <a:rPr lang="en-US" smtClean="0"/>
+              <a:t>gfels4 &amp; zannc2</a:t>
+            </a:r>
+            <a:endParaRPr lang="en-US"/>
+          </a:p>
+        </p:txBody>
+      </p:sp>
+    </p:spTree>
+    <p:extLst>
+      <p:ext uri="{BB962C8B-B14F-4D97-AF65-F5344CB8AC3E}">
+        <p14:creationId xmlns:p14="http://schemas.microsoft.com/office/powerpoint/2010/main" val="3514780789"/>
+      </p:ext>
+    </p:extLst>
+  </p:cSld>
+  <p:clrMapOvr>
+    <a:masterClrMapping/>
+  </p:clrMapOvr>
+  <p:timing>
+    <p:tnLst>
+      <p:par>
+        <p:cTn xmlns:p14="http://schemas.microsoft.com/office/powerpoint/2010/main" id="1" dur="indefinite" restart="never" nodeType="tmRoot"/>
+      </p:par>
+    </p:tnLst>
+  </p:timing>
 </p:sld>
 </file>
 

--- a/SearchRobot/doc/presentation.pptx
+++ b/SearchRobot/doc/presentation.pptx
@@ -5,22 +5,25 @@
     <p:sldMasterId id="2147483660" r:id="rId1"/>
   </p:sldMasterIdLst>
   <p:notesMasterIdLst>
-    <p:notesMasterId r:id="rId12"/>
+    <p:notesMasterId r:id="rId15"/>
   </p:notesMasterIdLst>
   <p:handoutMasterIdLst>
-    <p:handoutMasterId r:id="rId13"/>
+    <p:handoutMasterId r:id="rId16"/>
   </p:handoutMasterIdLst>
   <p:sldIdLst>
     <p:sldId id="256" r:id="rId2"/>
     <p:sldId id="258" r:id="rId3"/>
-    <p:sldId id="261" r:id="rId4"/>
-    <p:sldId id="260" r:id="rId5"/>
-    <p:sldId id="262" r:id="rId6"/>
-    <p:sldId id="265" r:id="rId7"/>
-    <p:sldId id="266" r:id="rId8"/>
+    <p:sldId id="260" r:id="rId4"/>
+    <p:sldId id="262" r:id="rId5"/>
+    <p:sldId id="265" r:id="rId6"/>
+    <p:sldId id="266" r:id="rId7"/>
+    <p:sldId id="268" r:id="rId8"/>
     <p:sldId id="267" r:id="rId9"/>
-    <p:sldId id="263" r:id="rId10"/>
-    <p:sldId id="264" r:id="rId11"/>
+    <p:sldId id="269" r:id="rId10"/>
+    <p:sldId id="270" r:id="rId11"/>
+    <p:sldId id="271" r:id="rId12"/>
+    <p:sldId id="263" r:id="rId13"/>
+    <p:sldId id="264" r:id="rId14"/>
   </p:sldIdLst>
   <p:sldSz cx="9144000" cy="6858000" type="screen4x3"/>
   <p:notesSz cx="6858000" cy="9144000"/>
@@ -204,7 +207,7 @@
           <a:p>
             <a:fld id="{5700CF2B-8EF7-EB4B-86E2-A47F47DC1114}" type="datetime1">
               <a:rPr lang="de-CH" smtClean="0"/>
-              <a:t>11.12.13</a:t>
+              <a:t>25.12.13</a:t>
             </a:fld>
             <a:endParaRPr lang="de-DE"/>
           </a:p>
@@ -370,7 +373,7 @@
           <a:p>
             <a:fld id="{E92AB650-C135-D34D-93AB-17B8508C2308}" type="datetime1">
               <a:rPr lang="de-CH" smtClean="0"/>
-              <a:t>11.12.13</a:t>
+              <a:t>25.12.13</a:t>
             </a:fld>
             <a:endParaRPr lang="de-DE"/>
           </a:p>
@@ -684,229 +687,15 @@
           <a:lstStyle/>
           <a:p>
             <a:r>
-              <a:rPr lang="de-DE" sz="1200" b="1" kern="1200" dirty="0" smtClean="0">
-                <a:solidFill>
-                  <a:schemeClr val="tx1"/>
-                </a:solidFill>
-                <a:effectLst/>
-                <a:latin typeface="+mn-lt"/>
-                <a:ea typeface="+mn-ea"/>
-                <a:cs typeface="+mn-cs"/>
-              </a:rPr>
-              <a:t>Hindernisse setzen</a:t>
-            </a:r>
-          </a:p>
-          <a:p>
-            <a:r>
-              <a:rPr lang="de-DE" sz="1200" kern="1200" dirty="0" smtClean="0">
-                <a:solidFill>
-                  <a:schemeClr val="tx1"/>
-                </a:solidFill>
-                <a:effectLst/>
-                <a:latin typeface="+mn-lt"/>
-                <a:ea typeface="+mn-ea"/>
-                <a:cs typeface="+mn-cs"/>
-              </a:rPr>
-              <a:t>Ein Spieler setzt alle gewünschte Hindernisse (2D Hindernisse) auf dem Spielfeld. </a:t>
-            </a:r>
-          </a:p>
-          <a:p>
-            <a:r>
-              <a:rPr lang="de-DE" sz="1200" b="1" kern="1200" dirty="0" smtClean="0">
-                <a:solidFill>
-                  <a:schemeClr val="tx1"/>
-                </a:solidFill>
-                <a:effectLst/>
-                <a:latin typeface="+mn-lt"/>
-                <a:ea typeface="+mn-ea"/>
-                <a:cs typeface="+mn-cs"/>
-              </a:rPr>
-              <a:t>Roboter setzen</a:t>
-            </a:r>
-          </a:p>
-          <a:p>
-            <a:r>
-              <a:rPr lang="de-DE" sz="1200" kern="1200" dirty="0" smtClean="0">
-                <a:solidFill>
-                  <a:schemeClr val="tx1"/>
-                </a:solidFill>
-                <a:effectLst/>
-                <a:latin typeface="+mn-lt"/>
-                <a:ea typeface="+mn-ea"/>
-                <a:cs typeface="+mn-cs"/>
-              </a:rPr>
-              <a:t>Der Spieler setzt den Roboter auf das Spielfeld. Diese Position wird zugleich die Startposition des Roboters sein. </a:t>
-            </a:r>
-          </a:p>
-          <a:p>
-            <a:r>
-              <a:rPr lang="de-DE" sz="1200" b="1" kern="1200" dirty="0" smtClean="0">
-                <a:solidFill>
-                  <a:schemeClr val="tx1"/>
-                </a:solidFill>
-                <a:effectLst/>
-                <a:latin typeface="+mn-lt"/>
-                <a:ea typeface="+mn-ea"/>
-                <a:cs typeface="+mn-cs"/>
-              </a:rPr>
-              <a:t>Ziel setzten</a:t>
-            </a:r>
-          </a:p>
-          <a:p>
-            <a:r>
-              <a:rPr lang="de-DE" sz="1200" kern="1200" dirty="0" smtClean="0">
-                <a:solidFill>
-                  <a:schemeClr val="tx1"/>
-                </a:solidFill>
-                <a:effectLst/>
-                <a:latin typeface="+mn-lt"/>
-                <a:ea typeface="+mn-ea"/>
-                <a:cs typeface="+mn-cs"/>
-              </a:rPr>
-              <a:t>Der Spieler setzt das Ziel, das der Roboter suchen muss, auf das Spielfeld. </a:t>
-            </a:r>
-          </a:p>
-          <a:p>
-            <a:r>
-              <a:rPr lang="de-DE" sz="1200" b="1" kern="1200" dirty="0" smtClean="0">
-                <a:solidFill>
-                  <a:schemeClr val="tx1"/>
-                </a:solidFill>
-                <a:effectLst/>
-                <a:latin typeface="+mn-lt"/>
-                <a:ea typeface="+mn-ea"/>
-                <a:cs typeface="+mn-cs"/>
-              </a:rPr>
-              <a:t>Roboter starten</a:t>
-            </a:r>
-          </a:p>
-          <a:p>
-            <a:r>
-              <a:rPr lang="de-DE" sz="1200" kern="1200" dirty="0" smtClean="0">
-                <a:solidFill>
-                  <a:schemeClr val="tx1"/>
-                </a:solidFill>
-                <a:effectLst/>
-                <a:latin typeface="+mn-lt"/>
-                <a:ea typeface="+mn-ea"/>
-                <a:cs typeface="+mn-cs"/>
-              </a:rPr>
-              <a:t>Der Spieler startet das Spiel, d.h. der Roboter beginnt das Ziel zu suchen. </a:t>
-            </a:r>
-          </a:p>
-          <a:p>
-            <a:r>
-              <a:rPr lang="de-DE" sz="1200" b="1" kern="1200" dirty="0" smtClean="0">
-                <a:solidFill>
-                  <a:schemeClr val="tx1"/>
-                </a:solidFill>
-                <a:effectLst/>
-                <a:latin typeface="+mn-lt"/>
-                <a:ea typeface="+mn-ea"/>
-                <a:cs typeface="+mn-cs"/>
-              </a:rPr>
-              <a:t>Suche abbrechen</a:t>
-            </a:r>
-          </a:p>
-          <a:p>
-            <a:r>
-              <a:rPr lang="de-DE" sz="1200" kern="1200" dirty="0" smtClean="0">
-                <a:solidFill>
-                  <a:schemeClr val="tx1"/>
-                </a:solidFill>
-                <a:effectLst/>
-                <a:latin typeface="+mn-lt"/>
-                <a:ea typeface="+mn-ea"/>
-                <a:cs typeface="+mn-cs"/>
-              </a:rPr>
-              <a:t>Der Spieler unterbricht die Suche nach dem Ziel und kehrt zum Spielfeldeditor zurück</a:t>
-            </a:r>
-          </a:p>
-          <a:p>
-            <a:r>
-              <a:rPr lang="de-DE" sz="1200" b="1" kern="1200" dirty="0" smtClean="0">
-                <a:solidFill>
-                  <a:schemeClr val="tx1"/>
-                </a:solidFill>
-                <a:effectLst/>
-                <a:latin typeface="+mn-lt"/>
-                <a:ea typeface="+mn-ea"/>
-                <a:cs typeface="+mn-cs"/>
-              </a:rPr>
-              <a:t>Spielfeld löschen</a:t>
-            </a:r>
-          </a:p>
-          <a:p>
-            <a:r>
-              <a:rPr lang="de-DE" sz="1200" kern="1200" dirty="0" smtClean="0">
-                <a:solidFill>
-                  <a:schemeClr val="tx1"/>
-                </a:solidFill>
-                <a:effectLst/>
-                <a:latin typeface="+mn-lt"/>
-                <a:ea typeface="+mn-ea"/>
-                <a:cs typeface="+mn-cs"/>
-              </a:rPr>
-              <a:t>Der Spieler hat die Möglichkeit das Spiel jederzeit zurückzusetzten, d.h. Hindernisse, Ziel und Roboter werden vom Spielfeld entfernt. </a:t>
-            </a:r>
-          </a:p>
-          <a:p>
-            <a:r>
-              <a:rPr lang="de-DE" sz="1200" b="1" kern="1200" dirty="0" smtClean="0">
-                <a:solidFill>
-                  <a:schemeClr val="tx1"/>
-                </a:solidFill>
-                <a:effectLst/>
-                <a:latin typeface="+mn-lt"/>
-                <a:ea typeface="+mn-ea"/>
-                <a:cs typeface="+mn-cs"/>
-              </a:rPr>
-              <a:t>Spielfeld importieren</a:t>
-            </a:r>
-          </a:p>
-          <a:p>
-            <a:r>
-              <a:rPr lang="de-DE" sz="1200" kern="1200" dirty="0" smtClean="0">
-                <a:solidFill>
-                  <a:schemeClr val="tx1"/>
-                </a:solidFill>
-                <a:effectLst/>
-                <a:latin typeface="+mn-lt"/>
-                <a:ea typeface="+mn-ea"/>
-                <a:cs typeface="+mn-cs"/>
-              </a:rPr>
-              <a:t>Das Spielfeld kann anhand eines XML-Files importiert werden.</a:t>
-            </a:r>
-          </a:p>
-          <a:p>
-            <a:r>
-              <a:rPr lang="de-DE" sz="1200" b="1" kern="1200" dirty="0" smtClean="0">
-                <a:solidFill>
-                  <a:schemeClr val="tx1"/>
-                </a:solidFill>
-                <a:effectLst/>
-                <a:latin typeface="+mn-lt"/>
-                <a:ea typeface="+mn-ea"/>
-                <a:cs typeface="+mn-cs"/>
-              </a:rPr>
-              <a:t>Spielfeld exportieren</a:t>
-            </a:r>
-          </a:p>
-          <a:p>
-            <a:r>
-              <a:rPr lang="de-DE" sz="1200" kern="1200" dirty="0" smtClean="0">
-                <a:solidFill>
-                  <a:schemeClr val="tx1"/>
-                </a:solidFill>
-                <a:effectLst/>
-                <a:latin typeface="+mn-lt"/>
-                <a:ea typeface="+mn-ea"/>
-                <a:cs typeface="+mn-cs"/>
-              </a:rPr>
-              <a:t>Das Spielfeld wird in ein neu erstelltes XML-File abgespeichert. </a:t>
-            </a:r>
-          </a:p>
-          <a:p>
+              <a:rPr lang="de-DE" dirty="0" smtClean="0"/>
+              <a:t>Aufgabenstellung Robot erwähnen (Einleitung)</a:t>
+            </a:r>
+          </a:p>
+          <a:p>
+            <a:r>
+              <a:rPr lang="de-DE" dirty="0" smtClean="0"/>
+              <a:t>Teilung Frontend/Robot</a:t>
+            </a:r>
             <a:endParaRPr lang="de-DE" dirty="0"/>
           </a:p>
         </p:txBody>
@@ -928,7 +717,7 @@
           <a:p>
             <a:fld id="{6A2CFF65-CB9C-5A47-B7DE-47882B59B3DA}" type="slidenum">
               <a:rPr lang="de-DE" smtClean="0"/>
-              <a:t>7</a:t>
+              <a:t>2</a:t>
             </a:fld>
             <a:endParaRPr lang="de-DE"/>
           </a:p>
@@ -937,7 +726,7 @@
     </p:spTree>
     <p:extLst>
       <p:ext uri="{BB962C8B-B14F-4D97-AF65-F5344CB8AC3E}">
-        <p14:creationId xmlns:p14="http://schemas.microsoft.com/office/powerpoint/2010/main" val="4154515398"/>
+        <p14:creationId xmlns:p14="http://schemas.microsoft.com/office/powerpoint/2010/main" val="1841319628"/>
       </p:ext>
     </p:extLst>
   </p:cSld>
@@ -991,7 +780,603 @@
           <a:bodyPr/>
           <a:lstStyle/>
           <a:p>
+            <a:r>
+              <a:rPr lang="de-DE" sz="1200" b="1" kern="1200" dirty="0" smtClean="0">
+                <a:solidFill>
+                  <a:schemeClr val="tx1"/>
+                </a:solidFill>
+                <a:effectLst/>
+                <a:latin typeface="+mn-lt"/>
+                <a:ea typeface="+mn-ea"/>
+                <a:cs typeface="+mn-cs"/>
+              </a:rPr>
+              <a:t>Hindernisse setzen</a:t>
+            </a:r>
+          </a:p>
+          <a:p>
+            <a:r>
+              <a:rPr lang="de-DE" sz="1200" kern="1200" dirty="0" smtClean="0">
+                <a:solidFill>
+                  <a:schemeClr val="tx1"/>
+                </a:solidFill>
+                <a:effectLst/>
+                <a:latin typeface="+mn-lt"/>
+                <a:ea typeface="+mn-ea"/>
+                <a:cs typeface="+mn-cs"/>
+              </a:rPr>
+              <a:t>Ein Spieler setzt alle gewünschte Hindernisse (2D Hindernisse) auf dem Spielfeld. </a:t>
+            </a:r>
+          </a:p>
+          <a:p>
+            <a:r>
+              <a:rPr lang="de-DE" sz="1200" b="1" kern="1200" dirty="0" smtClean="0">
+                <a:solidFill>
+                  <a:schemeClr val="tx1"/>
+                </a:solidFill>
+                <a:effectLst/>
+                <a:latin typeface="+mn-lt"/>
+                <a:ea typeface="+mn-ea"/>
+                <a:cs typeface="+mn-cs"/>
+              </a:rPr>
+              <a:t>Roboter setzen</a:t>
+            </a:r>
+          </a:p>
+          <a:p>
+            <a:r>
+              <a:rPr lang="de-DE" sz="1200" kern="1200" dirty="0" smtClean="0">
+                <a:solidFill>
+                  <a:schemeClr val="tx1"/>
+                </a:solidFill>
+                <a:effectLst/>
+                <a:latin typeface="+mn-lt"/>
+                <a:ea typeface="+mn-ea"/>
+                <a:cs typeface="+mn-cs"/>
+              </a:rPr>
+              <a:t>Der Spieler setzt den Roboter auf das Spielfeld. Diese Position wird zugleich die Startposition des Roboters sein. </a:t>
+            </a:r>
+          </a:p>
+          <a:p>
+            <a:r>
+              <a:rPr lang="de-DE" sz="1200" b="1" kern="1200" dirty="0" smtClean="0">
+                <a:solidFill>
+                  <a:schemeClr val="tx1"/>
+                </a:solidFill>
+                <a:effectLst/>
+                <a:latin typeface="+mn-lt"/>
+                <a:ea typeface="+mn-ea"/>
+                <a:cs typeface="+mn-cs"/>
+              </a:rPr>
+              <a:t>Ziel setzten</a:t>
+            </a:r>
+          </a:p>
+          <a:p>
+            <a:r>
+              <a:rPr lang="de-DE" sz="1200" kern="1200" dirty="0" smtClean="0">
+                <a:solidFill>
+                  <a:schemeClr val="tx1"/>
+                </a:solidFill>
+                <a:effectLst/>
+                <a:latin typeface="+mn-lt"/>
+                <a:ea typeface="+mn-ea"/>
+                <a:cs typeface="+mn-cs"/>
+              </a:rPr>
+              <a:t>Der Spieler setzt das Ziel, das der Roboter suchen muss, auf das Spielfeld. </a:t>
+            </a:r>
+          </a:p>
+          <a:p>
+            <a:r>
+              <a:rPr lang="de-DE" sz="1200" b="1" kern="1200" dirty="0" smtClean="0">
+                <a:solidFill>
+                  <a:schemeClr val="tx1"/>
+                </a:solidFill>
+                <a:effectLst/>
+                <a:latin typeface="+mn-lt"/>
+                <a:ea typeface="+mn-ea"/>
+                <a:cs typeface="+mn-cs"/>
+              </a:rPr>
+              <a:t>Roboter starten</a:t>
+            </a:r>
+          </a:p>
+          <a:p>
+            <a:r>
+              <a:rPr lang="de-DE" sz="1200" kern="1200" dirty="0" smtClean="0">
+                <a:solidFill>
+                  <a:schemeClr val="tx1"/>
+                </a:solidFill>
+                <a:effectLst/>
+                <a:latin typeface="+mn-lt"/>
+                <a:ea typeface="+mn-ea"/>
+                <a:cs typeface="+mn-cs"/>
+              </a:rPr>
+              <a:t>Der Spieler startet das Spiel, d.h. der Roboter beginnt das Ziel zu suchen. </a:t>
+            </a:r>
+          </a:p>
+          <a:p>
+            <a:r>
+              <a:rPr lang="de-DE" sz="1200" b="1" kern="1200" dirty="0" smtClean="0">
+                <a:solidFill>
+                  <a:schemeClr val="tx1"/>
+                </a:solidFill>
+                <a:effectLst/>
+                <a:latin typeface="+mn-lt"/>
+                <a:ea typeface="+mn-ea"/>
+                <a:cs typeface="+mn-cs"/>
+              </a:rPr>
+              <a:t>Suche abbrechen</a:t>
+            </a:r>
+          </a:p>
+          <a:p>
+            <a:r>
+              <a:rPr lang="de-DE" sz="1200" kern="1200" dirty="0" smtClean="0">
+                <a:solidFill>
+                  <a:schemeClr val="tx1"/>
+                </a:solidFill>
+                <a:effectLst/>
+                <a:latin typeface="+mn-lt"/>
+                <a:ea typeface="+mn-ea"/>
+                <a:cs typeface="+mn-cs"/>
+              </a:rPr>
+              <a:t>Der Spieler unterbricht die Suche nach dem Ziel und kehrt zum Spielfeldeditor zurück</a:t>
+            </a:r>
+          </a:p>
+          <a:p>
+            <a:r>
+              <a:rPr lang="de-DE" sz="1200" b="1" kern="1200" dirty="0" smtClean="0">
+                <a:solidFill>
+                  <a:schemeClr val="tx1"/>
+                </a:solidFill>
+                <a:effectLst/>
+                <a:latin typeface="+mn-lt"/>
+                <a:ea typeface="+mn-ea"/>
+                <a:cs typeface="+mn-cs"/>
+              </a:rPr>
+              <a:t>Spielfeld löschen</a:t>
+            </a:r>
+          </a:p>
+          <a:p>
+            <a:r>
+              <a:rPr lang="de-DE" sz="1200" kern="1200" dirty="0" smtClean="0">
+                <a:solidFill>
+                  <a:schemeClr val="tx1"/>
+                </a:solidFill>
+                <a:effectLst/>
+                <a:latin typeface="+mn-lt"/>
+                <a:ea typeface="+mn-ea"/>
+                <a:cs typeface="+mn-cs"/>
+              </a:rPr>
+              <a:t>Der Spieler hat die Möglichkeit das Spiel jederzeit zurückzusetzten, d.h. Hindernisse, Ziel und Roboter werden vom Spielfeld entfernt. </a:t>
+            </a:r>
+          </a:p>
+          <a:p>
+            <a:r>
+              <a:rPr lang="de-DE" sz="1200" b="1" kern="1200" dirty="0" smtClean="0">
+                <a:solidFill>
+                  <a:schemeClr val="tx1"/>
+                </a:solidFill>
+                <a:effectLst/>
+                <a:latin typeface="+mn-lt"/>
+                <a:ea typeface="+mn-ea"/>
+                <a:cs typeface="+mn-cs"/>
+              </a:rPr>
+              <a:t>Spielfeld importieren</a:t>
+            </a:r>
+          </a:p>
+          <a:p>
+            <a:r>
+              <a:rPr lang="de-DE" sz="1200" kern="1200" dirty="0" smtClean="0">
+                <a:solidFill>
+                  <a:schemeClr val="tx1"/>
+                </a:solidFill>
+                <a:effectLst/>
+                <a:latin typeface="+mn-lt"/>
+                <a:ea typeface="+mn-ea"/>
+                <a:cs typeface="+mn-cs"/>
+              </a:rPr>
+              <a:t>Das Spielfeld kann anhand eines XML-Files importiert werden.</a:t>
+            </a:r>
+          </a:p>
+          <a:p>
+            <a:r>
+              <a:rPr lang="de-DE" sz="1200" b="1" kern="1200" dirty="0" smtClean="0">
+                <a:solidFill>
+                  <a:schemeClr val="tx1"/>
+                </a:solidFill>
+                <a:effectLst/>
+                <a:latin typeface="+mn-lt"/>
+                <a:ea typeface="+mn-ea"/>
+                <a:cs typeface="+mn-cs"/>
+              </a:rPr>
+              <a:t>Spielfeld exportieren</a:t>
+            </a:r>
+          </a:p>
+          <a:p>
+            <a:r>
+              <a:rPr lang="de-DE" sz="1200" kern="1200" dirty="0" smtClean="0">
+                <a:solidFill>
+                  <a:schemeClr val="tx1"/>
+                </a:solidFill>
+                <a:effectLst/>
+                <a:latin typeface="+mn-lt"/>
+                <a:ea typeface="+mn-ea"/>
+                <a:cs typeface="+mn-cs"/>
+              </a:rPr>
+              <a:t>Das Spielfeld wird in ein neu erstelltes XML-File abgespeichert. </a:t>
+            </a:r>
+          </a:p>
+          <a:p>
+            <a:endParaRPr lang="de-DE" dirty="0"/>
+          </a:p>
+        </p:txBody>
+      </p:sp>
+      <p:sp>
+        <p:nvSpPr>
+          <p:cNvPr id="4" name="Foliennummernplatzhalter 3"/>
+          <p:cNvSpPr>
+            <a:spLocks noGrp="1"/>
+          </p:cNvSpPr>
+          <p:nvPr>
+            <p:ph type="sldNum" sz="quarter" idx="10"/>
+          </p:nvPr>
+        </p:nvSpPr>
+        <p:spPr/>
+        <p:txBody>
+          <a:bodyPr/>
+          <a:lstStyle/>
+          <a:p>
+            <a:fld id="{6A2CFF65-CB9C-5A47-B7DE-47882B59B3DA}" type="slidenum">
+              <a:rPr lang="de-DE" smtClean="0"/>
+              <a:t>6</a:t>
+            </a:fld>
             <a:endParaRPr lang="de-DE"/>
+          </a:p>
+        </p:txBody>
+      </p:sp>
+    </p:spTree>
+    <p:extLst>
+      <p:ext uri="{BB962C8B-B14F-4D97-AF65-F5344CB8AC3E}">
+        <p14:creationId xmlns:p14="http://schemas.microsoft.com/office/powerpoint/2010/main" val="4154515398"/>
+      </p:ext>
+    </p:extLst>
+  </p:cSld>
+  <p:clrMapOvr>
+    <a:masterClrMapping/>
+  </p:clrMapOvr>
+</p:notes>
+</file>
+
+<file path=ppt/notesSlides/notesSlide3.xml><?xml version="1.0" encoding="utf-8"?>
+<p:notes xmlns:a="http://schemas.openxmlformats.org/drawingml/2006/main" xmlns:r="http://schemas.openxmlformats.org/officeDocument/2006/relationships" xmlns:p="http://schemas.openxmlformats.org/presentationml/2006/main">
+  <p:cSld>
+    <p:spTree>
+      <p:nvGrpSpPr>
+        <p:cNvPr id="1" name=""/>
+        <p:cNvGrpSpPr/>
+        <p:nvPr/>
+      </p:nvGrpSpPr>
+      <p:grpSpPr>
+        <a:xfrm>
+          <a:off x="0" y="0"/>
+          <a:ext cx="0" cy="0"/>
+          <a:chOff x="0" y="0"/>
+          <a:chExt cx="0" cy="0"/>
+        </a:xfrm>
+      </p:grpSpPr>
+      <p:sp>
+        <p:nvSpPr>
+          <p:cNvPr id="2" name="Folienbildplatzhalter 1"/>
+          <p:cNvSpPr>
+            <a:spLocks noGrp="1" noRot="1" noChangeAspect="1"/>
+          </p:cNvSpPr>
+          <p:nvPr>
+            <p:ph type="sldImg"/>
+          </p:nvPr>
+        </p:nvSpPr>
+        <p:spPr/>
+      </p:sp>
+      <p:sp>
+        <p:nvSpPr>
+          <p:cNvPr id="3" name="Notizenplatzhalter 2"/>
+          <p:cNvSpPr>
+            <a:spLocks noGrp="1"/>
+          </p:cNvSpPr>
+          <p:nvPr>
+            <p:ph type="body" idx="1"/>
+          </p:nvPr>
+        </p:nvSpPr>
+        <p:spPr/>
+        <p:txBody>
+          <a:bodyPr/>
+          <a:lstStyle/>
+          <a:p>
+            <a:r>
+              <a:rPr lang="de-DE" dirty="0" smtClean="0"/>
+              <a:t>Funktioniert bei Roboter/Ziel</a:t>
+            </a:r>
+            <a:r>
+              <a:rPr lang="de-DE" baseline="0" dirty="0" smtClean="0"/>
+              <a:t> </a:t>
+            </a:r>
+            <a:r>
+              <a:rPr lang="de-DE" baseline="0" smtClean="0"/>
+              <a:t>setzten gleich</a:t>
+            </a:r>
+            <a:endParaRPr lang="de-DE"/>
+          </a:p>
+        </p:txBody>
+      </p:sp>
+      <p:sp>
+        <p:nvSpPr>
+          <p:cNvPr id="4" name="Foliennummernplatzhalter 3"/>
+          <p:cNvSpPr>
+            <a:spLocks noGrp="1"/>
+          </p:cNvSpPr>
+          <p:nvPr>
+            <p:ph type="sldNum" sz="quarter" idx="10"/>
+          </p:nvPr>
+        </p:nvSpPr>
+        <p:spPr/>
+        <p:txBody>
+          <a:bodyPr/>
+          <a:lstStyle/>
+          <a:p>
+            <a:fld id="{6A2CFF65-CB9C-5A47-B7DE-47882B59B3DA}" type="slidenum">
+              <a:rPr lang="de-DE" smtClean="0"/>
+              <a:t>7</a:t>
+            </a:fld>
+            <a:endParaRPr lang="de-DE"/>
+          </a:p>
+        </p:txBody>
+      </p:sp>
+    </p:spTree>
+    <p:extLst>
+      <p:ext uri="{BB962C8B-B14F-4D97-AF65-F5344CB8AC3E}">
+        <p14:creationId xmlns:p14="http://schemas.microsoft.com/office/powerpoint/2010/main" val="660173880"/>
+      </p:ext>
+    </p:extLst>
+  </p:cSld>
+  <p:clrMapOvr>
+    <a:masterClrMapping/>
+  </p:clrMapOvr>
+</p:notes>
+</file>
+
+<file path=ppt/notesSlides/notesSlide4.xml><?xml version="1.0" encoding="utf-8"?>
+<p:notes xmlns:a="http://schemas.openxmlformats.org/drawingml/2006/main" xmlns:r="http://schemas.openxmlformats.org/officeDocument/2006/relationships" xmlns:p="http://schemas.openxmlformats.org/presentationml/2006/main">
+  <p:cSld>
+    <p:spTree>
+      <p:nvGrpSpPr>
+        <p:cNvPr id="1" name=""/>
+        <p:cNvGrpSpPr/>
+        <p:nvPr/>
+      </p:nvGrpSpPr>
+      <p:grpSpPr>
+        <a:xfrm>
+          <a:off x="0" y="0"/>
+          <a:ext cx="0" cy="0"/>
+          <a:chOff x="0" y="0"/>
+          <a:chExt cx="0" cy="0"/>
+        </a:xfrm>
+      </p:grpSpPr>
+      <p:sp>
+        <p:nvSpPr>
+          <p:cNvPr id="2" name="Folienbildplatzhalter 1"/>
+          <p:cNvSpPr>
+            <a:spLocks noGrp="1" noRot="1" noChangeAspect="1"/>
+          </p:cNvSpPr>
+          <p:nvPr>
+            <p:ph type="sldImg"/>
+          </p:nvPr>
+        </p:nvSpPr>
+        <p:spPr/>
+      </p:sp>
+      <p:sp>
+        <p:nvSpPr>
+          <p:cNvPr id="3" name="Notizenplatzhalter 2"/>
+          <p:cNvSpPr>
+            <a:spLocks noGrp="1"/>
+          </p:cNvSpPr>
+          <p:nvPr>
+            <p:ph type="body" idx="1"/>
+          </p:nvPr>
+        </p:nvSpPr>
+        <p:spPr/>
+        <p:txBody>
+          <a:bodyPr/>
+          <a:lstStyle/>
+          <a:p>
+            <a:r>
+              <a:rPr lang="de-DE" dirty="0" smtClean="0"/>
+              <a:t>Funktioniert bei Roboter/Ziel</a:t>
+            </a:r>
+            <a:r>
+              <a:rPr lang="de-DE" baseline="0" dirty="0" smtClean="0"/>
+              <a:t> setzten gleich</a:t>
+            </a:r>
+            <a:endParaRPr lang="de-DE" dirty="0"/>
+          </a:p>
+        </p:txBody>
+      </p:sp>
+      <p:sp>
+        <p:nvSpPr>
+          <p:cNvPr id="4" name="Foliennummernplatzhalter 3"/>
+          <p:cNvSpPr>
+            <a:spLocks noGrp="1"/>
+          </p:cNvSpPr>
+          <p:nvPr>
+            <p:ph type="sldNum" sz="quarter" idx="10"/>
+          </p:nvPr>
+        </p:nvSpPr>
+        <p:spPr/>
+        <p:txBody>
+          <a:bodyPr/>
+          <a:lstStyle/>
+          <a:p>
+            <a:fld id="{6A2CFF65-CB9C-5A47-B7DE-47882B59B3DA}" type="slidenum">
+              <a:rPr lang="de-DE" smtClean="0"/>
+              <a:t>8</a:t>
+            </a:fld>
+            <a:endParaRPr lang="de-DE"/>
+          </a:p>
+        </p:txBody>
+      </p:sp>
+    </p:spTree>
+    <p:extLst>
+      <p:ext uri="{BB962C8B-B14F-4D97-AF65-F5344CB8AC3E}">
+        <p14:creationId xmlns:p14="http://schemas.microsoft.com/office/powerpoint/2010/main" val="660173880"/>
+      </p:ext>
+    </p:extLst>
+  </p:cSld>
+  <p:clrMapOvr>
+    <a:masterClrMapping/>
+  </p:clrMapOvr>
+</p:notes>
+</file>
+
+<file path=ppt/notesSlides/notesSlide5.xml><?xml version="1.0" encoding="utf-8"?>
+<p:notes xmlns:a="http://schemas.openxmlformats.org/drawingml/2006/main" xmlns:r="http://schemas.openxmlformats.org/officeDocument/2006/relationships" xmlns:p="http://schemas.openxmlformats.org/presentationml/2006/main">
+  <p:cSld>
+    <p:spTree>
+      <p:nvGrpSpPr>
+        <p:cNvPr id="1" name=""/>
+        <p:cNvGrpSpPr/>
+        <p:nvPr/>
+      </p:nvGrpSpPr>
+      <p:grpSpPr>
+        <a:xfrm>
+          <a:off x="0" y="0"/>
+          <a:ext cx="0" cy="0"/>
+          <a:chOff x="0" y="0"/>
+          <a:chExt cx="0" cy="0"/>
+        </a:xfrm>
+      </p:grpSpPr>
+      <p:sp>
+        <p:nvSpPr>
+          <p:cNvPr id="2" name="Folienbildplatzhalter 1"/>
+          <p:cNvSpPr>
+            <a:spLocks noGrp="1" noRot="1" noChangeAspect="1"/>
+          </p:cNvSpPr>
+          <p:nvPr>
+            <p:ph type="sldImg"/>
+          </p:nvPr>
+        </p:nvSpPr>
+        <p:spPr/>
+      </p:sp>
+      <p:sp>
+        <p:nvSpPr>
+          <p:cNvPr id="3" name="Notizenplatzhalter 2"/>
+          <p:cNvSpPr>
+            <a:spLocks noGrp="1"/>
+          </p:cNvSpPr>
+          <p:nvPr>
+            <p:ph type="body" idx="1"/>
+          </p:nvPr>
+        </p:nvSpPr>
+        <p:spPr/>
+        <p:txBody>
+          <a:bodyPr/>
+          <a:lstStyle/>
+          <a:p>
+            <a:r>
+              <a:rPr lang="de-DE" dirty="0" smtClean="0"/>
+              <a:t>Funktioniert bei Roboter/Ziel</a:t>
+            </a:r>
+            <a:r>
+              <a:rPr lang="de-DE" baseline="0" dirty="0" smtClean="0"/>
+              <a:t> setzten gleich</a:t>
+            </a:r>
+            <a:endParaRPr lang="de-DE" dirty="0"/>
+          </a:p>
+        </p:txBody>
+      </p:sp>
+      <p:sp>
+        <p:nvSpPr>
+          <p:cNvPr id="4" name="Foliennummernplatzhalter 3"/>
+          <p:cNvSpPr>
+            <a:spLocks noGrp="1"/>
+          </p:cNvSpPr>
+          <p:nvPr>
+            <p:ph type="sldNum" sz="quarter" idx="10"/>
+          </p:nvPr>
+        </p:nvSpPr>
+        <p:spPr/>
+        <p:txBody>
+          <a:bodyPr/>
+          <a:lstStyle/>
+          <a:p>
+            <a:fld id="{6A2CFF65-CB9C-5A47-B7DE-47882B59B3DA}" type="slidenum">
+              <a:rPr lang="de-DE" smtClean="0"/>
+              <a:t>9</a:t>
+            </a:fld>
+            <a:endParaRPr lang="de-DE"/>
+          </a:p>
+        </p:txBody>
+      </p:sp>
+    </p:spTree>
+    <p:extLst>
+      <p:ext uri="{BB962C8B-B14F-4D97-AF65-F5344CB8AC3E}">
+        <p14:creationId xmlns:p14="http://schemas.microsoft.com/office/powerpoint/2010/main" val="660173880"/>
+      </p:ext>
+    </p:extLst>
+  </p:cSld>
+  <p:clrMapOvr>
+    <a:masterClrMapping/>
+  </p:clrMapOvr>
+</p:notes>
+</file>
+
+<file path=ppt/notesSlides/notesSlide6.xml><?xml version="1.0" encoding="utf-8"?>
+<p:notes xmlns:a="http://schemas.openxmlformats.org/drawingml/2006/main" xmlns:r="http://schemas.openxmlformats.org/officeDocument/2006/relationships" xmlns:p="http://schemas.openxmlformats.org/presentationml/2006/main">
+  <p:cSld>
+    <p:spTree>
+      <p:nvGrpSpPr>
+        <p:cNvPr id="1" name=""/>
+        <p:cNvGrpSpPr/>
+        <p:nvPr/>
+      </p:nvGrpSpPr>
+      <p:grpSpPr>
+        <a:xfrm>
+          <a:off x="0" y="0"/>
+          <a:ext cx="0" cy="0"/>
+          <a:chOff x="0" y="0"/>
+          <a:chExt cx="0" cy="0"/>
+        </a:xfrm>
+      </p:grpSpPr>
+      <p:sp>
+        <p:nvSpPr>
+          <p:cNvPr id="2" name="Folienbildplatzhalter 1"/>
+          <p:cNvSpPr>
+            <a:spLocks noGrp="1" noRot="1" noChangeAspect="1"/>
+          </p:cNvSpPr>
+          <p:nvPr>
+            <p:ph type="sldImg"/>
+          </p:nvPr>
+        </p:nvSpPr>
+        <p:spPr/>
+      </p:sp>
+      <p:sp>
+        <p:nvSpPr>
+          <p:cNvPr id="3" name="Notizenplatzhalter 2"/>
+          <p:cNvSpPr>
+            <a:spLocks noGrp="1"/>
+          </p:cNvSpPr>
+          <p:nvPr>
+            <p:ph type="body" idx="1"/>
+          </p:nvPr>
+        </p:nvSpPr>
+        <p:spPr/>
+        <p:txBody>
+          <a:bodyPr/>
+          <a:lstStyle/>
+          <a:p>
+            <a:r>
+              <a:rPr lang="de-DE" dirty="0" smtClean="0"/>
+              <a:t>Funktioniert bei Roboter/Ziel</a:t>
+            </a:r>
+            <a:r>
+              <a:rPr lang="de-DE" baseline="0" dirty="0" smtClean="0"/>
+              <a:t> setzten gleich</a:t>
+            </a:r>
+            <a:endParaRPr lang="de-DE" dirty="0"/>
           </a:p>
         </p:txBody>
       </p:sp>
@@ -1013,6 +1398,174 @@
             <a:fld id="{6A2CFF65-CB9C-5A47-B7DE-47882B59B3DA}" type="slidenum">
               <a:rPr lang="de-DE" smtClean="0"/>
               <a:t>10</a:t>
+            </a:fld>
+            <a:endParaRPr lang="de-DE"/>
+          </a:p>
+        </p:txBody>
+      </p:sp>
+    </p:spTree>
+    <p:extLst>
+      <p:ext uri="{BB962C8B-B14F-4D97-AF65-F5344CB8AC3E}">
+        <p14:creationId xmlns:p14="http://schemas.microsoft.com/office/powerpoint/2010/main" val="660173880"/>
+      </p:ext>
+    </p:extLst>
+  </p:cSld>
+  <p:clrMapOvr>
+    <a:masterClrMapping/>
+  </p:clrMapOvr>
+</p:notes>
+</file>
+
+<file path=ppt/notesSlides/notesSlide7.xml><?xml version="1.0" encoding="utf-8"?>
+<p:notes xmlns:a="http://schemas.openxmlformats.org/drawingml/2006/main" xmlns:r="http://schemas.openxmlformats.org/officeDocument/2006/relationships" xmlns:p="http://schemas.openxmlformats.org/presentationml/2006/main">
+  <p:cSld>
+    <p:spTree>
+      <p:nvGrpSpPr>
+        <p:cNvPr id="1" name=""/>
+        <p:cNvGrpSpPr/>
+        <p:nvPr/>
+      </p:nvGrpSpPr>
+      <p:grpSpPr>
+        <a:xfrm>
+          <a:off x="0" y="0"/>
+          <a:ext cx="0" cy="0"/>
+          <a:chOff x="0" y="0"/>
+          <a:chExt cx="0" cy="0"/>
+        </a:xfrm>
+      </p:grpSpPr>
+      <p:sp>
+        <p:nvSpPr>
+          <p:cNvPr id="2" name="Folienbildplatzhalter 1"/>
+          <p:cNvSpPr>
+            <a:spLocks noGrp="1" noRot="1" noChangeAspect="1"/>
+          </p:cNvSpPr>
+          <p:nvPr>
+            <p:ph type="sldImg"/>
+          </p:nvPr>
+        </p:nvSpPr>
+        <p:spPr/>
+      </p:sp>
+      <p:sp>
+        <p:nvSpPr>
+          <p:cNvPr id="3" name="Notizenplatzhalter 2"/>
+          <p:cNvSpPr>
+            <a:spLocks noGrp="1"/>
+          </p:cNvSpPr>
+          <p:nvPr>
+            <p:ph type="body" idx="1"/>
+          </p:nvPr>
+        </p:nvSpPr>
+        <p:spPr/>
+        <p:txBody>
+          <a:bodyPr/>
+          <a:lstStyle/>
+          <a:p>
+            <a:endParaRPr lang="de-DE" dirty="0"/>
+          </a:p>
+        </p:txBody>
+      </p:sp>
+      <p:sp>
+        <p:nvSpPr>
+          <p:cNvPr id="4" name="Foliennummernplatzhalter 3"/>
+          <p:cNvSpPr>
+            <a:spLocks noGrp="1"/>
+          </p:cNvSpPr>
+          <p:nvPr>
+            <p:ph type="sldNum" sz="quarter" idx="10"/>
+          </p:nvPr>
+        </p:nvSpPr>
+        <p:spPr/>
+        <p:txBody>
+          <a:bodyPr/>
+          <a:lstStyle/>
+          <a:p>
+            <a:fld id="{6A2CFF65-CB9C-5A47-B7DE-47882B59B3DA}" type="slidenum">
+              <a:rPr lang="de-DE" smtClean="0"/>
+              <a:t>11</a:t>
+            </a:fld>
+            <a:endParaRPr lang="de-DE"/>
+          </a:p>
+        </p:txBody>
+      </p:sp>
+    </p:spTree>
+    <p:extLst>
+      <p:ext uri="{BB962C8B-B14F-4D97-AF65-F5344CB8AC3E}">
+        <p14:creationId xmlns:p14="http://schemas.microsoft.com/office/powerpoint/2010/main" val="660173880"/>
+      </p:ext>
+    </p:extLst>
+  </p:cSld>
+  <p:clrMapOvr>
+    <a:masterClrMapping/>
+  </p:clrMapOvr>
+</p:notes>
+</file>
+
+<file path=ppt/notesSlides/notesSlide8.xml><?xml version="1.0" encoding="utf-8"?>
+<p:notes xmlns:a="http://schemas.openxmlformats.org/drawingml/2006/main" xmlns:r="http://schemas.openxmlformats.org/officeDocument/2006/relationships" xmlns:p="http://schemas.openxmlformats.org/presentationml/2006/main">
+  <p:cSld>
+    <p:spTree>
+      <p:nvGrpSpPr>
+        <p:cNvPr id="1" name=""/>
+        <p:cNvGrpSpPr/>
+        <p:nvPr/>
+      </p:nvGrpSpPr>
+      <p:grpSpPr>
+        <a:xfrm>
+          <a:off x="0" y="0"/>
+          <a:ext cx="0" cy="0"/>
+          <a:chOff x="0" y="0"/>
+          <a:chExt cx="0" cy="0"/>
+        </a:xfrm>
+      </p:grpSpPr>
+      <p:sp>
+        <p:nvSpPr>
+          <p:cNvPr id="2" name="Folienbildplatzhalter 1"/>
+          <p:cNvSpPr>
+            <a:spLocks noGrp="1" noRot="1" noChangeAspect="1"/>
+          </p:cNvSpPr>
+          <p:nvPr>
+            <p:ph type="sldImg"/>
+          </p:nvPr>
+        </p:nvSpPr>
+        <p:spPr/>
+      </p:sp>
+      <p:sp>
+        <p:nvSpPr>
+          <p:cNvPr id="3" name="Notizenplatzhalter 2"/>
+          <p:cNvSpPr>
+            <a:spLocks noGrp="1"/>
+          </p:cNvSpPr>
+          <p:nvPr>
+            <p:ph type="body" idx="1"/>
+          </p:nvPr>
+        </p:nvSpPr>
+        <p:spPr/>
+        <p:txBody>
+          <a:bodyPr/>
+          <a:lstStyle/>
+          <a:p>
+            <a:endParaRPr lang="de-DE"/>
+          </a:p>
+        </p:txBody>
+      </p:sp>
+      <p:sp>
+        <p:nvSpPr>
+          <p:cNvPr id="4" name="Foliennummernplatzhalter 3"/>
+          <p:cNvSpPr>
+            <a:spLocks noGrp="1"/>
+          </p:cNvSpPr>
+          <p:nvPr>
+            <p:ph type="sldNum" sz="quarter" idx="10"/>
+          </p:nvPr>
+        </p:nvSpPr>
+        <p:spPr/>
+        <p:txBody>
+          <a:bodyPr/>
+          <a:lstStyle/>
+          <a:p>
+            <a:fld id="{6A2CFF65-CB9C-5A47-B7DE-47882B59B3DA}" type="slidenum">
+              <a:rPr lang="de-DE" smtClean="0"/>
+              <a:t>13</a:t>
             </a:fld>
             <a:endParaRPr lang="de-DE"/>
           </a:p>
@@ -1217,7 +1770,7 @@
           <a:p>
             <a:fld id="{4BB9ED57-D06A-6841-AEF1-9EC3590845AD}" type="datetime1">
               <a:rPr lang="de-CH" smtClean="0"/>
-              <a:t>11.12.13</a:t>
+              <a:t>25.12.13</a:t>
             </a:fld>
             <a:endParaRPr lang="en-US"/>
           </a:p>
@@ -1578,7 +2131,7 @@
           <a:p>
             <a:fld id="{95F272CE-041C-1C41-893C-DDA23BE0160F}" type="datetime1">
               <a:rPr lang="de-CH" smtClean="0"/>
-              <a:t>11.12.13</a:t>
+              <a:t>25.12.13</a:t>
             </a:fld>
             <a:endParaRPr lang="en-US"/>
           </a:p>
@@ -1751,7 +2304,7 @@
           <a:p>
             <a:fld id="{89A08E58-8D68-9748-BF3C-59C04C017569}" type="datetime1">
               <a:rPr lang="de-CH" smtClean="0"/>
-              <a:t>11.12.13</a:t>
+              <a:t>25.12.13</a:t>
             </a:fld>
             <a:endParaRPr lang="en-US"/>
           </a:p>
@@ -1934,7 +2487,7 @@
           <a:p>
             <a:fld id="{27BF19B1-2D39-624F-92F5-63033DC0C277}" type="datetime1">
               <a:rPr lang="de-CH" smtClean="0"/>
-              <a:t>11.12.13</a:t>
+              <a:t>25.12.13</a:t>
             </a:fld>
             <a:endParaRPr lang="en-US"/>
           </a:p>
@@ -2107,7 +2660,7 @@
           <a:p>
             <a:fld id="{888DA9D7-FFEA-1B4A-AF78-999894C2A1ED}" type="datetime1">
               <a:rPr lang="de-CH" smtClean="0"/>
-              <a:t>11.12.13</a:t>
+              <a:t>25.12.13</a:t>
             </a:fld>
             <a:endParaRPr lang="en-US"/>
           </a:p>
@@ -2388,7 +2941,7 @@
           <a:p>
             <a:fld id="{FBB35A6E-A281-A541-AD16-C55A808D744E}" type="datetime1">
               <a:rPr lang="de-CH" smtClean="0"/>
-              <a:t>11.12.13</a:t>
+              <a:t>25.12.13</a:t>
             </a:fld>
             <a:endParaRPr lang="en-US"/>
           </a:p>
@@ -2684,7 +3237,7 @@
           <a:p>
             <a:fld id="{2E7962BB-C82D-F845-801E-BCD66FE917CE}" type="datetime1">
               <a:rPr lang="de-CH" smtClean="0"/>
-              <a:t>11.12.13</a:t>
+              <a:t>25.12.13</a:t>
             </a:fld>
             <a:endParaRPr lang="en-US"/>
           </a:p>
@@ -3124,7 +3677,7 @@
           <a:p>
             <a:fld id="{4AFFAB72-D003-9A4F-9AD5-2977850EC029}" type="datetime1">
               <a:rPr lang="de-CH" smtClean="0"/>
-              <a:t>11.12.13</a:t>
+              <a:t>25.12.13</a:t>
             </a:fld>
             <a:endParaRPr lang="en-US"/>
           </a:p>
@@ -3241,7 +3794,7 @@
           <a:p>
             <a:fld id="{0149C50A-A324-2749-86BA-B53E8B1F97D9}" type="datetime1">
               <a:rPr lang="de-CH" smtClean="0"/>
-              <a:t>11.12.13</a:t>
+              <a:t>25.12.13</a:t>
             </a:fld>
             <a:endParaRPr lang="en-US"/>
           </a:p>
@@ -3335,7 +3888,7 @@
           <a:p>
             <a:fld id="{40076AA9-28AC-F74A-AEDA-D52A19FDEF6D}" type="datetime1">
               <a:rPr lang="de-CH" smtClean="0"/>
-              <a:t>11.12.13</a:t>
+              <a:t>25.12.13</a:t>
             </a:fld>
             <a:endParaRPr lang="en-US"/>
           </a:p>
@@ -3676,7 +4229,7 @@
           <a:p>
             <a:fld id="{CAFB1E87-75BB-0747-B4D2-065C5EAE4DED}" type="datetime1">
               <a:rPr lang="de-CH" smtClean="0"/>
-              <a:t>11.12.13</a:t>
+              <a:t>25.12.13</a:t>
             </a:fld>
             <a:endParaRPr lang="en-US"/>
           </a:p>
@@ -3995,7 +4548,7 @@
           <a:p>
             <a:fld id="{5EB17E15-638F-8B4A-BBAA-33880E209CDA}" type="datetime1">
               <a:rPr lang="de-CH" smtClean="0"/>
-              <a:t>11.12.13</a:t>
+              <a:t>25.12.13</a:t>
             </a:fld>
             <a:endParaRPr lang="en-US"/>
           </a:p>
@@ -4245,7 +4798,7 @@
           <a:p>
             <a:fld id="{C652C00D-1E5F-7441-9ACF-E4D4A208330A}" type="datetime1">
               <a:rPr lang="de-CH" smtClean="0"/>
-              <a:t>11.12.13</a:t>
+              <a:t>25.12.13</a:t>
             </a:fld>
             <a:endParaRPr lang="en-US"/>
           </a:p>
@@ -4820,41 +5373,65 @@
             <p:ph type="title"/>
           </p:nvPr>
         </p:nvSpPr>
-        <p:spPr/>
-        <p:txBody>
-          <a:bodyPr/>
-          <a:lstStyle/>
-          <a:p>
+        <p:spPr>
+          <a:xfrm>
+            <a:off x="565763" y="107577"/>
+            <a:ext cx="8007257" cy="1653988"/>
+          </a:xfrm>
+        </p:spPr>
+        <p:txBody>
+          <a:bodyPr/>
+          <a:lstStyle/>
+          <a:p>
+            <a:r>
+              <a:rPr lang="de-DE" dirty="0"/>
+              <a:t>UML Klassen </a:t>
+            </a:r>
             <a:r>
               <a:rPr lang="de-DE" dirty="0" smtClean="0"/>
-              <a:t>Vorführung</a:t>
-            </a:r>
-            <a:endParaRPr lang="de-DE" dirty="0"/>
-          </a:p>
-        </p:txBody>
-      </p:sp>
-      <p:sp>
-        <p:nvSpPr>
-          <p:cNvPr id="3" name="Inhaltsplatzhalter 2"/>
-          <p:cNvSpPr>
-            <a:spLocks noGrp="1"/>
-          </p:cNvSpPr>
-          <p:nvPr>
-            <p:ph idx="1"/>
-          </p:nvPr>
-        </p:nvSpPr>
-        <p:spPr/>
-        <p:txBody>
-          <a:bodyPr/>
-          <a:lstStyle/>
-          <a:p>
-            <a:endParaRPr lang="de-DE"/>
-          </a:p>
-        </p:txBody>
-      </p:sp>
-      <p:sp>
-        <p:nvSpPr>
-          <p:cNvPr id="6" name="Foliennummernplatzhalter 5"/>
+              <a:t>Diagramme</a:t>
+            </a:r>
+            <a:r>
+              <a:rPr lang="de-DE" dirty="0" smtClean="0"/>
+              <a:t/>
+            </a:r>
+            <a:br>
+              <a:rPr lang="de-DE" dirty="0" smtClean="0"/>
+            </a:br>
+            <a:r>
+              <a:rPr lang="de-DE" sz="3200" dirty="0" smtClean="0"/>
+              <a:t>Hindernisse</a:t>
+            </a:r>
+            <a:endParaRPr lang="de-DE" sz="3200" dirty="0"/>
+          </a:p>
+        </p:txBody>
+      </p:sp>
+      <p:sp>
+        <p:nvSpPr>
+          <p:cNvPr id="4" name="Fußzeilenplatzhalter 3"/>
+          <p:cNvSpPr>
+            <a:spLocks noGrp="1"/>
+          </p:cNvSpPr>
+          <p:nvPr>
+            <p:ph type="ftr" sz="quarter" idx="11"/>
+          </p:nvPr>
+        </p:nvSpPr>
+        <p:spPr/>
+        <p:txBody>
+          <a:bodyPr/>
+          <a:lstStyle/>
+          <a:p>
+            <a:r>
+              <a:rPr lang="en-US" smtClean="0"/>
+              <a:t>gfels4 &amp; zannc2</a:t>
+            </a:r>
+            <a:endParaRPr lang="en-US"/>
+          </a:p>
+        </p:txBody>
+      </p:sp>
+      <p:sp>
+        <p:nvSpPr>
+          <p:cNvPr id="5" name="Foliennummernplatzhalter 4"/>
           <p:cNvSpPr>
             <a:spLocks noGrp="1"/>
           </p:cNvSpPr>
@@ -4870,6 +5447,394 @@
             <a:fld id="{D12AA694-00EB-4F4B-AABB-6F50FB178914}" type="slidenum">
               <a:rPr lang="en-US" smtClean="0"/>
               <a:t>10</a:t>
+            </a:fld>
+            <a:endParaRPr lang="en-US"/>
+          </a:p>
+        </p:txBody>
+      </p:sp>
+    </p:spTree>
+    <p:extLst>
+      <p:ext uri="{BB962C8B-B14F-4D97-AF65-F5344CB8AC3E}">
+        <p14:creationId xmlns:p14="http://schemas.microsoft.com/office/powerpoint/2010/main" val="2913584582"/>
+      </p:ext>
+    </p:extLst>
+  </p:cSld>
+  <p:clrMapOvr>
+    <a:masterClrMapping/>
+  </p:clrMapOvr>
+  <p:timing>
+    <p:tnLst>
+      <p:par>
+        <p:cTn xmlns:p14="http://schemas.microsoft.com/office/powerpoint/2010/main" id="1" dur="indefinite" restart="never" nodeType="tmRoot"/>
+      </p:par>
+    </p:tnLst>
+  </p:timing>
+</p:sld>
+</file>
+
+<file path=ppt/slides/slide11.xml><?xml version="1.0" encoding="utf-8"?>
+<p:sld xmlns:a="http://schemas.openxmlformats.org/drawingml/2006/main" xmlns:r="http://schemas.openxmlformats.org/officeDocument/2006/relationships" xmlns:p="http://schemas.openxmlformats.org/presentationml/2006/main">
+  <p:cSld>
+    <p:spTree>
+      <p:nvGrpSpPr>
+        <p:cNvPr id="1" name=""/>
+        <p:cNvGrpSpPr/>
+        <p:nvPr/>
+      </p:nvGrpSpPr>
+      <p:grpSpPr>
+        <a:xfrm>
+          <a:off x="0" y="0"/>
+          <a:ext cx="0" cy="0"/>
+          <a:chOff x="0" y="0"/>
+          <a:chExt cx="0" cy="0"/>
+        </a:xfrm>
+      </p:grpSpPr>
+      <p:sp>
+        <p:nvSpPr>
+          <p:cNvPr id="2" name="Titel 1"/>
+          <p:cNvSpPr>
+            <a:spLocks noGrp="1"/>
+          </p:cNvSpPr>
+          <p:nvPr>
+            <p:ph type="title"/>
+          </p:nvPr>
+        </p:nvSpPr>
+        <p:spPr>
+          <a:xfrm>
+            <a:off x="565763" y="107577"/>
+            <a:ext cx="8007257" cy="1653988"/>
+          </a:xfrm>
+        </p:spPr>
+        <p:txBody>
+          <a:bodyPr/>
+          <a:lstStyle/>
+          <a:p>
+            <a:r>
+              <a:rPr lang="de-DE" dirty="0"/>
+              <a:t>UML Klassen </a:t>
+            </a:r>
+            <a:r>
+              <a:rPr lang="de-DE" dirty="0" smtClean="0"/>
+              <a:t>Diagramme</a:t>
+            </a:r>
+            <a:r>
+              <a:rPr lang="de-DE" dirty="0" smtClean="0"/>
+              <a:t/>
+            </a:r>
+            <a:br>
+              <a:rPr lang="de-DE" dirty="0" smtClean="0"/>
+            </a:br>
+            <a:r>
+              <a:rPr lang="de-DE" sz="3200" dirty="0" smtClean="0"/>
+              <a:t>Handlers</a:t>
+            </a:r>
+            <a:endParaRPr lang="de-DE" sz="3200" dirty="0"/>
+          </a:p>
+        </p:txBody>
+      </p:sp>
+      <p:sp>
+        <p:nvSpPr>
+          <p:cNvPr id="4" name="Fußzeilenplatzhalter 3"/>
+          <p:cNvSpPr>
+            <a:spLocks noGrp="1"/>
+          </p:cNvSpPr>
+          <p:nvPr>
+            <p:ph type="ftr" sz="quarter" idx="11"/>
+          </p:nvPr>
+        </p:nvSpPr>
+        <p:spPr/>
+        <p:txBody>
+          <a:bodyPr/>
+          <a:lstStyle/>
+          <a:p>
+            <a:r>
+              <a:rPr lang="en-US" smtClean="0"/>
+              <a:t>gfels4 &amp; zannc2</a:t>
+            </a:r>
+            <a:endParaRPr lang="en-US"/>
+          </a:p>
+        </p:txBody>
+      </p:sp>
+      <p:sp>
+        <p:nvSpPr>
+          <p:cNvPr id="5" name="Foliennummernplatzhalter 4"/>
+          <p:cNvSpPr>
+            <a:spLocks noGrp="1"/>
+          </p:cNvSpPr>
+          <p:nvPr>
+            <p:ph type="sldNum" sz="quarter" idx="12"/>
+          </p:nvPr>
+        </p:nvSpPr>
+        <p:spPr/>
+        <p:txBody>
+          <a:bodyPr/>
+          <a:lstStyle/>
+          <a:p>
+            <a:fld id="{D12AA694-00EB-4F4B-AABB-6F50FB178914}" type="slidenum">
+              <a:rPr lang="en-US" smtClean="0"/>
+              <a:t>11</a:t>
+            </a:fld>
+            <a:endParaRPr lang="en-US"/>
+          </a:p>
+        </p:txBody>
+      </p:sp>
+    </p:spTree>
+    <p:extLst>
+      <p:ext uri="{BB962C8B-B14F-4D97-AF65-F5344CB8AC3E}">
+        <p14:creationId xmlns:p14="http://schemas.microsoft.com/office/powerpoint/2010/main" val="3971977397"/>
+      </p:ext>
+    </p:extLst>
+  </p:cSld>
+  <p:clrMapOvr>
+    <a:masterClrMapping/>
+  </p:clrMapOvr>
+  <p:timing>
+    <p:tnLst>
+      <p:par>
+        <p:cTn xmlns:p14="http://schemas.microsoft.com/office/powerpoint/2010/main" id="1" dur="indefinite" restart="never" nodeType="tmRoot"/>
+      </p:par>
+    </p:tnLst>
+  </p:timing>
+</p:sld>
+</file>
+
+<file path=ppt/slides/slide12.xml><?xml version="1.0" encoding="utf-8"?>
+<p:sld xmlns:a="http://schemas.openxmlformats.org/drawingml/2006/main" xmlns:r="http://schemas.openxmlformats.org/officeDocument/2006/relationships" xmlns:p="http://schemas.openxmlformats.org/presentationml/2006/main">
+  <p:cSld>
+    <p:spTree>
+      <p:nvGrpSpPr>
+        <p:cNvPr id="1" name=""/>
+        <p:cNvGrpSpPr/>
+        <p:nvPr/>
+      </p:nvGrpSpPr>
+      <p:grpSpPr>
+        <a:xfrm>
+          <a:off x="0" y="0"/>
+          <a:ext cx="0" cy="0"/>
+          <a:chOff x="0" y="0"/>
+          <a:chExt cx="0" cy="0"/>
+        </a:xfrm>
+      </p:grpSpPr>
+      <p:sp>
+        <p:nvSpPr>
+          <p:cNvPr id="2" name="Titel 1"/>
+          <p:cNvSpPr>
+            <a:spLocks noGrp="1"/>
+          </p:cNvSpPr>
+          <p:nvPr>
+            <p:ph type="title"/>
+          </p:nvPr>
+        </p:nvSpPr>
+        <p:spPr/>
+        <p:txBody>
+          <a:bodyPr/>
+          <a:lstStyle/>
+          <a:p>
+            <a:r>
+              <a:rPr lang="de-DE" dirty="0" smtClean="0"/>
+              <a:t>Robot</a:t>
+            </a:r>
+            <a:endParaRPr lang="de-DE" dirty="0"/>
+          </a:p>
+        </p:txBody>
+      </p:sp>
+      <p:sp>
+        <p:nvSpPr>
+          <p:cNvPr id="3" name="Inhaltsplatzhalter 2"/>
+          <p:cNvSpPr>
+            <a:spLocks noGrp="1"/>
+          </p:cNvSpPr>
+          <p:nvPr>
+            <p:ph idx="1"/>
+          </p:nvPr>
+        </p:nvSpPr>
+        <p:spPr/>
+        <p:txBody>
+          <a:bodyPr/>
+          <a:lstStyle/>
+          <a:p>
+            <a:r>
+              <a:rPr lang="de-DE" dirty="0"/>
+              <a:t>Domain Mode</a:t>
+            </a:r>
+          </a:p>
+          <a:p>
+            <a:r>
+              <a:rPr lang="de-DE" dirty="0" err="1"/>
+              <a:t>Use</a:t>
+            </a:r>
+            <a:r>
+              <a:rPr lang="de-DE" dirty="0"/>
+              <a:t> Cases</a:t>
+            </a:r>
+          </a:p>
+          <a:p>
+            <a:r>
+              <a:rPr lang="de-DE" dirty="0" err="1"/>
+              <a:t>Sequence</a:t>
+            </a:r>
+            <a:r>
+              <a:rPr lang="de-DE" dirty="0"/>
+              <a:t> Diagramme</a:t>
+            </a:r>
+          </a:p>
+          <a:p>
+            <a:r>
+              <a:rPr lang="de-DE" dirty="0"/>
+              <a:t>UML Klassen Diagramme</a:t>
+            </a:r>
+          </a:p>
+          <a:p>
+            <a:pPr marL="0" indent="0">
+              <a:buNone/>
+            </a:pPr>
+            <a:endParaRPr lang="de-DE" dirty="0"/>
+          </a:p>
+        </p:txBody>
+      </p:sp>
+      <p:sp>
+        <p:nvSpPr>
+          <p:cNvPr id="6" name="Foliennummernplatzhalter 5"/>
+          <p:cNvSpPr>
+            <a:spLocks noGrp="1"/>
+          </p:cNvSpPr>
+          <p:nvPr>
+            <p:ph type="sldNum" sz="quarter" idx="12"/>
+          </p:nvPr>
+        </p:nvSpPr>
+        <p:spPr/>
+        <p:txBody>
+          <a:bodyPr/>
+          <a:lstStyle/>
+          <a:p>
+            <a:fld id="{D12AA694-00EB-4F4B-AABB-6F50FB178914}" type="slidenum">
+              <a:rPr lang="en-US" smtClean="0"/>
+              <a:t>12</a:t>
+            </a:fld>
+            <a:endParaRPr lang="en-US"/>
+          </a:p>
+        </p:txBody>
+      </p:sp>
+      <p:sp>
+        <p:nvSpPr>
+          <p:cNvPr id="7" name="Fußzeilenplatzhalter 6"/>
+          <p:cNvSpPr>
+            <a:spLocks noGrp="1"/>
+          </p:cNvSpPr>
+          <p:nvPr>
+            <p:ph type="ftr" sz="quarter" idx="11"/>
+          </p:nvPr>
+        </p:nvSpPr>
+        <p:spPr/>
+        <p:txBody>
+          <a:bodyPr/>
+          <a:lstStyle/>
+          <a:p>
+            <a:r>
+              <a:rPr lang="en-US" smtClean="0"/>
+              <a:t>gfels4 &amp; zannc2</a:t>
+            </a:r>
+            <a:endParaRPr lang="en-US"/>
+          </a:p>
+        </p:txBody>
+      </p:sp>
+    </p:spTree>
+    <p:extLst>
+      <p:ext uri="{BB962C8B-B14F-4D97-AF65-F5344CB8AC3E}">
+        <p14:creationId xmlns:p14="http://schemas.microsoft.com/office/powerpoint/2010/main" val="3514780789"/>
+      </p:ext>
+    </p:extLst>
+  </p:cSld>
+  <p:clrMapOvr>
+    <a:masterClrMapping/>
+  </p:clrMapOvr>
+  <p:timing>
+    <p:tnLst>
+      <p:par>
+        <p:cTn xmlns:p14="http://schemas.microsoft.com/office/powerpoint/2010/main" id="1" dur="indefinite" restart="never" nodeType="tmRoot"/>
+      </p:par>
+    </p:tnLst>
+  </p:timing>
+</p:sld>
+</file>
+
+<file path=ppt/slides/slide13.xml><?xml version="1.0" encoding="utf-8"?>
+<p:sld xmlns:a="http://schemas.openxmlformats.org/drawingml/2006/main" xmlns:r="http://schemas.openxmlformats.org/officeDocument/2006/relationships" xmlns:p="http://schemas.openxmlformats.org/presentationml/2006/main">
+  <p:cSld>
+    <p:spTree>
+      <p:nvGrpSpPr>
+        <p:cNvPr id="1" name=""/>
+        <p:cNvGrpSpPr/>
+        <p:nvPr/>
+      </p:nvGrpSpPr>
+      <p:grpSpPr>
+        <a:xfrm>
+          <a:off x="0" y="0"/>
+          <a:ext cx="0" cy="0"/>
+          <a:chOff x="0" y="0"/>
+          <a:chExt cx="0" cy="0"/>
+        </a:xfrm>
+      </p:grpSpPr>
+      <p:sp>
+        <p:nvSpPr>
+          <p:cNvPr id="2" name="Titel 1"/>
+          <p:cNvSpPr>
+            <a:spLocks noGrp="1"/>
+          </p:cNvSpPr>
+          <p:nvPr>
+            <p:ph type="title"/>
+          </p:nvPr>
+        </p:nvSpPr>
+        <p:spPr/>
+        <p:txBody>
+          <a:bodyPr/>
+          <a:lstStyle/>
+          <a:p>
+            <a:r>
+              <a:rPr lang="de-DE" dirty="0" smtClean="0"/>
+              <a:t>Vorführung</a:t>
+            </a:r>
+            <a:endParaRPr lang="de-DE" dirty="0"/>
+          </a:p>
+        </p:txBody>
+      </p:sp>
+      <p:sp>
+        <p:nvSpPr>
+          <p:cNvPr id="3" name="Inhaltsplatzhalter 2"/>
+          <p:cNvSpPr>
+            <a:spLocks noGrp="1"/>
+          </p:cNvSpPr>
+          <p:nvPr>
+            <p:ph idx="1"/>
+          </p:nvPr>
+        </p:nvSpPr>
+        <p:spPr/>
+        <p:txBody>
+          <a:bodyPr/>
+          <a:lstStyle/>
+          <a:p>
+            <a:endParaRPr lang="de-DE"/>
+          </a:p>
+        </p:txBody>
+      </p:sp>
+      <p:sp>
+        <p:nvSpPr>
+          <p:cNvPr id="6" name="Foliennummernplatzhalter 5"/>
+          <p:cNvSpPr>
+            <a:spLocks noGrp="1"/>
+          </p:cNvSpPr>
+          <p:nvPr>
+            <p:ph type="sldNum" sz="quarter" idx="12"/>
+          </p:nvPr>
+        </p:nvSpPr>
+        <p:spPr/>
+        <p:txBody>
+          <a:bodyPr/>
+          <a:lstStyle/>
+          <a:p>
+            <a:fld id="{D12AA694-00EB-4F4B-AABB-6F50FB178914}" type="slidenum">
+              <a:rPr lang="en-US" smtClean="0"/>
+              <a:t>13</a:t>
             </a:fld>
             <a:endParaRPr lang="en-US"/>
           </a:p>
@@ -4977,14 +5942,9 @@
           <a:p>
             <a:r>
               <a:rPr lang="de-DE" dirty="0" smtClean="0"/>
-              <a:t>Vision</a:t>
-            </a:r>
-          </a:p>
-          <a:p>
-            <a:r>
-              <a:rPr lang="de-DE" dirty="0" smtClean="0"/>
               <a:t>Zeitplan</a:t>
             </a:r>
+            <a:endParaRPr lang="de-DE" dirty="0" smtClean="0"/>
           </a:p>
           <a:p>
             <a:r>
@@ -5107,28 +6067,9 @@
           <a:p>
             <a:r>
               <a:rPr lang="de-DE" dirty="0" smtClean="0"/>
-              <a:t>Vision</a:t>
+              <a:t>Zeitplan</a:t>
             </a:r>
             <a:endParaRPr lang="de-DE" dirty="0"/>
-          </a:p>
-        </p:txBody>
-      </p:sp>
-      <p:sp>
-        <p:nvSpPr>
-          <p:cNvPr id="3" name="Inhaltsplatzhalter 2"/>
-          <p:cNvSpPr>
-            <a:spLocks noGrp="1"/>
-          </p:cNvSpPr>
-          <p:nvPr>
-            <p:ph idx="1"/>
-          </p:nvPr>
-        </p:nvSpPr>
-        <p:spPr/>
-        <p:txBody>
-          <a:bodyPr/>
-          <a:lstStyle/>
-          <a:p>
-            <a:endParaRPr lang="de-DE"/>
           </a:p>
         </p:txBody>
       </p:sp>
@@ -5150,112 +6091,6 @@
             <a:fld id="{D12AA694-00EB-4F4B-AABB-6F50FB178914}" type="slidenum">
               <a:rPr lang="en-US" smtClean="0"/>
               <a:t>3</a:t>
-            </a:fld>
-            <a:endParaRPr lang="en-US"/>
-          </a:p>
-        </p:txBody>
-      </p:sp>
-      <p:sp>
-        <p:nvSpPr>
-          <p:cNvPr id="7" name="Fußzeilenplatzhalter 6"/>
-          <p:cNvSpPr>
-            <a:spLocks noGrp="1"/>
-          </p:cNvSpPr>
-          <p:nvPr>
-            <p:ph type="ftr" sz="quarter" idx="11"/>
-          </p:nvPr>
-        </p:nvSpPr>
-        <p:spPr/>
-        <p:txBody>
-          <a:bodyPr/>
-          <a:lstStyle/>
-          <a:p>
-            <a:r>
-              <a:rPr lang="en-US" smtClean="0"/>
-              <a:t>gfels4 &amp; zannc2</a:t>
-            </a:r>
-            <a:endParaRPr lang="en-US"/>
-          </a:p>
-        </p:txBody>
-      </p:sp>
-    </p:spTree>
-    <p:extLst>
-      <p:ext uri="{BB962C8B-B14F-4D97-AF65-F5344CB8AC3E}">
-        <p14:creationId xmlns:p14="http://schemas.microsoft.com/office/powerpoint/2010/main" val="1064099063"/>
-      </p:ext>
-    </p:extLst>
-  </p:cSld>
-  <p:clrMapOvr>
-    <a:masterClrMapping/>
-  </p:clrMapOvr>
-  <p:timing>
-    <p:tnLst>
-      <p:par>
-        <p:cTn xmlns:p14="http://schemas.microsoft.com/office/powerpoint/2010/main" id="1" dur="indefinite" restart="never" nodeType="tmRoot"/>
-      </p:par>
-    </p:tnLst>
-  </p:timing>
-</p:sld>
-</file>
-
-<file path=ppt/slides/slide4.xml><?xml version="1.0" encoding="utf-8"?>
-<p:sld xmlns:a="http://schemas.openxmlformats.org/drawingml/2006/main" xmlns:r="http://schemas.openxmlformats.org/officeDocument/2006/relationships" xmlns:p="http://schemas.openxmlformats.org/presentationml/2006/main">
-  <p:cSld>
-    <p:spTree>
-      <p:nvGrpSpPr>
-        <p:cNvPr id="1" name=""/>
-        <p:cNvGrpSpPr/>
-        <p:nvPr/>
-      </p:nvGrpSpPr>
-      <p:grpSpPr>
-        <a:xfrm>
-          <a:off x="0" y="0"/>
-          <a:ext cx="0" cy="0"/>
-          <a:chOff x="0" y="0"/>
-          <a:chExt cx="0" cy="0"/>
-        </a:xfrm>
-      </p:grpSpPr>
-      <p:sp>
-        <p:nvSpPr>
-          <p:cNvPr id="2" name="Titel 1"/>
-          <p:cNvSpPr>
-            <a:spLocks noGrp="1"/>
-          </p:cNvSpPr>
-          <p:nvPr>
-            <p:ph type="title"/>
-          </p:nvPr>
-        </p:nvSpPr>
-        <p:spPr/>
-        <p:txBody>
-          <a:bodyPr/>
-          <a:lstStyle/>
-          <a:p>
-            <a:r>
-              <a:rPr lang="de-DE" dirty="0" smtClean="0"/>
-              <a:t>Zeitplan</a:t>
-            </a:r>
-            <a:endParaRPr lang="de-DE" dirty="0"/>
-          </a:p>
-        </p:txBody>
-      </p:sp>
-      <p:sp>
-        <p:nvSpPr>
-          <p:cNvPr id="6" name="Foliennummernplatzhalter 5"/>
-          <p:cNvSpPr>
-            <a:spLocks noGrp="1"/>
-          </p:cNvSpPr>
-          <p:nvPr>
-            <p:ph type="sldNum" sz="quarter" idx="12"/>
-          </p:nvPr>
-        </p:nvSpPr>
-        <p:spPr/>
-        <p:txBody>
-          <a:bodyPr/>
-          <a:lstStyle/>
-          <a:p>
-            <a:fld id="{D12AA694-00EB-4F4B-AABB-6F50FB178914}" type="slidenum">
-              <a:rPr lang="en-US" smtClean="0"/>
-              <a:t>4</a:t>
             </a:fld>
             <a:endParaRPr lang="en-US"/>
           </a:p>
@@ -5328,7 +6163,7 @@
 </p:sld>
 </file>
 
-<file path=ppt/slides/slide5.xml><?xml version="1.0" encoding="utf-8"?>
+<file path=ppt/slides/slide4.xml><?xml version="1.0" encoding="utf-8"?>
 <p:sld xmlns:a="http://schemas.openxmlformats.org/drawingml/2006/main" xmlns:r="http://schemas.openxmlformats.org/officeDocument/2006/relationships" xmlns:p="http://schemas.openxmlformats.org/presentationml/2006/main">
   <p:cSld>
     <p:spTree>
@@ -5434,7 +6269,7 @@
           <a:p>
             <a:fld id="{D12AA694-00EB-4F4B-AABB-6F50FB178914}" type="slidenum">
               <a:rPr lang="en-US" smtClean="0"/>
-              <a:t>5</a:t>
+              <a:t>4</a:t>
             </a:fld>
             <a:endParaRPr lang="en-US"/>
           </a:p>
@@ -5483,7 +6318,7 @@
 </p:sld>
 </file>
 
-<file path=ppt/slides/slide6.xml><?xml version="1.0" encoding="utf-8"?>
+<file path=ppt/slides/slide5.xml><?xml version="1.0" encoding="utf-8"?>
 <p:sld xmlns:a="http://schemas.openxmlformats.org/drawingml/2006/main" xmlns:r="http://schemas.openxmlformats.org/officeDocument/2006/relationships" xmlns:p="http://schemas.openxmlformats.org/presentationml/2006/main">
   <p:cSld>
     <p:spTree>
@@ -5563,7 +6398,7 @@
           <a:p>
             <a:fld id="{D12AA694-00EB-4F4B-AABB-6F50FB178914}" type="slidenum">
               <a:rPr lang="en-US" smtClean="0"/>
-              <a:t>6</a:t>
+              <a:t>5</a:t>
             </a:fld>
             <a:endParaRPr lang="en-US"/>
           </a:p>
@@ -5618,7 +6453,7 @@
 </p:sld>
 </file>
 
-<file path=ppt/slides/slide7.xml><?xml version="1.0" encoding="utf-8"?>
+<file path=ppt/slides/slide6.xml><?xml version="1.0" encoding="utf-8"?>
 <p:sld xmlns:a="http://schemas.openxmlformats.org/drawingml/2006/main" xmlns:r="http://schemas.openxmlformats.org/officeDocument/2006/relationships" xmlns:p="http://schemas.openxmlformats.org/presentationml/2006/main">
   <p:cSld>
     <p:spTree>
@@ -5702,7 +6537,7 @@
           <a:p>
             <a:fld id="{D12AA694-00EB-4F4B-AABB-6F50FB178914}" type="slidenum">
               <a:rPr lang="en-US" smtClean="0"/>
-              <a:t>7</a:t>
+              <a:t>6</a:t>
             </a:fld>
             <a:endParaRPr lang="en-US"/>
           </a:p>
@@ -5757,6 +6592,160 @@
 </p:sld>
 </file>
 
+<file path=ppt/slides/slide7.xml><?xml version="1.0" encoding="utf-8"?>
+<p:sld xmlns:a="http://schemas.openxmlformats.org/drawingml/2006/main" xmlns:r="http://schemas.openxmlformats.org/officeDocument/2006/relationships" xmlns:p="http://schemas.openxmlformats.org/presentationml/2006/main">
+  <p:cSld>
+    <p:spTree>
+      <p:nvGrpSpPr>
+        <p:cNvPr id="1" name=""/>
+        <p:cNvGrpSpPr/>
+        <p:nvPr/>
+      </p:nvGrpSpPr>
+      <p:grpSpPr>
+        <a:xfrm>
+          <a:off x="0" y="0"/>
+          <a:ext cx="0" cy="0"/>
+          <a:chOff x="0" y="0"/>
+          <a:chExt cx="0" cy="0"/>
+        </a:xfrm>
+      </p:grpSpPr>
+      <p:sp>
+        <p:nvSpPr>
+          <p:cNvPr id="2" name="Titel 1"/>
+          <p:cNvSpPr>
+            <a:spLocks noGrp="1"/>
+          </p:cNvSpPr>
+          <p:nvPr>
+            <p:ph type="title"/>
+          </p:nvPr>
+        </p:nvSpPr>
+        <p:spPr/>
+        <p:txBody>
+          <a:bodyPr/>
+          <a:lstStyle/>
+          <a:p>
+            <a:r>
+              <a:rPr lang="de-DE" dirty="0" err="1" smtClean="0"/>
+              <a:t>Sequence</a:t>
+            </a:r>
+            <a:r>
+              <a:rPr lang="de-DE" dirty="0" smtClean="0"/>
+              <a:t> </a:t>
+            </a:r>
+            <a:r>
+              <a:rPr lang="de-DE" dirty="0" err="1" smtClean="0"/>
+              <a:t>Diagram</a:t>
+            </a:r>
+            <a:r>
+              <a:rPr lang="de-DE" dirty="0" smtClean="0"/>
+              <a:t/>
+            </a:r>
+            <a:br>
+              <a:rPr lang="de-DE" dirty="0" smtClean="0"/>
+            </a:br>
+            <a:r>
+              <a:rPr lang="de-DE" sz="3200" dirty="0" smtClean="0"/>
+              <a:t>Hindernisse setzen</a:t>
+            </a:r>
+            <a:endParaRPr lang="de-DE" sz="3200" dirty="0"/>
+          </a:p>
+        </p:txBody>
+      </p:sp>
+      <p:sp>
+        <p:nvSpPr>
+          <p:cNvPr id="4" name="Fußzeilenplatzhalter 3"/>
+          <p:cNvSpPr>
+            <a:spLocks noGrp="1"/>
+          </p:cNvSpPr>
+          <p:nvPr>
+            <p:ph type="ftr" sz="quarter" idx="11"/>
+          </p:nvPr>
+        </p:nvSpPr>
+        <p:spPr/>
+        <p:txBody>
+          <a:bodyPr/>
+          <a:lstStyle/>
+          <a:p>
+            <a:r>
+              <a:rPr lang="en-US" smtClean="0"/>
+              <a:t>gfels4 &amp; zannc2</a:t>
+            </a:r>
+            <a:endParaRPr lang="en-US"/>
+          </a:p>
+        </p:txBody>
+      </p:sp>
+      <p:sp>
+        <p:nvSpPr>
+          <p:cNvPr id="5" name="Foliennummernplatzhalter 4"/>
+          <p:cNvSpPr>
+            <a:spLocks noGrp="1"/>
+          </p:cNvSpPr>
+          <p:nvPr>
+            <p:ph type="sldNum" sz="quarter" idx="12"/>
+          </p:nvPr>
+        </p:nvSpPr>
+        <p:spPr/>
+        <p:txBody>
+          <a:bodyPr/>
+          <a:lstStyle/>
+          <a:p>
+            <a:fld id="{D12AA694-00EB-4F4B-AABB-6F50FB178914}" type="slidenum">
+              <a:rPr lang="en-US" smtClean="0"/>
+              <a:t>7</a:t>
+            </a:fld>
+            <a:endParaRPr lang="en-US"/>
+          </a:p>
+        </p:txBody>
+      </p:sp>
+      <p:pic>
+        <p:nvPicPr>
+          <p:cNvPr id="6" name="Bild 5" descr="spielfeldobjekte_setzen_SD.jpg"/>
+          <p:cNvPicPr>
+            <a:picLocks noChangeAspect="1"/>
+          </p:cNvPicPr>
+          <p:nvPr/>
+        </p:nvPicPr>
+        <p:blipFill rotWithShape="1">
+          <a:blip r:embed="rId3">
+            <a:extLst>
+              <a:ext uri="{28A0092B-C50C-407E-A947-70E740481C1C}">
+                <a14:useLocalDpi xmlns:a14="http://schemas.microsoft.com/office/drawing/2010/main" val="0"/>
+              </a:ext>
+            </a:extLst>
+          </a:blip>
+          <a:srcRect l="3872" t="7232" r="14102" b="54532"/>
+          <a:stretch/>
+        </p:blipFill>
+        <p:spPr>
+          <a:xfrm>
+            <a:off x="779462" y="2359827"/>
+            <a:ext cx="7500406" cy="2116788"/>
+          </a:xfrm>
+          <a:prstGeom prst="rect">
+            <a:avLst/>
+          </a:prstGeom>
+        </p:spPr>
+      </p:pic>
+    </p:spTree>
+    <p:extLst>
+      <p:ext uri="{BB962C8B-B14F-4D97-AF65-F5344CB8AC3E}">
+        <p14:creationId xmlns:p14="http://schemas.microsoft.com/office/powerpoint/2010/main" val="1120940520"/>
+      </p:ext>
+    </p:extLst>
+  </p:cSld>
+  <p:clrMapOvr>
+    <a:masterClrMapping/>
+  </p:clrMapOvr>
+  <p:timing>
+    <p:tnLst>
+      <p:par>
+        <p:cTn xmlns:p14="http://schemas.microsoft.com/office/powerpoint/2010/main" id="1" dur="indefinite" restart="never" nodeType="tmRoot"/>
+      </p:par>
+    </p:tnLst>
+  </p:timing>
+</p:sld>
+</file>
+
 <file path=ppt/slides/slide8.xml><?xml version="1.0" encoding="utf-8"?>
 <p:sld xmlns:a="http://schemas.openxmlformats.org/drawingml/2006/main" xmlns:r="http://schemas.openxmlformats.org/officeDocument/2006/relationships" xmlns:p="http://schemas.openxmlformats.org/presentationml/2006/main">
   <p:cSld>
@@ -5810,7 +6799,7 @@
             </a:br>
             <a:r>
               <a:rPr lang="de-DE" sz="3200" dirty="0" smtClean="0"/>
-              <a:t>Spielobjekte setzen</a:t>
+              <a:t>Spielfeld exportieren</a:t>
             </a:r>
             <a:endParaRPr lang="de-DE" sz="3200" dirty="0"/>
           </a:p>
@@ -5864,27 +6853,27 @@
       </p:sp>
       <p:pic>
         <p:nvPicPr>
-          <p:cNvPr id="6" name="Bild 5" descr="spielfeldobjekte_setzen_SD.jpg"/>
+          <p:cNvPr id="7" name="Bild 6" descr="spielfeld_exportieren_SD.jpg"/>
           <p:cNvPicPr>
             <a:picLocks noChangeAspect="1"/>
           </p:cNvPicPr>
           <p:nvPr/>
         </p:nvPicPr>
         <p:blipFill rotWithShape="1">
-          <a:blip r:embed="rId2">
+          <a:blip r:embed="rId3">
             <a:extLst>
               <a:ext uri="{28A0092B-C50C-407E-A947-70E740481C1C}">
                 <a14:useLocalDpi xmlns:a14="http://schemas.microsoft.com/office/drawing/2010/main" val="0"/>
               </a:ext>
             </a:extLst>
           </a:blip>
-          <a:srcRect l="3872" t="7232" r="14102" b="54532"/>
+          <a:srcRect l="5375" t="6172" r="1626" b="30445"/>
           <a:stretch/>
         </p:blipFill>
         <p:spPr>
           <a:xfrm>
-            <a:off x="779462" y="2359827"/>
-            <a:ext cx="7500406" cy="2116788"/>
+            <a:off x="488440" y="1846757"/>
+            <a:ext cx="8450008" cy="4346793"/>
           </a:xfrm>
           <a:prstGeom prst="rect">
             <a:avLst/>
@@ -5944,70 +6933,58 @@
           <a:lstStyle/>
           <a:p>
             <a:r>
+              <a:rPr lang="de-DE" dirty="0" err="1" smtClean="0"/>
+              <a:t>Sequence</a:t>
+            </a:r>
+            <a:r>
               <a:rPr lang="de-DE" dirty="0" smtClean="0"/>
-              <a:t>Robot</a:t>
-            </a:r>
-            <a:endParaRPr lang="de-DE" dirty="0"/>
-          </a:p>
-        </p:txBody>
-      </p:sp>
-      <p:sp>
-        <p:nvSpPr>
-          <p:cNvPr id="3" name="Inhaltsplatzhalter 2"/>
-          <p:cNvSpPr>
-            <a:spLocks noGrp="1"/>
-          </p:cNvSpPr>
-          <p:nvPr>
-            <p:ph idx="1"/>
-          </p:nvPr>
-        </p:nvSpPr>
-        <p:spPr/>
-        <p:txBody>
-          <a:bodyPr/>
-          <a:lstStyle/>
-          <a:p>
-            <a:r>
-              <a:rPr lang="de-DE" dirty="0"/>
-              <a:t>Domain Mode</a:t>
-            </a:r>
-          </a:p>
-          <a:p>
-            <a:r>
-              <a:rPr lang="de-DE" dirty="0" err="1"/>
-              <a:t>Use</a:t>
-            </a:r>
-            <a:r>
-              <a:rPr lang="de-DE" dirty="0"/>
-              <a:t> Cases</a:t>
-            </a:r>
-          </a:p>
-          <a:p>
-            <a:r>
-              <a:rPr lang="de-DE" dirty="0" err="1"/>
-              <a:t>Sequence</a:t>
-            </a:r>
-            <a:r>
-              <a:rPr lang="de-DE" dirty="0"/>
-              <a:t> Diagramme</a:t>
-            </a:r>
-          </a:p>
-          <a:p>
-            <a:r>
-              <a:rPr lang="de-DE" dirty="0"/>
-              <a:t>UML Klassen Diagramme</a:t>
-            </a:r>
-          </a:p>
-          <a:p>
-            <a:pPr marL="0" indent="0">
-              <a:buNone/>
-            </a:pPr>
-            <a:endParaRPr lang="de-DE" dirty="0"/>
-          </a:p>
-        </p:txBody>
-      </p:sp>
-      <p:sp>
-        <p:nvSpPr>
-          <p:cNvPr id="6" name="Foliennummernplatzhalter 5"/>
+              <a:t> </a:t>
+            </a:r>
+            <a:r>
+              <a:rPr lang="de-DE" dirty="0" err="1" smtClean="0"/>
+              <a:t>Diagram</a:t>
+            </a:r>
+            <a:r>
+              <a:rPr lang="de-DE" dirty="0" smtClean="0"/>
+              <a:t/>
+            </a:r>
+            <a:br>
+              <a:rPr lang="de-DE" dirty="0" smtClean="0"/>
+            </a:br>
+            <a:r>
+              <a:rPr lang="de-DE" sz="3200" dirty="0" smtClean="0"/>
+              <a:t>Spielfeld importieren</a:t>
+            </a:r>
+            <a:endParaRPr lang="de-DE" sz="3200" dirty="0"/>
+          </a:p>
+        </p:txBody>
+      </p:sp>
+      <p:sp>
+        <p:nvSpPr>
+          <p:cNvPr id="4" name="Fußzeilenplatzhalter 3"/>
+          <p:cNvSpPr>
+            <a:spLocks noGrp="1"/>
+          </p:cNvSpPr>
+          <p:nvPr>
+            <p:ph type="ftr" sz="quarter" idx="11"/>
+          </p:nvPr>
+        </p:nvSpPr>
+        <p:spPr/>
+        <p:txBody>
+          <a:bodyPr/>
+          <a:lstStyle/>
+          <a:p>
+            <a:r>
+              <a:rPr lang="en-US" smtClean="0"/>
+              <a:t>gfels4 &amp; zannc2</a:t>
+            </a:r>
+            <a:endParaRPr lang="en-US"/>
+          </a:p>
+        </p:txBody>
+      </p:sp>
+      <p:sp>
+        <p:nvSpPr>
+          <p:cNvPr id="5" name="Foliennummernplatzhalter 4"/>
           <p:cNvSpPr>
             <a:spLocks noGrp="1"/>
           </p:cNvSpPr>
@@ -6028,33 +7005,39 @@
           </a:p>
         </p:txBody>
       </p:sp>
-      <p:sp>
-        <p:nvSpPr>
-          <p:cNvPr id="7" name="Fußzeilenplatzhalter 6"/>
-          <p:cNvSpPr>
-            <a:spLocks noGrp="1"/>
-          </p:cNvSpPr>
-          <p:nvPr>
-            <p:ph type="ftr" sz="quarter" idx="11"/>
-          </p:nvPr>
-        </p:nvSpPr>
-        <p:spPr/>
-        <p:txBody>
-          <a:bodyPr/>
-          <a:lstStyle/>
-          <a:p>
-            <a:r>
-              <a:rPr lang="en-US" smtClean="0"/>
-              <a:t>gfels4 &amp; zannc2</a:t>
-            </a:r>
-            <a:endParaRPr lang="en-US"/>
-          </a:p>
-        </p:txBody>
-      </p:sp>
+      <p:pic>
+        <p:nvPicPr>
+          <p:cNvPr id="7" name="Bild 6" descr="spielfeld_importieren_SD.jpg"/>
+          <p:cNvPicPr>
+            <a:picLocks noChangeAspect="1"/>
+          </p:cNvPicPr>
+          <p:nvPr/>
+        </p:nvPicPr>
+        <p:blipFill rotWithShape="1">
+          <a:blip r:embed="rId3">
+            <a:extLst>
+              <a:ext uri="{28A0092B-C50C-407E-A947-70E740481C1C}">
+                <a14:useLocalDpi xmlns:a14="http://schemas.microsoft.com/office/drawing/2010/main" val="0"/>
+              </a:ext>
+            </a:extLst>
+          </a:blip>
+          <a:srcRect l="3873" t="6786" r="1536" b="32759"/>
+          <a:stretch/>
+        </p:blipFill>
+        <p:spPr>
+          <a:xfrm>
+            <a:off x="354106" y="2005767"/>
+            <a:ext cx="8649468" cy="3402545"/>
+          </a:xfrm>
+          <a:prstGeom prst="rect">
+            <a:avLst/>
+          </a:prstGeom>
+        </p:spPr>
+      </p:pic>
     </p:spTree>
     <p:extLst>
       <p:ext uri="{BB962C8B-B14F-4D97-AF65-F5344CB8AC3E}">
-        <p14:creationId xmlns:p14="http://schemas.microsoft.com/office/powerpoint/2010/main" val="3514780789"/>
+        <p14:creationId xmlns:p14="http://schemas.microsoft.com/office/powerpoint/2010/main" val="4139531276"/>
       </p:ext>
     </p:extLst>
   </p:cSld>

--- a/SearchRobot/doc/presentation.pptx
+++ b/SearchRobot/doc/presentation.pptx
@@ -5,10 +5,10 @@
     <p:sldMasterId id="2147483660" r:id="rId1"/>
   </p:sldMasterIdLst>
   <p:notesMasterIdLst>
-    <p:notesMasterId r:id="rId15"/>
+    <p:notesMasterId r:id="rId21"/>
   </p:notesMasterIdLst>
   <p:handoutMasterIdLst>
-    <p:handoutMasterId r:id="rId16"/>
+    <p:handoutMasterId r:id="rId22"/>
   </p:handoutMasterIdLst>
   <p:sldIdLst>
     <p:sldId id="256" r:id="rId2"/>
@@ -21,9 +21,15 @@
     <p:sldId id="267" r:id="rId9"/>
     <p:sldId id="269" r:id="rId10"/>
     <p:sldId id="270" r:id="rId11"/>
-    <p:sldId id="271" r:id="rId12"/>
-    <p:sldId id="263" r:id="rId13"/>
-    <p:sldId id="264" r:id="rId14"/>
+    <p:sldId id="272" r:id="rId12"/>
+    <p:sldId id="273" r:id="rId13"/>
+    <p:sldId id="274" r:id="rId14"/>
+    <p:sldId id="271" r:id="rId15"/>
+    <p:sldId id="276" r:id="rId16"/>
+    <p:sldId id="277" r:id="rId17"/>
+    <p:sldId id="263" r:id="rId18"/>
+    <p:sldId id="275" r:id="rId19"/>
+    <p:sldId id="264" r:id="rId20"/>
   </p:sldIdLst>
   <p:sldSz cx="9144000" cy="6858000" type="screen4x3"/>
   <p:notesSz cx="6858000" cy="9144000"/>
@@ -736,6 +742,434 @@
 </p:notes>
 </file>
 
+<file path=ppt/notesSlides/notesSlide10.xml><?xml version="1.0" encoding="utf-8"?>
+<p:notes xmlns:a="http://schemas.openxmlformats.org/drawingml/2006/main" xmlns:r="http://schemas.openxmlformats.org/officeDocument/2006/relationships" xmlns:p="http://schemas.openxmlformats.org/presentationml/2006/main">
+  <p:cSld>
+    <p:spTree>
+      <p:nvGrpSpPr>
+        <p:cNvPr id="1" name=""/>
+        <p:cNvGrpSpPr/>
+        <p:nvPr/>
+      </p:nvGrpSpPr>
+      <p:grpSpPr>
+        <a:xfrm>
+          <a:off x="0" y="0"/>
+          <a:ext cx="0" cy="0"/>
+          <a:chOff x="0" y="0"/>
+          <a:chExt cx="0" cy="0"/>
+        </a:xfrm>
+      </p:grpSpPr>
+      <p:sp>
+        <p:nvSpPr>
+          <p:cNvPr id="2" name="Folienbildplatzhalter 1"/>
+          <p:cNvSpPr>
+            <a:spLocks noGrp="1" noRot="1" noChangeAspect="1"/>
+          </p:cNvSpPr>
+          <p:nvPr>
+            <p:ph type="sldImg"/>
+          </p:nvPr>
+        </p:nvSpPr>
+        <p:spPr/>
+      </p:sp>
+      <p:sp>
+        <p:nvSpPr>
+          <p:cNvPr id="3" name="Notizenplatzhalter 2"/>
+          <p:cNvSpPr>
+            <a:spLocks noGrp="1"/>
+          </p:cNvSpPr>
+          <p:nvPr>
+            <p:ph type="body" idx="1"/>
+          </p:nvPr>
+        </p:nvSpPr>
+        <p:spPr/>
+        <p:txBody>
+          <a:bodyPr/>
+          <a:lstStyle/>
+          <a:p>
+            <a:endParaRPr lang="de-DE" dirty="0"/>
+          </a:p>
+        </p:txBody>
+      </p:sp>
+      <p:sp>
+        <p:nvSpPr>
+          <p:cNvPr id="4" name="Foliennummernplatzhalter 3"/>
+          <p:cNvSpPr>
+            <a:spLocks noGrp="1"/>
+          </p:cNvSpPr>
+          <p:nvPr>
+            <p:ph type="sldNum" sz="quarter" idx="10"/>
+          </p:nvPr>
+        </p:nvSpPr>
+        <p:spPr/>
+        <p:txBody>
+          <a:bodyPr/>
+          <a:lstStyle/>
+          <a:p>
+            <a:fld id="{6A2CFF65-CB9C-5A47-B7DE-47882B59B3DA}" type="slidenum">
+              <a:rPr lang="de-DE" smtClean="0"/>
+              <a:t>14</a:t>
+            </a:fld>
+            <a:endParaRPr lang="de-DE"/>
+          </a:p>
+        </p:txBody>
+      </p:sp>
+    </p:spTree>
+    <p:extLst>
+      <p:ext uri="{BB962C8B-B14F-4D97-AF65-F5344CB8AC3E}">
+        <p14:creationId xmlns:p14="http://schemas.microsoft.com/office/powerpoint/2010/main" val="660173880"/>
+      </p:ext>
+    </p:extLst>
+  </p:cSld>
+  <p:clrMapOvr>
+    <a:masterClrMapping/>
+  </p:clrMapOvr>
+</p:notes>
+</file>
+
+<file path=ppt/notesSlides/notesSlide11.xml><?xml version="1.0" encoding="utf-8"?>
+<p:notes xmlns:a="http://schemas.openxmlformats.org/drawingml/2006/main" xmlns:r="http://schemas.openxmlformats.org/officeDocument/2006/relationships" xmlns:p="http://schemas.openxmlformats.org/presentationml/2006/main">
+  <p:cSld>
+    <p:spTree>
+      <p:nvGrpSpPr>
+        <p:cNvPr id="1" name=""/>
+        <p:cNvGrpSpPr/>
+        <p:nvPr/>
+      </p:nvGrpSpPr>
+      <p:grpSpPr>
+        <a:xfrm>
+          <a:off x="0" y="0"/>
+          <a:ext cx="0" cy="0"/>
+          <a:chOff x="0" y="0"/>
+          <a:chExt cx="0" cy="0"/>
+        </a:xfrm>
+      </p:grpSpPr>
+      <p:sp>
+        <p:nvSpPr>
+          <p:cNvPr id="2" name="Folienbildplatzhalter 1"/>
+          <p:cNvSpPr>
+            <a:spLocks noGrp="1" noRot="1" noChangeAspect="1"/>
+          </p:cNvSpPr>
+          <p:nvPr>
+            <p:ph type="sldImg"/>
+          </p:nvPr>
+        </p:nvSpPr>
+        <p:spPr/>
+      </p:sp>
+      <p:sp>
+        <p:nvSpPr>
+          <p:cNvPr id="3" name="Notizenplatzhalter 2"/>
+          <p:cNvSpPr>
+            <a:spLocks noGrp="1"/>
+          </p:cNvSpPr>
+          <p:nvPr>
+            <p:ph type="body" idx="1"/>
+          </p:nvPr>
+        </p:nvSpPr>
+        <p:spPr/>
+        <p:txBody>
+          <a:bodyPr/>
+          <a:lstStyle/>
+          <a:p>
+            <a:endParaRPr lang="de-DE" dirty="0"/>
+          </a:p>
+        </p:txBody>
+      </p:sp>
+      <p:sp>
+        <p:nvSpPr>
+          <p:cNvPr id="4" name="Foliennummernplatzhalter 3"/>
+          <p:cNvSpPr>
+            <a:spLocks noGrp="1"/>
+          </p:cNvSpPr>
+          <p:nvPr>
+            <p:ph type="sldNum" sz="quarter" idx="10"/>
+          </p:nvPr>
+        </p:nvSpPr>
+        <p:spPr/>
+        <p:txBody>
+          <a:bodyPr/>
+          <a:lstStyle/>
+          <a:p>
+            <a:fld id="{6A2CFF65-CB9C-5A47-B7DE-47882B59B3DA}" type="slidenum">
+              <a:rPr lang="de-DE" smtClean="0"/>
+              <a:t>15</a:t>
+            </a:fld>
+            <a:endParaRPr lang="de-DE"/>
+          </a:p>
+        </p:txBody>
+      </p:sp>
+    </p:spTree>
+    <p:extLst>
+      <p:ext uri="{BB962C8B-B14F-4D97-AF65-F5344CB8AC3E}">
+        <p14:creationId xmlns:p14="http://schemas.microsoft.com/office/powerpoint/2010/main" val="660173880"/>
+      </p:ext>
+    </p:extLst>
+  </p:cSld>
+  <p:clrMapOvr>
+    <a:masterClrMapping/>
+  </p:clrMapOvr>
+</p:notes>
+</file>
+
+<file path=ppt/notesSlides/notesSlide12.xml><?xml version="1.0" encoding="utf-8"?>
+<p:notes xmlns:a="http://schemas.openxmlformats.org/drawingml/2006/main" xmlns:r="http://schemas.openxmlformats.org/officeDocument/2006/relationships" xmlns:p="http://schemas.openxmlformats.org/presentationml/2006/main">
+  <p:cSld>
+    <p:spTree>
+      <p:nvGrpSpPr>
+        <p:cNvPr id="1" name=""/>
+        <p:cNvGrpSpPr/>
+        <p:nvPr/>
+      </p:nvGrpSpPr>
+      <p:grpSpPr>
+        <a:xfrm>
+          <a:off x="0" y="0"/>
+          <a:ext cx="0" cy="0"/>
+          <a:chOff x="0" y="0"/>
+          <a:chExt cx="0" cy="0"/>
+        </a:xfrm>
+      </p:grpSpPr>
+      <p:sp>
+        <p:nvSpPr>
+          <p:cNvPr id="2" name="Folienbildplatzhalter 1"/>
+          <p:cNvSpPr>
+            <a:spLocks noGrp="1" noRot="1" noChangeAspect="1"/>
+          </p:cNvSpPr>
+          <p:nvPr>
+            <p:ph type="sldImg"/>
+          </p:nvPr>
+        </p:nvSpPr>
+        <p:spPr/>
+      </p:sp>
+      <p:sp>
+        <p:nvSpPr>
+          <p:cNvPr id="3" name="Notizenplatzhalter 2"/>
+          <p:cNvSpPr>
+            <a:spLocks noGrp="1"/>
+          </p:cNvSpPr>
+          <p:nvPr>
+            <p:ph type="body" idx="1"/>
+          </p:nvPr>
+        </p:nvSpPr>
+        <p:spPr/>
+        <p:txBody>
+          <a:bodyPr/>
+          <a:lstStyle/>
+          <a:p>
+            <a:endParaRPr lang="de-DE" dirty="0"/>
+          </a:p>
+        </p:txBody>
+      </p:sp>
+      <p:sp>
+        <p:nvSpPr>
+          <p:cNvPr id="4" name="Foliennummernplatzhalter 3"/>
+          <p:cNvSpPr>
+            <a:spLocks noGrp="1"/>
+          </p:cNvSpPr>
+          <p:nvPr>
+            <p:ph type="sldNum" sz="quarter" idx="10"/>
+          </p:nvPr>
+        </p:nvSpPr>
+        <p:spPr/>
+        <p:txBody>
+          <a:bodyPr/>
+          <a:lstStyle/>
+          <a:p>
+            <a:fld id="{6A2CFF65-CB9C-5A47-B7DE-47882B59B3DA}" type="slidenum">
+              <a:rPr lang="de-DE" smtClean="0"/>
+              <a:t>16</a:t>
+            </a:fld>
+            <a:endParaRPr lang="de-DE"/>
+          </a:p>
+        </p:txBody>
+      </p:sp>
+    </p:spTree>
+    <p:extLst>
+      <p:ext uri="{BB962C8B-B14F-4D97-AF65-F5344CB8AC3E}">
+        <p14:creationId xmlns:p14="http://schemas.microsoft.com/office/powerpoint/2010/main" val="660173880"/>
+      </p:ext>
+    </p:extLst>
+  </p:cSld>
+  <p:clrMapOvr>
+    <a:masterClrMapping/>
+  </p:clrMapOvr>
+</p:notes>
+</file>
+
+<file path=ppt/notesSlides/notesSlide13.xml><?xml version="1.0" encoding="utf-8"?>
+<p:notes xmlns:a="http://schemas.openxmlformats.org/drawingml/2006/main" xmlns:r="http://schemas.openxmlformats.org/officeDocument/2006/relationships" xmlns:p="http://schemas.openxmlformats.org/presentationml/2006/main">
+  <p:cSld>
+    <p:spTree>
+      <p:nvGrpSpPr>
+        <p:cNvPr id="1" name=""/>
+        <p:cNvGrpSpPr/>
+        <p:nvPr/>
+      </p:nvGrpSpPr>
+      <p:grpSpPr>
+        <a:xfrm>
+          <a:off x="0" y="0"/>
+          <a:ext cx="0" cy="0"/>
+          <a:chOff x="0" y="0"/>
+          <a:chExt cx="0" cy="0"/>
+        </a:xfrm>
+      </p:grpSpPr>
+      <p:sp>
+        <p:nvSpPr>
+          <p:cNvPr id="2" name="Folienbildplatzhalter 1"/>
+          <p:cNvSpPr>
+            <a:spLocks noGrp="1" noRot="1" noChangeAspect="1"/>
+          </p:cNvSpPr>
+          <p:nvPr>
+            <p:ph type="sldImg"/>
+          </p:nvPr>
+        </p:nvSpPr>
+        <p:spPr/>
+      </p:sp>
+      <p:sp>
+        <p:nvSpPr>
+          <p:cNvPr id="3" name="Notizenplatzhalter 2"/>
+          <p:cNvSpPr>
+            <a:spLocks noGrp="1"/>
+          </p:cNvSpPr>
+          <p:nvPr>
+            <p:ph type="body" idx="1"/>
+          </p:nvPr>
+        </p:nvSpPr>
+        <p:spPr/>
+        <p:txBody>
+          <a:bodyPr/>
+          <a:lstStyle/>
+          <a:p>
+            <a:r>
+              <a:rPr lang="de-DE" dirty="0" smtClean="0"/>
+              <a:t>Design Pattern: </a:t>
+            </a:r>
+            <a:r>
+              <a:rPr lang="de-DE" dirty="0" err="1" smtClean="0"/>
+              <a:t>Strategy</a:t>
+            </a:r>
+            <a:endParaRPr lang="de-DE" dirty="0" smtClean="0"/>
+          </a:p>
+        </p:txBody>
+      </p:sp>
+      <p:sp>
+        <p:nvSpPr>
+          <p:cNvPr id="4" name="Foliennummernplatzhalter 3"/>
+          <p:cNvSpPr>
+            <a:spLocks noGrp="1"/>
+          </p:cNvSpPr>
+          <p:nvPr>
+            <p:ph type="sldNum" sz="quarter" idx="10"/>
+          </p:nvPr>
+        </p:nvSpPr>
+        <p:spPr/>
+        <p:txBody>
+          <a:bodyPr/>
+          <a:lstStyle/>
+          <a:p>
+            <a:fld id="{6A2CFF65-CB9C-5A47-B7DE-47882B59B3DA}" type="slidenum">
+              <a:rPr lang="de-DE" smtClean="0"/>
+              <a:t>18</a:t>
+            </a:fld>
+            <a:endParaRPr lang="de-DE"/>
+          </a:p>
+        </p:txBody>
+      </p:sp>
+    </p:spTree>
+    <p:extLst>
+      <p:ext uri="{BB962C8B-B14F-4D97-AF65-F5344CB8AC3E}">
+        <p14:creationId xmlns:p14="http://schemas.microsoft.com/office/powerpoint/2010/main" val="660173880"/>
+      </p:ext>
+    </p:extLst>
+  </p:cSld>
+  <p:clrMapOvr>
+    <a:masterClrMapping/>
+  </p:clrMapOvr>
+</p:notes>
+</file>
+
+<file path=ppt/notesSlides/notesSlide14.xml><?xml version="1.0" encoding="utf-8"?>
+<p:notes xmlns:a="http://schemas.openxmlformats.org/drawingml/2006/main" xmlns:r="http://schemas.openxmlformats.org/officeDocument/2006/relationships" xmlns:p="http://schemas.openxmlformats.org/presentationml/2006/main">
+  <p:cSld>
+    <p:spTree>
+      <p:nvGrpSpPr>
+        <p:cNvPr id="1" name=""/>
+        <p:cNvGrpSpPr/>
+        <p:nvPr/>
+      </p:nvGrpSpPr>
+      <p:grpSpPr>
+        <a:xfrm>
+          <a:off x="0" y="0"/>
+          <a:ext cx="0" cy="0"/>
+          <a:chOff x="0" y="0"/>
+          <a:chExt cx="0" cy="0"/>
+        </a:xfrm>
+      </p:grpSpPr>
+      <p:sp>
+        <p:nvSpPr>
+          <p:cNvPr id="2" name="Folienbildplatzhalter 1"/>
+          <p:cNvSpPr>
+            <a:spLocks noGrp="1" noRot="1" noChangeAspect="1"/>
+          </p:cNvSpPr>
+          <p:nvPr>
+            <p:ph type="sldImg"/>
+          </p:nvPr>
+        </p:nvSpPr>
+        <p:spPr/>
+      </p:sp>
+      <p:sp>
+        <p:nvSpPr>
+          <p:cNvPr id="3" name="Notizenplatzhalter 2"/>
+          <p:cNvSpPr>
+            <a:spLocks noGrp="1"/>
+          </p:cNvSpPr>
+          <p:nvPr>
+            <p:ph type="body" idx="1"/>
+          </p:nvPr>
+        </p:nvSpPr>
+        <p:spPr/>
+        <p:txBody>
+          <a:bodyPr/>
+          <a:lstStyle/>
+          <a:p>
+            <a:endParaRPr lang="de-DE"/>
+          </a:p>
+        </p:txBody>
+      </p:sp>
+      <p:sp>
+        <p:nvSpPr>
+          <p:cNvPr id="4" name="Foliennummernplatzhalter 3"/>
+          <p:cNvSpPr>
+            <a:spLocks noGrp="1"/>
+          </p:cNvSpPr>
+          <p:nvPr>
+            <p:ph type="sldNum" sz="quarter" idx="10"/>
+          </p:nvPr>
+        </p:nvSpPr>
+        <p:spPr/>
+        <p:txBody>
+          <a:bodyPr/>
+          <a:lstStyle/>
+          <a:p>
+            <a:fld id="{6A2CFF65-CB9C-5A47-B7DE-47882B59B3DA}" type="slidenum">
+              <a:rPr lang="de-DE" smtClean="0"/>
+              <a:t>19</a:t>
+            </a:fld>
+            <a:endParaRPr lang="de-DE"/>
+          </a:p>
+        </p:txBody>
+      </p:sp>
+    </p:spTree>
+    <p:extLst>
+      <p:ext uri="{BB962C8B-B14F-4D97-AF65-F5344CB8AC3E}">
+        <p14:creationId xmlns:p14="http://schemas.microsoft.com/office/powerpoint/2010/main" val="865758175"/>
+      </p:ext>
+    </p:extLst>
+  </p:cSld>
+  <p:clrMapOvr>
+    <a:masterClrMapping/>
+  </p:clrMapOvr>
+</p:notes>
+</file>
+
 <file path=ppt/notesSlides/notesSlide2.xml><?xml version="1.0" encoding="utf-8"?>
 <p:notes xmlns:a="http://schemas.openxmlformats.org/drawingml/2006/main" xmlns:r="http://schemas.openxmlformats.org/officeDocument/2006/relationships" xmlns:p="http://schemas.openxmlformats.org/presentationml/2006/main">
   <p:cSld>
@@ -1374,7 +1808,28 @@
             </a:r>
             <a:r>
               <a:rPr lang="de-DE" baseline="0" dirty="0" smtClean="0"/>
-              <a:t> setzten gleich</a:t>
+              <a:t> setzten </a:t>
+            </a:r>
+            <a:r>
+              <a:rPr lang="de-DE" baseline="0" dirty="0" smtClean="0"/>
+              <a:t>gleich</a:t>
+            </a:r>
+          </a:p>
+          <a:p>
+            <a:r>
+              <a:rPr lang="de-DE" baseline="0" dirty="0" smtClean="0"/>
+              <a:t>Design Pattern: </a:t>
+            </a:r>
+            <a:r>
+              <a:rPr lang="de-DE" baseline="0" dirty="0" err="1" smtClean="0"/>
+              <a:t>Decorator</a:t>
+            </a:r>
+            <a:endParaRPr lang="de-DE" baseline="0" dirty="0" smtClean="0"/>
+          </a:p>
+          <a:p>
+            <a:r>
+              <a:rPr lang="de-DE" baseline="0" dirty="0" smtClean="0"/>
+              <a:t>-&gt; Abstract Item und dann diverse Versionen davon, diese könnten durch Vererbung einzeln noch spezifiziert werden</a:t>
             </a:r>
             <a:endParaRPr lang="de-DE" dirty="0"/>
           </a:p>
@@ -1460,6 +1915,20 @@
           <a:bodyPr/>
           <a:lstStyle/>
           <a:p>
+            <a:r>
+              <a:rPr lang="de-DE" dirty="0" smtClean="0"/>
+              <a:t>Design Pattern: Factory</a:t>
+            </a:r>
+          </a:p>
+          <a:p>
+            <a:r>
+              <a:rPr lang="de-DE" dirty="0" smtClean="0"/>
+              <a:t>Für jedes Item gibt es ein Tool, welches</a:t>
+            </a:r>
+            <a:r>
+              <a:rPr lang="de-DE" baseline="0" dirty="0" smtClean="0"/>
+              <a:t> diese Erstellt. </a:t>
+            </a:r>
             <a:endParaRPr lang="de-DE" dirty="0"/>
           </a:p>
         </p:txBody>
@@ -1544,7 +2013,159 @@
           <a:bodyPr/>
           <a:lstStyle/>
           <a:p>
+            <a:r>
+              <a:rPr lang="de-DE" dirty="0" smtClean="0"/>
+              <a:t>Design Pattern: Observer</a:t>
+            </a:r>
+          </a:p>
+          <a:p>
+            <a:r>
+              <a:rPr lang="de-DE" dirty="0" smtClean="0"/>
+              <a:t>Jedes Item besitz</a:t>
+            </a:r>
+            <a:r>
+              <a:rPr lang="de-DE" baseline="0" dirty="0" smtClean="0"/>
+              <a:t> mehrere </a:t>
+            </a:r>
+            <a:r>
+              <a:rPr lang="de-DE" baseline="0" dirty="0" err="1" smtClean="0"/>
+              <a:t>ItemChangedListeners</a:t>
+            </a:r>
+            <a:r>
+              <a:rPr lang="de-DE" baseline="0" dirty="0" smtClean="0"/>
+              <a:t> (Observer), dieser gibt eine Änderung (durch </a:t>
+            </a:r>
+            <a:r>
+              <a:rPr lang="de-DE" baseline="0" dirty="0" err="1" smtClean="0"/>
+              <a:t>notify</a:t>
+            </a:r>
+            <a:r>
+              <a:rPr lang="de-DE" baseline="0" dirty="0" smtClean="0"/>
+              <a:t> ausgelöst) des Items weiter an das Field und löst bspw. Ein </a:t>
+            </a:r>
+            <a:r>
+              <a:rPr lang="de-DE" baseline="0" dirty="0" err="1" smtClean="0"/>
+              <a:t>repaint</a:t>
+            </a:r>
+            <a:r>
+              <a:rPr lang="de-DE" baseline="0" dirty="0" smtClean="0"/>
+              <a:t> aus. </a:t>
+            </a:r>
+            <a:endParaRPr lang="de-DE" dirty="0"/>
+          </a:p>
+        </p:txBody>
+      </p:sp>
+      <p:sp>
+        <p:nvSpPr>
+          <p:cNvPr id="4" name="Foliennummernplatzhalter 3"/>
+          <p:cNvSpPr>
+            <a:spLocks noGrp="1"/>
+          </p:cNvSpPr>
+          <p:nvPr>
+            <p:ph type="sldNum" sz="quarter" idx="10"/>
+          </p:nvPr>
+        </p:nvSpPr>
+        <p:spPr/>
+        <p:txBody>
+          <a:bodyPr/>
+          <a:lstStyle/>
+          <a:p>
+            <a:fld id="{6A2CFF65-CB9C-5A47-B7DE-47882B59B3DA}" type="slidenum">
+              <a:rPr lang="de-DE" smtClean="0"/>
+              <a:t>12</a:t>
+            </a:fld>
             <a:endParaRPr lang="de-DE"/>
+          </a:p>
+        </p:txBody>
+      </p:sp>
+    </p:spTree>
+    <p:extLst>
+      <p:ext uri="{BB962C8B-B14F-4D97-AF65-F5344CB8AC3E}">
+        <p14:creationId xmlns:p14="http://schemas.microsoft.com/office/powerpoint/2010/main" val="660173880"/>
+      </p:ext>
+    </p:extLst>
+  </p:cSld>
+  <p:clrMapOvr>
+    <a:masterClrMapping/>
+  </p:clrMapOvr>
+</p:notes>
+</file>
+
+<file path=ppt/notesSlides/notesSlide9.xml><?xml version="1.0" encoding="utf-8"?>
+<p:notes xmlns:a="http://schemas.openxmlformats.org/drawingml/2006/main" xmlns:r="http://schemas.openxmlformats.org/officeDocument/2006/relationships" xmlns:p="http://schemas.openxmlformats.org/presentationml/2006/main">
+  <p:cSld>
+    <p:spTree>
+      <p:nvGrpSpPr>
+        <p:cNvPr id="1" name=""/>
+        <p:cNvGrpSpPr/>
+        <p:nvPr/>
+      </p:nvGrpSpPr>
+      <p:grpSpPr>
+        <a:xfrm>
+          <a:off x="0" y="0"/>
+          <a:ext cx="0" cy="0"/>
+          <a:chOff x="0" y="0"/>
+          <a:chExt cx="0" cy="0"/>
+        </a:xfrm>
+      </p:grpSpPr>
+      <p:sp>
+        <p:nvSpPr>
+          <p:cNvPr id="2" name="Folienbildplatzhalter 1"/>
+          <p:cNvSpPr>
+            <a:spLocks noGrp="1" noRot="1" noChangeAspect="1"/>
+          </p:cNvSpPr>
+          <p:nvPr>
+            <p:ph type="sldImg"/>
+          </p:nvPr>
+        </p:nvSpPr>
+        <p:spPr/>
+      </p:sp>
+      <p:sp>
+        <p:nvSpPr>
+          <p:cNvPr id="3" name="Notizenplatzhalter 2"/>
+          <p:cNvSpPr>
+            <a:spLocks noGrp="1"/>
+          </p:cNvSpPr>
+          <p:nvPr>
+            <p:ph type="body" idx="1"/>
+          </p:nvPr>
+        </p:nvSpPr>
+        <p:spPr/>
+        <p:txBody>
+          <a:bodyPr/>
+          <a:lstStyle/>
+          <a:p>
+            <a:r>
+              <a:rPr lang="de-DE" dirty="0" smtClean="0"/>
+              <a:t>Design Pattern: Observer</a:t>
+            </a:r>
+          </a:p>
+          <a:p>
+            <a:r>
+              <a:rPr lang="de-DE" dirty="0" smtClean="0"/>
+              <a:t>Das Field ein</a:t>
+            </a:r>
+            <a:r>
+              <a:rPr lang="de-DE" baseline="0" dirty="0" smtClean="0"/>
+              <a:t> </a:t>
+            </a:r>
+            <a:r>
+              <a:rPr lang="de-DE" baseline="0" dirty="0" err="1" smtClean="0"/>
+              <a:t>FieldChangedListener</a:t>
+            </a:r>
+            <a:r>
+              <a:rPr lang="de-DE" baseline="0" dirty="0" smtClean="0"/>
+              <a:t> (Observer), dieser gibt Änderungen (durch </a:t>
+            </a:r>
+            <a:r>
+              <a:rPr lang="de-DE" baseline="0" dirty="0" err="1" smtClean="0"/>
+              <a:t>notify</a:t>
+            </a:r>
+            <a:r>
+              <a:rPr lang="de-DE" baseline="0" dirty="0" smtClean="0"/>
+              <a:t> im Field aufgelöst) weiter an die View und löst bspw. Ein Repaint aus. </a:t>
+            </a:r>
+            <a:endParaRPr lang="de-DE" dirty="0"/>
           </a:p>
         </p:txBody>
       </p:sp>
@@ -1574,7 +2195,7 @@
     </p:spTree>
     <p:extLst>
       <p:ext uri="{BB962C8B-B14F-4D97-AF65-F5344CB8AC3E}">
-        <p14:creationId xmlns:p14="http://schemas.microsoft.com/office/powerpoint/2010/main" val="865758175"/>
+        <p14:creationId xmlns:p14="http://schemas.microsoft.com/office/powerpoint/2010/main" val="660173880"/>
       </p:ext>
     </p:extLst>
   </p:cSld>
@@ -5391,10 +6012,6 @@
               <a:rPr lang="de-DE" dirty="0" smtClean="0"/>
               <a:t>Diagramme</a:t>
             </a:r>
-            <a:r>
-              <a:rPr lang="de-DE" dirty="0" smtClean="0"/>
-              <a:t/>
-            </a:r>
             <a:br>
               <a:rPr lang="de-DE" dirty="0" smtClean="0"/>
             </a:br>
@@ -5452,6 +6069,36 @@
           </a:p>
         </p:txBody>
       </p:sp>
+      <p:pic>
+        <p:nvPicPr>
+          <p:cNvPr id="3" name="Bild 2" descr="uml_diagramm_items.jpg"/>
+          <p:cNvPicPr>
+            <a:picLocks noChangeAspect="1"/>
+          </p:cNvPicPr>
+          <p:nvPr/>
+        </p:nvPicPr>
+        <p:blipFill>
+          <a:blip r:embed="rId3">
+            <a:extLst>
+              <a:ext uri="{28A0092B-C50C-407E-A947-70E740481C1C}">
+                <a14:useLocalDpi xmlns:a14="http://schemas.microsoft.com/office/drawing/2010/main" val="0"/>
+              </a:ext>
+            </a:extLst>
+          </a:blip>
+          <a:stretch>
+            <a:fillRect/>
+          </a:stretch>
+        </p:blipFill>
+        <p:spPr>
+          <a:xfrm>
+            <a:off x="1644415" y="1640302"/>
+            <a:ext cx="5421682" cy="5217698"/>
+          </a:xfrm>
+          <a:prstGeom prst="rect">
+            <a:avLst/>
+          </a:prstGeom>
+        </p:spPr>
+      </p:pic>
     </p:spTree>
     <p:extLst>
       <p:ext uri="{BB962C8B-B14F-4D97-AF65-F5344CB8AC3E}">
@@ -5517,16 +6164,12 @@
               <a:rPr lang="de-DE" dirty="0" smtClean="0"/>
               <a:t>Diagramme</a:t>
             </a:r>
-            <a:r>
-              <a:rPr lang="de-DE" dirty="0" smtClean="0"/>
-              <a:t/>
-            </a:r>
             <a:br>
               <a:rPr lang="de-DE" dirty="0" smtClean="0"/>
             </a:br>
             <a:r>
               <a:rPr lang="de-DE" sz="3200" dirty="0" smtClean="0"/>
-              <a:t>Handlers</a:t>
+              <a:t>Tools</a:t>
             </a:r>
             <a:endParaRPr lang="de-DE" sz="3200" dirty="0"/>
           </a:p>
@@ -5578,10 +6221,40 @@
           </a:p>
         </p:txBody>
       </p:sp>
+      <p:pic>
+        <p:nvPicPr>
+          <p:cNvPr id="3" name="Bild 2" descr="uml_diagramm_tools.jpg"/>
+          <p:cNvPicPr>
+            <a:picLocks noChangeAspect="1"/>
+          </p:cNvPicPr>
+          <p:nvPr/>
+        </p:nvPicPr>
+        <p:blipFill>
+          <a:blip r:embed="rId3">
+            <a:extLst>
+              <a:ext uri="{28A0092B-C50C-407E-A947-70E740481C1C}">
+                <a14:useLocalDpi xmlns:a14="http://schemas.microsoft.com/office/drawing/2010/main" val="0"/>
+              </a:ext>
+            </a:extLst>
+          </a:blip>
+          <a:stretch>
+            <a:fillRect/>
+          </a:stretch>
+        </p:blipFill>
+        <p:spPr>
+          <a:xfrm>
+            <a:off x="354106" y="1661304"/>
+            <a:ext cx="8573020" cy="4792726"/>
+          </a:xfrm>
+          <a:prstGeom prst="rect">
+            <a:avLst/>
+          </a:prstGeom>
+        </p:spPr>
+      </p:pic>
     </p:spTree>
     <p:extLst>
       <p:ext uri="{BB962C8B-B14F-4D97-AF65-F5344CB8AC3E}">
-        <p14:creationId xmlns:p14="http://schemas.microsoft.com/office/powerpoint/2010/main" val="3971977397"/>
+        <p14:creationId xmlns:p14="http://schemas.microsoft.com/office/powerpoint/2010/main" val="2365112028"/>
       </p:ext>
     </p:extLst>
   </p:cSld>
@@ -5625,76 +6298,61 @@
             <p:ph type="title"/>
           </p:nvPr>
         </p:nvSpPr>
-        <p:spPr/>
-        <p:txBody>
-          <a:bodyPr/>
-          <a:lstStyle/>
-          <a:p>
+        <p:spPr>
+          <a:xfrm>
+            <a:off x="565763" y="107577"/>
+            <a:ext cx="8007257" cy="1653988"/>
+          </a:xfrm>
+        </p:spPr>
+        <p:txBody>
+          <a:bodyPr/>
+          <a:lstStyle/>
+          <a:p>
+            <a:r>
+              <a:rPr lang="de-DE" dirty="0"/>
+              <a:t>UML Klassen </a:t>
+            </a:r>
             <a:r>
               <a:rPr lang="de-DE" dirty="0" smtClean="0"/>
-              <a:t>Robot</a:t>
-            </a:r>
-            <a:endParaRPr lang="de-DE" dirty="0"/>
-          </a:p>
-        </p:txBody>
-      </p:sp>
-      <p:sp>
-        <p:nvSpPr>
-          <p:cNvPr id="3" name="Inhaltsplatzhalter 2"/>
-          <p:cNvSpPr>
-            <a:spLocks noGrp="1"/>
-          </p:cNvSpPr>
-          <p:nvPr>
-            <p:ph idx="1"/>
-          </p:nvPr>
-        </p:nvSpPr>
-        <p:spPr/>
-        <p:txBody>
-          <a:bodyPr/>
-          <a:lstStyle/>
-          <a:p>
-            <a:r>
-              <a:rPr lang="de-DE" dirty="0"/>
-              <a:t>Domain Mode</a:t>
-            </a:r>
-          </a:p>
-          <a:p>
-            <a:r>
-              <a:rPr lang="de-DE" dirty="0" err="1"/>
-              <a:t>Use</a:t>
-            </a:r>
-            <a:r>
-              <a:rPr lang="de-DE" dirty="0"/>
-              <a:t> Cases</a:t>
-            </a:r>
-          </a:p>
-          <a:p>
-            <a:r>
-              <a:rPr lang="de-DE" dirty="0" err="1"/>
-              <a:t>Sequence</a:t>
-            </a:r>
-            <a:r>
-              <a:rPr lang="de-DE" dirty="0"/>
-              <a:t> Diagramme</a:t>
-            </a:r>
-          </a:p>
-          <a:p>
-            <a:r>
-              <a:rPr lang="de-DE" dirty="0"/>
-              <a:t>UML Klassen Diagramme</a:t>
-            </a:r>
-          </a:p>
-          <a:p>
-            <a:pPr marL="0" indent="0">
-              <a:buNone/>
-            </a:pPr>
-            <a:endParaRPr lang="de-DE" dirty="0"/>
-          </a:p>
-        </p:txBody>
-      </p:sp>
-      <p:sp>
-        <p:nvSpPr>
-          <p:cNvPr id="6" name="Foliennummernplatzhalter 5"/>
+              <a:t>Diagramme</a:t>
+            </a:r>
+            <a:br>
+              <a:rPr lang="de-DE" dirty="0" smtClean="0"/>
+            </a:br>
+            <a:r>
+              <a:rPr lang="de-DE" sz="3200" dirty="0" smtClean="0"/>
+              <a:t>Observer Hindernisse</a:t>
+            </a:r>
+            <a:endParaRPr lang="de-DE" sz="3200" dirty="0"/>
+          </a:p>
+        </p:txBody>
+      </p:sp>
+      <p:sp>
+        <p:nvSpPr>
+          <p:cNvPr id="4" name="Fußzeilenplatzhalter 3"/>
+          <p:cNvSpPr>
+            <a:spLocks noGrp="1"/>
+          </p:cNvSpPr>
+          <p:nvPr>
+            <p:ph type="ftr" sz="quarter" idx="11"/>
+          </p:nvPr>
+        </p:nvSpPr>
+        <p:spPr/>
+        <p:txBody>
+          <a:bodyPr/>
+          <a:lstStyle/>
+          <a:p>
+            <a:r>
+              <a:rPr lang="en-US" smtClean="0"/>
+              <a:t>gfels4 &amp; zannc2</a:t>
+            </a:r>
+            <a:endParaRPr lang="en-US"/>
+          </a:p>
+        </p:txBody>
+      </p:sp>
+      <p:sp>
+        <p:nvSpPr>
+          <p:cNvPr id="5" name="Foliennummernplatzhalter 4"/>
           <p:cNvSpPr>
             <a:spLocks noGrp="1"/>
           </p:cNvSpPr>
@@ -5715,33 +6373,40 @@
           </a:p>
         </p:txBody>
       </p:sp>
-      <p:sp>
-        <p:nvSpPr>
-          <p:cNvPr id="7" name="Fußzeilenplatzhalter 6"/>
-          <p:cNvSpPr>
-            <a:spLocks noGrp="1"/>
-          </p:cNvSpPr>
-          <p:nvPr>
-            <p:ph type="ftr" sz="quarter" idx="11"/>
-          </p:nvPr>
-        </p:nvSpPr>
-        <p:spPr/>
-        <p:txBody>
-          <a:bodyPr/>
-          <a:lstStyle/>
-          <a:p>
-            <a:r>
-              <a:rPr lang="en-US" smtClean="0"/>
-              <a:t>gfels4 &amp; zannc2</a:t>
-            </a:r>
-            <a:endParaRPr lang="en-US"/>
-          </a:p>
-        </p:txBody>
-      </p:sp>
+      <p:pic>
+        <p:nvPicPr>
+          <p:cNvPr id="3" name="Bild 2" descr="uml_diagramm_itemObserver.jpg"/>
+          <p:cNvPicPr>
+            <a:picLocks noChangeAspect="1"/>
+          </p:cNvPicPr>
+          <p:nvPr/>
+        </p:nvPicPr>
+        <p:blipFill>
+          <a:blip r:embed="rId3">
+            <a:extLst>
+              <a:ext uri="{28A0092B-C50C-407E-A947-70E740481C1C}">
+                <a14:useLocalDpi xmlns:a14="http://schemas.microsoft.com/office/drawing/2010/main" val="0"/>
+              </a:ext>
+            </a:extLst>
+          </a:blip>
+          <a:stretch>
+            <a:fillRect/>
+          </a:stretch>
+        </p:blipFill>
+        <p:spPr>
+          <a:xfrm>
+            <a:off x="0" y="1890866"/>
+            <a:ext cx="9144000" cy="4465484"/>
+          </a:xfrm>
+          <a:prstGeom prst="rect">
+            <a:avLst/>
+          </a:prstGeom>
+        </p:spPr>
+      </p:pic>
     </p:spTree>
     <p:extLst>
       <p:ext uri="{BB962C8B-B14F-4D97-AF65-F5344CB8AC3E}">
-        <p14:creationId xmlns:p14="http://schemas.microsoft.com/office/powerpoint/2010/main" val="3514780789"/>
+        <p14:creationId xmlns:p14="http://schemas.microsoft.com/office/powerpoint/2010/main" val="4244342565"/>
       </p:ext>
     </p:extLst>
   </p:cSld>
@@ -5785,41 +6450,61 @@
             <p:ph type="title"/>
           </p:nvPr>
         </p:nvSpPr>
-        <p:spPr/>
-        <p:txBody>
-          <a:bodyPr/>
-          <a:lstStyle/>
-          <a:p>
+        <p:spPr>
+          <a:xfrm>
+            <a:off x="565763" y="107577"/>
+            <a:ext cx="8007257" cy="1653988"/>
+          </a:xfrm>
+        </p:spPr>
+        <p:txBody>
+          <a:bodyPr/>
+          <a:lstStyle/>
+          <a:p>
+            <a:r>
+              <a:rPr lang="de-DE" dirty="0"/>
+              <a:t>UML Klassen </a:t>
+            </a:r>
             <a:r>
               <a:rPr lang="de-DE" dirty="0" smtClean="0"/>
-              <a:t>Vorführung</a:t>
-            </a:r>
-            <a:endParaRPr lang="de-DE" dirty="0"/>
-          </a:p>
-        </p:txBody>
-      </p:sp>
-      <p:sp>
-        <p:nvSpPr>
-          <p:cNvPr id="3" name="Inhaltsplatzhalter 2"/>
-          <p:cNvSpPr>
-            <a:spLocks noGrp="1"/>
-          </p:cNvSpPr>
-          <p:nvPr>
-            <p:ph idx="1"/>
-          </p:nvPr>
-        </p:nvSpPr>
-        <p:spPr/>
-        <p:txBody>
-          <a:bodyPr/>
-          <a:lstStyle/>
-          <a:p>
-            <a:endParaRPr lang="de-DE"/>
-          </a:p>
-        </p:txBody>
-      </p:sp>
-      <p:sp>
-        <p:nvSpPr>
-          <p:cNvPr id="6" name="Foliennummernplatzhalter 5"/>
+              <a:t>Diagramme</a:t>
+            </a:r>
+            <a:br>
+              <a:rPr lang="de-DE" dirty="0" smtClean="0"/>
+            </a:br>
+            <a:r>
+              <a:rPr lang="de-DE" sz="3200" dirty="0" smtClean="0"/>
+              <a:t>Observer Field</a:t>
+            </a:r>
+            <a:endParaRPr lang="de-DE" sz="3200" dirty="0"/>
+          </a:p>
+        </p:txBody>
+      </p:sp>
+      <p:sp>
+        <p:nvSpPr>
+          <p:cNvPr id="4" name="Fußzeilenplatzhalter 3"/>
+          <p:cNvSpPr>
+            <a:spLocks noGrp="1"/>
+          </p:cNvSpPr>
+          <p:nvPr>
+            <p:ph type="ftr" sz="quarter" idx="11"/>
+          </p:nvPr>
+        </p:nvSpPr>
+        <p:spPr/>
+        <p:txBody>
+          <a:bodyPr/>
+          <a:lstStyle/>
+          <a:p>
+            <a:r>
+              <a:rPr lang="en-US" smtClean="0"/>
+              <a:t>gfels4 &amp; zannc2</a:t>
+            </a:r>
+            <a:endParaRPr lang="en-US"/>
+          </a:p>
+        </p:txBody>
+      </p:sp>
+      <p:sp>
+        <p:nvSpPr>
+          <p:cNvPr id="5" name="Foliennummernplatzhalter 4"/>
           <p:cNvSpPr>
             <a:spLocks noGrp="1"/>
           </p:cNvSpPr>
@@ -5835,6 +6520,875 @@
             <a:fld id="{D12AA694-00EB-4F4B-AABB-6F50FB178914}" type="slidenum">
               <a:rPr lang="en-US" smtClean="0"/>
               <a:t>13</a:t>
+            </a:fld>
+            <a:endParaRPr lang="en-US"/>
+          </a:p>
+        </p:txBody>
+      </p:sp>
+      <p:pic>
+        <p:nvPicPr>
+          <p:cNvPr id="6" name="Bild 5" descr="uml_diagramm_fieldObserver.jpg"/>
+          <p:cNvPicPr>
+            <a:picLocks noChangeAspect="1"/>
+          </p:cNvPicPr>
+          <p:nvPr/>
+        </p:nvPicPr>
+        <p:blipFill>
+          <a:blip r:embed="rId3">
+            <a:extLst>
+              <a:ext uri="{28A0092B-C50C-407E-A947-70E740481C1C}">
+                <a14:useLocalDpi xmlns:a14="http://schemas.microsoft.com/office/drawing/2010/main" val="0"/>
+              </a:ext>
+            </a:extLst>
+          </a:blip>
+          <a:stretch>
+            <a:fillRect/>
+          </a:stretch>
+        </p:blipFill>
+        <p:spPr>
+          <a:xfrm>
+            <a:off x="177832" y="1680165"/>
+            <a:ext cx="8803354" cy="4722829"/>
+          </a:xfrm>
+          <a:prstGeom prst="rect">
+            <a:avLst/>
+          </a:prstGeom>
+        </p:spPr>
+      </p:pic>
+    </p:spTree>
+    <p:extLst>
+      <p:ext uri="{BB962C8B-B14F-4D97-AF65-F5344CB8AC3E}">
+        <p14:creationId xmlns:p14="http://schemas.microsoft.com/office/powerpoint/2010/main" val="2983411036"/>
+      </p:ext>
+    </p:extLst>
+  </p:cSld>
+  <p:clrMapOvr>
+    <a:masterClrMapping/>
+  </p:clrMapOvr>
+  <p:timing>
+    <p:tnLst>
+      <p:par>
+        <p:cTn xmlns:p14="http://schemas.microsoft.com/office/powerpoint/2010/main" id="1" dur="indefinite" restart="never" nodeType="tmRoot"/>
+      </p:par>
+    </p:tnLst>
+  </p:timing>
+</p:sld>
+</file>
+
+<file path=ppt/slides/slide14.xml><?xml version="1.0" encoding="utf-8"?>
+<p:sld xmlns:a="http://schemas.openxmlformats.org/drawingml/2006/main" xmlns:r="http://schemas.openxmlformats.org/officeDocument/2006/relationships" xmlns:p="http://schemas.openxmlformats.org/presentationml/2006/main">
+  <p:cSld>
+    <p:spTree>
+      <p:nvGrpSpPr>
+        <p:cNvPr id="1" name=""/>
+        <p:cNvGrpSpPr/>
+        <p:nvPr/>
+      </p:nvGrpSpPr>
+      <p:grpSpPr>
+        <a:xfrm>
+          <a:off x="0" y="0"/>
+          <a:ext cx="0" cy="0"/>
+          <a:chOff x="0" y="0"/>
+          <a:chExt cx="0" cy="0"/>
+        </a:xfrm>
+      </p:grpSpPr>
+      <p:sp>
+        <p:nvSpPr>
+          <p:cNvPr id="2" name="Titel 1"/>
+          <p:cNvSpPr>
+            <a:spLocks noGrp="1"/>
+          </p:cNvSpPr>
+          <p:nvPr>
+            <p:ph type="title"/>
+          </p:nvPr>
+        </p:nvSpPr>
+        <p:spPr>
+          <a:xfrm>
+            <a:off x="565763" y="107577"/>
+            <a:ext cx="8007257" cy="1653988"/>
+          </a:xfrm>
+        </p:spPr>
+        <p:txBody>
+          <a:bodyPr/>
+          <a:lstStyle/>
+          <a:p>
+            <a:r>
+              <a:rPr lang="de-DE" dirty="0"/>
+              <a:t>UML Klassen </a:t>
+            </a:r>
+            <a:r>
+              <a:rPr lang="de-DE" dirty="0" smtClean="0"/>
+              <a:t>Diagramme</a:t>
+            </a:r>
+            <a:br>
+              <a:rPr lang="de-DE" dirty="0" smtClean="0"/>
+            </a:br>
+            <a:r>
+              <a:rPr lang="de-DE" sz="3200" dirty="0" smtClean="0"/>
+              <a:t>Handlers</a:t>
+            </a:r>
+            <a:endParaRPr lang="de-DE" sz="3200" dirty="0"/>
+          </a:p>
+        </p:txBody>
+      </p:sp>
+      <p:sp>
+        <p:nvSpPr>
+          <p:cNvPr id="4" name="Fußzeilenplatzhalter 3"/>
+          <p:cNvSpPr>
+            <a:spLocks noGrp="1"/>
+          </p:cNvSpPr>
+          <p:nvPr>
+            <p:ph type="ftr" sz="quarter" idx="11"/>
+          </p:nvPr>
+        </p:nvSpPr>
+        <p:spPr/>
+        <p:txBody>
+          <a:bodyPr/>
+          <a:lstStyle/>
+          <a:p>
+            <a:r>
+              <a:rPr lang="en-US" smtClean="0"/>
+              <a:t>gfels4 &amp; zannc2</a:t>
+            </a:r>
+            <a:endParaRPr lang="en-US"/>
+          </a:p>
+        </p:txBody>
+      </p:sp>
+      <p:sp>
+        <p:nvSpPr>
+          <p:cNvPr id="5" name="Foliennummernplatzhalter 4"/>
+          <p:cNvSpPr>
+            <a:spLocks noGrp="1"/>
+          </p:cNvSpPr>
+          <p:nvPr>
+            <p:ph type="sldNum" sz="quarter" idx="12"/>
+          </p:nvPr>
+        </p:nvSpPr>
+        <p:spPr/>
+        <p:txBody>
+          <a:bodyPr/>
+          <a:lstStyle/>
+          <a:p>
+            <a:fld id="{D12AA694-00EB-4F4B-AABB-6F50FB178914}" type="slidenum">
+              <a:rPr lang="en-US" smtClean="0"/>
+              <a:t>14</a:t>
+            </a:fld>
+            <a:endParaRPr lang="en-US"/>
+          </a:p>
+        </p:txBody>
+      </p:sp>
+    </p:spTree>
+    <p:extLst>
+      <p:ext uri="{BB962C8B-B14F-4D97-AF65-F5344CB8AC3E}">
+        <p14:creationId xmlns:p14="http://schemas.microsoft.com/office/powerpoint/2010/main" val="3971977397"/>
+      </p:ext>
+    </p:extLst>
+  </p:cSld>
+  <p:clrMapOvr>
+    <a:masterClrMapping/>
+  </p:clrMapOvr>
+  <p:timing>
+    <p:tnLst>
+      <p:par>
+        <p:cTn xmlns:p14="http://schemas.microsoft.com/office/powerpoint/2010/main" id="1" dur="indefinite" restart="never" nodeType="tmRoot"/>
+      </p:par>
+    </p:tnLst>
+  </p:timing>
+</p:sld>
+</file>
+
+<file path=ppt/slides/slide15.xml><?xml version="1.0" encoding="utf-8"?>
+<p:sld xmlns:a="http://schemas.openxmlformats.org/drawingml/2006/main" xmlns:r="http://schemas.openxmlformats.org/officeDocument/2006/relationships" xmlns:p="http://schemas.openxmlformats.org/presentationml/2006/main">
+  <p:cSld>
+    <p:spTree>
+      <p:nvGrpSpPr>
+        <p:cNvPr id="1" name=""/>
+        <p:cNvGrpSpPr/>
+        <p:nvPr/>
+      </p:nvGrpSpPr>
+      <p:grpSpPr>
+        <a:xfrm>
+          <a:off x="0" y="0"/>
+          <a:ext cx="0" cy="0"/>
+          <a:chOff x="0" y="0"/>
+          <a:chExt cx="0" cy="0"/>
+        </a:xfrm>
+      </p:grpSpPr>
+      <p:sp>
+        <p:nvSpPr>
+          <p:cNvPr id="2" name="Titel 1"/>
+          <p:cNvSpPr>
+            <a:spLocks noGrp="1"/>
+          </p:cNvSpPr>
+          <p:nvPr>
+            <p:ph type="title"/>
+          </p:nvPr>
+        </p:nvSpPr>
+        <p:spPr>
+          <a:xfrm>
+            <a:off x="565763" y="107577"/>
+            <a:ext cx="8007257" cy="1653988"/>
+          </a:xfrm>
+        </p:spPr>
+        <p:txBody>
+          <a:bodyPr/>
+          <a:lstStyle/>
+          <a:p>
+            <a:r>
+              <a:rPr lang="de-DE" dirty="0"/>
+              <a:t>UML Klassen </a:t>
+            </a:r>
+            <a:r>
+              <a:rPr lang="de-DE" dirty="0" smtClean="0"/>
+              <a:t>Diagramme</a:t>
+            </a:r>
+            <a:br>
+              <a:rPr lang="de-DE" dirty="0" smtClean="0"/>
+            </a:br>
+            <a:r>
+              <a:rPr lang="de-DE" sz="3200" dirty="0" smtClean="0"/>
+              <a:t>State</a:t>
+            </a:r>
+            <a:endParaRPr lang="de-DE" sz="3200" dirty="0"/>
+          </a:p>
+        </p:txBody>
+      </p:sp>
+      <p:sp>
+        <p:nvSpPr>
+          <p:cNvPr id="4" name="Fußzeilenplatzhalter 3"/>
+          <p:cNvSpPr>
+            <a:spLocks noGrp="1"/>
+          </p:cNvSpPr>
+          <p:nvPr>
+            <p:ph type="ftr" sz="quarter" idx="11"/>
+          </p:nvPr>
+        </p:nvSpPr>
+        <p:spPr/>
+        <p:txBody>
+          <a:bodyPr/>
+          <a:lstStyle/>
+          <a:p>
+            <a:r>
+              <a:rPr lang="en-US" smtClean="0"/>
+              <a:t>gfels4 &amp; zannc2</a:t>
+            </a:r>
+            <a:endParaRPr lang="en-US"/>
+          </a:p>
+        </p:txBody>
+      </p:sp>
+      <p:sp>
+        <p:nvSpPr>
+          <p:cNvPr id="5" name="Foliennummernplatzhalter 4"/>
+          <p:cNvSpPr>
+            <a:spLocks noGrp="1"/>
+          </p:cNvSpPr>
+          <p:nvPr>
+            <p:ph type="sldNum" sz="quarter" idx="12"/>
+          </p:nvPr>
+        </p:nvSpPr>
+        <p:spPr/>
+        <p:txBody>
+          <a:bodyPr/>
+          <a:lstStyle/>
+          <a:p>
+            <a:fld id="{D12AA694-00EB-4F4B-AABB-6F50FB178914}" type="slidenum">
+              <a:rPr lang="en-US" smtClean="0"/>
+              <a:t>15</a:t>
+            </a:fld>
+            <a:endParaRPr lang="en-US"/>
+          </a:p>
+        </p:txBody>
+      </p:sp>
+      <p:pic>
+        <p:nvPicPr>
+          <p:cNvPr id="3" name="Bild 2" descr="StateDiagramm.jpg"/>
+          <p:cNvPicPr>
+            <a:picLocks noChangeAspect="1"/>
+          </p:cNvPicPr>
+          <p:nvPr/>
+        </p:nvPicPr>
+        <p:blipFill rotWithShape="1">
+          <a:blip r:embed="rId3">
+            <a:extLst>
+              <a:ext uri="{28A0092B-C50C-407E-A947-70E740481C1C}">
+                <a14:useLocalDpi xmlns:a14="http://schemas.microsoft.com/office/drawing/2010/main" val="0"/>
+              </a:ext>
+            </a:extLst>
+          </a:blip>
+          <a:srcRect l="3872" t="10752" r="12753" b="15418"/>
+          <a:stretch/>
+        </p:blipFill>
+        <p:spPr>
+          <a:xfrm>
+            <a:off x="1141128" y="1641320"/>
+            <a:ext cx="7194911" cy="4747590"/>
+          </a:xfrm>
+          <a:prstGeom prst="rect">
+            <a:avLst/>
+          </a:prstGeom>
+        </p:spPr>
+      </p:pic>
+    </p:spTree>
+    <p:extLst>
+      <p:ext uri="{BB962C8B-B14F-4D97-AF65-F5344CB8AC3E}">
+        <p14:creationId xmlns:p14="http://schemas.microsoft.com/office/powerpoint/2010/main" val="1542750506"/>
+      </p:ext>
+    </p:extLst>
+  </p:cSld>
+  <p:clrMapOvr>
+    <a:masterClrMapping/>
+  </p:clrMapOvr>
+  <p:timing>
+    <p:tnLst>
+      <p:par>
+        <p:cTn xmlns:p14="http://schemas.microsoft.com/office/powerpoint/2010/main" id="1" dur="indefinite" restart="never" nodeType="tmRoot"/>
+      </p:par>
+    </p:tnLst>
+  </p:timing>
+</p:sld>
+</file>
+
+<file path=ppt/slides/slide16.xml><?xml version="1.0" encoding="utf-8"?>
+<p:sld xmlns:a="http://schemas.openxmlformats.org/drawingml/2006/main" xmlns:r="http://schemas.openxmlformats.org/officeDocument/2006/relationships" xmlns:p="http://schemas.openxmlformats.org/presentationml/2006/main">
+  <p:cSld>
+    <p:spTree>
+      <p:nvGrpSpPr>
+        <p:cNvPr id="1" name=""/>
+        <p:cNvGrpSpPr/>
+        <p:nvPr/>
+      </p:nvGrpSpPr>
+      <p:grpSpPr>
+        <a:xfrm>
+          <a:off x="0" y="0"/>
+          <a:ext cx="0" cy="0"/>
+          <a:chOff x="0" y="0"/>
+          <a:chExt cx="0" cy="0"/>
+        </a:xfrm>
+      </p:grpSpPr>
+      <p:sp>
+        <p:nvSpPr>
+          <p:cNvPr id="2" name="Titel 1"/>
+          <p:cNvSpPr>
+            <a:spLocks noGrp="1"/>
+          </p:cNvSpPr>
+          <p:nvPr>
+            <p:ph type="title"/>
+          </p:nvPr>
+        </p:nvSpPr>
+        <p:spPr>
+          <a:xfrm>
+            <a:off x="565763" y="107577"/>
+            <a:ext cx="8007257" cy="1653988"/>
+          </a:xfrm>
+        </p:spPr>
+        <p:txBody>
+          <a:bodyPr/>
+          <a:lstStyle/>
+          <a:p>
+            <a:r>
+              <a:rPr lang="de-DE" dirty="0"/>
+              <a:t>UML Klassen </a:t>
+            </a:r>
+            <a:r>
+              <a:rPr lang="de-DE" dirty="0" smtClean="0"/>
+              <a:t>Diagramme</a:t>
+            </a:r>
+            <a:br>
+              <a:rPr lang="de-DE" dirty="0" smtClean="0"/>
+            </a:br>
+            <a:r>
+              <a:rPr lang="de-DE" sz="3200" dirty="0" smtClean="0"/>
+              <a:t>State</a:t>
+            </a:r>
+            <a:endParaRPr lang="de-DE" sz="3200" dirty="0"/>
+          </a:p>
+        </p:txBody>
+      </p:sp>
+      <p:sp>
+        <p:nvSpPr>
+          <p:cNvPr id="4" name="Fußzeilenplatzhalter 3"/>
+          <p:cNvSpPr>
+            <a:spLocks noGrp="1"/>
+          </p:cNvSpPr>
+          <p:nvPr>
+            <p:ph type="ftr" sz="quarter" idx="11"/>
+          </p:nvPr>
+        </p:nvSpPr>
+        <p:spPr/>
+        <p:txBody>
+          <a:bodyPr/>
+          <a:lstStyle/>
+          <a:p>
+            <a:r>
+              <a:rPr lang="en-US" smtClean="0"/>
+              <a:t>gfels4 &amp; zannc2</a:t>
+            </a:r>
+            <a:endParaRPr lang="en-US"/>
+          </a:p>
+        </p:txBody>
+      </p:sp>
+      <p:sp>
+        <p:nvSpPr>
+          <p:cNvPr id="5" name="Foliennummernplatzhalter 4"/>
+          <p:cNvSpPr>
+            <a:spLocks noGrp="1"/>
+          </p:cNvSpPr>
+          <p:nvPr>
+            <p:ph type="sldNum" sz="quarter" idx="12"/>
+          </p:nvPr>
+        </p:nvSpPr>
+        <p:spPr/>
+        <p:txBody>
+          <a:bodyPr/>
+          <a:lstStyle/>
+          <a:p>
+            <a:fld id="{D12AA694-00EB-4F4B-AABB-6F50FB178914}" type="slidenum">
+              <a:rPr lang="en-US" smtClean="0"/>
+              <a:t>16</a:t>
+            </a:fld>
+            <a:endParaRPr lang="en-US"/>
+          </a:p>
+        </p:txBody>
+      </p:sp>
+      <p:pic>
+        <p:nvPicPr>
+          <p:cNvPr id="6" name="Bild 5" descr="uml_diagramm_state.jpg"/>
+          <p:cNvPicPr>
+            <a:picLocks noChangeAspect="1"/>
+          </p:cNvPicPr>
+          <p:nvPr/>
+        </p:nvPicPr>
+        <p:blipFill>
+          <a:blip r:embed="rId3">
+            <a:extLst>
+              <a:ext uri="{28A0092B-C50C-407E-A947-70E740481C1C}">
+                <a14:useLocalDpi xmlns:a14="http://schemas.microsoft.com/office/drawing/2010/main" val="0"/>
+              </a:ext>
+            </a:extLst>
+          </a:blip>
+          <a:stretch>
+            <a:fillRect/>
+          </a:stretch>
+        </p:blipFill>
+        <p:spPr>
+          <a:xfrm>
+            <a:off x="1439456" y="1585548"/>
+            <a:ext cx="6024091" cy="5272451"/>
+          </a:xfrm>
+          <a:prstGeom prst="rect">
+            <a:avLst/>
+          </a:prstGeom>
+        </p:spPr>
+      </p:pic>
+    </p:spTree>
+    <p:extLst>
+      <p:ext uri="{BB962C8B-B14F-4D97-AF65-F5344CB8AC3E}">
+        <p14:creationId xmlns:p14="http://schemas.microsoft.com/office/powerpoint/2010/main" val="3304946398"/>
+      </p:ext>
+    </p:extLst>
+  </p:cSld>
+  <p:clrMapOvr>
+    <a:masterClrMapping/>
+  </p:clrMapOvr>
+  <p:timing>
+    <p:tnLst>
+      <p:par>
+        <p:cTn xmlns:p14="http://schemas.microsoft.com/office/powerpoint/2010/main" id="1" dur="indefinite" restart="never" nodeType="tmRoot"/>
+      </p:par>
+    </p:tnLst>
+  </p:timing>
+</p:sld>
+</file>
+
+<file path=ppt/slides/slide17.xml><?xml version="1.0" encoding="utf-8"?>
+<p:sld xmlns:a="http://schemas.openxmlformats.org/drawingml/2006/main" xmlns:r="http://schemas.openxmlformats.org/officeDocument/2006/relationships" xmlns:p="http://schemas.openxmlformats.org/presentationml/2006/main">
+  <p:cSld>
+    <p:spTree>
+      <p:nvGrpSpPr>
+        <p:cNvPr id="1" name=""/>
+        <p:cNvGrpSpPr/>
+        <p:nvPr/>
+      </p:nvGrpSpPr>
+      <p:grpSpPr>
+        <a:xfrm>
+          <a:off x="0" y="0"/>
+          <a:ext cx="0" cy="0"/>
+          <a:chOff x="0" y="0"/>
+          <a:chExt cx="0" cy="0"/>
+        </a:xfrm>
+      </p:grpSpPr>
+      <p:sp>
+        <p:nvSpPr>
+          <p:cNvPr id="2" name="Titel 1"/>
+          <p:cNvSpPr>
+            <a:spLocks noGrp="1"/>
+          </p:cNvSpPr>
+          <p:nvPr>
+            <p:ph type="title"/>
+          </p:nvPr>
+        </p:nvSpPr>
+        <p:spPr/>
+        <p:txBody>
+          <a:bodyPr/>
+          <a:lstStyle/>
+          <a:p>
+            <a:r>
+              <a:rPr lang="de-DE" dirty="0" smtClean="0"/>
+              <a:t>Robot</a:t>
+            </a:r>
+            <a:endParaRPr lang="de-DE" dirty="0"/>
+          </a:p>
+        </p:txBody>
+      </p:sp>
+      <p:sp>
+        <p:nvSpPr>
+          <p:cNvPr id="3" name="Inhaltsplatzhalter 2"/>
+          <p:cNvSpPr>
+            <a:spLocks noGrp="1"/>
+          </p:cNvSpPr>
+          <p:nvPr>
+            <p:ph idx="1"/>
+          </p:nvPr>
+        </p:nvSpPr>
+        <p:spPr/>
+        <p:txBody>
+          <a:bodyPr/>
+          <a:lstStyle/>
+          <a:p>
+            <a:r>
+              <a:rPr lang="de-DE" dirty="0"/>
+              <a:t>Domain Mode</a:t>
+            </a:r>
+          </a:p>
+          <a:p>
+            <a:r>
+              <a:rPr lang="de-DE" dirty="0" err="1"/>
+              <a:t>Use</a:t>
+            </a:r>
+            <a:r>
+              <a:rPr lang="de-DE" dirty="0"/>
+              <a:t> Cases</a:t>
+            </a:r>
+          </a:p>
+          <a:p>
+            <a:r>
+              <a:rPr lang="de-DE" dirty="0" err="1"/>
+              <a:t>Sequence</a:t>
+            </a:r>
+            <a:r>
+              <a:rPr lang="de-DE" dirty="0"/>
+              <a:t> Diagramme</a:t>
+            </a:r>
+          </a:p>
+          <a:p>
+            <a:r>
+              <a:rPr lang="de-DE" dirty="0"/>
+              <a:t>UML Klassen Diagramme</a:t>
+            </a:r>
+          </a:p>
+          <a:p>
+            <a:pPr marL="0" indent="0">
+              <a:buNone/>
+            </a:pPr>
+            <a:endParaRPr lang="de-DE" dirty="0"/>
+          </a:p>
+        </p:txBody>
+      </p:sp>
+      <p:sp>
+        <p:nvSpPr>
+          <p:cNvPr id="6" name="Foliennummernplatzhalter 5"/>
+          <p:cNvSpPr>
+            <a:spLocks noGrp="1"/>
+          </p:cNvSpPr>
+          <p:nvPr>
+            <p:ph type="sldNum" sz="quarter" idx="12"/>
+          </p:nvPr>
+        </p:nvSpPr>
+        <p:spPr/>
+        <p:txBody>
+          <a:bodyPr/>
+          <a:lstStyle/>
+          <a:p>
+            <a:fld id="{D12AA694-00EB-4F4B-AABB-6F50FB178914}" type="slidenum">
+              <a:rPr lang="en-US" smtClean="0"/>
+              <a:t>17</a:t>
+            </a:fld>
+            <a:endParaRPr lang="en-US"/>
+          </a:p>
+        </p:txBody>
+      </p:sp>
+      <p:sp>
+        <p:nvSpPr>
+          <p:cNvPr id="7" name="Fußzeilenplatzhalter 6"/>
+          <p:cNvSpPr>
+            <a:spLocks noGrp="1"/>
+          </p:cNvSpPr>
+          <p:nvPr>
+            <p:ph type="ftr" sz="quarter" idx="11"/>
+          </p:nvPr>
+        </p:nvSpPr>
+        <p:spPr/>
+        <p:txBody>
+          <a:bodyPr/>
+          <a:lstStyle/>
+          <a:p>
+            <a:r>
+              <a:rPr lang="en-US" smtClean="0"/>
+              <a:t>gfels4 &amp; zannc2</a:t>
+            </a:r>
+            <a:endParaRPr lang="en-US"/>
+          </a:p>
+        </p:txBody>
+      </p:sp>
+    </p:spTree>
+    <p:extLst>
+      <p:ext uri="{BB962C8B-B14F-4D97-AF65-F5344CB8AC3E}">
+        <p14:creationId xmlns:p14="http://schemas.microsoft.com/office/powerpoint/2010/main" val="3514780789"/>
+      </p:ext>
+    </p:extLst>
+  </p:cSld>
+  <p:clrMapOvr>
+    <a:masterClrMapping/>
+  </p:clrMapOvr>
+  <p:timing>
+    <p:tnLst>
+      <p:par>
+        <p:cTn xmlns:p14="http://schemas.microsoft.com/office/powerpoint/2010/main" id="1" dur="indefinite" restart="never" nodeType="tmRoot"/>
+      </p:par>
+    </p:tnLst>
+  </p:timing>
+</p:sld>
+</file>
+
+<file path=ppt/slides/slide18.xml><?xml version="1.0" encoding="utf-8"?>
+<p:sld xmlns:a="http://schemas.openxmlformats.org/drawingml/2006/main" xmlns:r="http://schemas.openxmlformats.org/officeDocument/2006/relationships" xmlns:p="http://schemas.openxmlformats.org/presentationml/2006/main">
+  <p:cSld>
+    <p:spTree>
+      <p:nvGrpSpPr>
+        <p:cNvPr id="1" name=""/>
+        <p:cNvGrpSpPr/>
+        <p:nvPr/>
+      </p:nvGrpSpPr>
+      <p:grpSpPr>
+        <a:xfrm>
+          <a:off x="0" y="0"/>
+          <a:ext cx="0" cy="0"/>
+          <a:chOff x="0" y="0"/>
+          <a:chExt cx="0" cy="0"/>
+        </a:xfrm>
+      </p:grpSpPr>
+      <p:sp>
+        <p:nvSpPr>
+          <p:cNvPr id="2" name="Titel 1"/>
+          <p:cNvSpPr>
+            <a:spLocks noGrp="1"/>
+          </p:cNvSpPr>
+          <p:nvPr>
+            <p:ph type="title"/>
+          </p:nvPr>
+        </p:nvSpPr>
+        <p:spPr>
+          <a:xfrm>
+            <a:off x="565763" y="107577"/>
+            <a:ext cx="8007257" cy="1653988"/>
+          </a:xfrm>
+        </p:spPr>
+        <p:txBody>
+          <a:bodyPr/>
+          <a:lstStyle/>
+          <a:p>
+            <a:r>
+              <a:rPr lang="de-DE" dirty="0"/>
+              <a:t>UML Klassen </a:t>
+            </a:r>
+            <a:r>
+              <a:rPr lang="de-DE" dirty="0" smtClean="0"/>
+              <a:t>Diagramme</a:t>
+            </a:r>
+            <a:br>
+              <a:rPr lang="de-DE" dirty="0" smtClean="0"/>
+            </a:br>
+            <a:r>
+              <a:rPr lang="de-DE" sz="3200" dirty="0" smtClean="0"/>
+              <a:t>Strategie</a:t>
+            </a:r>
+            <a:endParaRPr lang="de-DE" sz="3200" dirty="0"/>
+          </a:p>
+        </p:txBody>
+      </p:sp>
+      <p:sp>
+        <p:nvSpPr>
+          <p:cNvPr id="4" name="Fußzeilenplatzhalter 3"/>
+          <p:cNvSpPr>
+            <a:spLocks noGrp="1"/>
+          </p:cNvSpPr>
+          <p:nvPr>
+            <p:ph type="ftr" sz="quarter" idx="11"/>
+          </p:nvPr>
+        </p:nvSpPr>
+        <p:spPr/>
+        <p:txBody>
+          <a:bodyPr/>
+          <a:lstStyle/>
+          <a:p>
+            <a:r>
+              <a:rPr lang="en-US" smtClean="0"/>
+              <a:t>gfels4 &amp; zannc2</a:t>
+            </a:r>
+            <a:endParaRPr lang="en-US"/>
+          </a:p>
+        </p:txBody>
+      </p:sp>
+      <p:sp>
+        <p:nvSpPr>
+          <p:cNvPr id="5" name="Foliennummernplatzhalter 4"/>
+          <p:cNvSpPr>
+            <a:spLocks noGrp="1"/>
+          </p:cNvSpPr>
+          <p:nvPr>
+            <p:ph type="sldNum" sz="quarter" idx="12"/>
+          </p:nvPr>
+        </p:nvSpPr>
+        <p:spPr/>
+        <p:txBody>
+          <a:bodyPr/>
+          <a:lstStyle/>
+          <a:p>
+            <a:fld id="{D12AA694-00EB-4F4B-AABB-6F50FB178914}" type="slidenum">
+              <a:rPr lang="en-US" smtClean="0"/>
+              <a:t>18</a:t>
+            </a:fld>
+            <a:endParaRPr lang="en-US"/>
+          </a:p>
+        </p:txBody>
+      </p:sp>
+      <p:pic>
+        <p:nvPicPr>
+          <p:cNvPr id="7" name="Bild 6" descr="uml_diagramm_strategy.jpg"/>
+          <p:cNvPicPr>
+            <a:picLocks noChangeAspect="1"/>
+          </p:cNvPicPr>
+          <p:nvPr/>
+        </p:nvPicPr>
+        <p:blipFill>
+          <a:blip r:embed="rId3">
+            <a:extLst>
+              <a:ext uri="{28A0092B-C50C-407E-A947-70E740481C1C}">
+                <a14:useLocalDpi xmlns:a14="http://schemas.microsoft.com/office/drawing/2010/main" val="0"/>
+              </a:ext>
+            </a:extLst>
+          </a:blip>
+          <a:stretch>
+            <a:fillRect/>
+          </a:stretch>
+        </p:blipFill>
+        <p:spPr>
+          <a:xfrm>
+            <a:off x="1579290" y="1628842"/>
+            <a:ext cx="6089216" cy="5229157"/>
+          </a:xfrm>
+          <a:prstGeom prst="rect">
+            <a:avLst/>
+          </a:prstGeom>
+        </p:spPr>
+      </p:pic>
+    </p:spTree>
+    <p:extLst>
+      <p:ext uri="{BB962C8B-B14F-4D97-AF65-F5344CB8AC3E}">
+        <p14:creationId xmlns:p14="http://schemas.microsoft.com/office/powerpoint/2010/main" val="3750446629"/>
+      </p:ext>
+    </p:extLst>
+  </p:cSld>
+  <p:clrMapOvr>
+    <a:masterClrMapping/>
+  </p:clrMapOvr>
+  <p:timing>
+    <p:tnLst>
+      <p:par>
+        <p:cTn xmlns:p14="http://schemas.microsoft.com/office/powerpoint/2010/main" id="1" dur="indefinite" restart="never" nodeType="tmRoot"/>
+      </p:par>
+    </p:tnLst>
+  </p:timing>
+</p:sld>
+</file>
+
+<file path=ppt/slides/slide19.xml><?xml version="1.0" encoding="utf-8"?>
+<p:sld xmlns:a="http://schemas.openxmlformats.org/drawingml/2006/main" xmlns:r="http://schemas.openxmlformats.org/officeDocument/2006/relationships" xmlns:p="http://schemas.openxmlformats.org/presentationml/2006/main">
+  <p:cSld>
+    <p:spTree>
+      <p:nvGrpSpPr>
+        <p:cNvPr id="1" name=""/>
+        <p:cNvGrpSpPr/>
+        <p:nvPr/>
+      </p:nvGrpSpPr>
+      <p:grpSpPr>
+        <a:xfrm>
+          <a:off x="0" y="0"/>
+          <a:ext cx="0" cy="0"/>
+          <a:chOff x="0" y="0"/>
+          <a:chExt cx="0" cy="0"/>
+        </a:xfrm>
+      </p:grpSpPr>
+      <p:sp>
+        <p:nvSpPr>
+          <p:cNvPr id="2" name="Titel 1"/>
+          <p:cNvSpPr>
+            <a:spLocks noGrp="1"/>
+          </p:cNvSpPr>
+          <p:nvPr>
+            <p:ph type="title"/>
+          </p:nvPr>
+        </p:nvSpPr>
+        <p:spPr/>
+        <p:txBody>
+          <a:bodyPr/>
+          <a:lstStyle/>
+          <a:p>
+            <a:r>
+              <a:rPr lang="de-DE" dirty="0" smtClean="0"/>
+              <a:t>Vorführung</a:t>
+            </a:r>
+            <a:endParaRPr lang="de-DE" dirty="0"/>
+          </a:p>
+        </p:txBody>
+      </p:sp>
+      <p:sp>
+        <p:nvSpPr>
+          <p:cNvPr id="3" name="Inhaltsplatzhalter 2"/>
+          <p:cNvSpPr>
+            <a:spLocks noGrp="1"/>
+          </p:cNvSpPr>
+          <p:nvPr>
+            <p:ph idx="1"/>
+          </p:nvPr>
+        </p:nvSpPr>
+        <p:spPr/>
+        <p:txBody>
+          <a:bodyPr/>
+          <a:lstStyle/>
+          <a:p>
+            <a:endParaRPr lang="de-DE"/>
+          </a:p>
+        </p:txBody>
+      </p:sp>
+      <p:sp>
+        <p:nvSpPr>
+          <p:cNvPr id="6" name="Foliennummernplatzhalter 5"/>
+          <p:cNvSpPr>
+            <a:spLocks noGrp="1"/>
+          </p:cNvSpPr>
+          <p:nvPr>
+            <p:ph type="sldNum" sz="quarter" idx="12"/>
+          </p:nvPr>
+        </p:nvSpPr>
+        <p:spPr/>
+        <p:txBody>
+          <a:bodyPr/>
+          <a:lstStyle/>
+          <a:p>
+            <a:fld id="{D12AA694-00EB-4F4B-AABB-6F50FB178914}" type="slidenum">
+              <a:rPr lang="en-US" smtClean="0"/>
+              <a:t>19</a:t>
             </a:fld>
             <a:endParaRPr lang="en-US"/>
           </a:p>
@@ -5944,7 +7498,6 @@
               <a:rPr lang="de-DE" dirty="0" smtClean="0"/>
               <a:t>Zeitplan</a:t>
             </a:r>
-            <a:endParaRPr lang="de-DE" dirty="0" smtClean="0"/>
           </a:p>
           <a:p>
             <a:r>

--- a/SearchRobot/doc/presentation.pptx
+++ b/SearchRobot/doc/presentation.pptx
@@ -5,10 +5,10 @@
     <p:sldMasterId id="2147483660" r:id="rId1"/>
   </p:sldMasterIdLst>
   <p:notesMasterIdLst>
-    <p:notesMasterId r:id="rId21"/>
+    <p:notesMasterId r:id="rId24"/>
   </p:notesMasterIdLst>
   <p:handoutMasterIdLst>
-    <p:handoutMasterId r:id="rId22"/>
+    <p:handoutMasterId r:id="rId25"/>
   </p:handoutMasterIdLst>
   <p:sldIdLst>
     <p:sldId id="256" r:id="rId2"/>
@@ -24,12 +24,15 @@
     <p:sldId id="272" r:id="rId12"/>
     <p:sldId id="273" r:id="rId13"/>
     <p:sldId id="274" r:id="rId14"/>
-    <p:sldId id="271" r:id="rId15"/>
-    <p:sldId id="276" r:id="rId16"/>
-    <p:sldId id="277" r:id="rId17"/>
-    <p:sldId id="263" r:id="rId18"/>
-    <p:sldId id="275" r:id="rId19"/>
-    <p:sldId id="264" r:id="rId20"/>
+    <p:sldId id="276" r:id="rId15"/>
+    <p:sldId id="277" r:id="rId16"/>
+    <p:sldId id="263" r:id="rId17"/>
+    <p:sldId id="279" r:id="rId18"/>
+    <p:sldId id="280" r:id="rId19"/>
+    <p:sldId id="275" r:id="rId20"/>
+    <p:sldId id="278" r:id="rId21"/>
+    <p:sldId id="264" r:id="rId22"/>
+    <p:sldId id="281" r:id="rId23"/>
   </p:sldIdLst>
   <p:sldSz cx="9144000" cy="6858000" type="screen4x3"/>
   <p:notesSz cx="6858000" cy="9144000"/>
@@ -213,7 +216,7 @@
           <a:p>
             <a:fld id="{5700CF2B-8EF7-EB4B-86E2-A47F47DC1114}" type="datetime1">
               <a:rPr lang="de-CH" smtClean="0"/>
-              <a:t>25.12.13</a:t>
+              <a:t>26.12.13</a:t>
             </a:fld>
             <a:endParaRPr lang="de-DE"/>
           </a:p>
@@ -379,7 +382,7 @@
           <a:p>
             <a:fld id="{E92AB650-C135-D34D-93AB-17B8508C2308}" type="datetime1">
               <a:rPr lang="de-CH" smtClean="0"/>
-              <a:t>25.12.13</a:t>
+              <a:t>26.12.13</a:t>
             </a:fld>
             <a:endParaRPr lang="de-DE"/>
           </a:p>
@@ -975,7 +978,7 @@
           <a:p>
             <a:fld id="{6A2CFF65-CB9C-5A47-B7DE-47882B59B3DA}" type="slidenum">
               <a:rPr lang="de-DE" smtClean="0"/>
-              <a:t>16</a:t>
+              <a:t>17</a:t>
             </a:fld>
             <a:endParaRPr lang="de-DE"/>
           </a:p>
@@ -984,7 +987,7 @@
     </p:spTree>
     <p:extLst>
       <p:ext uri="{BB962C8B-B14F-4D97-AF65-F5344CB8AC3E}">
-        <p14:creationId xmlns:p14="http://schemas.microsoft.com/office/powerpoint/2010/main" val="660173880"/>
+        <p14:creationId xmlns:p14="http://schemas.microsoft.com/office/powerpoint/2010/main" val="4154515398"/>
       </p:ext>
     </p:extLst>
   </p:cSld>
@@ -1039,14 +1042,40 @@
           <a:lstStyle/>
           <a:p>
             <a:r>
-              <a:rPr lang="de-DE" dirty="0" smtClean="0"/>
-              <a:t>Design Pattern: </a:t>
-            </a:r>
-            <a:r>
-              <a:rPr lang="de-DE" dirty="0" err="1" smtClean="0"/>
-              <a:t>Strategy</a:t>
-            </a:r>
-            <a:endParaRPr lang="de-DE" dirty="0" smtClean="0"/>
+              <a:rPr lang="de-DE" b="1" dirty="0" smtClean="0"/>
+              <a:t>Ziel suchen:</a:t>
+            </a:r>
+          </a:p>
+          <a:p>
+            <a:pPr marL="0" marR="0" indent="0" algn="l" defTabSz="457200" rtl="0" eaLnBrk="1" fontAlgn="auto" latinLnBrk="0" hangingPunct="1">
+              <a:lnSpc>
+                <a:spcPct val="100000"/>
+              </a:lnSpc>
+              <a:spcBef>
+                <a:spcPts val="0"/>
+              </a:spcBef>
+              <a:spcAft>
+                <a:spcPts val="0"/>
+              </a:spcAft>
+              <a:buClrTx/>
+              <a:buSzTx/>
+              <a:buFontTx/>
+              <a:buNone/>
+              <a:tabLst/>
+              <a:defRPr/>
+            </a:pPr>
+            <a:r>
+              <a:rPr lang="de-DE" sz="1200" kern="1200" dirty="0" smtClean="0">
+                <a:solidFill>
+                  <a:schemeClr val="tx1"/>
+                </a:solidFill>
+                <a:effectLst/>
+                <a:latin typeface="+mn-lt"/>
+                <a:ea typeface="+mn-ea"/>
+                <a:cs typeface="+mn-cs"/>
+              </a:rPr>
+              <a:t>Der Roboter sucht nach einem bestimmten Algorithmus das Spielfeld ab, d.h. Er kann sich fortbewegen, jeweils -90° und +90° scannen und die Hindernisse und die Spielrandfläche so erforschen. </a:t>
+            </a:r>
           </a:p>
         </p:txBody>
       </p:sp>
@@ -1076,7 +1105,7 @@
     </p:spTree>
     <p:extLst>
       <p:ext uri="{BB962C8B-B14F-4D97-AF65-F5344CB8AC3E}">
-        <p14:creationId xmlns:p14="http://schemas.microsoft.com/office/powerpoint/2010/main" val="660173880"/>
+        <p14:creationId xmlns:p14="http://schemas.microsoft.com/office/powerpoint/2010/main" val="4154515398"/>
       </p:ext>
     </p:extLst>
   </p:cSld>
@@ -1130,7 +1159,15 @@
           <a:bodyPr/>
           <a:lstStyle/>
           <a:p>
-            <a:endParaRPr lang="de-DE"/>
+            <a:r>
+              <a:rPr lang="de-DE" dirty="0" smtClean="0"/>
+              <a:t>Design Pattern: </a:t>
+            </a:r>
+            <a:r>
+              <a:rPr lang="de-DE" dirty="0" err="1" smtClean="0"/>
+              <a:t>Strategy</a:t>
+            </a:r>
+            <a:endParaRPr lang="de-DE" dirty="0" smtClean="0"/>
           </a:p>
         </p:txBody>
       </p:sp>
@@ -1152,6 +1189,258 @@
             <a:fld id="{6A2CFF65-CB9C-5A47-B7DE-47882B59B3DA}" type="slidenum">
               <a:rPr lang="de-DE" smtClean="0"/>
               <a:t>19</a:t>
+            </a:fld>
+            <a:endParaRPr lang="de-DE"/>
+          </a:p>
+        </p:txBody>
+      </p:sp>
+    </p:spTree>
+    <p:extLst>
+      <p:ext uri="{BB962C8B-B14F-4D97-AF65-F5344CB8AC3E}">
+        <p14:creationId xmlns:p14="http://schemas.microsoft.com/office/powerpoint/2010/main" val="660173880"/>
+      </p:ext>
+    </p:extLst>
+  </p:cSld>
+  <p:clrMapOvr>
+    <a:masterClrMapping/>
+  </p:clrMapOvr>
+</p:notes>
+</file>
+
+<file path=ppt/notesSlides/notesSlide15.xml><?xml version="1.0" encoding="utf-8"?>
+<p:notes xmlns:a="http://schemas.openxmlformats.org/drawingml/2006/main" xmlns:r="http://schemas.openxmlformats.org/officeDocument/2006/relationships" xmlns:p="http://schemas.openxmlformats.org/presentationml/2006/main">
+  <p:cSld>
+    <p:spTree>
+      <p:nvGrpSpPr>
+        <p:cNvPr id="1" name=""/>
+        <p:cNvGrpSpPr/>
+        <p:nvPr/>
+      </p:nvGrpSpPr>
+      <p:grpSpPr>
+        <a:xfrm>
+          <a:off x="0" y="0"/>
+          <a:ext cx="0" cy="0"/>
+          <a:chOff x="0" y="0"/>
+          <a:chExt cx="0" cy="0"/>
+        </a:xfrm>
+      </p:grpSpPr>
+      <p:sp>
+        <p:nvSpPr>
+          <p:cNvPr id="2" name="Folienbildplatzhalter 1"/>
+          <p:cNvSpPr>
+            <a:spLocks noGrp="1" noRot="1" noChangeAspect="1"/>
+          </p:cNvSpPr>
+          <p:nvPr>
+            <p:ph type="sldImg"/>
+          </p:nvPr>
+        </p:nvSpPr>
+        <p:spPr/>
+      </p:sp>
+      <p:sp>
+        <p:nvSpPr>
+          <p:cNvPr id="3" name="Notizenplatzhalter 2"/>
+          <p:cNvSpPr>
+            <a:spLocks noGrp="1"/>
+          </p:cNvSpPr>
+          <p:nvPr>
+            <p:ph type="body" idx="1"/>
+          </p:nvPr>
+        </p:nvSpPr>
+        <p:spPr/>
+        <p:txBody>
+          <a:bodyPr/>
+          <a:lstStyle/>
+          <a:p>
+            <a:endParaRPr lang="de-DE" dirty="0" smtClean="0"/>
+          </a:p>
+        </p:txBody>
+      </p:sp>
+      <p:sp>
+        <p:nvSpPr>
+          <p:cNvPr id="4" name="Foliennummernplatzhalter 3"/>
+          <p:cNvSpPr>
+            <a:spLocks noGrp="1"/>
+          </p:cNvSpPr>
+          <p:nvPr>
+            <p:ph type="sldNum" sz="quarter" idx="10"/>
+          </p:nvPr>
+        </p:nvSpPr>
+        <p:spPr/>
+        <p:txBody>
+          <a:bodyPr/>
+          <a:lstStyle/>
+          <a:p>
+            <a:fld id="{6A2CFF65-CB9C-5A47-B7DE-47882B59B3DA}" type="slidenum">
+              <a:rPr lang="de-DE" smtClean="0"/>
+              <a:t>20</a:t>
+            </a:fld>
+            <a:endParaRPr lang="de-DE"/>
+          </a:p>
+        </p:txBody>
+      </p:sp>
+    </p:spTree>
+    <p:extLst>
+      <p:ext uri="{BB962C8B-B14F-4D97-AF65-F5344CB8AC3E}">
+        <p14:creationId xmlns:p14="http://schemas.microsoft.com/office/powerpoint/2010/main" val="660173880"/>
+      </p:ext>
+    </p:extLst>
+  </p:cSld>
+  <p:clrMapOvr>
+    <a:masterClrMapping/>
+  </p:clrMapOvr>
+</p:notes>
+</file>
+
+<file path=ppt/notesSlides/notesSlide16.xml><?xml version="1.0" encoding="utf-8"?>
+<p:notes xmlns:a="http://schemas.openxmlformats.org/drawingml/2006/main" xmlns:r="http://schemas.openxmlformats.org/officeDocument/2006/relationships" xmlns:p="http://schemas.openxmlformats.org/presentationml/2006/main">
+  <p:cSld>
+    <p:spTree>
+      <p:nvGrpSpPr>
+        <p:cNvPr id="1" name=""/>
+        <p:cNvGrpSpPr/>
+        <p:nvPr/>
+      </p:nvGrpSpPr>
+      <p:grpSpPr>
+        <a:xfrm>
+          <a:off x="0" y="0"/>
+          <a:ext cx="0" cy="0"/>
+          <a:chOff x="0" y="0"/>
+          <a:chExt cx="0" cy="0"/>
+        </a:xfrm>
+      </p:grpSpPr>
+      <p:sp>
+        <p:nvSpPr>
+          <p:cNvPr id="2" name="Folienbildplatzhalter 1"/>
+          <p:cNvSpPr>
+            <a:spLocks noGrp="1" noRot="1" noChangeAspect="1"/>
+          </p:cNvSpPr>
+          <p:nvPr>
+            <p:ph type="sldImg"/>
+          </p:nvPr>
+        </p:nvSpPr>
+        <p:spPr/>
+      </p:sp>
+      <p:sp>
+        <p:nvSpPr>
+          <p:cNvPr id="3" name="Notizenplatzhalter 2"/>
+          <p:cNvSpPr>
+            <a:spLocks noGrp="1"/>
+          </p:cNvSpPr>
+          <p:nvPr>
+            <p:ph type="body" idx="1"/>
+          </p:nvPr>
+        </p:nvSpPr>
+        <p:spPr/>
+        <p:txBody>
+          <a:bodyPr/>
+          <a:lstStyle/>
+          <a:p>
+            <a:endParaRPr lang="de-DE"/>
+          </a:p>
+        </p:txBody>
+      </p:sp>
+      <p:sp>
+        <p:nvSpPr>
+          <p:cNvPr id="4" name="Foliennummernplatzhalter 3"/>
+          <p:cNvSpPr>
+            <a:spLocks noGrp="1"/>
+          </p:cNvSpPr>
+          <p:nvPr>
+            <p:ph type="sldNum" sz="quarter" idx="10"/>
+          </p:nvPr>
+        </p:nvSpPr>
+        <p:spPr/>
+        <p:txBody>
+          <a:bodyPr/>
+          <a:lstStyle/>
+          <a:p>
+            <a:fld id="{6A2CFF65-CB9C-5A47-B7DE-47882B59B3DA}" type="slidenum">
+              <a:rPr lang="de-DE" smtClean="0"/>
+              <a:t>21</a:t>
+            </a:fld>
+            <a:endParaRPr lang="de-DE"/>
+          </a:p>
+        </p:txBody>
+      </p:sp>
+    </p:spTree>
+    <p:extLst>
+      <p:ext uri="{BB962C8B-B14F-4D97-AF65-F5344CB8AC3E}">
+        <p14:creationId xmlns:p14="http://schemas.microsoft.com/office/powerpoint/2010/main" val="865758175"/>
+      </p:ext>
+    </p:extLst>
+  </p:cSld>
+  <p:clrMapOvr>
+    <a:masterClrMapping/>
+  </p:clrMapOvr>
+</p:notes>
+</file>
+
+<file path=ppt/notesSlides/notesSlide17.xml><?xml version="1.0" encoding="utf-8"?>
+<p:notes xmlns:a="http://schemas.openxmlformats.org/drawingml/2006/main" xmlns:r="http://schemas.openxmlformats.org/officeDocument/2006/relationships" xmlns:p="http://schemas.openxmlformats.org/presentationml/2006/main">
+  <p:cSld>
+    <p:spTree>
+      <p:nvGrpSpPr>
+        <p:cNvPr id="1" name=""/>
+        <p:cNvGrpSpPr/>
+        <p:nvPr/>
+      </p:nvGrpSpPr>
+      <p:grpSpPr>
+        <a:xfrm>
+          <a:off x="0" y="0"/>
+          <a:ext cx="0" cy="0"/>
+          <a:chOff x="0" y="0"/>
+          <a:chExt cx="0" cy="0"/>
+        </a:xfrm>
+      </p:grpSpPr>
+      <p:sp>
+        <p:nvSpPr>
+          <p:cNvPr id="2" name="Folienbildplatzhalter 1"/>
+          <p:cNvSpPr>
+            <a:spLocks noGrp="1" noRot="1" noChangeAspect="1"/>
+          </p:cNvSpPr>
+          <p:nvPr>
+            <p:ph type="sldImg"/>
+          </p:nvPr>
+        </p:nvSpPr>
+        <p:spPr/>
+      </p:sp>
+      <p:sp>
+        <p:nvSpPr>
+          <p:cNvPr id="3" name="Notizenplatzhalter 2"/>
+          <p:cNvSpPr>
+            <a:spLocks noGrp="1"/>
+          </p:cNvSpPr>
+          <p:nvPr>
+            <p:ph type="body" idx="1"/>
+          </p:nvPr>
+        </p:nvSpPr>
+        <p:spPr/>
+        <p:txBody>
+          <a:bodyPr/>
+          <a:lstStyle/>
+          <a:p>
+            <a:endParaRPr lang="de-DE"/>
+          </a:p>
+        </p:txBody>
+      </p:sp>
+      <p:sp>
+        <p:nvSpPr>
+          <p:cNvPr id="4" name="Foliennummernplatzhalter 3"/>
+          <p:cNvSpPr>
+            <a:spLocks noGrp="1"/>
+          </p:cNvSpPr>
+          <p:nvPr>
+            <p:ph type="sldNum" sz="quarter" idx="10"/>
+          </p:nvPr>
+        </p:nvSpPr>
+        <p:spPr/>
+        <p:txBody>
+          <a:bodyPr/>
+          <a:lstStyle/>
+          <a:p>
+            <a:fld id="{6A2CFF65-CB9C-5A47-B7DE-47882B59B3DA}" type="slidenum">
+              <a:rPr lang="de-DE" smtClean="0"/>
+              <a:t>22</a:t>
             </a:fld>
             <a:endParaRPr lang="de-DE"/>
           </a:p>
@@ -1808,11 +2097,7 @@
             </a:r>
             <a:r>
               <a:rPr lang="de-DE" baseline="0" dirty="0" smtClean="0"/>
-              <a:t> setzten </a:t>
-            </a:r>
-            <a:r>
-              <a:rPr lang="de-DE" baseline="0" dirty="0" smtClean="0"/>
-              <a:t>gleich</a:t>
+              <a:t> setzten gleich</a:t>
             </a:r>
           </a:p>
           <a:p>
@@ -2391,7 +2676,7 @@
           <a:p>
             <a:fld id="{4BB9ED57-D06A-6841-AEF1-9EC3590845AD}" type="datetime1">
               <a:rPr lang="de-CH" smtClean="0"/>
-              <a:t>25.12.13</a:t>
+              <a:t>26.12.13</a:t>
             </a:fld>
             <a:endParaRPr lang="en-US"/>
           </a:p>
@@ -2752,7 +3037,7 @@
           <a:p>
             <a:fld id="{95F272CE-041C-1C41-893C-DDA23BE0160F}" type="datetime1">
               <a:rPr lang="de-CH" smtClean="0"/>
-              <a:t>25.12.13</a:t>
+              <a:t>26.12.13</a:t>
             </a:fld>
             <a:endParaRPr lang="en-US"/>
           </a:p>
@@ -2925,7 +3210,7 @@
           <a:p>
             <a:fld id="{89A08E58-8D68-9748-BF3C-59C04C017569}" type="datetime1">
               <a:rPr lang="de-CH" smtClean="0"/>
-              <a:t>25.12.13</a:t>
+              <a:t>26.12.13</a:t>
             </a:fld>
             <a:endParaRPr lang="en-US"/>
           </a:p>
@@ -3108,7 +3393,7 @@
           <a:p>
             <a:fld id="{27BF19B1-2D39-624F-92F5-63033DC0C277}" type="datetime1">
               <a:rPr lang="de-CH" smtClean="0"/>
-              <a:t>25.12.13</a:t>
+              <a:t>26.12.13</a:t>
             </a:fld>
             <a:endParaRPr lang="en-US"/>
           </a:p>
@@ -3281,7 +3566,7 @@
           <a:p>
             <a:fld id="{888DA9D7-FFEA-1B4A-AF78-999894C2A1ED}" type="datetime1">
               <a:rPr lang="de-CH" smtClean="0"/>
-              <a:t>25.12.13</a:t>
+              <a:t>26.12.13</a:t>
             </a:fld>
             <a:endParaRPr lang="en-US"/>
           </a:p>
@@ -3562,7 +3847,7 @@
           <a:p>
             <a:fld id="{FBB35A6E-A281-A541-AD16-C55A808D744E}" type="datetime1">
               <a:rPr lang="de-CH" smtClean="0"/>
-              <a:t>25.12.13</a:t>
+              <a:t>26.12.13</a:t>
             </a:fld>
             <a:endParaRPr lang="en-US"/>
           </a:p>
@@ -3858,7 +4143,7 @@
           <a:p>
             <a:fld id="{2E7962BB-C82D-F845-801E-BCD66FE917CE}" type="datetime1">
               <a:rPr lang="de-CH" smtClean="0"/>
-              <a:t>25.12.13</a:t>
+              <a:t>26.12.13</a:t>
             </a:fld>
             <a:endParaRPr lang="en-US"/>
           </a:p>
@@ -4298,7 +4583,7 @@
           <a:p>
             <a:fld id="{4AFFAB72-D003-9A4F-9AD5-2977850EC029}" type="datetime1">
               <a:rPr lang="de-CH" smtClean="0"/>
-              <a:t>25.12.13</a:t>
+              <a:t>26.12.13</a:t>
             </a:fld>
             <a:endParaRPr lang="en-US"/>
           </a:p>
@@ -4415,7 +4700,7 @@
           <a:p>
             <a:fld id="{0149C50A-A324-2749-86BA-B53E8B1F97D9}" type="datetime1">
               <a:rPr lang="de-CH" smtClean="0"/>
-              <a:t>25.12.13</a:t>
+              <a:t>26.12.13</a:t>
             </a:fld>
             <a:endParaRPr lang="en-US"/>
           </a:p>
@@ -4509,7 +4794,7 @@
           <a:p>
             <a:fld id="{40076AA9-28AC-F74A-AEDA-D52A19FDEF6D}" type="datetime1">
               <a:rPr lang="de-CH" smtClean="0"/>
-              <a:t>25.12.13</a:t>
+              <a:t>26.12.13</a:t>
             </a:fld>
             <a:endParaRPr lang="en-US"/>
           </a:p>
@@ -4850,7 +5135,7 @@
           <a:p>
             <a:fld id="{CAFB1E87-75BB-0747-B4D2-065C5EAE4DED}" type="datetime1">
               <a:rPr lang="de-CH" smtClean="0"/>
-              <a:t>25.12.13</a:t>
+              <a:t>26.12.13</a:t>
             </a:fld>
             <a:endParaRPr lang="en-US"/>
           </a:p>
@@ -5169,7 +5454,7 @@
           <a:p>
             <a:fld id="{5EB17E15-638F-8B4A-BBAA-33880E209CDA}" type="datetime1">
               <a:rPr lang="de-CH" smtClean="0"/>
-              <a:t>25.12.13</a:t>
+              <a:t>26.12.13</a:t>
             </a:fld>
             <a:endParaRPr lang="en-US"/>
           </a:p>
@@ -5419,7 +5704,7 @@
           <a:p>
             <a:fld id="{C652C00D-1E5F-7441-9ACF-E4D4A208330A}" type="datetime1">
               <a:rPr lang="de-CH" smtClean="0"/>
-              <a:t>25.12.13</a:t>
+              <a:t>26.12.13</a:t>
             </a:fld>
             <a:endParaRPr lang="en-US"/>
           </a:p>
@@ -6091,8 +6376,8 @@
         </p:blipFill>
         <p:spPr>
           <a:xfrm>
-            <a:off x="1644415" y="1640302"/>
-            <a:ext cx="5421682" cy="5217698"/>
+            <a:off x="2165677" y="1689143"/>
+            <a:ext cx="4900420" cy="4716048"/>
           </a:xfrm>
           <a:prstGeom prst="rect">
             <a:avLst/>
@@ -6625,7 +6910,7 @@
             </a:br>
             <a:r>
               <a:rPr lang="de-DE" sz="3200" dirty="0" smtClean="0"/>
-              <a:t>Handlers</a:t>
+              <a:t>State</a:t>
             </a:r>
             <a:endParaRPr lang="de-DE" sz="3200" dirty="0"/>
           </a:p>
@@ -6672,128 +6957,6 @@
             <a:fld id="{D12AA694-00EB-4F4B-AABB-6F50FB178914}" type="slidenum">
               <a:rPr lang="en-US" smtClean="0"/>
               <a:t>14</a:t>
-            </a:fld>
-            <a:endParaRPr lang="en-US"/>
-          </a:p>
-        </p:txBody>
-      </p:sp>
-    </p:spTree>
-    <p:extLst>
-      <p:ext uri="{BB962C8B-B14F-4D97-AF65-F5344CB8AC3E}">
-        <p14:creationId xmlns:p14="http://schemas.microsoft.com/office/powerpoint/2010/main" val="3971977397"/>
-      </p:ext>
-    </p:extLst>
-  </p:cSld>
-  <p:clrMapOvr>
-    <a:masterClrMapping/>
-  </p:clrMapOvr>
-  <p:timing>
-    <p:tnLst>
-      <p:par>
-        <p:cTn xmlns:p14="http://schemas.microsoft.com/office/powerpoint/2010/main" id="1" dur="indefinite" restart="never" nodeType="tmRoot"/>
-      </p:par>
-    </p:tnLst>
-  </p:timing>
-</p:sld>
-</file>
-
-<file path=ppt/slides/slide15.xml><?xml version="1.0" encoding="utf-8"?>
-<p:sld xmlns:a="http://schemas.openxmlformats.org/drawingml/2006/main" xmlns:r="http://schemas.openxmlformats.org/officeDocument/2006/relationships" xmlns:p="http://schemas.openxmlformats.org/presentationml/2006/main">
-  <p:cSld>
-    <p:spTree>
-      <p:nvGrpSpPr>
-        <p:cNvPr id="1" name=""/>
-        <p:cNvGrpSpPr/>
-        <p:nvPr/>
-      </p:nvGrpSpPr>
-      <p:grpSpPr>
-        <a:xfrm>
-          <a:off x="0" y="0"/>
-          <a:ext cx="0" cy="0"/>
-          <a:chOff x="0" y="0"/>
-          <a:chExt cx="0" cy="0"/>
-        </a:xfrm>
-      </p:grpSpPr>
-      <p:sp>
-        <p:nvSpPr>
-          <p:cNvPr id="2" name="Titel 1"/>
-          <p:cNvSpPr>
-            <a:spLocks noGrp="1"/>
-          </p:cNvSpPr>
-          <p:nvPr>
-            <p:ph type="title"/>
-          </p:nvPr>
-        </p:nvSpPr>
-        <p:spPr>
-          <a:xfrm>
-            <a:off x="565763" y="107577"/>
-            <a:ext cx="8007257" cy="1653988"/>
-          </a:xfrm>
-        </p:spPr>
-        <p:txBody>
-          <a:bodyPr/>
-          <a:lstStyle/>
-          <a:p>
-            <a:r>
-              <a:rPr lang="de-DE" dirty="0"/>
-              <a:t>UML Klassen </a:t>
-            </a:r>
-            <a:r>
-              <a:rPr lang="de-DE" dirty="0" smtClean="0"/>
-              <a:t>Diagramme</a:t>
-            </a:r>
-            <a:br>
-              <a:rPr lang="de-DE" dirty="0" smtClean="0"/>
-            </a:br>
-            <a:r>
-              <a:rPr lang="de-DE" sz="3200" dirty="0" smtClean="0"/>
-              <a:t>State</a:t>
-            </a:r>
-            <a:endParaRPr lang="de-DE" sz="3200" dirty="0"/>
-          </a:p>
-        </p:txBody>
-      </p:sp>
-      <p:sp>
-        <p:nvSpPr>
-          <p:cNvPr id="4" name="Fußzeilenplatzhalter 3"/>
-          <p:cNvSpPr>
-            <a:spLocks noGrp="1"/>
-          </p:cNvSpPr>
-          <p:nvPr>
-            <p:ph type="ftr" sz="quarter" idx="11"/>
-          </p:nvPr>
-        </p:nvSpPr>
-        <p:spPr/>
-        <p:txBody>
-          <a:bodyPr/>
-          <a:lstStyle/>
-          <a:p>
-            <a:r>
-              <a:rPr lang="en-US" smtClean="0"/>
-              <a:t>gfels4 &amp; zannc2</a:t>
-            </a:r>
-            <a:endParaRPr lang="en-US"/>
-          </a:p>
-        </p:txBody>
-      </p:sp>
-      <p:sp>
-        <p:nvSpPr>
-          <p:cNvPr id="5" name="Foliennummernplatzhalter 4"/>
-          <p:cNvSpPr>
-            <a:spLocks noGrp="1"/>
-          </p:cNvSpPr>
-          <p:nvPr>
-            <p:ph type="sldNum" sz="quarter" idx="12"/>
-          </p:nvPr>
-        </p:nvSpPr>
-        <p:spPr/>
-        <p:txBody>
-          <a:bodyPr/>
-          <a:lstStyle/>
-          <a:p>
-            <a:fld id="{D12AA694-00EB-4F4B-AABB-6F50FB178914}" type="slidenum">
-              <a:rPr lang="en-US" smtClean="0"/>
-              <a:t>15</a:t>
             </a:fld>
             <a:endParaRPr lang="en-US"/>
           </a:p>
@@ -6848,7 +7011,7 @@
 </p:sld>
 </file>
 
-<file path=ppt/slides/slide16.xml><?xml version="1.0" encoding="utf-8"?>
+<file path=ppt/slides/slide15.xml><?xml version="1.0" encoding="utf-8"?>
 <p:sld xmlns:a="http://schemas.openxmlformats.org/drawingml/2006/main" xmlns:r="http://schemas.openxmlformats.org/officeDocument/2006/relationships" xmlns:p="http://schemas.openxmlformats.org/presentationml/2006/main">
   <p:cSld>
     <p:spTree>
@@ -6944,7 +7107,7 @@
           <a:p>
             <a:fld id="{D12AA694-00EB-4F4B-AABB-6F50FB178914}" type="slidenum">
               <a:rPr lang="en-US" smtClean="0"/>
-              <a:t>16</a:t>
+              <a:t>15</a:t>
             </a:fld>
             <a:endParaRPr lang="en-US"/>
           </a:p>
@@ -6972,8 +7135,8 @@
         </p:blipFill>
         <p:spPr>
           <a:xfrm>
-            <a:off x="1439456" y="1585548"/>
-            <a:ext cx="6024091" cy="5272451"/>
+            <a:off x="1937477" y="1618109"/>
+            <a:ext cx="5526069" cy="4836569"/>
           </a:xfrm>
           <a:prstGeom prst="rect">
             <a:avLst/>
@@ -6984,6 +7147,175 @@
     <p:extLst>
       <p:ext uri="{BB962C8B-B14F-4D97-AF65-F5344CB8AC3E}">
         <p14:creationId xmlns:p14="http://schemas.microsoft.com/office/powerpoint/2010/main" val="3304946398"/>
+      </p:ext>
+    </p:extLst>
+  </p:cSld>
+  <p:clrMapOvr>
+    <a:masterClrMapping/>
+  </p:clrMapOvr>
+  <p:timing>
+    <p:tnLst>
+      <p:par>
+        <p:cTn xmlns:p14="http://schemas.microsoft.com/office/powerpoint/2010/main" id="1" dur="indefinite" restart="never" nodeType="tmRoot"/>
+      </p:par>
+    </p:tnLst>
+  </p:timing>
+</p:sld>
+</file>
+
+<file path=ppt/slides/slide16.xml><?xml version="1.0" encoding="utf-8"?>
+<p:sld xmlns:a="http://schemas.openxmlformats.org/drawingml/2006/main" xmlns:r="http://schemas.openxmlformats.org/officeDocument/2006/relationships" xmlns:p="http://schemas.openxmlformats.org/presentationml/2006/main">
+  <p:cSld>
+    <p:spTree>
+      <p:nvGrpSpPr>
+        <p:cNvPr id="1" name=""/>
+        <p:cNvGrpSpPr/>
+        <p:nvPr/>
+      </p:nvGrpSpPr>
+      <p:grpSpPr>
+        <a:xfrm>
+          <a:off x="0" y="0"/>
+          <a:ext cx="0" cy="0"/>
+          <a:chOff x="0" y="0"/>
+          <a:chExt cx="0" cy="0"/>
+        </a:xfrm>
+      </p:grpSpPr>
+      <p:sp>
+        <p:nvSpPr>
+          <p:cNvPr id="2" name="Titel 1"/>
+          <p:cNvSpPr>
+            <a:spLocks noGrp="1"/>
+          </p:cNvSpPr>
+          <p:nvPr>
+            <p:ph type="title"/>
+          </p:nvPr>
+        </p:nvSpPr>
+        <p:spPr/>
+        <p:txBody>
+          <a:bodyPr/>
+          <a:lstStyle/>
+          <a:p>
+            <a:r>
+              <a:rPr lang="de-DE" dirty="0" smtClean="0"/>
+              <a:t>Robot</a:t>
+            </a:r>
+            <a:endParaRPr lang="de-DE" dirty="0"/>
+          </a:p>
+        </p:txBody>
+      </p:sp>
+      <p:sp>
+        <p:nvSpPr>
+          <p:cNvPr id="3" name="Inhaltsplatzhalter 2"/>
+          <p:cNvSpPr>
+            <a:spLocks noGrp="1"/>
+          </p:cNvSpPr>
+          <p:nvPr>
+            <p:ph idx="1"/>
+          </p:nvPr>
+        </p:nvSpPr>
+        <p:spPr/>
+        <p:txBody>
+          <a:bodyPr/>
+          <a:lstStyle/>
+          <a:p>
+            <a:r>
+              <a:rPr lang="de-DE" dirty="0"/>
+              <a:t>Domain Mode</a:t>
+            </a:r>
+          </a:p>
+          <a:p>
+            <a:r>
+              <a:rPr lang="de-DE" dirty="0" err="1"/>
+              <a:t>Use</a:t>
+            </a:r>
+            <a:r>
+              <a:rPr lang="de-DE" dirty="0"/>
+              <a:t> </a:t>
+            </a:r>
+            <a:r>
+              <a:rPr lang="de-DE" dirty="0" smtClean="0"/>
+              <a:t>Cases</a:t>
+            </a:r>
+          </a:p>
+          <a:p>
+            <a:r>
+              <a:rPr lang="de-DE" dirty="0" smtClean="0"/>
+              <a:t>UML </a:t>
+            </a:r>
+            <a:r>
+              <a:rPr lang="de-DE" dirty="0"/>
+              <a:t>Klassen </a:t>
+            </a:r>
+            <a:r>
+              <a:rPr lang="de-DE" dirty="0" smtClean="0"/>
+              <a:t>Diagramme</a:t>
+            </a:r>
+          </a:p>
+          <a:p>
+            <a:r>
+              <a:rPr lang="de-DE" dirty="0" smtClean="0"/>
+              <a:t>Strategie</a:t>
+            </a:r>
+            <a:endParaRPr lang="de-DE" dirty="0"/>
+          </a:p>
+          <a:p>
+            <a:pPr marL="0" indent="0">
+              <a:buNone/>
+            </a:pPr>
+            <a:endParaRPr lang="de-DE" dirty="0"/>
+          </a:p>
+        </p:txBody>
+      </p:sp>
+      <p:sp>
+        <p:nvSpPr>
+          <p:cNvPr id="6" name="Foliennummernplatzhalter 5"/>
+          <p:cNvSpPr>
+            <a:spLocks noGrp="1"/>
+          </p:cNvSpPr>
+          <p:nvPr>
+            <p:ph type="sldNum" sz="quarter" idx="12"/>
+          </p:nvPr>
+        </p:nvSpPr>
+        <p:spPr/>
+        <p:txBody>
+          <a:bodyPr/>
+          <a:lstStyle/>
+          <a:p>
+            <a:fld id="{D12AA694-00EB-4F4B-AABB-6F50FB178914}" type="slidenum">
+              <a:rPr lang="en-US" smtClean="0"/>
+              <a:t>16</a:t>
+            </a:fld>
+            <a:endParaRPr lang="en-US"/>
+          </a:p>
+        </p:txBody>
+      </p:sp>
+      <p:sp>
+        <p:nvSpPr>
+          <p:cNvPr id="7" name="Fußzeilenplatzhalter 6"/>
+          <p:cNvSpPr>
+            <a:spLocks noGrp="1"/>
+          </p:cNvSpPr>
+          <p:nvPr>
+            <p:ph type="ftr" sz="quarter" idx="11"/>
+          </p:nvPr>
+        </p:nvSpPr>
+        <p:spPr/>
+        <p:txBody>
+          <a:bodyPr/>
+          <a:lstStyle/>
+          <a:p>
+            <a:r>
+              <a:rPr lang="en-US" smtClean="0"/>
+              <a:t>gfels4 &amp; zannc2</a:t>
+            </a:r>
+            <a:endParaRPr lang="en-US"/>
+          </a:p>
+        </p:txBody>
+      </p:sp>
+    </p:spTree>
+    <p:extLst>
+      <p:ext uri="{BB962C8B-B14F-4D97-AF65-F5344CB8AC3E}">
+        <p14:creationId xmlns:p14="http://schemas.microsoft.com/office/powerpoint/2010/main" val="3514780789"/>
       </p:ext>
     </p:extLst>
   </p:cSld>
@@ -7034,7 +7366,7 @@
           <a:p>
             <a:r>
               <a:rPr lang="de-DE" dirty="0" smtClean="0"/>
-              <a:t>Robot</a:t>
+              <a:t>Domain Model</a:t>
             </a:r>
             <a:endParaRPr lang="de-DE" dirty="0"/>
           </a:p>
@@ -7042,61 +7374,30 @@
       </p:sp>
       <p:sp>
         <p:nvSpPr>
-          <p:cNvPr id="3" name="Inhaltsplatzhalter 2"/>
-          <p:cNvSpPr>
-            <a:spLocks noGrp="1"/>
-          </p:cNvSpPr>
-          <p:nvPr>
-            <p:ph idx="1"/>
-          </p:nvPr>
-        </p:nvSpPr>
-        <p:spPr/>
-        <p:txBody>
-          <a:bodyPr/>
-          <a:lstStyle/>
-          <a:p>
-            <a:r>
-              <a:rPr lang="de-DE" dirty="0"/>
-              <a:t>Domain Mode</a:t>
-            </a:r>
-          </a:p>
-          <a:p>
-            <a:r>
-              <a:rPr lang="de-DE" dirty="0" err="1"/>
-              <a:t>Use</a:t>
-            </a:r>
-            <a:r>
-              <a:rPr lang="de-DE" dirty="0"/>
-              <a:t> Cases</a:t>
-            </a:r>
-          </a:p>
-          <a:p>
-            <a:r>
-              <a:rPr lang="de-DE" dirty="0" err="1"/>
-              <a:t>Sequence</a:t>
-            </a:r>
-            <a:r>
-              <a:rPr lang="de-DE" dirty="0"/>
-              <a:t> Diagramme</a:t>
-            </a:r>
-          </a:p>
-          <a:p>
-            <a:r>
-              <a:rPr lang="de-DE" dirty="0"/>
-              <a:t>UML Klassen Diagramme</a:t>
-            </a:r>
-          </a:p>
-          <a:p>
-            <a:pPr marL="0" indent="0">
-              <a:buNone/>
-            </a:pPr>
-            <a:endParaRPr lang="de-DE" dirty="0"/>
-          </a:p>
-        </p:txBody>
-      </p:sp>
-      <p:sp>
-        <p:nvSpPr>
-          <p:cNvPr id="6" name="Foliennummernplatzhalter 5"/>
+          <p:cNvPr id="4" name="Fußzeilenplatzhalter 3"/>
+          <p:cNvSpPr>
+            <a:spLocks noGrp="1"/>
+          </p:cNvSpPr>
+          <p:nvPr>
+            <p:ph type="ftr" sz="quarter" idx="11"/>
+          </p:nvPr>
+        </p:nvSpPr>
+        <p:spPr/>
+        <p:txBody>
+          <a:bodyPr/>
+          <a:lstStyle/>
+          <a:p>
+            <a:r>
+              <a:rPr lang="en-US" smtClean="0"/>
+              <a:t>gfels4 &amp; zannc2</a:t>
+            </a:r>
+            <a:endParaRPr lang="en-US"/>
+          </a:p>
+        </p:txBody>
+      </p:sp>
+      <p:sp>
+        <p:nvSpPr>
+          <p:cNvPr id="5" name="Foliennummernplatzhalter 4"/>
           <p:cNvSpPr>
             <a:spLocks noGrp="1"/>
           </p:cNvSpPr>
@@ -7117,33 +7418,39 @@
           </a:p>
         </p:txBody>
       </p:sp>
-      <p:sp>
-        <p:nvSpPr>
-          <p:cNvPr id="7" name="Fußzeilenplatzhalter 6"/>
-          <p:cNvSpPr>
-            <a:spLocks noGrp="1"/>
-          </p:cNvSpPr>
-          <p:nvPr>
-            <p:ph type="ftr" sz="quarter" idx="11"/>
-          </p:nvPr>
-        </p:nvSpPr>
-        <p:spPr/>
-        <p:txBody>
-          <a:bodyPr/>
-          <a:lstStyle/>
-          <a:p>
-            <a:r>
-              <a:rPr lang="en-US" smtClean="0"/>
-              <a:t>gfels4 &amp; zannc2</a:t>
-            </a:r>
-            <a:endParaRPr lang="en-US"/>
-          </a:p>
-        </p:txBody>
-      </p:sp>
+      <p:pic>
+        <p:nvPicPr>
+          <p:cNvPr id="7" name="Bild 6" descr="domain_model.jpg"/>
+          <p:cNvPicPr>
+            <a:picLocks noChangeAspect="1"/>
+          </p:cNvPicPr>
+          <p:nvPr/>
+        </p:nvPicPr>
+        <p:blipFill rotWithShape="1">
+          <a:blip r:embed="rId3">
+            <a:extLst>
+              <a:ext uri="{28A0092B-C50C-407E-A947-70E740481C1C}">
+                <a14:useLocalDpi xmlns:a14="http://schemas.microsoft.com/office/drawing/2010/main" val="0"/>
+              </a:ext>
+            </a:extLst>
+          </a:blip>
+          <a:srcRect l="12756" t="3824" r="30840" b="48868"/>
+          <a:stretch/>
+        </p:blipFill>
+        <p:spPr>
+          <a:xfrm>
+            <a:off x="1891267" y="1528468"/>
+            <a:ext cx="5397703" cy="4482476"/>
+          </a:xfrm>
+          <a:prstGeom prst="rect">
+            <a:avLst/>
+          </a:prstGeom>
+        </p:spPr>
+      </p:pic>
     </p:spTree>
     <p:extLst>
       <p:ext uri="{BB962C8B-B14F-4D97-AF65-F5344CB8AC3E}">
-        <p14:creationId xmlns:p14="http://schemas.microsoft.com/office/powerpoint/2010/main" val="3514780789"/>
+        <p14:creationId xmlns:p14="http://schemas.microsoft.com/office/powerpoint/2010/main" val="3612858062"/>
       </p:ext>
     </p:extLst>
   </p:cSld>
@@ -7187,6 +7494,145 @@
             <p:ph type="title"/>
           </p:nvPr>
         </p:nvSpPr>
+        <p:spPr/>
+        <p:txBody>
+          <a:bodyPr/>
+          <a:lstStyle/>
+          <a:p>
+            <a:r>
+              <a:rPr lang="de-DE" dirty="0" err="1" smtClean="0"/>
+              <a:t>Use</a:t>
+            </a:r>
+            <a:r>
+              <a:rPr lang="de-DE" dirty="0" smtClean="0"/>
+              <a:t> Cases</a:t>
+            </a:r>
+            <a:endParaRPr lang="de-DE" dirty="0"/>
+          </a:p>
+        </p:txBody>
+      </p:sp>
+      <p:sp>
+        <p:nvSpPr>
+          <p:cNvPr id="4" name="Fußzeilenplatzhalter 3"/>
+          <p:cNvSpPr>
+            <a:spLocks noGrp="1"/>
+          </p:cNvSpPr>
+          <p:nvPr>
+            <p:ph type="ftr" sz="quarter" idx="11"/>
+          </p:nvPr>
+        </p:nvSpPr>
+        <p:spPr/>
+        <p:txBody>
+          <a:bodyPr/>
+          <a:lstStyle/>
+          <a:p>
+            <a:r>
+              <a:rPr lang="en-US" smtClean="0"/>
+              <a:t>gfels4 &amp; zannc2</a:t>
+            </a:r>
+            <a:endParaRPr lang="en-US"/>
+          </a:p>
+        </p:txBody>
+      </p:sp>
+      <p:sp>
+        <p:nvSpPr>
+          <p:cNvPr id="5" name="Foliennummernplatzhalter 4"/>
+          <p:cNvSpPr>
+            <a:spLocks noGrp="1"/>
+          </p:cNvSpPr>
+          <p:nvPr>
+            <p:ph type="sldNum" sz="quarter" idx="12"/>
+          </p:nvPr>
+        </p:nvSpPr>
+        <p:spPr/>
+        <p:txBody>
+          <a:bodyPr/>
+          <a:lstStyle/>
+          <a:p>
+            <a:fld id="{D12AA694-00EB-4F4B-AABB-6F50FB178914}" type="slidenum">
+              <a:rPr lang="en-US" smtClean="0"/>
+              <a:t>18</a:t>
+            </a:fld>
+            <a:endParaRPr lang="en-US"/>
+          </a:p>
+        </p:txBody>
+      </p:sp>
+      <p:pic>
+        <p:nvPicPr>
+          <p:cNvPr id="3" name="Bild 2" descr="UseCase-Diagram.jpg"/>
+          <p:cNvPicPr>
+            <a:picLocks noChangeAspect="1"/>
+          </p:cNvPicPr>
+          <p:nvPr/>
+        </p:nvPicPr>
+        <p:blipFill rotWithShape="1">
+          <a:blip r:embed="rId3">
+            <a:extLst>
+              <a:ext uri="{28A0092B-C50C-407E-A947-70E740481C1C}">
+                <a14:useLocalDpi xmlns:a14="http://schemas.microsoft.com/office/drawing/2010/main" val="0"/>
+              </a:ext>
+            </a:extLst>
+          </a:blip>
+          <a:srcRect l="5829" t="8546" r="35128" b="62968"/>
+          <a:stretch/>
+        </p:blipFill>
+        <p:spPr>
+          <a:xfrm>
+            <a:off x="2713884" y="2720877"/>
+            <a:ext cx="3700959" cy="1414274"/>
+          </a:xfrm>
+          <a:prstGeom prst="rect">
+            <a:avLst/>
+          </a:prstGeom>
+        </p:spPr>
+      </p:pic>
+    </p:spTree>
+    <p:extLst>
+      <p:ext uri="{BB962C8B-B14F-4D97-AF65-F5344CB8AC3E}">
+        <p14:creationId xmlns:p14="http://schemas.microsoft.com/office/powerpoint/2010/main" val="2998932127"/>
+      </p:ext>
+    </p:extLst>
+  </p:cSld>
+  <p:clrMapOvr>
+    <a:masterClrMapping/>
+  </p:clrMapOvr>
+  <p:timing>
+    <p:tnLst>
+      <p:par>
+        <p:cTn xmlns:p14="http://schemas.microsoft.com/office/powerpoint/2010/main" id="1" dur="indefinite" restart="never" nodeType="tmRoot"/>
+      </p:par>
+    </p:tnLst>
+  </p:timing>
+</p:sld>
+</file>
+
+<file path=ppt/slides/slide19.xml><?xml version="1.0" encoding="utf-8"?>
+<p:sld xmlns:a="http://schemas.openxmlformats.org/drawingml/2006/main" xmlns:r="http://schemas.openxmlformats.org/officeDocument/2006/relationships" xmlns:p="http://schemas.openxmlformats.org/presentationml/2006/main">
+  <p:cSld>
+    <p:spTree>
+      <p:nvGrpSpPr>
+        <p:cNvPr id="1" name=""/>
+        <p:cNvGrpSpPr/>
+        <p:nvPr/>
+      </p:nvGrpSpPr>
+      <p:grpSpPr>
+        <a:xfrm>
+          <a:off x="0" y="0"/>
+          <a:ext cx="0" cy="0"/>
+          <a:chOff x="0" y="0"/>
+          <a:chExt cx="0" cy="0"/>
+        </a:xfrm>
+      </p:grpSpPr>
+      <p:sp>
+        <p:nvSpPr>
+          <p:cNvPr id="2" name="Titel 1"/>
+          <p:cNvSpPr>
+            <a:spLocks noGrp="1"/>
+          </p:cNvSpPr>
+          <p:nvPr>
+            <p:ph type="title"/>
+          </p:nvPr>
+        </p:nvSpPr>
         <p:spPr>
           <a:xfrm>
             <a:off x="565763" y="107577"/>
@@ -7256,7 +7702,7 @@
           <a:p>
             <a:fld id="{D12AA694-00EB-4F4B-AABB-6F50FB178914}" type="slidenum">
               <a:rPr lang="en-US" smtClean="0"/>
-              <a:t>18</a:t>
+              <a:t>19</a:t>
             </a:fld>
             <a:endParaRPr lang="en-US"/>
           </a:p>
@@ -7312,7 +7758,7 @@
 </p:sld>
 </file>
 
-<file path=ppt/slides/slide19.xml><?xml version="1.0" encoding="utf-8"?>
+<file path=ppt/slides/slide2.xml><?xml version="1.0" encoding="utf-8"?>
 <p:sld xmlns:a="http://schemas.openxmlformats.org/drawingml/2006/main" xmlns:r="http://schemas.openxmlformats.org/officeDocument/2006/relationships" xmlns:p="http://schemas.openxmlformats.org/presentationml/2006/main">
   <p:cSld>
     <p:spTree>
@@ -7346,28 +7792,52 @@
           <a:p>
             <a:r>
               <a:rPr lang="de-DE" dirty="0" smtClean="0"/>
+              <a:t>Inhaltsverzeichnis</a:t>
+            </a:r>
+            <a:endParaRPr lang="de-DE" dirty="0"/>
+          </a:p>
+        </p:txBody>
+      </p:sp>
+      <p:sp>
+        <p:nvSpPr>
+          <p:cNvPr id="3" name="Inhaltsplatzhalter 2"/>
+          <p:cNvSpPr>
+            <a:spLocks noGrp="1"/>
+          </p:cNvSpPr>
+          <p:nvPr>
+            <p:ph idx="1"/>
+          </p:nvPr>
+        </p:nvSpPr>
+        <p:spPr/>
+        <p:txBody>
+          <a:bodyPr>
+            <a:normAutofit/>
+          </a:bodyPr>
+          <a:lstStyle/>
+          <a:p>
+            <a:r>
+              <a:rPr lang="de-DE" dirty="0" smtClean="0"/>
+              <a:t>Zeitplan</a:t>
+            </a:r>
+          </a:p>
+          <a:p>
+            <a:r>
+              <a:rPr lang="de-DE" dirty="0" smtClean="0"/>
+              <a:t>Frontend</a:t>
+            </a:r>
+          </a:p>
+          <a:p>
+            <a:r>
+              <a:rPr lang="de-DE" dirty="0" smtClean="0"/>
+              <a:t>Robot</a:t>
+            </a:r>
+          </a:p>
+          <a:p>
+            <a:r>
+              <a:rPr lang="de-DE" dirty="0" smtClean="0"/>
               <a:t>Vorführung</a:t>
             </a:r>
             <a:endParaRPr lang="de-DE" dirty="0"/>
-          </a:p>
-        </p:txBody>
-      </p:sp>
-      <p:sp>
-        <p:nvSpPr>
-          <p:cNvPr id="3" name="Inhaltsplatzhalter 2"/>
-          <p:cNvSpPr>
-            <a:spLocks noGrp="1"/>
-          </p:cNvSpPr>
-          <p:nvPr>
-            <p:ph idx="1"/>
-          </p:nvPr>
-        </p:nvSpPr>
-        <p:spPr/>
-        <p:txBody>
-          <a:bodyPr/>
-          <a:lstStyle/>
-          <a:p>
-            <a:endParaRPr lang="de-DE"/>
           </a:p>
         </p:txBody>
       </p:sp>
@@ -7388,7 +7858,280 @@
           <a:p>
             <a:fld id="{D12AA694-00EB-4F4B-AABB-6F50FB178914}" type="slidenum">
               <a:rPr lang="en-US" smtClean="0"/>
-              <a:t>19</a:t>
+              <a:t>2</a:t>
+            </a:fld>
+            <a:endParaRPr lang="en-US"/>
+          </a:p>
+        </p:txBody>
+      </p:sp>
+      <p:sp>
+        <p:nvSpPr>
+          <p:cNvPr id="7" name="Fußzeilenplatzhalter 6"/>
+          <p:cNvSpPr>
+            <a:spLocks noGrp="1"/>
+          </p:cNvSpPr>
+          <p:nvPr>
+            <p:ph type="ftr" sz="quarter" idx="11"/>
+          </p:nvPr>
+        </p:nvSpPr>
+        <p:spPr/>
+        <p:txBody>
+          <a:bodyPr/>
+          <a:lstStyle/>
+          <a:p>
+            <a:r>
+              <a:rPr lang="en-US" smtClean="0"/>
+              <a:t>gfels4 &amp; zannc2</a:t>
+            </a:r>
+            <a:endParaRPr lang="en-US"/>
+          </a:p>
+        </p:txBody>
+      </p:sp>
+    </p:spTree>
+    <p:extLst>
+      <p:ext uri="{BB962C8B-B14F-4D97-AF65-F5344CB8AC3E}">
+        <p14:creationId xmlns:p14="http://schemas.microsoft.com/office/powerpoint/2010/main" val="3112474302"/>
+      </p:ext>
+    </p:extLst>
+  </p:cSld>
+  <p:clrMapOvr>
+    <a:masterClrMapping/>
+  </p:clrMapOvr>
+  <p:timing>
+    <p:tnLst>
+      <p:par>
+        <p:cTn xmlns:p14="http://schemas.microsoft.com/office/powerpoint/2010/main" id="1" dur="indefinite" restart="never" nodeType="tmRoot"/>
+      </p:par>
+    </p:tnLst>
+  </p:timing>
+</p:sld>
+</file>
+
+<file path=ppt/slides/slide20.xml><?xml version="1.0" encoding="utf-8"?>
+<p:sld xmlns:a="http://schemas.openxmlformats.org/drawingml/2006/main" xmlns:r="http://schemas.openxmlformats.org/officeDocument/2006/relationships" xmlns:p="http://schemas.openxmlformats.org/presentationml/2006/main">
+  <p:cSld>
+    <p:spTree>
+      <p:nvGrpSpPr>
+        <p:cNvPr id="1" name=""/>
+        <p:cNvGrpSpPr/>
+        <p:nvPr/>
+      </p:nvGrpSpPr>
+      <p:grpSpPr>
+        <a:xfrm>
+          <a:off x="0" y="0"/>
+          <a:ext cx="0" cy="0"/>
+          <a:chOff x="0" y="0"/>
+          <a:chExt cx="0" cy="0"/>
+        </a:xfrm>
+      </p:grpSpPr>
+      <p:sp>
+        <p:nvSpPr>
+          <p:cNvPr id="2" name="Titel 1"/>
+          <p:cNvSpPr>
+            <a:spLocks noGrp="1"/>
+          </p:cNvSpPr>
+          <p:nvPr>
+            <p:ph type="title"/>
+          </p:nvPr>
+        </p:nvSpPr>
+        <p:spPr>
+          <a:xfrm>
+            <a:off x="565763" y="107577"/>
+            <a:ext cx="8007257" cy="1653988"/>
+          </a:xfrm>
+        </p:spPr>
+        <p:txBody>
+          <a:bodyPr/>
+          <a:lstStyle/>
+          <a:p>
+            <a:r>
+              <a:rPr lang="de-DE" dirty="0" smtClean="0"/>
+              <a:t>Strategie</a:t>
+            </a:r>
+            <a:br>
+              <a:rPr lang="de-DE" dirty="0" smtClean="0"/>
+            </a:br>
+            <a:endParaRPr lang="de-DE" sz="3200" dirty="0"/>
+          </a:p>
+        </p:txBody>
+      </p:sp>
+      <p:sp>
+        <p:nvSpPr>
+          <p:cNvPr id="4" name="Fußzeilenplatzhalter 3"/>
+          <p:cNvSpPr>
+            <a:spLocks noGrp="1"/>
+          </p:cNvSpPr>
+          <p:nvPr>
+            <p:ph type="ftr" sz="quarter" idx="11"/>
+          </p:nvPr>
+        </p:nvSpPr>
+        <p:spPr/>
+        <p:txBody>
+          <a:bodyPr/>
+          <a:lstStyle/>
+          <a:p>
+            <a:r>
+              <a:rPr lang="en-US" smtClean="0"/>
+              <a:t>gfels4 &amp; zannc2</a:t>
+            </a:r>
+            <a:endParaRPr lang="en-US"/>
+          </a:p>
+        </p:txBody>
+      </p:sp>
+      <p:sp>
+        <p:nvSpPr>
+          <p:cNvPr id="5" name="Foliennummernplatzhalter 4"/>
+          <p:cNvSpPr>
+            <a:spLocks noGrp="1"/>
+          </p:cNvSpPr>
+          <p:nvPr>
+            <p:ph type="sldNum" sz="quarter" idx="12"/>
+          </p:nvPr>
+        </p:nvSpPr>
+        <p:spPr/>
+        <p:txBody>
+          <a:bodyPr/>
+          <a:lstStyle/>
+          <a:p>
+            <a:fld id="{D12AA694-00EB-4F4B-AABB-6F50FB178914}" type="slidenum">
+              <a:rPr lang="en-US" smtClean="0"/>
+              <a:t>20</a:t>
+            </a:fld>
+            <a:endParaRPr lang="en-US"/>
+          </a:p>
+        </p:txBody>
+      </p:sp>
+      <p:sp>
+        <p:nvSpPr>
+          <p:cNvPr id="6" name="Inhaltsplatzhalter 2"/>
+          <p:cNvSpPr>
+            <a:spLocks noGrp="1"/>
+          </p:cNvSpPr>
+          <p:nvPr>
+            <p:ph idx="1"/>
+          </p:nvPr>
+        </p:nvSpPr>
+        <p:spPr>
+          <a:xfrm>
+            <a:off x="779462" y="1882588"/>
+            <a:ext cx="7581901" cy="3953436"/>
+          </a:xfrm>
+        </p:spPr>
+        <p:txBody>
+          <a:bodyPr/>
+          <a:lstStyle/>
+          <a:p>
+            <a:r>
+              <a:rPr lang="de-DE" dirty="0" smtClean="0"/>
+              <a:t>Kürzester Weg zum nächsten unbekannten Feld suchen</a:t>
+            </a:r>
+            <a:endParaRPr lang="de-DE" dirty="0"/>
+          </a:p>
+          <a:p>
+            <a:pPr marL="0" indent="0">
+              <a:buNone/>
+            </a:pPr>
+            <a:endParaRPr lang="de-DE" dirty="0"/>
+          </a:p>
+        </p:txBody>
+      </p:sp>
+    </p:spTree>
+    <p:extLst>
+      <p:ext uri="{BB962C8B-B14F-4D97-AF65-F5344CB8AC3E}">
+        <p14:creationId xmlns:p14="http://schemas.microsoft.com/office/powerpoint/2010/main" val="3437454016"/>
+      </p:ext>
+    </p:extLst>
+  </p:cSld>
+  <p:clrMapOvr>
+    <a:masterClrMapping/>
+  </p:clrMapOvr>
+  <p:timing>
+    <p:tnLst>
+      <p:par>
+        <p:cTn xmlns:p14="http://schemas.microsoft.com/office/powerpoint/2010/main" id="1" dur="indefinite" restart="never" nodeType="tmRoot"/>
+      </p:par>
+    </p:tnLst>
+  </p:timing>
+</p:sld>
+</file>
+
+<file path=ppt/slides/slide21.xml><?xml version="1.0" encoding="utf-8"?>
+<p:sld xmlns:a="http://schemas.openxmlformats.org/drawingml/2006/main" xmlns:r="http://schemas.openxmlformats.org/officeDocument/2006/relationships" xmlns:p="http://schemas.openxmlformats.org/presentationml/2006/main">
+  <p:cSld>
+    <p:spTree>
+      <p:nvGrpSpPr>
+        <p:cNvPr id="1" name=""/>
+        <p:cNvGrpSpPr/>
+        <p:nvPr/>
+      </p:nvGrpSpPr>
+      <p:grpSpPr>
+        <a:xfrm>
+          <a:off x="0" y="0"/>
+          <a:ext cx="0" cy="0"/>
+          <a:chOff x="0" y="0"/>
+          <a:chExt cx="0" cy="0"/>
+        </a:xfrm>
+      </p:grpSpPr>
+      <p:sp>
+        <p:nvSpPr>
+          <p:cNvPr id="2" name="Titel 1"/>
+          <p:cNvSpPr>
+            <a:spLocks noGrp="1"/>
+          </p:cNvSpPr>
+          <p:nvPr>
+            <p:ph type="title"/>
+          </p:nvPr>
+        </p:nvSpPr>
+        <p:spPr/>
+        <p:txBody>
+          <a:bodyPr/>
+          <a:lstStyle/>
+          <a:p>
+            <a:r>
+              <a:rPr lang="de-DE" dirty="0" smtClean="0"/>
+              <a:t>Vorführung</a:t>
+            </a:r>
+            <a:endParaRPr lang="de-DE" dirty="0"/>
+          </a:p>
+        </p:txBody>
+      </p:sp>
+      <p:sp>
+        <p:nvSpPr>
+          <p:cNvPr id="3" name="Inhaltsplatzhalter 2"/>
+          <p:cNvSpPr>
+            <a:spLocks noGrp="1"/>
+          </p:cNvSpPr>
+          <p:nvPr>
+            <p:ph idx="1"/>
+          </p:nvPr>
+        </p:nvSpPr>
+        <p:spPr/>
+        <p:txBody>
+          <a:bodyPr/>
+          <a:lstStyle/>
+          <a:p>
+            <a:endParaRPr lang="de-DE"/>
+          </a:p>
+        </p:txBody>
+      </p:sp>
+      <p:sp>
+        <p:nvSpPr>
+          <p:cNvPr id="6" name="Foliennummernplatzhalter 5"/>
+          <p:cNvSpPr>
+            <a:spLocks noGrp="1"/>
+          </p:cNvSpPr>
+          <p:nvPr>
+            <p:ph type="sldNum" sz="quarter" idx="12"/>
+          </p:nvPr>
+        </p:nvSpPr>
+        <p:spPr/>
+        <p:txBody>
+          <a:bodyPr/>
+          <a:lstStyle/>
+          <a:p>
+            <a:fld id="{D12AA694-00EB-4F4B-AABB-6F50FB178914}" type="slidenum">
+              <a:rPr lang="en-US" smtClean="0"/>
+              <a:t>21</a:t>
             </a:fld>
             <a:endParaRPr lang="en-US"/>
           </a:p>
@@ -7437,7 +8180,7 @@
 </p:sld>
 </file>
 
-<file path=ppt/slides/slide2.xml><?xml version="1.0" encoding="utf-8"?>
+<file path=ppt/slides/slide22.xml><?xml version="1.0" encoding="utf-8"?>
 <p:sld xmlns:a="http://schemas.openxmlformats.org/drawingml/2006/main" xmlns:r="http://schemas.openxmlformats.org/officeDocument/2006/relationships" xmlns:p="http://schemas.openxmlformats.org/presentationml/2006/main">
   <p:cSld>
     <p:spTree>
@@ -7464,57 +8207,19 @@
             <p:ph type="title"/>
           </p:nvPr>
         </p:nvSpPr>
-        <p:spPr/>
+        <p:spPr>
+          <a:xfrm>
+            <a:off x="779462" y="2044910"/>
+            <a:ext cx="7581901" cy="2350721"/>
+          </a:xfrm>
+        </p:spPr>
         <p:txBody>
           <a:bodyPr/>
           <a:lstStyle/>
           <a:p>
             <a:r>
               <a:rPr lang="de-DE" dirty="0" smtClean="0"/>
-              <a:t>Inhaltsverzeichnis</a:t>
-            </a:r>
-            <a:endParaRPr lang="de-DE" dirty="0"/>
-          </a:p>
-        </p:txBody>
-      </p:sp>
-      <p:sp>
-        <p:nvSpPr>
-          <p:cNvPr id="3" name="Inhaltsplatzhalter 2"/>
-          <p:cNvSpPr>
-            <a:spLocks noGrp="1"/>
-          </p:cNvSpPr>
-          <p:nvPr>
-            <p:ph idx="1"/>
-          </p:nvPr>
-        </p:nvSpPr>
-        <p:spPr/>
-        <p:txBody>
-          <a:bodyPr>
-            <a:normAutofit/>
-          </a:bodyPr>
-          <a:lstStyle/>
-          <a:p>
-            <a:r>
-              <a:rPr lang="de-DE" dirty="0" smtClean="0"/>
-              <a:t>Zeitplan</a:t>
-            </a:r>
-          </a:p>
-          <a:p>
-            <a:r>
-              <a:rPr lang="de-DE" dirty="0" smtClean="0"/>
-              <a:t>Frontend</a:t>
-            </a:r>
-          </a:p>
-          <a:p>
-            <a:r>
-              <a:rPr lang="de-DE" dirty="0" smtClean="0"/>
-              <a:t>Robot</a:t>
-            </a:r>
-          </a:p>
-          <a:p>
-            <a:r>
-              <a:rPr lang="de-DE" dirty="0" smtClean="0"/>
-              <a:t>Vorführung</a:t>
+              <a:t>Vielen Dank für Ihre Aufmerksamkeit</a:t>
             </a:r>
             <a:endParaRPr lang="de-DE" dirty="0"/>
           </a:p>
@@ -7537,7 +8242,7 @@
           <a:p>
             <a:fld id="{D12AA694-00EB-4F4B-AABB-6F50FB178914}" type="slidenum">
               <a:rPr lang="en-US" smtClean="0"/>
-              <a:t>2</a:t>
+              <a:t>22</a:t>
             </a:fld>
             <a:endParaRPr lang="en-US"/>
           </a:p>
@@ -7569,7 +8274,7 @@
     </p:spTree>
     <p:extLst>
       <p:ext uri="{BB962C8B-B14F-4D97-AF65-F5344CB8AC3E}">
-        <p14:creationId xmlns:p14="http://schemas.microsoft.com/office/powerpoint/2010/main" val="3112474302"/>
+        <p14:creationId xmlns:p14="http://schemas.microsoft.com/office/powerpoint/2010/main" val="1212028301"/>
       </p:ext>
     </p:extLst>
   </p:cSld>

--- a/SearchRobot/doc/presentation.pptx
+++ b/SearchRobot/doc/presentation.pptx
@@ -5,17 +5,17 @@
     <p:sldMasterId id="2147483660" r:id="rId1"/>
   </p:sldMasterIdLst>
   <p:notesMasterIdLst>
-    <p:notesMasterId r:id="rId24"/>
+    <p:notesMasterId r:id="rId25"/>
   </p:notesMasterIdLst>
   <p:handoutMasterIdLst>
-    <p:handoutMasterId r:id="rId25"/>
+    <p:handoutMasterId r:id="rId26"/>
   </p:handoutMasterIdLst>
   <p:sldIdLst>
     <p:sldId id="256" r:id="rId2"/>
     <p:sldId id="258" r:id="rId3"/>
     <p:sldId id="260" r:id="rId4"/>
-    <p:sldId id="262" r:id="rId5"/>
-    <p:sldId id="265" r:id="rId6"/>
+    <p:sldId id="265" r:id="rId5"/>
+    <p:sldId id="262" r:id="rId6"/>
     <p:sldId id="266" r:id="rId7"/>
     <p:sldId id="268" r:id="rId8"/>
     <p:sldId id="267" r:id="rId9"/>
@@ -27,12 +27,13 @@
     <p:sldId id="276" r:id="rId15"/>
     <p:sldId id="277" r:id="rId16"/>
     <p:sldId id="263" r:id="rId17"/>
-    <p:sldId id="279" r:id="rId18"/>
-    <p:sldId id="280" r:id="rId19"/>
-    <p:sldId id="275" r:id="rId20"/>
-    <p:sldId id="278" r:id="rId21"/>
-    <p:sldId id="264" r:id="rId22"/>
-    <p:sldId id="281" r:id="rId23"/>
+    <p:sldId id="280" r:id="rId18"/>
+    <p:sldId id="282" r:id="rId19"/>
+    <p:sldId id="278" r:id="rId20"/>
+    <p:sldId id="283" r:id="rId21"/>
+    <p:sldId id="275" r:id="rId22"/>
+    <p:sldId id="264" r:id="rId23"/>
+    <p:sldId id="281" r:id="rId24"/>
   </p:sldIdLst>
   <p:sldSz cx="9144000" cy="6858000" type="screen4x3"/>
   <p:notesSz cx="6858000" cy="9144000"/>
@@ -216,7 +217,7 @@
           <a:p>
             <a:fld id="{5700CF2B-8EF7-EB4B-86E2-A47F47DC1114}" type="datetime1">
               <a:rPr lang="de-CH" smtClean="0"/>
-              <a:t>26.12.13</a:t>
+              <a:t>07.01.14</a:t>
             </a:fld>
             <a:endParaRPr lang="de-DE"/>
           </a:p>
@@ -382,7 +383,7 @@
           <a:p>
             <a:fld id="{E92AB650-C135-D34D-93AB-17B8508C2308}" type="datetime1">
               <a:rPr lang="de-CH" smtClean="0"/>
-              <a:t>26.12.13</a:t>
+              <a:t>07.01.14</a:t>
             </a:fld>
             <a:endParaRPr lang="de-DE"/>
           </a:p>
@@ -957,7 +958,41 @@
           <a:bodyPr/>
           <a:lstStyle/>
           <a:p>
-            <a:endParaRPr lang="de-DE" dirty="0"/>
+            <a:r>
+              <a:rPr lang="de-DE" b="1" dirty="0" smtClean="0"/>
+              <a:t>Ziel suchen:</a:t>
+            </a:r>
+          </a:p>
+          <a:p>
+            <a:pPr marL="0" marR="0" indent="0" algn="l" defTabSz="457200" rtl="0" eaLnBrk="1" fontAlgn="auto" latinLnBrk="0" hangingPunct="1">
+              <a:lnSpc>
+                <a:spcPct val="100000"/>
+              </a:lnSpc>
+              <a:spcBef>
+                <a:spcPts val="0"/>
+              </a:spcBef>
+              <a:spcAft>
+                <a:spcPts val="0"/>
+              </a:spcAft>
+              <a:buClrTx/>
+              <a:buSzTx/>
+              <a:buFontTx/>
+              <a:buNone/>
+              <a:tabLst/>
+              <a:defRPr/>
+            </a:pPr>
+            <a:r>
+              <a:rPr lang="de-DE" sz="1200" kern="1200" dirty="0" smtClean="0">
+                <a:solidFill>
+                  <a:schemeClr val="tx1"/>
+                </a:solidFill>
+                <a:effectLst/>
+                <a:latin typeface="+mn-lt"/>
+                <a:ea typeface="+mn-ea"/>
+                <a:cs typeface="+mn-cs"/>
+              </a:rPr>
+              <a:t>Der Roboter sucht nach einem bestimmten Algorithmus das Spielfeld ab, d.h. Er kann sich fortbewegen, jeweils -90° und +90° scannen und die Hindernisse und die Spielrandfläche so erforschen. </a:t>
+            </a:r>
           </a:p>
         </p:txBody>
       </p:sp>
@@ -1041,41 +1076,7 @@
           <a:bodyPr/>
           <a:lstStyle/>
           <a:p>
-            <a:r>
-              <a:rPr lang="de-DE" b="1" dirty="0" smtClean="0"/>
-              <a:t>Ziel suchen:</a:t>
-            </a:r>
-          </a:p>
-          <a:p>
-            <a:pPr marL="0" marR="0" indent="0" algn="l" defTabSz="457200" rtl="0" eaLnBrk="1" fontAlgn="auto" latinLnBrk="0" hangingPunct="1">
-              <a:lnSpc>
-                <a:spcPct val="100000"/>
-              </a:lnSpc>
-              <a:spcBef>
-                <a:spcPts val="0"/>
-              </a:spcBef>
-              <a:spcAft>
-                <a:spcPts val="0"/>
-              </a:spcAft>
-              <a:buClrTx/>
-              <a:buSzTx/>
-              <a:buFontTx/>
-              <a:buNone/>
-              <a:tabLst/>
-              <a:defRPr/>
-            </a:pPr>
-            <a:r>
-              <a:rPr lang="de-DE" sz="1200" kern="1200" dirty="0" smtClean="0">
-                <a:solidFill>
-                  <a:schemeClr val="tx1"/>
-                </a:solidFill>
-                <a:effectLst/>
-                <a:latin typeface="+mn-lt"/>
-                <a:ea typeface="+mn-ea"/>
-                <a:cs typeface="+mn-cs"/>
-              </a:rPr>
-              <a:t>Der Roboter sucht nach einem bestimmten Algorithmus das Spielfeld ab, d.h. Er kann sich fortbewegen, jeweils -90° und +90° scannen und die Hindernisse und die Spielrandfläche so erforschen. </a:t>
-            </a:r>
+            <a:endParaRPr lang="de-DE" dirty="0" smtClean="0"/>
           </a:p>
         </p:txBody>
       </p:sp>
@@ -1105,7 +1106,7 @@
     </p:spTree>
     <p:extLst>
       <p:ext uri="{BB962C8B-B14F-4D97-AF65-F5344CB8AC3E}">
-        <p14:creationId xmlns:p14="http://schemas.microsoft.com/office/powerpoint/2010/main" val="4154515398"/>
+        <p14:creationId xmlns:p14="http://schemas.microsoft.com/office/powerpoint/2010/main" val="660173880"/>
       </p:ext>
     </p:extLst>
   </p:cSld>
@@ -1159,14 +1160,6 @@
           <a:bodyPr/>
           <a:lstStyle/>
           <a:p>
-            <a:r>
-              <a:rPr lang="de-DE" dirty="0" smtClean="0"/>
-              <a:t>Design Pattern: </a:t>
-            </a:r>
-            <a:r>
-              <a:rPr lang="de-DE" dirty="0" err="1" smtClean="0"/>
-              <a:t>Strategy</a:t>
-            </a:r>
             <a:endParaRPr lang="de-DE" dirty="0" smtClean="0"/>
           </a:p>
         </p:txBody>
@@ -1251,6 +1244,10 @@
           <a:bodyPr/>
           <a:lstStyle/>
           <a:p>
+            <a:r>
+              <a:rPr lang="de-DE" dirty="0" err="1" smtClean="0"/>
+              <a:t>computePath</a:t>
+            </a:r>
             <a:endParaRPr lang="de-DE" dirty="0" smtClean="0"/>
           </a:p>
         </p:txBody>
@@ -1335,7 +1332,15 @@
           <a:bodyPr/>
           <a:lstStyle/>
           <a:p>
-            <a:endParaRPr lang="de-DE"/>
+            <a:r>
+              <a:rPr lang="de-DE" dirty="0" smtClean="0"/>
+              <a:t>Design Pattern: </a:t>
+            </a:r>
+            <a:r>
+              <a:rPr lang="de-DE" dirty="0" err="1" smtClean="0"/>
+              <a:t>Strategy</a:t>
+            </a:r>
+            <a:endParaRPr lang="de-DE" dirty="0" smtClean="0"/>
           </a:p>
         </p:txBody>
       </p:sp>
@@ -1365,7 +1370,7 @@
     </p:spTree>
     <p:extLst>
       <p:ext uri="{BB962C8B-B14F-4D97-AF65-F5344CB8AC3E}">
-        <p14:creationId xmlns:p14="http://schemas.microsoft.com/office/powerpoint/2010/main" val="865758175"/>
+        <p14:creationId xmlns:p14="http://schemas.microsoft.com/office/powerpoint/2010/main" val="660173880"/>
       </p:ext>
     </p:extLst>
   </p:cSld>
@@ -1441,6 +1446,90 @@
             <a:fld id="{6A2CFF65-CB9C-5A47-B7DE-47882B59B3DA}" type="slidenum">
               <a:rPr lang="de-DE" smtClean="0"/>
               <a:t>22</a:t>
+            </a:fld>
+            <a:endParaRPr lang="de-DE"/>
+          </a:p>
+        </p:txBody>
+      </p:sp>
+    </p:spTree>
+    <p:extLst>
+      <p:ext uri="{BB962C8B-B14F-4D97-AF65-F5344CB8AC3E}">
+        <p14:creationId xmlns:p14="http://schemas.microsoft.com/office/powerpoint/2010/main" val="865758175"/>
+      </p:ext>
+    </p:extLst>
+  </p:cSld>
+  <p:clrMapOvr>
+    <a:masterClrMapping/>
+  </p:clrMapOvr>
+</p:notes>
+</file>
+
+<file path=ppt/notesSlides/notesSlide18.xml><?xml version="1.0" encoding="utf-8"?>
+<p:notes xmlns:a="http://schemas.openxmlformats.org/drawingml/2006/main" xmlns:r="http://schemas.openxmlformats.org/officeDocument/2006/relationships" xmlns:p="http://schemas.openxmlformats.org/presentationml/2006/main">
+  <p:cSld>
+    <p:spTree>
+      <p:nvGrpSpPr>
+        <p:cNvPr id="1" name=""/>
+        <p:cNvGrpSpPr/>
+        <p:nvPr/>
+      </p:nvGrpSpPr>
+      <p:grpSpPr>
+        <a:xfrm>
+          <a:off x="0" y="0"/>
+          <a:ext cx="0" cy="0"/>
+          <a:chOff x="0" y="0"/>
+          <a:chExt cx="0" cy="0"/>
+        </a:xfrm>
+      </p:grpSpPr>
+      <p:sp>
+        <p:nvSpPr>
+          <p:cNvPr id="2" name="Folienbildplatzhalter 1"/>
+          <p:cNvSpPr>
+            <a:spLocks noGrp="1" noRot="1" noChangeAspect="1"/>
+          </p:cNvSpPr>
+          <p:nvPr>
+            <p:ph type="sldImg"/>
+          </p:nvPr>
+        </p:nvSpPr>
+        <p:spPr/>
+      </p:sp>
+      <p:sp>
+        <p:nvSpPr>
+          <p:cNvPr id="3" name="Notizenplatzhalter 2"/>
+          <p:cNvSpPr>
+            <a:spLocks noGrp="1"/>
+          </p:cNvSpPr>
+          <p:nvPr>
+            <p:ph type="body" idx="1"/>
+          </p:nvPr>
+        </p:nvSpPr>
+        <p:spPr/>
+        <p:txBody>
+          <a:bodyPr/>
+          <a:lstStyle/>
+          <a:p>
+            <a:endParaRPr lang="de-DE"/>
+          </a:p>
+        </p:txBody>
+      </p:sp>
+      <p:sp>
+        <p:nvSpPr>
+          <p:cNvPr id="4" name="Foliennummernplatzhalter 3"/>
+          <p:cNvSpPr>
+            <a:spLocks noGrp="1"/>
+          </p:cNvSpPr>
+          <p:nvPr>
+            <p:ph type="sldNum" sz="quarter" idx="10"/>
+          </p:nvPr>
+        </p:nvSpPr>
+        <p:spPr/>
+        <p:txBody>
+          <a:bodyPr/>
+          <a:lstStyle/>
+          <a:p>
+            <a:fld id="{6A2CFF65-CB9C-5A47-B7DE-47882B59B3DA}" type="slidenum">
+              <a:rPr lang="de-DE" smtClean="0"/>
+              <a:t>23</a:t>
             </a:fld>
             <a:endParaRPr lang="de-DE"/>
           </a:p>
@@ -2676,7 +2765,7 @@
           <a:p>
             <a:fld id="{4BB9ED57-D06A-6841-AEF1-9EC3590845AD}" type="datetime1">
               <a:rPr lang="de-CH" smtClean="0"/>
-              <a:t>26.12.13</a:t>
+              <a:t>07.01.14</a:t>
             </a:fld>
             <a:endParaRPr lang="en-US"/>
           </a:p>
@@ -3037,7 +3126,7 @@
           <a:p>
             <a:fld id="{95F272CE-041C-1C41-893C-DDA23BE0160F}" type="datetime1">
               <a:rPr lang="de-CH" smtClean="0"/>
-              <a:t>26.12.13</a:t>
+              <a:t>07.01.14</a:t>
             </a:fld>
             <a:endParaRPr lang="en-US"/>
           </a:p>
@@ -3210,7 +3299,7 @@
           <a:p>
             <a:fld id="{89A08E58-8D68-9748-BF3C-59C04C017569}" type="datetime1">
               <a:rPr lang="de-CH" smtClean="0"/>
-              <a:t>26.12.13</a:t>
+              <a:t>07.01.14</a:t>
             </a:fld>
             <a:endParaRPr lang="en-US"/>
           </a:p>
@@ -3393,7 +3482,7 @@
           <a:p>
             <a:fld id="{27BF19B1-2D39-624F-92F5-63033DC0C277}" type="datetime1">
               <a:rPr lang="de-CH" smtClean="0"/>
-              <a:t>26.12.13</a:t>
+              <a:t>07.01.14</a:t>
             </a:fld>
             <a:endParaRPr lang="en-US"/>
           </a:p>
@@ -3566,7 +3655,7 @@
           <a:p>
             <a:fld id="{888DA9D7-FFEA-1B4A-AF78-999894C2A1ED}" type="datetime1">
               <a:rPr lang="de-CH" smtClean="0"/>
-              <a:t>26.12.13</a:t>
+              <a:t>07.01.14</a:t>
             </a:fld>
             <a:endParaRPr lang="en-US"/>
           </a:p>
@@ -3847,7 +3936,7 @@
           <a:p>
             <a:fld id="{FBB35A6E-A281-A541-AD16-C55A808D744E}" type="datetime1">
               <a:rPr lang="de-CH" smtClean="0"/>
-              <a:t>26.12.13</a:t>
+              <a:t>07.01.14</a:t>
             </a:fld>
             <a:endParaRPr lang="en-US"/>
           </a:p>
@@ -4143,7 +4232,7 @@
           <a:p>
             <a:fld id="{2E7962BB-C82D-F845-801E-BCD66FE917CE}" type="datetime1">
               <a:rPr lang="de-CH" smtClean="0"/>
-              <a:t>26.12.13</a:t>
+              <a:t>07.01.14</a:t>
             </a:fld>
             <a:endParaRPr lang="en-US"/>
           </a:p>
@@ -4583,7 +4672,7 @@
           <a:p>
             <a:fld id="{4AFFAB72-D003-9A4F-9AD5-2977850EC029}" type="datetime1">
               <a:rPr lang="de-CH" smtClean="0"/>
-              <a:t>26.12.13</a:t>
+              <a:t>07.01.14</a:t>
             </a:fld>
             <a:endParaRPr lang="en-US"/>
           </a:p>
@@ -4700,7 +4789,7 @@
           <a:p>
             <a:fld id="{0149C50A-A324-2749-86BA-B53E8B1F97D9}" type="datetime1">
               <a:rPr lang="de-CH" smtClean="0"/>
-              <a:t>26.12.13</a:t>
+              <a:t>07.01.14</a:t>
             </a:fld>
             <a:endParaRPr lang="en-US"/>
           </a:p>
@@ -4794,7 +4883,7 @@
           <a:p>
             <a:fld id="{40076AA9-28AC-F74A-AEDA-D52A19FDEF6D}" type="datetime1">
               <a:rPr lang="de-CH" smtClean="0"/>
-              <a:t>26.12.13</a:t>
+              <a:t>07.01.14</a:t>
             </a:fld>
             <a:endParaRPr lang="en-US"/>
           </a:p>
@@ -5135,7 +5224,7 @@
           <a:p>
             <a:fld id="{CAFB1E87-75BB-0747-B4D2-065C5EAE4DED}" type="datetime1">
               <a:rPr lang="de-CH" smtClean="0"/>
-              <a:t>26.12.13</a:t>
+              <a:t>07.01.14</a:t>
             </a:fld>
             <a:endParaRPr lang="en-US"/>
           </a:p>
@@ -5454,7 +5543,7 @@
           <a:p>
             <a:fld id="{5EB17E15-638F-8B4A-BBAA-33880E209CDA}" type="datetime1">
               <a:rPr lang="de-CH" smtClean="0"/>
-              <a:t>26.12.13</a:t>
+              <a:t>07.01.14</a:t>
             </a:fld>
             <a:endParaRPr lang="en-US"/>
           </a:p>
@@ -5704,7 +5793,7 @@
           <a:p>
             <a:fld id="{C652C00D-1E5F-7441-9ACF-E4D4A208330A}" type="datetime1">
               <a:rPr lang="de-CH" smtClean="0"/>
-              <a:t>26.12.13</a:t>
+              <a:t>07.01.14</a:t>
             </a:fld>
             <a:endParaRPr lang="en-US"/>
           </a:p>
@@ -6606,7 +6695,7 @@
             </a:br>
             <a:r>
               <a:rPr lang="de-DE" sz="3200" dirty="0" smtClean="0"/>
-              <a:t>Observer Hindernisse</a:t>
+              <a:t>Hindernisse</a:t>
             </a:r>
             <a:endParaRPr lang="de-DE" sz="3200" dirty="0"/>
           </a:p>
@@ -6758,7 +6847,7 @@
             </a:br>
             <a:r>
               <a:rPr lang="de-DE" sz="3200" dirty="0" smtClean="0"/>
-              <a:t>Observer Field</a:t>
+              <a:t>Field</a:t>
             </a:r>
             <a:endParaRPr lang="de-DE" sz="3200" dirty="0"/>
           </a:p>
@@ -7219,43 +7308,37 @@
           <a:lstStyle/>
           <a:p>
             <a:r>
+              <a:rPr lang="de-DE" dirty="0" err="1" smtClean="0"/>
+              <a:t>Use</a:t>
+            </a:r>
+            <a:r>
+              <a:rPr lang="de-DE" dirty="0" smtClean="0"/>
+              <a:t> Cases</a:t>
+            </a:r>
+          </a:p>
+          <a:p>
+            <a:r>
+              <a:rPr lang="de-DE" dirty="0" smtClean="0"/>
+              <a:t>Roboter Suche</a:t>
+            </a:r>
+            <a:endParaRPr lang="de-DE" dirty="0" smtClean="0"/>
+          </a:p>
+          <a:p>
+            <a:r>
               <a:rPr lang="de-DE" dirty="0"/>
-              <a:t>Domain Mode</a:t>
-            </a:r>
-          </a:p>
-          <a:p>
-            <a:r>
-              <a:rPr lang="de-DE" dirty="0" err="1"/>
-              <a:t>Use</a:t>
-            </a:r>
+              <a:t>Strategie</a:t>
+            </a:r>
+          </a:p>
+          <a:p>
             <a:r>
               <a:rPr lang="de-DE" dirty="0"/>
-              <a:t> </a:t>
-            </a:r>
-            <a:r>
-              <a:rPr lang="de-DE" dirty="0" smtClean="0"/>
-              <a:t>Cases</a:t>
-            </a:r>
-          </a:p>
-          <a:p>
-            <a:r>
-              <a:rPr lang="de-DE" dirty="0" smtClean="0"/>
-              <a:t>UML </a:t>
-            </a:r>
-            <a:r>
-              <a:rPr lang="de-DE" dirty="0"/>
-              <a:t>Klassen </a:t>
-            </a:r>
-            <a:r>
-              <a:rPr lang="de-DE" dirty="0" smtClean="0"/>
-              <a:t>Diagramme</a:t>
-            </a:r>
-          </a:p>
-          <a:p>
-            <a:r>
-              <a:rPr lang="de-DE" dirty="0" smtClean="0"/>
-              <a:t>Strategie</a:t>
-            </a:r>
+              <a:t>UML Klassen Diagramme</a:t>
+            </a:r>
+          </a:p>
+          <a:p>
+            <a:pPr marL="0" indent="0">
+              <a:buNone/>
+            </a:pPr>
             <a:endParaRPr lang="de-DE" dirty="0"/>
           </a:p>
           <a:p>
@@ -7365,8 +7448,12 @@
           <a:lstStyle/>
           <a:p>
             <a:r>
+              <a:rPr lang="de-DE" dirty="0" err="1" smtClean="0"/>
+              <a:t>Use</a:t>
+            </a:r>
+            <a:r>
               <a:rPr lang="de-DE" dirty="0" smtClean="0"/>
-              <a:t>Domain Model</a:t>
+              <a:t> Cases</a:t>
             </a:r>
             <a:endParaRPr lang="de-DE" dirty="0"/>
           </a:p>
@@ -7413,145 +7500,6 @@
             <a:fld id="{D12AA694-00EB-4F4B-AABB-6F50FB178914}" type="slidenum">
               <a:rPr lang="en-US" smtClean="0"/>
               <a:t>17</a:t>
-            </a:fld>
-            <a:endParaRPr lang="en-US"/>
-          </a:p>
-        </p:txBody>
-      </p:sp>
-      <p:pic>
-        <p:nvPicPr>
-          <p:cNvPr id="7" name="Bild 6" descr="domain_model.jpg"/>
-          <p:cNvPicPr>
-            <a:picLocks noChangeAspect="1"/>
-          </p:cNvPicPr>
-          <p:nvPr/>
-        </p:nvPicPr>
-        <p:blipFill rotWithShape="1">
-          <a:blip r:embed="rId3">
-            <a:extLst>
-              <a:ext uri="{28A0092B-C50C-407E-A947-70E740481C1C}">
-                <a14:useLocalDpi xmlns:a14="http://schemas.microsoft.com/office/drawing/2010/main" val="0"/>
-              </a:ext>
-            </a:extLst>
-          </a:blip>
-          <a:srcRect l="12756" t="3824" r="30840" b="48868"/>
-          <a:stretch/>
-        </p:blipFill>
-        <p:spPr>
-          <a:xfrm>
-            <a:off x="1891267" y="1528468"/>
-            <a:ext cx="5397703" cy="4482476"/>
-          </a:xfrm>
-          <a:prstGeom prst="rect">
-            <a:avLst/>
-          </a:prstGeom>
-        </p:spPr>
-      </p:pic>
-    </p:spTree>
-    <p:extLst>
-      <p:ext uri="{BB962C8B-B14F-4D97-AF65-F5344CB8AC3E}">
-        <p14:creationId xmlns:p14="http://schemas.microsoft.com/office/powerpoint/2010/main" val="3612858062"/>
-      </p:ext>
-    </p:extLst>
-  </p:cSld>
-  <p:clrMapOvr>
-    <a:masterClrMapping/>
-  </p:clrMapOvr>
-  <p:timing>
-    <p:tnLst>
-      <p:par>
-        <p:cTn xmlns:p14="http://schemas.microsoft.com/office/powerpoint/2010/main" id="1" dur="indefinite" restart="never" nodeType="tmRoot"/>
-      </p:par>
-    </p:tnLst>
-  </p:timing>
-</p:sld>
-</file>
-
-<file path=ppt/slides/slide18.xml><?xml version="1.0" encoding="utf-8"?>
-<p:sld xmlns:a="http://schemas.openxmlformats.org/drawingml/2006/main" xmlns:r="http://schemas.openxmlformats.org/officeDocument/2006/relationships" xmlns:p="http://schemas.openxmlformats.org/presentationml/2006/main">
-  <p:cSld>
-    <p:spTree>
-      <p:nvGrpSpPr>
-        <p:cNvPr id="1" name=""/>
-        <p:cNvGrpSpPr/>
-        <p:nvPr/>
-      </p:nvGrpSpPr>
-      <p:grpSpPr>
-        <a:xfrm>
-          <a:off x="0" y="0"/>
-          <a:ext cx="0" cy="0"/>
-          <a:chOff x="0" y="0"/>
-          <a:chExt cx="0" cy="0"/>
-        </a:xfrm>
-      </p:grpSpPr>
-      <p:sp>
-        <p:nvSpPr>
-          <p:cNvPr id="2" name="Titel 1"/>
-          <p:cNvSpPr>
-            <a:spLocks noGrp="1"/>
-          </p:cNvSpPr>
-          <p:nvPr>
-            <p:ph type="title"/>
-          </p:nvPr>
-        </p:nvSpPr>
-        <p:spPr/>
-        <p:txBody>
-          <a:bodyPr/>
-          <a:lstStyle/>
-          <a:p>
-            <a:r>
-              <a:rPr lang="de-DE" dirty="0" err="1" smtClean="0"/>
-              <a:t>Use</a:t>
-            </a:r>
-            <a:r>
-              <a:rPr lang="de-DE" dirty="0" smtClean="0"/>
-              <a:t> Cases</a:t>
-            </a:r>
-            <a:endParaRPr lang="de-DE" dirty="0"/>
-          </a:p>
-        </p:txBody>
-      </p:sp>
-      <p:sp>
-        <p:nvSpPr>
-          <p:cNvPr id="4" name="Fußzeilenplatzhalter 3"/>
-          <p:cNvSpPr>
-            <a:spLocks noGrp="1"/>
-          </p:cNvSpPr>
-          <p:nvPr>
-            <p:ph type="ftr" sz="quarter" idx="11"/>
-          </p:nvPr>
-        </p:nvSpPr>
-        <p:spPr/>
-        <p:txBody>
-          <a:bodyPr/>
-          <a:lstStyle/>
-          <a:p>
-            <a:r>
-              <a:rPr lang="en-US" smtClean="0"/>
-              <a:t>gfels4 &amp; zannc2</a:t>
-            </a:r>
-            <a:endParaRPr lang="en-US"/>
-          </a:p>
-        </p:txBody>
-      </p:sp>
-      <p:sp>
-        <p:nvSpPr>
-          <p:cNvPr id="5" name="Foliennummernplatzhalter 4"/>
-          <p:cNvSpPr>
-            <a:spLocks noGrp="1"/>
-          </p:cNvSpPr>
-          <p:nvPr>
-            <p:ph type="sldNum" sz="quarter" idx="12"/>
-          </p:nvPr>
-        </p:nvSpPr>
-        <p:spPr/>
-        <p:txBody>
-          <a:bodyPr/>
-          <a:lstStyle/>
-          <a:p>
-            <a:fld id="{D12AA694-00EB-4F4B-AABB-6F50FB178914}" type="slidenum">
-              <a:rPr lang="en-US" smtClean="0"/>
-              <a:t>18</a:t>
             </a:fld>
             <a:endParaRPr lang="en-US"/>
           </a:p>
@@ -7606,6 +7554,180 @@
 </p:sld>
 </file>
 
+<file path=ppt/slides/slide18.xml><?xml version="1.0" encoding="utf-8"?>
+<p:sld xmlns:a="http://schemas.openxmlformats.org/drawingml/2006/main" xmlns:r="http://schemas.openxmlformats.org/officeDocument/2006/relationships" xmlns:p="http://schemas.openxmlformats.org/presentationml/2006/main">
+  <p:cSld>
+    <p:spTree>
+      <p:nvGrpSpPr>
+        <p:cNvPr id="1" name=""/>
+        <p:cNvGrpSpPr/>
+        <p:nvPr/>
+      </p:nvGrpSpPr>
+      <p:grpSpPr>
+        <a:xfrm>
+          <a:off x="0" y="0"/>
+          <a:ext cx="0" cy="0"/>
+          <a:chOff x="0" y="0"/>
+          <a:chExt cx="0" cy="0"/>
+        </a:xfrm>
+      </p:grpSpPr>
+      <p:sp>
+        <p:nvSpPr>
+          <p:cNvPr id="2" name="Titel 1"/>
+          <p:cNvSpPr>
+            <a:spLocks noGrp="1"/>
+          </p:cNvSpPr>
+          <p:nvPr>
+            <p:ph type="title"/>
+          </p:nvPr>
+        </p:nvSpPr>
+        <p:spPr>
+          <a:xfrm>
+            <a:off x="565763" y="107577"/>
+            <a:ext cx="8007257" cy="1653988"/>
+          </a:xfrm>
+        </p:spPr>
+        <p:txBody>
+          <a:bodyPr/>
+          <a:lstStyle/>
+          <a:p>
+            <a:r>
+              <a:rPr lang="de-DE" dirty="0" smtClean="0"/>
+              <a:t>Roboter Suche</a:t>
+            </a:r>
+            <a:r>
+              <a:rPr lang="de-DE" dirty="0" smtClean="0"/>
+              <a:t/>
+            </a:r>
+            <a:br>
+              <a:rPr lang="de-DE" dirty="0" smtClean="0"/>
+            </a:br>
+            <a:endParaRPr lang="de-DE" sz="3200" dirty="0"/>
+          </a:p>
+        </p:txBody>
+      </p:sp>
+      <p:sp>
+        <p:nvSpPr>
+          <p:cNvPr id="4" name="Fußzeilenplatzhalter 3"/>
+          <p:cNvSpPr>
+            <a:spLocks noGrp="1"/>
+          </p:cNvSpPr>
+          <p:nvPr>
+            <p:ph type="ftr" sz="quarter" idx="11"/>
+          </p:nvPr>
+        </p:nvSpPr>
+        <p:spPr/>
+        <p:txBody>
+          <a:bodyPr/>
+          <a:lstStyle/>
+          <a:p>
+            <a:r>
+              <a:rPr lang="en-US" smtClean="0"/>
+              <a:t>gfels4 &amp; zannc2</a:t>
+            </a:r>
+            <a:endParaRPr lang="en-US"/>
+          </a:p>
+        </p:txBody>
+      </p:sp>
+      <p:sp>
+        <p:nvSpPr>
+          <p:cNvPr id="5" name="Foliennummernplatzhalter 4"/>
+          <p:cNvSpPr>
+            <a:spLocks noGrp="1"/>
+          </p:cNvSpPr>
+          <p:nvPr>
+            <p:ph type="sldNum" sz="quarter" idx="12"/>
+          </p:nvPr>
+        </p:nvSpPr>
+        <p:spPr/>
+        <p:txBody>
+          <a:bodyPr/>
+          <a:lstStyle/>
+          <a:p>
+            <a:fld id="{D12AA694-00EB-4F4B-AABB-6F50FB178914}" type="slidenum">
+              <a:rPr lang="en-US" smtClean="0"/>
+              <a:t>18</a:t>
+            </a:fld>
+            <a:endParaRPr lang="en-US"/>
+          </a:p>
+        </p:txBody>
+      </p:sp>
+      <p:sp>
+        <p:nvSpPr>
+          <p:cNvPr id="6" name="Inhaltsplatzhalter 2"/>
+          <p:cNvSpPr>
+            <a:spLocks noGrp="1"/>
+          </p:cNvSpPr>
+          <p:nvPr>
+            <p:ph idx="1"/>
+          </p:nvPr>
+        </p:nvSpPr>
+        <p:spPr>
+          <a:xfrm>
+            <a:off x="779462" y="1882588"/>
+            <a:ext cx="7581901" cy="3953436"/>
+          </a:xfrm>
+        </p:spPr>
+        <p:txBody>
+          <a:bodyPr/>
+          <a:lstStyle/>
+          <a:p>
+            <a:r>
+              <a:rPr lang="de-DE" dirty="0" err="1" smtClean="0"/>
+              <a:t>Grid</a:t>
+            </a:r>
+            <a:r>
+              <a:rPr lang="de-DE" dirty="0" smtClean="0"/>
+              <a:t> 10x10 Pixel</a:t>
+            </a:r>
+          </a:p>
+          <a:p>
+            <a:r>
+              <a:rPr lang="de-DE" dirty="0" smtClean="0"/>
+              <a:t>Matrix mit bestehenden Item für schnelleres Scannen</a:t>
+            </a:r>
+          </a:p>
+          <a:p>
+            <a:r>
+              <a:rPr lang="de-DE" dirty="0" smtClean="0"/>
+              <a:t>Roboter Matrix für abgesuchtes Feld</a:t>
+            </a:r>
+          </a:p>
+          <a:p>
+            <a:r>
+              <a:rPr lang="de-DE" dirty="0" smtClean="0"/>
+              <a:t>Roboter scannt Feld von -90° bis 90° von seiner momentanen Blickrichtung</a:t>
+            </a:r>
+            <a:endParaRPr lang="de-DE" dirty="0"/>
+          </a:p>
+          <a:p>
+            <a:pPr marL="0" indent="0">
+              <a:buNone/>
+            </a:pPr>
+            <a:endParaRPr lang="de-DE" dirty="0"/>
+          </a:p>
+        </p:txBody>
+      </p:sp>
+    </p:spTree>
+    <p:extLst>
+      <p:ext uri="{BB962C8B-B14F-4D97-AF65-F5344CB8AC3E}">
+        <p14:creationId xmlns:p14="http://schemas.microsoft.com/office/powerpoint/2010/main" val="1214952492"/>
+      </p:ext>
+    </p:extLst>
+  </p:cSld>
+  <p:clrMapOvr>
+    <a:masterClrMapping/>
+  </p:clrMapOvr>
+  <p:timing>
+    <p:tnLst>
+      <p:par>
+        <p:cTn xmlns:p14="http://schemas.microsoft.com/office/powerpoint/2010/main" id="1" dur="indefinite" restart="never" nodeType="tmRoot"/>
+      </p:par>
+    </p:tnLst>
+  </p:timing>
+</p:sld>
+</file>
+
 <file path=ppt/slides/slide19.xml><?xml version="1.0" encoding="utf-8"?>
 <p:sld xmlns:a="http://schemas.openxmlformats.org/drawingml/2006/main" xmlns:r="http://schemas.openxmlformats.org/officeDocument/2006/relationships" xmlns:p="http://schemas.openxmlformats.org/presentationml/2006/main">
   <p:cSld>
@@ -7644,20 +7766,12 @@
           <a:lstStyle/>
           <a:p>
             <a:r>
-              <a:rPr lang="de-DE" dirty="0"/>
-              <a:t>UML Klassen </a:t>
-            </a:r>
-            <a:r>
               <a:rPr lang="de-DE" dirty="0" smtClean="0"/>
-              <a:t>Diagramme</a:t>
+              <a:t>Strategie</a:t>
             </a:r>
             <a:br>
               <a:rPr lang="de-DE" dirty="0" smtClean="0"/>
             </a:br>
-            <a:r>
-              <a:rPr lang="de-DE" sz="3200" dirty="0" smtClean="0"/>
-              <a:t>Strategie</a:t>
-            </a:r>
             <a:endParaRPr lang="de-DE" sz="3200" dirty="0"/>
           </a:p>
         </p:txBody>
@@ -7703,6 +7817,463 @@
             <a:fld id="{D12AA694-00EB-4F4B-AABB-6F50FB178914}" type="slidenum">
               <a:rPr lang="en-US" smtClean="0"/>
               <a:t>19</a:t>
+            </a:fld>
+            <a:endParaRPr lang="en-US"/>
+          </a:p>
+        </p:txBody>
+      </p:sp>
+      <p:pic>
+        <p:nvPicPr>
+          <p:cNvPr id="7" name="Bild 6" descr="search.jpg"/>
+          <p:cNvPicPr>
+            <a:picLocks noChangeAspect="1"/>
+          </p:cNvPicPr>
+          <p:nvPr/>
+        </p:nvPicPr>
+        <p:blipFill rotWithShape="1">
+          <a:blip r:embed="rId3">
+            <a:extLst>
+              <a:ext uri="{28A0092B-C50C-407E-A947-70E740481C1C}">
+                <a14:useLocalDpi xmlns:a14="http://schemas.microsoft.com/office/drawing/2010/main" val="0"/>
+              </a:ext>
+            </a:extLst>
+          </a:blip>
+          <a:srcRect l="4414" t="7596" r="24707" b="29258"/>
+          <a:stretch/>
+        </p:blipFill>
+        <p:spPr>
+          <a:xfrm>
+            <a:off x="1579289" y="1635117"/>
+            <a:ext cx="6007810" cy="4330511"/>
+          </a:xfrm>
+          <a:prstGeom prst="rect">
+            <a:avLst/>
+          </a:prstGeom>
+        </p:spPr>
+      </p:pic>
+    </p:spTree>
+    <p:extLst>
+      <p:ext uri="{BB962C8B-B14F-4D97-AF65-F5344CB8AC3E}">
+        <p14:creationId xmlns:p14="http://schemas.microsoft.com/office/powerpoint/2010/main" val="3437454016"/>
+      </p:ext>
+    </p:extLst>
+  </p:cSld>
+  <p:clrMapOvr>
+    <a:masterClrMapping/>
+  </p:clrMapOvr>
+  <p:timing>
+    <p:tnLst>
+      <p:par>
+        <p:cTn xmlns:p14="http://schemas.microsoft.com/office/powerpoint/2010/main" id="1" dur="indefinite" restart="never" nodeType="tmRoot"/>
+      </p:par>
+    </p:tnLst>
+  </p:timing>
+</p:sld>
+</file>
+
+<file path=ppt/slides/slide2.xml><?xml version="1.0" encoding="utf-8"?>
+<p:sld xmlns:a="http://schemas.openxmlformats.org/drawingml/2006/main" xmlns:r="http://schemas.openxmlformats.org/officeDocument/2006/relationships" xmlns:p="http://schemas.openxmlformats.org/presentationml/2006/main">
+  <p:cSld>
+    <p:spTree>
+      <p:nvGrpSpPr>
+        <p:cNvPr id="1" name=""/>
+        <p:cNvGrpSpPr/>
+        <p:nvPr/>
+      </p:nvGrpSpPr>
+      <p:grpSpPr>
+        <a:xfrm>
+          <a:off x="0" y="0"/>
+          <a:ext cx="0" cy="0"/>
+          <a:chOff x="0" y="0"/>
+          <a:chExt cx="0" cy="0"/>
+        </a:xfrm>
+      </p:grpSpPr>
+      <p:sp>
+        <p:nvSpPr>
+          <p:cNvPr id="2" name="Titel 1"/>
+          <p:cNvSpPr>
+            <a:spLocks noGrp="1"/>
+          </p:cNvSpPr>
+          <p:nvPr>
+            <p:ph type="title"/>
+          </p:nvPr>
+        </p:nvSpPr>
+        <p:spPr/>
+        <p:txBody>
+          <a:bodyPr/>
+          <a:lstStyle/>
+          <a:p>
+            <a:r>
+              <a:rPr lang="de-DE" dirty="0" smtClean="0"/>
+              <a:t>Inhaltsverzeichnis</a:t>
+            </a:r>
+            <a:endParaRPr lang="de-DE" dirty="0"/>
+          </a:p>
+        </p:txBody>
+      </p:sp>
+      <p:sp>
+        <p:nvSpPr>
+          <p:cNvPr id="3" name="Inhaltsplatzhalter 2"/>
+          <p:cNvSpPr>
+            <a:spLocks noGrp="1"/>
+          </p:cNvSpPr>
+          <p:nvPr>
+            <p:ph idx="1"/>
+          </p:nvPr>
+        </p:nvSpPr>
+        <p:spPr/>
+        <p:txBody>
+          <a:bodyPr>
+            <a:normAutofit/>
+          </a:bodyPr>
+          <a:lstStyle/>
+          <a:p>
+            <a:r>
+              <a:rPr lang="de-DE" dirty="0" smtClean="0"/>
+              <a:t>Zeitplan</a:t>
+            </a:r>
+          </a:p>
+          <a:p>
+            <a:r>
+              <a:rPr lang="de-DE" dirty="0" smtClean="0"/>
+              <a:t>Domain Model</a:t>
+            </a:r>
+            <a:endParaRPr lang="de-DE" dirty="0" smtClean="0"/>
+          </a:p>
+          <a:p>
+            <a:r>
+              <a:rPr lang="de-DE" dirty="0" smtClean="0"/>
+              <a:t>Frontend</a:t>
+            </a:r>
+          </a:p>
+          <a:p>
+            <a:r>
+              <a:rPr lang="de-DE" dirty="0" smtClean="0"/>
+              <a:t>Robot</a:t>
+            </a:r>
+          </a:p>
+          <a:p>
+            <a:r>
+              <a:rPr lang="de-DE" dirty="0" smtClean="0"/>
+              <a:t>Vorführung</a:t>
+            </a:r>
+            <a:endParaRPr lang="de-DE" dirty="0"/>
+          </a:p>
+        </p:txBody>
+      </p:sp>
+      <p:sp>
+        <p:nvSpPr>
+          <p:cNvPr id="6" name="Foliennummernplatzhalter 5"/>
+          <p:cNvSpPr>
+            <a:spLocks noGrp="1"/>
+          </p:cNvSpPr>
+          <p:nvPr>
+            <p:ph type="sldNum" sz="quarter" idx="12"/>
+          </p:nvPr>
+        </p:nvSpPr>
+        <p:spPr/>
+        <p:txBody>
+          <a:bodyPr/>
+          <a:lstStyle/>
+          <a:p>
+            <a:fld id="{D12AA694-00EB-4F4B-AABB-6F50FB178914}" type="slidenum">
+              <a:rPr lang="en-US" smtClean="0"/>
+              <a:t>2</a:t>
+            </a:fld>
+            <a:endParaRPr lang="en-US"/>
+          </a:p>
+        </p:txBody>
+      </p:sp>
+      <p:sp>
+        <p:nvSpPr>
+          <p:cNvPr id="7" name="Fußzeilenplatzhalter 6"/>
+          <p:cNvSpPr>
+            <a:spLocks noGrp="1"/>
+          </p:cNvSpPr>
+          <p:nvPr>
+            <p:ph type="ftr" sz="quarter" idx="11"/>
+          </p:nvPr>
+        </p:nvSpPr>
+        <p:spPr/>
+        <p:txBody>
+          <a:bodyPr/>
+          <a:lstStyle/>
+          <a:p>
+            <a:r>
+              <a:rPr lang="en-US" smtClean="0"/>
+              <a:t>gfels4 &amp; zannc2</a:t>
+            </a:r>
+            <a:endParaRPr lang="en-US"/>
+          </a:p>
+        </p:txBody>
+      </p:sp>
+    </p:spTree>
+    <p:extLst>
+      <p:ext uri="{BB962C8B-B14F-4D97-AF65-F5344CB8AC3E}">
+        <p14:creationId xmlns:p14="http://schemas.microsoft.com/office/powerpoint/2010/main" val="3112474302"/>
+      </p:ext>
+    </p:extLst>
+  </p:cSld>
+  <p:clrMapOvr>
+    <a:masterClrMapping/>
+  </p:clrMapOvr>
+  <p:timing>
+    <p:tnLst>
+      <p:par>
+        <p:cTn xmlns:p14="http://schemas.microsoft.com/office/powerpoint/2010/main" id="1" dur="indefinite" restart="never" nodeType="tmRoot"/>
+      </p:par>
+    </p:tnLst>
+  </p:timing>
+</p:sld>
+</file>
+
+<file path=ppt/slides/slide20.xml><?xml version="1.0" encoding="utf-8"?>
+<p:sld xmlns:a="http://schemas.openxmlformats.org/drawingml/2006/main" xmlns:r="http://schemas.openxmlformats.org/officeDocument/2006/relationships" xmlns:p="http://schemas.openxmlformats.org/presentationml/2006/main">
+  <p:cSld>
+    <p:spTree>
+      <p:nvGrpSpPr>
+        <p:cNvPr id="1" name=""/>
+        <p:cNvGrpSpPr/>
+        <p:nvPr/>
+      </p:nvGrpSpPr>
+      <p:grpSpPr>
+        <a:xfrm>
+          <a:off x="0" y="0"/>
+          <a:ext cx="0" cy="0"/>
+          <a:chOff x="0" y="0"/>
+          <a:chExt cx="0" cy="0"/>
+        </a:xfrm>
+      </p:grpSpPr>
+      <p:sp>
+        <p:nvSpPr>
+          <p:cNvPr id="2" name="Titel 1"/>
+          <p:cNvSpPr>
+            <a:spLocks noGrp="1"/>
+          </p:cNvSpPr>
+          <p:nvPr>
+            <p:ph type="title"/>
+          </p:nvPr>
+        </p:nvSpPr>
+        <p:spPr>
+          <a:xfrm>
+            <a:off x="565763" y="107577"/>
+            <a:ext cx="8007257" cy="1653988"/>
+          </a:xfrm>
+        </p:spPr>
+        <p:txBody>
+          <a:bodyPr/>
+          <a:lstStyle/>
+          <a:p>
+            <a:r>
+              <a:rPr lang="de-DE" dirty="0" smtClean="0"/>
+              <a:t>Strategie</a:t>
+            </a:r>
+            <a:br>
+              <a:rPr lang="de-DE" dirty="0" smtClean="0"/>
+            </a:br>
+            <a:endParaRPr lang="de-DE" sz="3200" dirty="0"/>
+          </a:p>
+        </p:txBody>
+      </p:sp>
+      <p:sp>
+        <p:nvSpPr>
+          <p:cNvPr id="4" name="Fußzeilenplatzhalter 3"/>
+          <p:cNvSpPr>
+            <a:spLocks noGrp="1"/>
+          </p:cNvSpPr>
+          <p:nvPr>
+            <p:ph type="ftr" sz="quarter" idx="11"/>
+          </p:nvPr>
+        </p:nvSpPr>
+        <p:spPr/>
+        <p:txBody>
+          <a:bodyPr/>
+          <a:lstStyle/>
+          <a:p>
+            <a:r>
+              <a:rPr lang="en-US" smtClean="0"/>
+              <a:t>gfels4 &amp; zannc2</a:t>
+            </a:r>
+            <a:endParaRPr lang="en-US"/>
+          </a:p>
+        </p:txBody>
+      </p:sp>
+      <p:sp>
+        <p:nvSpPr>
+          <p:cNvPr id="5" name="Foliennummernplatzhalter 4"/>
+          <p:cNvSpPr>
+            <a:spLocks noGrp="1"/>
+          </p:cNvSpPr>
+          <p:nvPr>
+            <p:ph type="sldNum" sz="quarter" idx="12"/>
+          </p:nvPr>
+        </p:nvSpPr>
+        <p:spPr/>
+        <p:txBody>
+          <a:bodyPr/>
+          <a:lstStyle/>
+          <a:p>
+            <a:fld id="{D12AA694-00EB-4F4B-AABB-6F50FB178914}" type="slidenum">
+              <a:rPr lang="en-US" smtClean="0"/>
+              <a:t>20</a:t>
+            </a:fld>
+            <a:endParaRPr lang="en-US"/>
+          </a:p>
+        </p:txBody>
+      </p:sp>
+      <p:sp>
+        <p:nvSpPr>
+          <p:cNvPr id="6" name="Inhaltsplatzhalter 2"/>
+          <p:cNvSpPr>
+            <a:spLocks noGrp="1"/>
+          </p:cNvSpPr>
+          <p:nvPr>
+            <p:ph idx="1"/>
+          </p:nvPr>
+        </p:nvSpPr>
+        <p:spPr>
+          <a:xfrm>
+            <a:off x="779462" y="1882588"/>
+            <a:ext cx="7581901" cy="3953436"/>
+          </a:xfrm>
+        </p:spPr>
+        <p:txBody>
+          <a:bodyPr/>
+          <a:lstStyle/>
+          <a:p>
+            <a:r>
+              <a:rPr lang="de-DE" dirty="0" smtClean="0"/>
+              <a:t>Kürzester </a:t>
+            </a:r>
+            <a:r>
+              <a:rPr lang="de-DE" dirty="0" smtClean="0"/>
+              <a:t>Weg zum nächsten unbekannten Feld </a:t>
+            </a:r>
+            <a:r>
+              <a:rPr lang="de-DE" dirty="0" smtClean="0"/>
+              <a:t>suchen</a:t>
+            </a:r>
+            <a:endParaRPr lang="de-DE" dirty="0"/>
+          </a:p>
+        </p:txBody>
+      </p:sp>
+    </p:spTree>
+    <p:extLst>
+      <p:ext uri="{BB962C8B-B14F-4D97-AF65-F5344CB8AC3E}">
+        <p14:creationId xmlns:p14="http://schemas.microsoft.com/office/powerpoint/2010/main" val="2719422846"/>
+      </p:ext>
+    </p:extLst>
+  </p:cSld>
+  <p:clrMapOvr>
+    <a:masterClrMapping/>
+  </p:clrMapOvr>
+  <p:timing>
+    <p:tnLst>
+      <p:par>
+        <p:cTn xmlns:p14="http://schemas.microsoft.com/office/powerpoint/2010/main" id="1" dur="indefinite" restart="never" nodeType="tmRoot"/>
+      </p:par>
+    </p:tnLst>
+  </p:timing>
+</p:sld>
+</file>
+
+<file path=ppt/slides/slide21.xml><?xml version="1.0" encoding="utf-8"?>
+<p:sld xmlns:a="http://schemas.openxmlformats.org/drawingml/2006/main" xmlns:r="http://schemas.openxmlformats.org/officeDocument/2006/relationships" xmlns:p="http://schemas.openxmlformats.org/presentationml/2006/main">
+  <p:cSld>
+    <p:spTree>
+      <p:nvGrpSpPr>
+        <p:cNvPr id="1" name=""/>
+        <p:cNvGrpSpPr/>
+        <p:nvPr/>
+      </p:nvGrpSpPr>
+      <p:grpSpPr>
+        <a:xfrm>
+          <a:off x="0" y="0"/>
+          <a:ext cx="0" cy="0"/>
+          <a:chOff x="0" y="0"/>
+          <a:chExt cx="0" cy="0"/>
+        </a:xfrm>
+      </p:grpSpPr>
+      <p:sp>
+        <p:nvSpPr>
+          <p:cNvPr id="2" name="Titel 1"/>
+          <p:cNvSpPr>
+            <a:spLocks noGrp="1"/>
+          </p:cNvSpPr>
+          <p:nvPr>
+            <p:ph type="title"/>
+          </p:nvPr>
+        </p:nvSpPr>
+        <p:spPr>
+          <a:xfrm>
+            <a:off x="565763" y="107577"/>
+            <a:ext cx="8007257" cy="1653988"/>
+          </a:xfrm>
+        </p:spPr>
+        <p:txBody>
+          <a:bodyPr/>
+          <a:lstStyle/>
+          <a:p>
+            <a:r>
+              <a:rPr lang="de-DE" dirty="0"/>
+              <a:t>UML Klassen </a:t>
+            </a:r>
+            <a:r>
+              <a:rPr lang="de-DE" dirty="0" smtClean="0"/>
+              <a:t>Diagramme</a:t>
+            </a:r>
+            <a:br>
+              <a:rPr lang="de-DE" dirty="0" smtClean="0"/>
+            </a:br>
+            <a:r>
+              <a:rPr lang="de-DE" sz="3200" dirty="0" smtClean="0"/>
+              <a:t>Strategie</a:t>
+            </a:r>
+            <a:endParaRPr lang="de-DE" sz="3200" dirty="0"/>
+          </a:p>
+        </p:txBody>
+      </p:sp>
+      <p:sp>
+        <p:nvSpPr>
+          <p:cNvPr id="4" name="Fußzeilenplatzhalter 3"/>
+          <p:cNvSpPr>
+            <a:spLocks noGrp="1"/>
+          </p:cNvSpPr>
+          <p:nvPr>
+            <p:ph type="ftr" sz="quarter" idx="11"/>
+          </p:nvPr>
+        </p:nvSpPr>
+        <p:spPr/>
+        <p:txBody>
+          <a:bodyPr/>
+          <a:lstStyle/>
+          <a:p>
+            <a:r>
+              <a:rPr lang="en-US" smtClean="0"/>
+              <a:t>gfels4 &amp; zannc2</a:t>
+            </a:r>
+            <a:endParaRPr lang="en-US"/>
+          </a:p>
+        </p:txBody>
+      </p:sp>
+      <p:sp>
+        <p:nvSpPr>
+          <p:cNvPr id="5" name="Foliennummernplatzhalter 4"/>
+          <p:cNvSpPr>
+            <a:spLocks noGrp="1"/>
+          </p:cNvSpPr>
+          <p:nvPr>
+            <p:ph type="sldNum" sz="quarter" idx="12"/>
+          </p:nvPr>
+        </p:nvSpPr>
+        <p:spPr/>
+        <p:txBody>
+          <a:bodyPr/>
+          <a:lstStyle/>
+          <a:p>
+            <a:fld id="{D12AA694-00EB-4F4B-AABB-6F50FB178914}" type="slidenum">
+              <a:rPr lang="en-US" smtClean="0"/>
+              <a:t>21</a:t>
             </a:fld>
             <a:endParaRPr lang="en-US"/>
           </a:p>
@@ -7758,7 +8329,7 @@
 </p:sld>
 </file>
 
-<file path=ppt/slides/slide2.xml><?xml version="1.0" encoding="utf-8"?>
+<file path=ppt/slides/slide22.xml><?xml version="1.0" encoding="utf-8"?>
 <p:sld xmlns:a="http://schemas.openxmlformats.org/drawingml/2006/main" xmlns:r="http://schemas.openxmlformats.org/officeDocument/2006/relationships" xmlns:p="http://schemas.openxmlformats.org/presentationml/2006/main">
   <p:cSld>
     <p:spTree>
@@ -7792,7 +8363,7 @@
           <a:p>
             <a:r>
               <a:rPr lang="de-DE" dirty="0" smtClean="0"/>
-              <a:t>Inhaltsverzeichnis</a:t>
+              <a:t>Vorführung</a:t>
             </a:r>
             <a:endParaRPr lang="de-DE" dirty="0"/>
           </a:p>
@@ -7810,34 +8381,10 @@
         </p:nvSpPr>
         <p:spPr/>
         <p:txBody>
-          <a:bodyPr>
-            <a:normAutofit/>
-          </a:bodyPr>
-          <a:lstStyle/>
-          <a:p>
-            <a:r>
-              <a:rPr lang="de-DE" dirty="0" smtClean="0"/>
-              <a:t>Zeitplan</a:t>
-            </a:r>
-          </a:p>
-          <a:p>
-            <a:r>
-              <a:rPr lang="de-DE" dirty="0" smtClean="0"/>
-              <a:t>Frontend</a:t>
-            </a:r>
-          </a:p>
-          <a:p>
-            <a:r>
-              <a:rPr lang="de-DE" dirty="0" smtClean="0"/>
-              <a:t>Robot</a:t>
-            </a:r>
-          </a:p>
-          <a:p>
-            <a:r>
-              <a:rPr lang="de-DE" dirty="0" smtClean="0"/>
-              <a:t>Vorführung</a:t>
-            </a:r>
-            <a:endParaRPr lang="de-DE" dirty="0"/>
+          <a:bodyPr/>
+          <a:lstStyle/>
+          <a:p>
+            <a:endParaRPr lang="de-DE"/>
           </a:p>
         </p:txBody>
       </p:sp>
@@ -7858,280 +8405,7 @@
           <a:p>
             <a:fld id="{D12AA694-00EB-4F4B-AABB-6F50FB178914}" type="slidenum">
               <a:rPr lang="en-US" smtClean="0"/>
-              <a:t>2</a:t>
-            </a:fld>
-            <a:endParaRPr lang="en-US"/>
-          </a:p>
-        </p:txBody>
-      </p:sp>
-      <p:sp>
-        <p:nvSpPr>
-          <p:cNvPr id="7" name="Fußzeilenplatzhalter 6"/>
-          <p:cNvSpPr>
-            <a:spLocks noGrp="1"/>
-          </p:cNvSpPr>
-          <p:nvPr>
-            <p:ph type="ftr" sz="quarter" idx="11"/>
-          </p:nvPr>
-        </p:nvSpPr>
-        <p:spPr/>
-        <p:txBody>
-          <a:bodyPr/>
-          <a:lstStyle/>
-          <a:p>
-            <a:r>
-              <a:rPr lang="en-US" smtClean="0"/>
-              <a:t>gfels4 &amp; zannc2</a:t>
-            </a:r>
-            <a:endParaRPr lang="en-US"/>
-          </a:p>
-        </p:txBody>
-      </p:sp>
-    </p:spTree>
-    <p:extLst>
-      <p:ext uri="{BB962C8B-B14F-4D97-AF65-F5344CB8AC3E}">
-        <p14:creationId xmlns:p14="http://schemas.microsoft.com/office/powerpoint/2010/main" val="3112474302"/>
-      </p:ext>
-    </p:extLst>
-  </p:cSld>
-  <p:clrMapOvr>
-    <a:masterClrMapping/>
-  </p:clrMapOvr>
-  <p:timing>
-    <p:tnLst>
-      <p:par>
-        <p:cTn xmlns:p14="http://schemas.microsoft.com/office/powerpoint/2010/main" id="1" dur="indefinite" restart="never" nodeType="tmRoot"/>
-      </p:par>
-    </p:tnLst>
-  </p:timing>
-</p:sld>
-</file>
-
-<file path=ppt/slides/slide20.xml><?xml version="1.0" encoding="utf-8"?>
-<p:sld xmlns:a="http://schemas.openxmlformats.org/drawingml/2006/main" xmlns:r="http://schemas.openxmlformats.org/officeDocument/2006/relationships" xmlns:p="http://schemas.openxmlformats.org/presentationml/2006/main">
-  <p:cSld>
-    <p:spTree>
-      <p:nvGrpSpPr>
-        <p:cNvPr id="1" name=""/>
-        <p:cNvGrpSpPr/>
-        <p:nvPr/>
-      </p:nvGrpSpPr>
-      <p:grpSpPr>
-        <a:xfrm>
-          <a:off x="0" y="0"/>
-          <a:ext cx="0" cy="0"/>
-          <a:chOff x="0" y="0"/>
-          <a:chExt cx="0" cy="0"/>
-        </a:xfrm>
-      </p:grpSpPr>
-      <p:sp>
-        <p:nvSpPr>
-          <p:cNvPr id="2" name="Titel 1"/>
-          <p:cNvSpPr>
-            <a:spLocks noGrp="1"/>
-          </p:cNvSpPr>
-          <p:nvPr>
-            <p:ph type="title"/>
-          </p:nvPr>
-        </p:nvSpPr>
-        <p:spPr>
-          <a:xfrm>
-            <a:off x="565763" y="107577"/>
-            <a:ext cx="8007257" cy="1653988"/>
-          </a:xfrm>
-        </p:spPr>
-        <p:txBody>
-          <a:bodyPr/>
-          <a:lstStyle/>
-          <a:p>
-            <a:r>
-              <a:rPr lang="de-DE" dirty="0" smtClean="0"/>
-              <a:t>Strategie</a:t>
-            </a:r>
-            <a:br>
-              <a:rPr lang="de-DE" dirty="0" smtClean="0"/>
-            </a:br>
-            <a:endParaRPr lang="de-DE" sz="3200" dirty="0"/>
-          </a:p>
-        </p:txBody>
-      </p:sp>
-      <p:sp>
-        <p:nvSpPr>
-          <p:cNvPr id="4" name="Fußzeilenplatzhalter 3"/>
-          <p:cNvSpPr>
-            <a:spLocks noGrp="1"/>
-          </p:cNvSpPr>
-          <p:nvPr>
-            <p:ph type="ftr" sz="quarter" idx="11"/>
-          </p:nvPr>
-        </p:nvSpPr>
-        <p:spPr/>
-        <p:txBody>
-          <a:bodyPr/>
-          <a:lstStyle/>
-          <a:p>
-            <a:r>
-              <a:rPr lang="en-US" smtClean="0"/>
-              <a:t>gfels4 &amp; zannc2</a:t>
-            </a:r>
-            <a:endParaRPr lang="en-US"/>
-          </a:p>
-        </p:txBody>
-      </p:sp>
-      <p:sp>
-        <p:nvSpPr>
-          <p:cNvPr id="5" name="Foliennummernplatzhalter 4"/>
-          <p:cNvSpPr>
-            <a:spLocks noGrp="1"/>
-          </p:cNvSpPr>
-          <p:nvPr>
-            <p:ph type="sldNum" sz="quarter" idx="12"/>
-          </p:nvPr>
-        </p:nvSpPr>
-        <p:spPr/>
-        <p:txBody>
-          <a:bodyPr/>
-          <a:lstStyle/>
-          <a:p>
-            <a:fld id="{D12AA694-00EB-4F4B-AABB-6F50FB178914}" type="slidenum">
-              <a:rPr lang="en-US" smtClean="0"/>
-              <a:t>20</a:t>
-            </a:fld>
-            <a:endParaRPr lang="en-US"/>
-          </a:p>
-        </p:txBody>
-      </p:sp>
-      <p:sp>
-        <p:nvSpPr>
-          <p:cNvPr id="6" name="Inhaltsplatzhalter 2"/>
-          <p:cNvSpPr>
-            <a:spLocks noGrp="1"/>
-          </p:cNvSpPr>
-          <p:nvPr>
-            <p:ph idx="1"/>
-          </p:nvPr>
-        </p:nvSpPr>
-        <p:spPr>
-          <a:xfrm>
-            <a:off x="779462" y="1882588"/>
-            <a:ext cx="7581901" cy="3953436"/>
-          </a:xfrm>
-        </p:spPr>
-        <p:txBody>
-          <a:bodyPr/>
-          <a:lstStyle/>
-          <a:p>
-            <a:r>
-              <a:rPr lang="de-DE" dirty="0" smtClean="0"/>
-              <a:t>Kürzester Weg zum nächsten unbekannten Feld suchen</a:t>
-            </a:r>
-            <a:endParaRPr lang="de-DE" dirty="0"/>
-          </a:p>
-          <a:p>
-            <a:pPr marL="0" indent="0">
-              <a:buNone/>
-            </a:pPr>
-            <a:endParaRPr lang="de-DE" dirty="0"/>
-          </a:p>
-        </p:txBody>
-      </p:sp>
-    </p:spTree>
-    <p:extLst>
-      <p:ext uri="{BB962C8B-B14F-4D97-AF65-F5344CB8AC3E}">
-        <p14:creationId xmlns:p14="http://schemas.microsoft.com/office/powerpoint/2010/main" val="3437454016"/>
-      </p:ext>
-    </p:extLst>
-  </p:cSld>
-  <p:clrMapOvr>
-    <a:masterClrMapping/>
-  </p:clrMapOvr>
-  <p:timing>
-    <p:tnLst>
-      <p:par>
-        <p:cTn xmlns:p14="http://schemas.microsoft.com/office/powerpoint/2010/main" id="1" dur="indefinite" restart="never" nodeType="tmRoot"/>
-      </p:par>
-    </p:tnLst>
-  </p:timing>
-</p:sld>
-</file>
-
-<file path=ppt/slides/slide21.xml><?xml version="1.0" encoding="utf-8"?>
-<p:sld xmlns:a="http://schemas.openxmlformats.org/drawingml/2006/main" xmlns:r="http://schemas.openxmlformats.org/officeDocument/2006/relationships" xmlns:p="http://schemas.openxmlformats.org/presentationml/2006/main">
-  <p:cSld>
-    <p:spTree>
-      <p:nvGrpSpPr>
-        <p:cNvPr id="1" name=""/>
-        <p:cNvGrpSpPr/>
-        <p:nvPr/>
-      </p:nvGrpSpPr>
-      <p:grpSpPr>
-        <a:xfrm>
-          <a:off x="0" y="0"/>
-          <a:ext cx="0" cy="0"/>
-          <a:chOff x="0" y="0"/>
-          <a:chExt cx="0" cy="0"/>
-        </a:xfrm>
-      </p:grpSpPr>
-      <p:sp>
-        <p:nvSpPr>
-          <p:cNvPr id="2" name="Titel 1"/>
-          <p:cNvSpPr>
-            <a:spLocks noGrp="1"/>
-          </p:cNvSpPr>
-          <p:nvPr>
-            <p:ph type="title"/>
-          </p:nvPr>
-        </p:nvSpPr>
-        <p:spPr/>
-        <p:txBody>
-          <a:bodyPr/>
-          <a:lstStyle/>
-          <a:p>
-            <a:r>
-              <a:rPr lang="de-DE" dirty="0" smtClean="0"/>
-              <a:t>Vorführung</a:t>
-            </a:r>
-            <a:endParaRPr lang="de-DE" dirty="0"/>
-          </a:p>
-        </p:txBody>
-      </p:sp>
-      <p:sp>
-        <p:nvSpPr>
-          <p:cNvPr id="3" name="Inhaltsplatzhalter 2"/>
-          <p:cNvSpPr>
-            <a:spLocks noGrp="1"/>
-          </p:cNvSpPr>
-          <p:nvPr>
-            <p:ph idx="1"/>
-          </p:nvPr>
-        </p:nvSpPr>
-        <p:spPr/>
-        <p:txBody>
-          <a:bodyPr/>
-          <a:lstStyle/>
-          <a:p>
-            <a:endParaRPr lang="de-DE"/>
-          </a:p>
-        </p:txBody>
-      </p:sp>
-      <p:sp>
-        <p:nvSpPr>
-          <p:cNvPr id="6" name="Foliennummernplatzhalter 5"/>
-          <p:cNvSpPr>
-            <a:spLocks noGrp="1"/>
-          </p:cNvSpPr>
-          <p:nvPr>
-            <p:ph type="sldNum" sz="quarter" idx="12"/>
-          </p:nvPr>
-        </p:nvSpPr>
-        <p:spPr/>
-        <p:txBody>
-          <a:bodyPr/>
-          <a:lstStyle/>
-          <a:p>
-            <a:fld id="{D12AA694-00EB-4F4B-AABB-6F50FB178914}" type="slidenum">
-              <a:rPr lang="en-US" smtClean="0"/>
-              <a:t>21</a:t>
+              <a:t>22</a:t>
             </a:fld>
             <a:endParaRPr lang="en-US"/>
           </a:p>
@@ -8180,7 +8454,7 @@
 </p:sld>
 </file>
 
-<file path=ppt/slides/slide22.xml><?xml version="1.0" encoding="utf-8"?>
+<file path=ppt/slides/slide23.xml><?xml version="1.0" encoding="utf-8"?>
 <p:sld xmlns:a="http://schemas.openxmlformats.org/drawingml/2006/main" xmlns:r="http://schemas.openxmlformats.org/officeDocument/2006/relationships" xmlns:p="http://schemas.openxmlformats.org/presentationml/2006/main">
   <p:cSld>
     <p:spTree>
@@ -8242,7 +8516,7 @@
           <a:p>
             <a:fld id="{D12AA694-00EB-4F4B-AABB-6F50FB178914}" type="slidenum">
               <a:rPr lang="en-US" smtClean="0"/>
-              <a:t>22</a:t>
+              <a:t>23</a:t>
             </a:fld>
             <a:endParaRPr lang="en-US"/>
           </a:p>
@@ -8455,7 +8729,7 @@
           <a:p>
             <a:r>
               <a:rPr lang="de-DE" dirty="0" smtClean="0"/>
-              <a:t>Frontend</a:t>
+              <a:t>Domain Model</a:t>
             </a:r>
             <a:endParaRPr lang="de-DE" dirty="0"/>
           </a:p>
@@ -8463,56 +8737,30 @@
       </p:sp>
       <p:sp>
         <p:nvSpPr>
-          <p:cNvPr id="3" name="Inhaltsplatzhalter 2"/>
-          <p:cNvSpPr>
-            <a:spLocks noGrp="1"/>
-          </p:cNvSpPr>
-          <p:nvPr>
-            <p:ph idx="1"/>
-          </p:nvPr>
-        </p:nvSpPr>
-        <p:spPr/>
-        <p:txBody>
-          <a:bodyPr/>
-          <a:lstStyle/>
-          <a:p>
-            <a:r>
-              <a:rPr lang="de-DE" dirty="0" smtClean="0"/>
-              <a:t>Domain Mode</a:t>
-            </a:r>
-          </a:p>
-          <a:p>
-            <a:r>
-              <a:rPr lang="de-DE" dirty="0" err="1" smtClean="0"/>
-              <a:t>Use</a:t>
-            </a:r>
-            <a:r>
-              <a:rPr lang="de-DE" dirty="0" smtClean="0"/>
-              <a:t> Cases</a:t>
-            </a:r>
-          </a:p>
-          <a:p>
-            <a:r>
-              <a:rPr lang="de-DE" dirty="0" err="1" smtClean="0"/>
-              <a:t>Sequence</a:t>
-            </a:r>
-            <a:r>
-              <a:rPr lang="de-DE" dirty="0" smtClean="0"/>
-              <a:t> Diagramme</a:t>
-            </a:r>
-          </a:p>
-          <a:p>
-            <a:r>
-              <a:rPr lang="de-DE" dirty="0" smtClean="0"/>
-              <a:t>UML Klassen Diagramme</a:t>
-            </a:r>
-            <a:endParaRPr lang="de-DE" dirty="0"/>
-          </a:p>
-        </p:txBody>
-      </p:sp>
-      <p:sp>
-        <p:nvSpPr>
-          <p:cNvPr id="7" name="Foliennummernplatzhalter 6"/>
+          <p:cNvPr id="4" name="Fußzeilenplatzhalter 3"/>
+          <p:cNvSpPr>
+            <a:spLocks noGrp="1"/>
+          </p:cNvSpPr>
+          <p:nvPr>
+            <p:ph type="ftr" sz="quarter" idx="11"/>
+          </p:nvPr>
+        </p:nvSpPr>
+        <p:spPr/>
+        <p:txBody>
+          <a:bodyPr/>
+          <a:lstStyle/>
+          <a:p>
+            <a:r>
+              <a:rPr lang="en-US" smtClean="0"/>
+              <a:t>gfels4 &amp; zannc2</a:t>
+            </a:r>
+            <a:endParaRPr lang="en-US"/>
+          </a:p>
+        </p:txBody>
+      </p:sp>
+      <p:sp>
+        <p:nvSpPr>
+          <p:cNvPr id="5" name="Foliennummernplatzhalter 4"/>
           <p:cNvSpPr>
             <a:spLocks noGrp="1"/>
           </p:cNvSpPr>
@@ -8533,33 +8781,39 @@
           </a:p>
         </p:txBody>
       </p:sp>
-      <p:sp>
-        <p:nvSpPr>
-          <p:cNvPr id="8" name="Fußzeilenplatzhalter 7"/>
-          <p:cNvSpPr>
-            <a:spLocks noGrp="1"/>
-          </p:cNvSpPr>
-          <p:nvPr>
-            <p:ph type="ftr" sz="quarter" idx="11"/>
-          </p:nvPr>
-        </p:nvSpPr>
-        <p:spPr/>
-        <p:txBody>
-          <a:bodyPr/>
-          <a:lstStyle/>
-          <a:p>
-            <a:r>
-              <a:rPr lang="en-US" smtClean="0"/>
-              <a:t>gfels4 &amp; zannc2</a:t>
-            </a:r>
-            <a:endParaRPr lang="en-US"/>
-          </a:p>
-        </p:txBody>
-      </p:sp>
+      <p:pic>
+        <p:nvPicPr>
+          <p:cNvPr id="6" name="Bild 5" descr="domain_model.jpg"/>
+          <p:cNvPicPr>
+            <a:picLocks noChangeAspect="1"/>
+          </p:cNvPicPr>
+          <p:nvPr/>
+        </p:nvPicPr>
+        <p:blipFill rotWithShape="1">
+          <a:blip r:embed="rId2">
+            <a:extLst>
+              <a:ext uri="{28A0092B-C50C-407E-A947-70E740481C1C}">
+                <a14:useLocalDpi xmlns:a14="http://schemas.microsoft.com/office/drawing/2010/main" val="0"/>
+              </a:ext>
+            </a:extLst>
+          </a:blip>
+          <a:srcRect l="12756" t="3824" r="30840" b="48868"/>
+          <a:stretch/>
+        </p:blipFill>
+        <p:spPr>
+          <a:xfrm>
+            <a:off x="1891267" y="1528468"/>
+            <a:ext cx="5397703" cy="4482476"/>
+          </a:xfrm>
+          <a:prstGeom prst="rect">
+            <a:avLst/>
+          </a:prstGeom>
+        </p:spPr>
+      </p:pic>
     </p:spTree>
     <p:extLst>
       <p:ext uri="{BB962C8B-B14F-4D97-AF65-F5344CB8AC3E}">
-        <p14:creationId xmlns:p14="http://schemas.microsoft.com/office/powerpoint/2010/main" val="3515452927"/>
+        <p14:creationId xmlns:p14="http://schemas.microsoft.com/office/powerpoint/2010/main" val="2302201328"/>
       </p:ext>
     </p:extLst>
   </p:cSld>
@@ -8610,7 +8864,7 @@
           <a:p>
             <a:r>
               <a:rPr lang="de-DE" dirty="0" smtClean="0"/>
-              <a:t>Domain Model</a:t>
+              <a:t>Frontend</a:t>
             </a:r>
             <a:endParaRPr lang="de-DE" dirty="0"/>
           </a:p>
@@ -8618,30 +8872,56 @@
       </p:sp>
       <p:sp>
         <p:nvSpPr>
-          <p:cNvPr id="4" name="Fußzeilenplatzhalter 3"/>
-          <p:cNvSpPr>
-            <a:spLocks noGrp="1"/>
-          </p:cNvSpPr>
-          <p:nvPr>
-            <p:ph type="ftr" sz="quarter" idx="11"/>
-          </p:nvPr>
-        </p:nvSpPr>
-        <p:spPr/>
-        <p:txBody>
-          <a:bodyPr/>
-          <a:lstStyle/>
-          <a:p>
-            <a:r>
-              <a:rPr lang="en-US" smtClean="0"/>
-              <a:t>gfels4 &amp; zannc2</a:t>
-            </a:r>
-            <a:endParaRPr lang="en-US"/>
-          </a:p>
-        </p:txBody>
-      </p:sp>
-      <p:sp>
-        <p:nvSpPr>
-          <p:cNvPr id="5" name="Foliennummernplatzhalter 4"/>
+          <p:cNvPr id="3" name="Inhaltsplatzhalter 2"/>
+          <p:cNvSpPr>
+            <a:spLocks noGrp="1"/>
+          </p:cNvSpPr>
+          <p:nvPr>
+            <p:ph idx="1"/>
+          </p:nvPr>
+        </p:nvSpPr>
+        <p:spPr/>
+        <p:txBody>
+          <a:bodyPr/>
+          <a:lstStyle/>
+          <a:p>
+            <a:r>
+              <a:rPr lang="de-DE" dirty="0" smtClean="0"/>
+              <a:t>Domain Mode</a:t>
+            </a:r>
+          </a:p>
+          <a:p>
+            <a:r>
+              <a:rPr lang="de-DE" dirty="0" err="1" smtClean="0"/>
+              <a:t>Use</a:t>
+            </a:r>
+            <a:r>
+              <a:rPr lang="de-DE" dirty="0" smtClean="0"/>
+              <a:t> Cases</a:t>
+            </a:r>
+          </a:p>
+          <a:p>
+            <a:r>
+              <a:rPr lang="de-DE" dirty="0" err="1" smtClean="0"/>
+              <a:t>Sequence</a:t>
+            </a:r>
+            <a:r>
+              <a:rPr lang="de-DE" dirty="0" smtClean="0"/>
+              <a:t> Diagramme</a:t>
+            </a:r>
+          </a:p>
+          <a:p>
+            <a:r>
+              <a:rPr lang="de-DE" dirty="0" smtClean="0"/>
+              <a:t>UML Klassen Diagramme</a:t>
+            </a:r>
+            <a:endParaRPr lang="de-DE" dirty="0"/>
+          </a:p>
+        </p:txBody>
+      </p:sp>
+      <p:sp>
+        <p:nvSpPr>
+          <p:cNvPr id="7" name="Foliennummernplatzhalter 6"/>
           <p:cNvSpPr>
             <a:spLocks noGrp="1"/>
           </p:cNvSpPr>
@@ -8662,39 +8942,33 @@
           </a:p>
         </p:txBody>
       </p:sp>
-      <p:pic>
-        <p:nvPicPr>
-          <p:cNvPr id="6" name="Bild 5" descr="domain_model.jpg"/>
-          <p:cNvPicPr>
-            <a:picLocks noChangeAspect="1"/>
-          </p:cNvPicPr>
-          <p:nvPr/>
-        </p:nvPicPr>
-        <p:blipFill rotWithShape="1">
-          <a:blip r:embed="rId2">
-            <a:extLst>
-              <a:ext uri="{28A0092B-C50C-407E-A947-70E740481C1C}">
-                <a14:useLocalDpi xmlns:a14="http://schemas.microsoft.com/office/drawing/2010/main" val="0"/>
-              </a:ext>
-            </a:extLst>
-          </a:blip>
-          <a:srcRect l="12756" t="3824" r="30840" b="48868"/>
-          <a:stretch/>
-        </p:blipFill>
-        <p:spPr>
-          <a:xfrm>
-            <a:off x="1891267" y="1528468"/>
-            <a:ext cx="5397703" cy="4482476"/>
-          </a:xfrm>
-          <a:prstGeom prst="rect">
-            <a:avLst/>
-          </a:prstGeom>
-        </p:spPr>
-      </p:pic>
+      <p:sp>
+        <p:nvSpPr>
+          <p:cNvPr id="8" name="Fußzeilenplatzhalter 7"/>
+          <p:cNvSpPr>
+            <a:spLocks noGrp="1"/>
+          </p:cNvSpPr>
+          <p:nvPr>
+            <p:ph type="ftr" sz="quarter" idx="11"/>
+          </p:nvPr>
+        </p:nvSpPr>
+        <p:spPr/>
+        <p:txBody>
+          <a:bodyPr/>
+          <a:lstStyle/>
+          <a:p>
+            <a:r>
+              <a:rPr lang="en-US" smtClean="0"/>
+              <a:t>gfels4 &amp; zannc2</a:t>
+            </a:r>
+            <a:endParaRPr lang="en-US"/>
+          </a:p>
+        </p:txBody>
+      </p:sp>
     </p:spTree>
     <p:extLst>
       <p:ext uri="{BB962C8B-B14F-4D97-AF65-F5344CB8AC3E}">
-        <p14:creationId xmlns:p14="http://schemas.microsoft.com/office/powerpoint/2010/main" val="2302201328"/>
+        <p14:creationId xmlns:p14="http://schemas.microsoft.com/office/powerpoint/2010/main" val="3515452927"/>
       </p:ext>
     </p:extLst>
   </p:cSld>

--- a/SearchRobot/doc/presentation.pptx
+++ b/SearchRobot/doc/presentation.pptx
@@ -700,13 +700,7 @@
               <a:rPr lang="de-DE" dirty="0" smtClean="0"/>
               <a:t>Aufgabenstellung Robot erwähnen (Einleitung)</a:t>
             </a:r>
-          </a:p>
-          <a:p>
-            <a:r>
-              <a:rPr lang="de-DE" dirty="0" smtClean="0"/>
-              <a:t>Teilung Frontend/Robot</a:t>
-            </a:r>
-            <a:endParaRPr lang="de-DE" dirty="0"/>
+            <a:endParaRPr lang="de-DE" dirty="0" smtClean="0"/>
           </a:p>
         </p:txBody>
       </p:sp>
@@ -727,7 +721,7 @@
           <a:p>
             <a:fld id="{6A2CFF65-CB9C-5A47-B7DE-47882B59B3DA}" type="slidenum">
               <a:rPr lang="de-DE" smtClean="0"/>
-              <a:t>2</a:t>
+              <a:t>1</a:t>
             </a:fld>
             <a:endParaRPr lang="de-DE"/>
           </a:p>
@@ -736,7 +730,7 @@
     </p:spTree>
     <p:extLst>
       <p:ext uri="{BB962C8B-B14F-4D97-AF65-F5344CB8AC3E}">
-        <p14:creationId xmlns:p14="http://schemas.microsoft.com/office/powerpoint/2010/main" val="1841319628"/>
+        <p14:creationId xmlns:p14="http://schemas.microsoft.com/office/powerpoint/2010/main" val="1423677949"/>
       </p:ext>
     </p:extLst>
   </p:cSld>
@@ -790,6 +784,44 @@
           <a:bodyPr/>
           <a:lstStyle/>
           <a:p>
+            <a:r>
+              <a:rPr lang="de-DE" dirty="0" smtClean="0"/>
+              <a:t>Design Pattern: Observer</a:t>
+            </a:r>
+          </a:p>
+          <a:p>
+            <a:r>
+              <a:rPr lang="de-DE" dirty="0" smtClean="0"/>
+              <a:t>Jedes Item besitz</a:t>
+            </a:r>
+            <a:r>
+              <a:rPr lang="de-DE" baseline="0" dirty="0" smtClean="0"/>
+              <a:t> mehrere </a:t>
+            </a:r>
+            <a:r>
+              <a:rPr lang="de-DE" baseline="0" dirty="0" err="1" smtClean="0"/>
+              <a:t>ItemChangedListeners</a:t>
+            </a:r>
+            <a:r>
+              <a:rPr lang="de-DE" baseline="0" dirty="0" smtClean="0"/>
+              <a:t> (Observer), dieser gibt eine Änderung (durch </a:t>
+            </a:r>
+            <a:r>
+              <a:rPr lang="de-DE" baseline="0" dirty="0" err="1" smtClean="0"/>
+              <a:t>notify</a:t>
+            </a:r>
+            <a:r>
+              <a:rPr lang="de-DE" baseline="0" dirty="0" smtClean="0"/>
+              <a:t> ausgelöst) des Items weiter an das Field und löst bspw. Ein </a:t>
+            </a:r>
+            <a:r>
+              <a:rPr lang="de-DE" baseline="0" dirty="0" err="1" smtClean="0"/>
+              <a:t>repaint</a:t>
+            </a:r>
+            <a:r>
+              <a:rPr lang="de-DE" baseline="0" dirty="0" smtClean="0"/>
+              <a:t> aus. </a:t>
+            </a:r>
             <a:endParaRPr lang="de-DE" dirty="0"/>
           </a:p>
         </p:txBody>
@@ -811,7 +843,7 @@
           <a:p>
             <a:fld id="{6A2CFF65-CB9C-5A47-B7DE-47882B59B3DA}" type="slidenum">
               <a:rPr lang="de-DE" smtClean="0"/>
-              <a:t>14</a:t>
+              <a:t>12</a:t>
             </a:fld>
             <a:endParaRPr lang="de-DE"/>
           </a:p>
@@ -874,6 +906,36 @@
           <a:bodyPr/>
           <a:lstStyle/>
           <a:p>
+            <a:r>
+              <a:rPr lang="de-DE" dirty="0" smtClean="0"/>
+              <a:t>Design Pattern: Observer</a:t>
+            </a:r>
+          </a:p>
+          <a:p>
+            <a:r>
+              <a:rPr lang="de-DE" dirty="0" smtClean="0"/>
+              <a:t>Das Field ein</a:t>
+            </a:r>
+            <a:r>
+              <a:rPr lang="de-DE" baseline="0" dirty="0" smtClean="0"/>
+              <a:t> </a:t>
+            </a:r>
+            <a:r>
+              <a:rPr lang="de-DE" baseline="0" dirty="0" err="1" smtClean="0"/>
+              <a:t>FieldChangedListener</a:t>
+            </a:r>
+            <a:r>
+              <a:rPr lang="de-DE" baseline="0" dirty="0" smtClean="0"/>
+              <a:t> (Observer), dieser gibt Änderungen (durch </a:t>
+            </a:r>
+            <a:r>
+              <a:rPr lang="de-DE" baseline="0" dirty="0" err="1" smtClean="0"/>
+              <a:t>notify</a:t>
+            </a:r>
+            <a:r>
+              <a:rPr lang="de-DE" baseline="0" dirty="0" smtClean="0"/>
+              <a:t> im Field aufgelöst) weiter an die View und löst bspw. Ein Repaint aus. </a:t>
+            </a:r>
             <a:endParaRPr lang="de-DE" dirty="0"/>
           </a:p>
         </p:txBody>
@@ -895,7 +957,7 @@
           <a:p>
             <a:fld id="{6A2CFF65-CB9C-5A47-B7DE-47882B59B3DA}" type="slidenum">
               <a:rPr lang="de-DE" smtClean="0"/>
-              <a:t>15</a:t>
+              <a:t>13</a:t>
             </a:fld>
             <a:endParaRPr lang="de-DE"/>
           </a:p>
@@ -958,41 +1020,7 @@
           <a:bodyPr/>
           <a:lstStyle/>
           <a:p>
-            <a:r>
-              <a:rPr lang="de-DE" b="1" dirty="0" smtClean="0"/>
-              <a:t>Ziel suchen:</a:t>
-            </a:r>
-          </a:p>
-          <a:p>
-            <a:pPr marL="0" marR="0" indent="0" algn="l" defTabSz="457200" rtl="0" eaLnBrk="1" fontAlgn="auto" latinLnBrk="0" hangingPunct="1">
-              <a:lnSpc>
-                <a:spcPct val="100000"/>
-              </a:lnSpc>
-              <a:spcBef>
-                <a:spcPts val="0"/>
-              </a:spcBef>
-              <a:spcAft>
-                <a:spcPts val="0"/>
-              </a:spcAft>
-              <a:buClrTx/>
-              <a:buSzTx/>
-              <a:buFontTx/>
-              <a:buNone/>
-              <a:tabLst/>
-              <a:defRPr/>
-            </a:pPr>
-            <a:r>
-              <a:rPr lang="de-DE" sz="1200" kern="1200" dirty="0" smtClean="0">
-                <a:solidFill>
-                  <a:schemeClr val="tx1"/>
-                </a:solidFill>
-                <a:effectLst/>
-                <a:latin typeface="+mn-lt"/>
-                <a:ea typeface="+mn-ea"/>
-                <a:cs typeface="+mn-cs"/>
-              </a:rPr>
-              <a:t>Der Roboter sucht nach einem bestimmten Algorithmus das Spielfeld ab, d.h. Er kann sich fortbewegen, jeweils -90° und +90° scannen und die Hindernisse und die Spielrandfläche so erforschen. </a:t>
-            </a:r>
+            <a:endParaRPr lang="de-DE" dirty="0"/>
           </a:p>
         </p:txBody>
       </p:sp>
@@ -1013,7 +1041,7 @@
           <a:p>
             <a:fld id="{6A2CFF65-CB9C-5A47-B7DE-47882B59B3DA}" type="slidenum">
               <a:rPr lang="de-DE" smtClean="0"/>
-              <a:t>17</a:t>
+              <a:t>14</a:t>
             </a:fld>
             <a:endParaRPr lang="de-DE"/>
           </a:p>
@@ -1022,7 +1050,7 @@
     </p:spTree>
     <p:extLst>
       <p:ext uri="{BB962C8B-B14F-4D97-AF65-F5344CB8AC3E}">
-        <p14:creationId xmlns:p14="http://schemas.microsoft.com/office/powerpoint/2010/main" val="4154515398"/>
+        <p14:creationId xmlns:p14="http://schemas.microsoft.com/office/powerpoint/2010/main" val="660173880"/>
       </p:ext>
     </p:extLst>
   </p:cSld>
@@ -1076,7 +1104,75 @@
           <a:bodyPr/>
           <a:lstStyle/>
           <a:p>
-            <a:endParaRPr lang="de-DE" dirty="0" smtClean="0"/>
+            <a:r>
+              <a:rPr lang="de-DE" dirty="0" smtClean="0"/>
+              <a:t>State Pattern</a:t>
+            </a:r>
+          </a:p>
+          <a:p>
+            <a:r>
+              <a:rPr lang="de-DE" dirty="0" smtClean="0"/>
+              <a:t>Die States geben alle</a:t>
+            </a:r>
+            <a:r>
+              <a:rPr lang="de-DE" baseline="0" dirty="0" smtClean="0"/>
+              <a:t> Aktivitäten weiter an das </a:t>
+            </a:r>
+            <a:r>
+              <a:rPr lang="de-DE" baseline="0" dirty="0" err="1" smtClean="0"/>
+              <a:t>AbstractState</a:t>
+            </a:r>
+            <a:r>
+              <a:rPr lang="de-DE" baseline="0" dirty="0" smtClean="0"/>
+              <a:t> welches </a:t>
+            </a:r>
+            <a:r>
+              <a:rPr lang="de-DE" baseline="0" dirty="0" err="1" smtClean="0"/>
+              <a:t>hanhand</a:t>
+            </a:r>
+            <a:r>
+              <a:rPr lang="de-DE" baseline="0" dirty="0" smtClean="0"/>
+              <a:t> seines </a:t>
+            </a:r>
+            <a:r>
+              <a:rPr lang="de-DE" baseline="0" dirty="0" err="1" smtClean="0"/>
+              <a:t>Context</a:t>
+            </a:r>
+            <a:r>
+              <a:rPr lang="de-DE" baseline="0" dirty="0" smtClean="0"/>
+              <a:t> (</a:t>
+            </a:r>
+            <a:r>
+              <a:rPr lang="de-DE" baseline="0" dirty="0" err="1" smtClean="0"/>
+              <a:t>SelectionTool</a:t>
+            </a:r>
+            <a:r>
+              <a:rPr lang="de-DE" baseline="0" dirty="0" smtClean="0"/>
+              <a:t>) die entsprechenden Funktionen ausführt. </a:t>
+            </a:r>
+          </a:p>
+          <a:p>
+            <a:r>
+              <a:rPr lang="de-DE" baseline="0" dirty="0" smtClean="0"/>
+              <a:t>Das </a:t>
+            </a:r>
+            <a:r>
+              <a:rPr lang="de-DE" baseline="0" dirty="0" err="1" smtClean="0"/>
+              <a:t>Selection</a:t>
+            </a:r>
+            <a:r>
+              <a:rPr lang="de-DE" baseline="0" dirty="0" smtClean="0"/>
+              <a:t> Tool gibt die Aktivitäten weiter an das Field und somit auch direkt an die </a:t>
+            </a:r>
+            <a:r>
+              <a:rPr lang="de-DE" baseline="0" dirty="0" err="1" smtClean="0"/>
+              <a:t>entprechenden</a:t>
+            </a:r>
+            <a:r>
+              <a:rPr lang="de-DE" baseline="0" dirty="0" smtClean="0"/>
+              <a:t> Items.</a:t>
+            </a:r>
+            <a:endParaRPr lang="de-DE" dirty="0"/>
           </a:p>
         </p:txBody>
       </p:sp>
@@ -1097,7 +1193,7 @@
           <a:p>
             <a:fld id="{6A2CFF65-CB9C-5A47-B7DE-47882B59B3DA}" type="slidenum">
               <a:rPr lang="de-DE" smtClean="0"/>
-              <a:t>18</a:t>
+              <a:t>15</a:t>
             </a:fld>
             <a:endParaRPr lang="de-DE"/>
           </a:p>
@@ -1160,7 +1256,41 @@
           <a:bodyPr/>
           <a:lstStyle/>
           <a:p>
-            <a:endParaRPr lang="de-DE" dirty="0" smtClean="0"/>
+            <a:r>
+              <a:rPr lang="de-DE" b="1" dirty="0" smtClean="0"/>
+              <a:t>Ziel suchen:</a:t>
+            </a:r>
+          </a:p>
+          <a:p>
+            <a:pPr marL="0" marR="0" indent="0" algn="l" defTabSz="457200" rtl="0" eaLnBrk="1" fontAlgn="auto" latinLnBrk="0" hangingPunct="1">
+              <a:lnSpc>
+                <a:spcPct val="100000"/>
+              </a:lnSpc>
+              <a:spcBef>
+                <a:spcPts val="0"/>
+              </a:spcBef>
+              <a:spcAft>
+                <a:spcPts val="0"/>
+              </a:spcAft>
+              <a:buClrTx/>
+              <a:buSzTx/>
+              <a:buFontTx/>
+              <a:buNone/>
+              <a:tabLst/>
+              <a:defRPr/>
+            </a:pPr>
+            <a:r>
+              <a:rPr lang="de-DE" sz="1200" kern="1200" dirty="0" smtClean="0">
+                <a:solidFill>
+                  <a:schemeClr val="tx1"/>
+                </a:solidFill>
+                <a:effectLst/>
+                <a:latin typeface="+mn-lt"/>
+                <a:ea typeface="+mn-ea"/>
+                <a:cs typeface="+mn-cs"/>
+              </a:rPr>
+              <a:t>Der Roboter sucht nach einem bestimmten Algorithmus das Spielfeld ab, d.h. Er kann sich fortbewegen, jeweils -90° und +90° scannen und die Hindernisse und die Spielrandfläche so erforschen. </a:t>
+            </a:r>
           </a:p>
         </p:txBody>
       </p:sp>
@@ -1181,7 +1311,7 @@
           <a:p>
             <a:fld id="{6A2CFF65-CB9C-5A47-B7DE-47882B59B3DA}" type="slidenum">
               <a:rPr lang="de-DE" smtClean="0"/>
-              <a:t>19</a:t>
+              <a:t>17</a:t>
             </a:fld>
             <a:endParaRPr lang="de-DE"/>
           </a:p>
@@ -1190,7 +1320,7 @@
     </p:spTree>
     <p:extLst>
       <p:ext uri="{BB962C8B-B14F-4D97-AF65-F5344CB8AC3E}">
-        <p14:creationId xmlns:p14="http://schemas.microsoft.com/office/powerpoint/2010/main" val="660173880"/>
+        <p14:creationId xmlns:p14="http://schemas.microsoft.com/office/powerpoint/2010/main" val="4154515398"/>
       </p:ext>
     </p:extLst>
   </p:cSld>
@@ -1245,8 +1375,46 @@
           <a:lstStyle/>
           <a:p>
             <a:r>
-              <a:rPr lang="de-DE" dirty="0" err="1" smtClean="0"/>
-              <a:t>computePath</a:t>
+              <a:rPr lang="de-DE" dirty="0" smtClean="0"/>
+              <a:t>Die Matrix mit den</a:t>
+            </a:r>
+            <a:r>
+              <a:rPr lang="de-DE" baseline="0" dirty="0" smtClean="0"/>
+              <a:t> bestehenden Items ist vom Roboter nicht erreichbar. </a:t>
+            </a:r>
+          </a:p>
+          <a:p>
+            <a:r>
+              <a:rPr lang="de-DE" baseline="0" dirty="0" smtClean="0"/>
+              <a:t>Der Roboter muss dass Field scannen d.h. jedes </a:t>
+            </a:r>
+            <a:r>
+              <a:rPr lang="de-DE" baseline="0" dirty="0" err="1" smtClean="0"/>
+              <a:t>Grid</a:t>
+            </a:r>
+            <a:r>
+              <a:rPr lang="de-DE" baseline="0" dirty="0" smtClean="0"/>
+              <a:t> einzeln abfragen. Durch die Matrix konnte aber die Geschwindigkeit des Scannens verbessert werden, da nicht </a:t>
+            </a:r>
+            <a:r>
+              <a:rPr lang="de-DE" baseline="0" dirty="0" err="1" smtClean="0"/>
+              <a:t>jedesmal</a:t>
+            </a:r>
+            <a:r>
+              <a:rPr lang="de-DE" baseline="0" dirty="0" smtClean="0"/>
+              <a:t> alle Items durchgecheckt werden müssen. </a:t>
+            </a:r>
+          </a:p>
+          <a:p>
+            <a:r>
+              <a:rPr lang="de-DE" baseline="0" dirty="0" smtClean="0"/>
+              <a:t>Die Roboter Matrix wird jeweils kontinuierlich abgefüllt. Je nach dem was der Roboter bereits entdeckt hat. </a:t>
+            </a:r>
+          </a:p>
+          <a:p>
+            <a:r>
+              <a:rPr lang="de-DE" baseline="0" dirty="0" smtClean="0"/>
+              <a:t>Der Roboter scannt das Feld, indem er jeden Winkel bis zu einem Item oder dem Spielfeldrand abfragt. </a:t>
             </a:r>
             <a:endParaRPr lang="de-DE" dirty="0" smtClean="0"/>
           </a:p>
@@ -1269,7 +1437,7 @@
           <a:p>
             <a:fld id="{6A2CFF65-CB9C-5A47-B7DE-47882B59B3DA}" type="slidenum">
               <a:rPr lang="de-DE" smtClean="0"/>
-              <a:t>20</a:t>
+              <a:t>18</a:t>
             </a:fld>
             <a:endParaRPr lang="de-DE"/>
           </a:p>
@@ -1334,11 +1502,19 @@
           <a:p>
             <a:r>
               <a:rPr lang="de-DE" dirty="0" smtClean="0"/>
-              <a:t>Design Pattern: </a:t>
-            </a:r>
-            <a:r>
-              <a:rPr lang="de-DE" dirty="0" err="1" smtClean="0"/>
-              <a:t>Strategy</a:t>
+              <a:t>Der Roboter dreht sich an jedem neuen Standort 360°,</a:t>
+            </a:r>
+            <a:r>
+              <a:rPr lang="de-DE" baseline="0" dirty="0" smtClean="0"/>
+              <a:t> so dass er jeweils die bestmögliche Fläche </a:t>
+            </a:r>
+            <a:r>
+              <a:rPr lang="de-DE" baseline="0" dirty="0" err="1" smtClean="0"/>
+              <a:t>abscannen</a:t>
+            </a:r>
+            <a:r>
+              <a:rPr lang="de-DE" baseline="0" dirty="0" smtClean="0"/>
+              <a:t> kann. </a:t>
             </a:r>
             <a:endParaRPr lang="de-DE" dirty="0" smtClean="0"/>
           </a:p>
@@ -1361,7 +1537,7 @@
           <a:p>
             <a:fld id="{6A2CFF65-CB9C-5A47-B7DE-47882B59B3DA}" type="slidenum">
               <a:rPr lang="de-DE" smtClean="0"/>
-              <a:t>21</a:t>
+              <a:t>19</a:t>
             </a:fld>
             <a:endParaRPr lang="de-DE"/>
           </a:p>
@@ -1424,7 +1600,11 @@
           <a:bodyPr/>
           <a:lstStyle/>
           <a:p>
-            <a:endParaRPr lang="de-DE"/>
+            <a:r>
+              <a:rPr lang="de-DE" dirty="0" err="1" smtClean="0"/>
+              <a:t>computePath</a:t>
+            </a:r>
+            <a:endParaRPr lang="de-DE" dirty="0" smtClean="0"/>
           </a:p>
         </p:txBody>
       </p:sp>
@@ -1445,7 +1625,7 @@
           <a:p>
             <a:fld id="{6A2CFF65-CB9C-5A47-B7DE-47882B59B3DA}" type="slidenum">
               <a:rPr lang="de-DE" smtClean="0"/>
-              <a:t>22</a:t>
+              <a:t>20</a:t>
             </a:fld>
             <a:endParaRPr lang="de-DE"/>
           </a:p>
@@ -1454,7 +1634,7 @@
     </p:spTree>
     <p:extLst>
       <p:ext uri="{BB962C8B-B14F-4D97-AF65-F5344CB8AC3E}">
-        <p14:creationId xmlns:p14="http://schemas.microsoft.com/office/powerpoint/2010/main" val="865758175"/>
+        <p14:creationId xmlns:p14="http://schemas.microsoft.com/office/powerpoint/2010/main" val="660173880"/>
       </p:ext>
     </p:extLst>
   </p:cSld>
@@ -1508,7 +1688,66 @@
           <a:bodyPr/>
           <a:lstStyle/>
           <a:p>
-            <a:endParaRPr lang="de-DE"/>
+            <a:r>
+              <a:rPr lang="de-DE" dirty="0" smtClean="0"/>
+              <a:t>Design Pattern: </a:t>
+            </a:r>
+            <a:r>
+              <a:rPr lang="de-DE" dirty="0" err="1" smtClean="0"/>
+              <a:t>Strategy</a:t>
+            </a:r>
+            <a:endParaRPr lang="de-DE" dirty="0" smtClean="0"/>
+          </a:p>
+          <a:p>
+            <a:r>
+              <a:rPr lang="de-DE" dirty="0" smtClean="0"/>
+              <a:t>Mit der </a:t>
+            </a:r>
+            <a:r>
+              <a:rPr lang="de-DE" dirty="0" err="1" smtClean="0"/>
+              <a:t>setDetaultStrategie</a:t>
+            </a:r>
+            <a:r>
+              <a:rPr lang="de-DE" dirty="0" smtClean="0"/>
+              <a:t>() Methode wird im </a:t>
+            </a:r>
+            <a:r>
+              <a:rPr lang="de-DE" dirty="0" err="1" smtClean="0"/>
+              <a:t>RobotController</a:t>
+            </a:r>
+            <a:r>
+              <a:rPr lang="de-DE" dirty="0" smtClean="0"/>
+              <a:t> die Strategie definiert. Durch die </a:t>
+            </a:r>
+            <a:r>
+              <a:rPr lang="de-DE" dirty="0" err="1" smtClean="0"/>
+              <a:t>verwendung</a:t>
+            </a:r>
+            <a:r>
+              <a:rPr lang="de-DE" dirty="0" smtClean="0"/>
+              <a:t> des </a:t>
+            </a:r>
+            <a:r>
+              <a:rPr lang="de-DE" dirty="0" err="1" smtClean="0"/>
+              <a:t>Strategy</a:t>
+            </a:r>
+            <a:r>
+              <a:rPr lang="de-DE" dirty="0" smtClean="0"/>
+              <a:t> Patterns,</a:t>
+            </a:r>
+            <a:r>
+              <a:rPr lang="de-DE" baseline="0" dirty="0" smtClean="0"/>
+              <a:t> wäre es ohne </a:t>
+            </a:r>
+            <a:r>
+              <a:rPr lang="de-DE" baseline="0" dirty="0" err="1" smtClean="0"/>
+              <a:t>grössere</a:t>
+            </a:r>
+            <a:r>
+              <a:rPr lang="de-DE" baseline="0" dirty="0" smtClean="0"/>
+              <a:t> Umstände möglich andere Strategien zu implementieren. </a:t>
+            </a:r>
+            <a:endParaRPr lang="de-DE" dirty="0" smtClean="0"/>
           </a:p>
         </p:txBody>
       </p:sp>
@@ -1529,7 +1768,91 @@
           <a:p>
             <a:fld id="{6A2CFF65-CB9C-5A47-B7DE-47882B59B3DA}" type="slidenum">
               <a:rPr lang="de-DE" smtClean="0"/>
-              <a:t>23</a:t>
+              <a:t>21</a:t>
+            </a:fld>
+            <a:endParaRPr lang="de-DE"/>
+          </a:p>
+        </p:txBody>
+      </p:sp>
+    </p:spTree>
+    <p:extLst>
+      <p:ext uri="{BB962C8B-B14F-4D97-AF65-F5344CB8AC3E}">
+        <p14:creationId xmlns:p14="http://schemas.microsoft.com/office/powerpoint/2010/main" val="660173880"/>
+      </p:ext>
+    </p:extLst>
+  </p:cSld>
+  <p:clrMapOvr>
+    <a:masterClrMapping/>
+  </p:clrMapOvr>
+</p:notes>
+</file>
+
+<file path=ppt/notesSlides/notesSlide19.xml><?xml version="1.0" encoding="utf-8"?>
+<p:notes xmlns:a="http://schemas.openxmlformats.org/drawingml/2006/main" xmlns:r="http://schemas.openxmlformats.org/officeDocument/2006/relationships" xmlns:p="http://schemas.openxmlformats.org/presentationml/2006/main">
+  <p:cSld>
+    <p:spTree>
+      <p:nvGrpSpPr>
+        <p:cNvPr id="1" name=""/>
+        <p:cNvGrpSpPr/>
+        <p:nvPr/>
+      </p:nvGrpSpPr>
+      <p:grpSpPr>
+        <a:xfrm>
+          <a:off x="0" y="0"/>
+          <a:ext cx="0" cy="0"/>
+          <a:chOff x="0" y="0"/>
+          <a:chExt cx="0" cy="0"/>
+        </a:xfrm>
+      </p:grpSpPr>
+      <p:sp>
+        <p:nvSpPr>
+          <p:cNvPr id="2" name="Folienbildplatzhalter 1"/>
+          <p:cNvSpPr>
+            <a:spLocks noGrp="1" noRot="1" noChangeAspect="1"/>
+          </p:cNvSpPr>
+          <p:nvPr>
+            <p:ph type="sldImg"/>
+          </p:nvPr>
+        </p:nvSpPr>
+        <p:spPr/>
+      </p:sp>
+      <p:sp>
+        <p:nvSpPr>
+          <p:cNvPr id="3" name="Notizenplatzhalter 2"/>
+          <p:cNvSpPr>
+            <a:spLocks noGrp="1"/>
+          </p:cNvSpPr>
+          <p:nvPr>
+            <p:ph type="body" idx="1"/>
+          </p:nvPr>
+        </p:nvSpPr>
+        <p:spPr/>
+        <p:txBody>
+          <a:bodyPr/>
+          <a:lstStyle/>
+          <a:p>
+            <a:endParaRPr lang="de-DE"/>
+          </a:p>
+        </p:txBody>
+      </p:sp>
+      <p:sp>
+        <p:nvSpPr>
+          <p:cNvPr id="4" name="Foliennummernplatzhalter 3"/>
+          <p:cNvSpPr>
+            <a:spLocks noGrp="1"/>
+          </p:cNvSpPr>
+          <p:nvPr>
+            <p:ph type="sldNum" sz="quarter" idx="10"/>
+          </p:nvPr>
+        </p:nvSpPr>
+        <p:spPr/>
+        <p:txBody>
+          <a:bodyPr/>
+          <a:lstStyle/>
+          <a:p>
+            <a:fld id="{6A2CFF65-CB9C-5A47-B7DE-47882B59B3DA}" type="slidenum">
+              <a:rPr lang="de-DE" smtClean="0"/>
+              <a:t>22</a:t>
             </a:fld>
             <a:endParaRPr lang="de-DE"/>
           </a:p>
@@ -1593,229 +1916,27 @@
           <a:lstStyle/>
           <a:p>
             <a:r>
-              <a:rPr lang="de-DE" sz="1200" b="1" kern="1200" dirty="0" smtClean="0">
-                <a:solidFill>
-                  <a:schemeClr val="tx1"/>
-                </a:solidFill>
-                <a:effectLst/>
-                <a:latin typeface="+mn-lt"/>
-                <a:ea typeface="+mn-ea"/>
-                <a:cs typeface="+mn-cs"/>
-              </a:rPr>
-              <a:t>Hindernisse setzen</a:t>
-            </a:r>
-          </a:p>
-          <a:p>
-            <a:r>
-              <a:rPr lang="de-DE" sz="1200" kern="1200" dirty="0" smtClean="0">
-                <a:solidFill>
-                  <a:schemeClr val="tx1"/>
-                </a:solidFill>
-                <a:effectLst/>
-                <a:latin typeface="+mn-lt"/>
-                <a:ea typeface="+mn-ea"/>
-                <a:cs typeface="+mn-cs"/>
-              </a:rPr>
-              <a:t>Ein Spieler setzt alle gewünschte Hindernisse (2D Hindernisse) auf dem Spielfeld. </a:t>
-            </a:r>
-          </a:p>
-          <a:p>
-            <a:r>
-              <a:rPr lang="de-DE" sz="1200" b="1" kern="1200" dirty="0" smtClean="0">
-                <a:solidFill>
-                  <a:schemeClr val="tx1"/>
-                </a:solidFill>
-                <a:effectLst/>
-                <a:latin typeface="+mn-lt"/>
-                <a:ea typeface="+mn-ea"/>
-                <a:cs typeface="+mn-cs"/>
-              </a:rPr>
-              <a:t>Roboter setzen</a:t>
-            </a:r>
-          </a:p>
-          <a:p>
-            <a:r>
-              <a:rPr lang="de-DE" sz="1200" kern="1200" dirty="0" smtClean="0">
-                <a:solidFill>
-                  <a:schemeClr val="tx1"/>
-                </a:solidFill>
-                <a:effectLst/>
-                <a:latin typeface="+mn-lt"/>
-                <a:ea typeface="+mn-ea"/>
-                <a:cs typeface="+mn-cs"/>
-              </a:rPr>
-              <a:t>Der Spieler setzt den Roboter auf das Spielfeld. Diese Position wird zugleich die Startposition des Roboters sein. </a:t>
-            </a:r>
-          </a:p>
-          <a:p>
-            <a:r>
-              <a:rPr lang="de-DE" sz="1200" b="1" kern="1200" dirty="0" smtClean="0">
-                <a:solidFill>
-                  <a:schemeClr val="tx1"/>
-                </a:solidFill>
-                <a:effectLst/>
-                <a:latin typeface="+mn-lt"/>
-                <a:ea typeface="+mn-ea"/>
-                <a:cs typeface="+mn-cs"/>
-              </a:rPr>
-              <a:t>Ziel setzten</a:t>
-            </a:r>
-          </a:p>
-          <a:p>
-            <a:r>
-              <a:rPr lang="de-DE" sz="1200" kern="1200" dirty="0" smtClean="0">
-                <a:solidFill>
-                  <a:schemeClr val="tx1"/>
-                </a:solidFill>
-                <a:effectLst/>
-                <a:latin typeface="+mn-lt"/>
-                <a:ea typeface="+mn-ea"/>
-                <a:cs typeface="+mn-cs"/>
-              </a:rPr>
-              <a:t>Der Spieler setzt das Ziel, das der Roboter suchen muss, auf das Spielfeld. </a:t>
-            </a:r>
-          </a:p>
-          <a:p>
-            <a:r>
-              <a:rPr lang="de-DE" sz="1200" b="1" kern="1200" dirty="0" smtClean="0">
-                <a:solidFill>
-                  <a:schemeClr val="tx1"/>
-                </a:solidFill>
-                <a:effectLst/>
-                <a:latin typeface="+mn-lt"/>
-                <a:ea typeface="+mn-ea"/>
-                <a:cs typeface="+mn-cs"/>
-              </a:rPr>
-              <a:t>Roboter starten</a:t>
-            </a:r>
-          </a:p>
-          <a:p>
-            <a:r>
-              <a:rPr lang="de-DE" sz="1200" kern="1200" dirty="0" smtClean="0">
-                <a:solidFill>
-                  <a:schemeClr val="tx1"/>
-                </a:solidFill>
-                <a:effectLst/>
-                <a:latin typeface="+mn-lt"/>
-                <a:ea typeface="+mn-ea"/>
-                <a:cs typeface="+mn-cs"/>
-              </a:rPr>
-              <a:t>Der Spieler startet das Spiel, d.h. der Roboter beginnt das Ziel zu suchen. </a:t>
-            </a:r>
-          </a:p>
-          <a:p>
-            <a:r>
-              <a:rPr lang="de-DE" sz="1200" b="1" kern="1200" dirty="0" smtClean="0">
-                <a:solidFill>
-                  <a:schemeClr val="tx1"/>
-                </a:solidFill>
-                <a:effectLst/>
-                <a:latin typeface="+mn-lt"/>
-                <a:ea typeface="+mn-ea"/>
-                <a:cs typeface="+mn-cs"/>
-              </a:rPr>
-              <a:t>Suche abbrechen</a:t>
-            </a:r>
-          </a:p>
-          <a:p>
-            <a:r>
-              <a:rPr lang="de-DE" sz="1200" kern="1200" dirty="0" smtClean="0">
-                <a:solidFill>
-                  <a:schemeClr val="tx1"/>
-                </a:solidFill>
-                <a:effectLst/>
-                <a:latin typeface="+mn-lt"/>
-                <a:ea typeface="+mn-ea"/>
-                <a:cs typeface="+mn-cs"/>
-              </a:rPr>
-              <a:t>Der Spieler unterbricht die Suche nach dem Ziel und kehrt zum Spielfeldeditor zurück</a:t>
-            </a:r>
-          </a:p>
-          <a:p>
-            <a:r>
-              <a:rPr lang="de-DE" sz="1200" b="1" kern="1200" dirty="0" smtClean="0">
-                <a:solidFill>
-                  <a:schemeClr val="tx1"/>
-                </a:solidFill>
-                <a:effectLst/>
-                <a:latin typeface="+mn-lt"/>
-                <a:ea typeface="+mn-ea"/>
-                <a:cs typeface="+mn-cs"/>
-              </a:rPr>
-              <a:t>Spielfeld löschen</a:t>
-            </a:r>
-          </a:p>
-          <a:p>
-            <a:r>
-              <a:rPr lang="de-DE" sz="1200" kern="1200" dirty="0" smtClean="0">
-                <a:solidFill>
-                  <a:schemeClr val="tx1"/>
-                </a:solidFill>
-                <a:effectLst/>
-                <a:latin typeface="+mn-lt"/>
-                <a:ea typeface="+mn-ea"/>
-                <a:cs typeface="+mn-cs"/>
-              </a:rPr>
-              <a:t>Der Spieler hat die Möglichkeit das Spiel jederzeit zurückzusetzten, d.h. Hindernisse, Ziel und Roboter werden vom Spielfeld entfernt. </a:t>
-            </a:r>
-          </a:p>
-          <a:p>
-            <a:r>
-              <a:rPr lang="de-DE" sz="1200" b="1" kern="1200" dirty="0" smtClean="0">
-                <a:solidFill>
-                  <a:schemeClr val="tx1"/>
-                </a:solidFill>
-                <a:effectLst/>
-                <a:latin typeface="+mn-lt"/>
-                <a:ea typeface="+mn-ea"/>
-                <a:cs typeface="+mn-cs"/>
-              </a:rPr>
-              <a:t>Spielfeld importieren</a:t>
-            </a:r>
-          </a:p>
-          <a:p>
-            <a:r>
-              <a:rPr lang="de-DE" sz="1200" kern="1200" dirty="0" smtClean="0">
-                <a:solidFill>
-                  <a:schemeClr val="tx1"/>
-                </a:solidFill>
-                <a:effectLst/>
-                <a:latin typeface="+mn-lt"/>
-                <a:ea typeface="+mn-ea"/>
-                <a:cs typeface="+mn-cs"/>
-              </a:rPr>
-              <a:t>Das Spielfeld kann anhand eines XML-Files importiert werden.</a:t>
-            </a:r>
-          </a:p>
-          <a:p>
-            <a:r>
-              <a:rPr lang="de-DE" sz="1200" b="1" kern="1200" dirty="0" smtClean="0">
-                <a:solidFill>
-                  <a:schemeClr val="tx1"/>
-                </a:solidFill>
-                <a:effectLst/>
-                <a:latin typeface="+mn-lt"/>
-                <a:ea typeface="+mn-ea"/>
-                <a:cs typeface="+mn-cs"/>
-              </a:rPr>
-              <a:t>Spielfeld exportieren</a:t>
-            </a:r>
-          </a:p>
-          <a:p>
-            <a:r>
-              <a:rPr lang="de-DE" sz="1200" kern="1200" dirty="0" smtClean="0">
-                <a:solidFill>
-                  <a:schemeClr val="tx1"/>
-                </a:solidFill>
-                <a:effectLst/>
-                <a:latin typeface="+mn-lt"/>
-                <a:ea typeface="+mn-ea"/>
-                <a:cs typeface="+mn-cs"/>
-              </a:rPr>
-              <a:t>Das Spielfeld wird in ein neu erstelltes XML-File abgespeichert. </a:t>
-            </a:r>
-          </a:p>
-          <a:p>
+              <a:rPr lang="de-DE" dirty="0" smtClean="0"/>
+              <a:t>Teilung </a:t>
+            </a:r>
+            <a:r>
+              <a:rPr lang="de-DE" dirty="0" smtClean="0"/>
+              <a:t>Frontend/</a:t>
+            </a:r>
+            <a:r>
+              <a:rPr lang="de-DE" dirty="0" smtClean="0"/>
+              <a:t>Robot</a:t>
+            </a:r>
+          </a:p>
+          <a:p>
+            <a:r>
+              <a:rPr lang="de-DE" dirty="0" smtClean="0"/>
+              <a:t>Dadurch konnten wir den Editor programmieren und den Algorithmus getrennt voneinander implementieren.</a:t>
+            </a:r>
+            <a:r>
+              <a:rPr lang="de-DE" baseline="0" dirty="0" smtClean="0"/>
+              <a:t> </a:t>
+            </a:r>
             <a:endParaRPr lang="de-DE" dirty="0"/>
           </a:p>
         </p:txBody>
@@ -1837,7 +1958,7 @@
           <a:p>
             <a:fld id="{6A2CFF65-CB9C-5A47-B7DE-47882B59B3DA}" type="slidenum">
               <a:rPr lang="de-DE" smtClean="0"/>
-              <a:t>6</a:t>
+              <a:t>2</a:t>
             </a:fld>
             <a:endParaRPr lang="de-DE"/>
           </a:p>
@@ -1846,7 +1967,91 @@
     </p:spTree>
     <p:extLst>
       <p:ext uri="{BB962C8B-B14F-4D97-AF65-F5344CB8AC3E}">
-        <p14:creationId xmlns:p14="http://schemas.microsoft.com/office/powerpoint/2010/main" val="4154515398"/>
+        <p14:creationId xmlns:p14="http://schemas.microsoft.com/office/powerpoint/2010/main" val="1841319628"/>
+      </p:ext>
+    </p:extLst>
+  </p:cSld>
+  <p:clrMapOvr>
+    <a:masterClrMapping/>
+  </p:clrMapOvr>
+</p:notes>
+</file>
+
+<file path=ppt/notesSlides/notesSlide20.xml><?xml version="1.0" encoding="utf-8"?>
+<p:notes xmlns:a="http://schemas.openxmlformats.org/drawingml/2006/main" xmlns:r="http://schemas.openxmlformats.org/officeDocument/2006/relationships" xmlns:p="http://schemas.openxmlformats.org/presentationml/2006/main">
+  <p:cSld>
+    <p:spTree>
+      <p:nvGrpSpPr>
+        <p:cNvPr id="1" name=""/>
+        <p:cNvGrpSpPr/>
+        <p:nvPr/>
+      </p:nvGrpSpPr>
+      <p:grpSpPr>
+        <a:xfrm>
+          <a:off x="0" y="0"/>
+          <a:ext cx="0" cy="0"/>
+          <a:chOff x="0" y="0"/>
+          <a:chExt cx="0" cy="0"/>
+        </a:xfrm>
+      </p:grpSpPr>
+      <p:sp>
+        <p:nvSpPr>
+          <p:cNvPr id="2" name="Folienbildplatzhalter 1"/>
+          <p:cNvSpPr>
+            <a:spLocks noGrp="1" noRot="1" noChangeAspect="1"/>
+          </p:cNvSpPr>
+          <p:nvPr>
+            <p:ph type="sldImg"/>
+          </p:nvPr>
+        </p:nvSpPr>
+        <p:spPr/>
+      </p:sp>
+      <p:sp>
+        <p:nvSpPr>
+          <p:cNvPr id="3" name="Notizenplatzhalter 2"/>
+          <p:cNvSpPr>
+            <a:spLocks noGrp="1"/>
+          </p:cNvSpPr>
+          <p:nvPr>
+            <p:ph type="body" idx="1"/>
+          </p:nvPr>
+        </p:nvSpPr>
+        <p:spPr/>
+        <p:txBody>
+          <a:bodyPr/>
+          <a:lstStyle/>
+          <a:p>
+            <a:endParaRPr lang="de-DE"/>
+          </a:p>
+        </p:txBody>
+      </p:sp>
+      <p:sp>
+        <p:nvSpPr>
+          <p:cNvPr id="4" name="Foliennummernplatzhalter 3"/>
+          <p:cNvSpPr>
+            <a:spLocks noGrp="1"/>
+          </p:cNvSpPr>
+          <p:nvPr>
+            <p:ph type="sldNum" sz="quarter" idx="10"/>
+          </p:nvPr>
+        </p:nvSpPr>
+        <p:spPr/>
+        <p:txBody>
+          <a:bodyPr/>
+          <a:lstStyle/>
+          <a:p>
+            <a:fld id="{6A2CFF65-CB9C-5A47-B7DE-47882B59B3DA}" type="slidenum">
+              <a:rPr lang="de-DE" smtClean="0"/>
+              <a:t>23</a:t>
+            </a:fld>
+            <a:endParaRPr lang="de-DE"/>
+          </a:p>
+        </p:txBody>
+      </p:sp>
+    </p:spTree>
+    <p:extLst>
+      <p:ext uri="{BB962C8B-B14F-4D97-AF65-F5344CB8AC3E}">
+        <p14:creationId xmlns:p14="http://schemas.microsoft.com/office/powerpoint/2010/main" val="865758175"/>
       </p:ext>
     </p:extLst>
   </p:cSld>
@@ -1902,17 +2107,21 @@
           <a:p>
             <a:r>
               <a:rPr lang="de-DE" dirty="0" smtClean="0"/>
-              <a:t>Funktioniert bei Roboter/Ziel</a:t>
+              <a:t>Das Domain Model zeigt</a:t>
             </a:r>
             <a:r>
               <a:rPr lang="de-DE" baseline="0" dirty="0" smtClean="0"/>
-              <a:t> </a:t>
-            </a:r>
-            <a:r>
-              <a:rPr lang="de-DE" baseline="0" smtClean="0"/>
-              <a:t>setzten gleich</a:t>
-            </a:r>
-            <a:endParaRPr lang="de-DE"/>
+              <a:t> alle Objekte die im Search Robot von „</a:t>
+            </a:r>
+            <a:r>
+              <a:rPr lang="de-DE" baseline="0" dirty="0" err="1" smtClean="0"/>
+              <a:t>aussen</a:t>
+            </a:r>
+            <a:r>
+              <a:rPr lang="de-DE" baseline="0" dirty="0" smtClean="0"/>
+              <a:t>“ gesehen enthalten sind. Die ganze Logik geschieht in diversen anderen Klassen die hier nicht aufgezeigt werden. </a:t>
+            </a:r>
+            <a:endParaRPr lang="de-DE" dirty="0"/>
           </a:p>
         </p:txBody>
       </p:sp>
@@ -1933,7 +2142,7 @@
           <a:p>
             <a:fld id="{6A2CFF65-CB9C-5A47-B7DE-47882B59B3DA}" type="slidenum">
               <a:rPr lang="de-DE" smtClean="0"/>
-              <a:t>7</a:t>
+              <a:t>4</a:t>
             </a:fld>
             <a:endParaRPr lang="de-DE"/>
           </a:p>
@@ -1942,7 +2151,7 @@
     </p:spTree>
     <p:extLst>
       <p:ext uri="{BB962C8B-B14F-4D97-AF65-F5344CB8AC3E}">
-        <p14:creationId xmlns:p14="http://schemas.microsoft.com/office/powerpoint/2010/main" val="660173880"/>
+        <p14:creationId xmlns:p14="http://schemas.microsoft.com/office/powerpoint/2010/main" val="217755"/>
       </p:ext>
     </p:extLst>
   </p:cSld>
@@ -1997,13 +2206,229 @@
           <a:lstStyle/>
           <a:p>
             <a:r>
-              <a:rPr lang="de-DE" dirty="0" smtClean="0"/>
-              <a:t>Funktioniert bei Roboter/Ziel</a:t>
-            </a:r>
-            <a:r>
-              <a:rPr lang="de-DE" baseline="0" dirty="0" smtClean="0"/>
-              <a:t> setzten gleich</a:t>
-            </a:r>
+              <a:rPr lang="de-DE" sz="1200" b="1" kern="1200" dirty="0" smtClean="0">
+                <a:solidFill>
+                  <a:schemeClr val="tx1"/>
+                </a:solidFill>
+                <a:effectLst/>
+                <a:latin typeface="+mn-lt"/>
+                <a:ea typeface="+mn-ea"/>
+                <a:cs typeface="+mn-cs"/>
+              </a:rPr>
+              <a:t>Hindernisse setzen</a:t>
+            </a:r>
+          </a:p>
+          <a:p>
+            <a:r>
+              <a:rPr lang="de-DE" sz="1200" kern="1200" dirty="0" smtClean="0">
+                <a:solidFill>
+                  <a:schemeClr val="tx1"/>
+                </a:solidFill>
+                <a:effectLst/>
+                <a:latin typeface="+mn-lt"/>
+                <a:ea typeface="+mn-ea"/>
+                <a:cs typeface="+mn-cs"/>
+              </a:rPr>
+              <a:t>Ein Spieler setzt alle gewünschte Hindernisse (2D Hindernisse) auf dem Spielfeld. </a:t>
+            </a:r>
+          </a:p>
+          <a:p>
+            <a:r>
+              <a:rPr lang="de-DE" sz="1200" b="1" kern="1200" dirty="0" smtClean="0">
+                <a:solidFill>
+                  <a:schemeClr val="tx1"/>
+                </a:solidFill>
+                <a:effectLst/>
+                <a:latin typeface="+mn-lt"/>
+                <a:ea typeface="+mn-ea"/>
+                <a:cs typeface="+mn-cs"/>
+              </a:rPr>
+              <a:t>Roboter setzen</a:t>
+            </a:r>
+          </a:p>
+          <a:p>
+            <a:r>
+              <a:rPr lang="de-DE" sz="1200" kern="1200" dirty="0" smtClean="0">
+                <a:solidFill>
+                  <a:schemeClr val="tx1"/>
+                </a:solidFill>
+                <a:effectLst/>
+                <a:latin typeface="+mn-lt"/>
+                <a:ea typeface="+mn-ea"/>
+                <a:cs typeface="+mn-cs"/>
+              </a:rPr>
+              <a:t>Der Spieler setzt den Roboter auf das Spielfeld. Diese Position wird zugleich die Startposition des Roboters sein. </a:t>
+            </a:r>
+          </a:p>
+          <a:p>
+            <a:r>
+              <a:rPr lang="de-DE" sz="1200" b="1" kern="1200" dirty="0" smtClean="0">
+                <a:solidFill>
+                  <a:schemeClr val="tx1"/>
+                </a:solidFill>
+                <a:effectLst/>
+                <a:latin typeface="+mn-lt"/>
+                <a:ea typeface="+mn-ea"/>
+                <a:cs typeface="+mn-cs"/>
+              </a:rPr>
+              <a:t>Ziel setzten</a:t>
+            </a:r>
+          </a:p>
+          <a:p>
+            <a:r>
+              <a:rPr lang="de-DE" sz="1200" kern="1200" dirty="0" smtClean="0">
+                <a:solidFill>
+                  <a:schemeClr val="tx1"/>
+                </a:solidFill>
+                <a:effectLst/>
+                <a:latin typeface="+mn-lt"/>
+                <a:ea typeface="+mn-ea"/>
+                <a:cs typeface="+mn-cs"/>
+              </a:rPr>
+              <a:t>Der Spieler setzt das Ziel, das der Roboter suchen muss, auf das Spielfeld. </a:t>
+            </a:r>
+          </a:p>
+          <a:p>
+            <a:r>
+              <a:rPr lang="de-DE" sz="1200" b="1" kern="1200" dirty="0" smtClean="0">
+                <a:solidFill>
+                  <a:schemeClr val="tx1"/>
+                </a:solidFill>
+                <a:effectLst/>
+                <a:latin typeface="+mn-lt"/>
+                <a:ea typeface="+mn-ea"/>
+                <a:cs typeface="+mn-cs"/>
+              </a:rPr>
+              <a:t>Roboter starten</a:t>
+            </a:r>
+          </a:p>
+          <a:p>
+            <a:r>
+              <a:rPr lang="de-DE" sz="1200" kern="1200" dirty="0" smtClean="0">
+                <a:solidFill>
+                  <a:schemeClr val="tx1"/>
+                </a:solidFill>
+                <a:effectLst/>
+                <a:latin typeface="+mn-lt"/>
+                <a:ea typeface="+mn-ea"/>
+                <a:cs typeface="+mn-cs"/>
+              </a:rPr>
+              <a:t>Der Spieler startet das Spiel, d.h. der Roboter beginnt das Ziel zu suchen. </a:t>
+            </a:r>
+          </a:p>
+          <a:p>
+            <a:r>
+              <a:rPr lang="de-DE" sz="1200" b="1" kern="1200" dirty="0" smtClean="0">
+                <a:solidFill>
+                  <a:schemeClr val="tx1"/>
+                </a:solidFill>
+                <a:effectLst/>
+                <a:latin typeface="+mn-lt"/>
+                <a:ea typeface="+mn-ea"/>
+                <a:cs typeface="+mn-cs"/>
+              </a:rPr>
+              <a:t>Suche abbrechen</a:t>
+            </a:r>
+          </a:p>
+          <a:p>
+            <a:r>
+              <a:rPr lang="de-DE" sz="1200" kern="1200" dirty="0" smtClean="0">
+                <a:solidFill>
+                  <a:schemeClr val="tx1"/>
+                </a:solidFill>
+                <a:effectLst/>
+                <a:latin typeface="+mn-lt"/>
+                <a:ea typeface="+mn-ea"/>
+                <a:cs typeface="+mn-cs"/>
+              </a:rPr>
+              <a:t>Der Spieler unterbricht die Suche nach dem Ziel und kehrt zum Spielfeldeditor zurück</a:t>
+            </a:r>
+          </a:p>
+          <a:p>
+            <a:r>
+              <a:rPr lang="de-DE" sz="1200" b="1" kern="1200" dirty="0" smtClean="0">
+                <a:solidFill>
+                  <a:schemeClr val="tx1"/>
+                </a:solidFill>
+                <a:effectLst/>
+                <a:latin typeface="+mn-lt"/>
+                <a:ea typeface="+mn-ea"/>
+                <a:cs typeface="+mn-cs"/>
+              </a:rPr>
+              <a:t>Spielfeld löschen</a:t>
+            </a:r>
+          </a:p>
+          <a:p>
+            <a:r>
+              <a:rPr lang="de-DE" sz="1200" kern="1200" dirty="0" smtClean="0">
+                <a:solidFill>
+                  <a:schemeClr val="tx1"/>
+                </a:solidFill>
+                <a:effectLst/>
+                <a:latin typeface="+mn-lt"/>
+                <a:ea typeface="+mn-ea"/>
+                <a:cs typeface="+mn-cs"/>
+              </a:rPr>
+              <a:t>Der Spieler hat die Möglichkeit das Spiel jederzeit zurückzusetzten, d.h. Hindernisse, Ziel und Roboter werden vom Spielfeld entfernt. </a:t>
+            </a:r>
+          </a:p>
+          <a:p>
+            <a:r>
+              <a:rPr lang="de-DE" sz="1200" b="1" kern="1200" dirty="0" smtClean="0">
+                <a:solidFill>
+                  <a:schemeClr val="tx1"/>
+                </a:solidFill>
+                <a:effectLst/>
+                <a:latin typeface="+mn-lt"/>
+                <a:ea typeface="+mn-ea"/>
+                <a:cs typeface="+mn-cs"/>
+              </a:rPr>
+              <a:t>Spielfeld importieren</a:t>
+            </a:r>
+          </a:p>
+          <a:p>
+            <a:r>
+              <a:rPr lang="de-DE" sz="1200" kern="1200" dirty="0" smtClean="0">
+                <a:solidFill>
+                  <a:schemeClr val="tx1"/>
+                </a:solidFill>
+                <a:effectLst/>
+                <a:latin typeface="+mn-lt"/>
+                <a:ea typeface="+mn-ea"/>
+                <a:cs typeface="+mn-cs"/>
+              </a:rPr>
+              <a:t>Das Spielfeld kann anhand eines XML-Files importiert werden.</a:t>
+            </a:r>
+          </a:p>
+          <a:p>
+            <a:r>
+              <a:rPr lang="de-DE" sz="1200" b="1" kern="1200" dirty="0" smtClean="0">
+                <a:solidFill>
+                  <a:schemeClr val="tx1"/>
+                </a:solidFill>
+                <a:effectLst/>
+                <a:latin typeface="+mn-lt"/>
+                <a:ea typeface="+mn-ea"/>
+                <a:cs typeface="+mn-cs"/>
+              </a:rPr>
+              <a:t>Spielfeld exportieren</a:t>
+            </a:r>
+          </a:p>
+          <a:p>
+            <a:r>
+              <a:rPr lang="de-DE" sz="1200" kern="1200" dirty="0" smtClean="0">
+                <a:solidFill>
+                  <a:schemeClr val="tx1"/>
+                </a:solidFill>
+                <a:effectLst/>
+                <a:latin typeface="+mn-lt"/>
+                <a:ea typeface="+mn-ea"/>
+                <a:cs typeface="+mn-cs"/>
+              </a:rPr>
+              <a:t>Das Spielfeld wird in ein neu erstelltes XML-File abgespeichert. </a:t>
+            </a:r>
+          </a:p>
+          <a:p>
             <a:endParaRPr lang="de-DE" dirty="0"/>
           </a:p>
         </p:txBody>
@@ -2025,7 +2450,7 @@
           <a:p>
             <a:fld id="{6A2CFF65-CB9C-5A47-B7DE-47882B59B3DA}" type="slidenum">
               <a:rPr lang="de-DE" smtClean="0"/>
-              <a:t>8</a:t>
+              <a:t>6</a:t>
             </a:fld>
             <a:endParaRPr lang="de-DE"/>
           </a:p>
@@ -2034,7 +2459,7 @@
     </p:spTree>
     <p:extLst>
       <p:ext uri="{BB962C8B-B14F-4D97-AF65-F5344CB8AC3E}">
-        <p14:creationId xmlns:p14="http://schemas.microsoft.com/office/powerpoint/2010/main" val="660173880"/>
+        <p14:creationId xmlns:p14="http://schemas.microsoft.com/office/powerpoint/2010/main" val="4154515398"/>
       </p:ext>
     </p:extLst>
   </p:cSld>
@@ -2094,9 +2519,13 @@
             </a:r>
             <a:r>
               <a:rPr lang="de-DE" baseline="0" dirty="0" smtClean="0"/>
-              <a:t> setzten gleich</a:t>
-            </a:r>
-            <a:endParaRPr lang="de-DE" dirty="0"/>
+              <a:t> </a:t>
+            </a:r>
+            <a:r>
+              <a:rPr lang="de-DE" baseline="0" smtClean="0"/>
+              <a:t>setzten gleich</a:t>
+            </a:r>
+            <a:endParaRPr lang="de-DE"/>
           </a:p>
         </p:txBody>
       </p:sp>
@@ -2117,7 +2546,7 @@
           <a:p>
             <a:fld id="{6A2CFF65-CB9C-5A47-B7DE-47882B59B3DA}" type="slidenum">
               <a:rPr lang="de-DE" smtClean="0"/>
-              <a:t>9</a:t>
+              <a:t>7</a:t>
             </a:fld>
             <a:endParaRPr lang="de-DE"/>
           </a:p>
@@ -2188,23 +2617,6 @@
               <a:rPr lang="de-DE" baseline="0" dirty="0" smtClean="0"/>
               <a:t> setzten gleich</a:t>
             </a:r>
-          </a:p>
-          <a:p>
-            <a:r>
-              <a:rPr lang="de-DE" baseline="0" dirty="0" smtClean="0"/>
-              <a:t>Design Pattern: </a:t>
-            </a:r>
-            <a:r>
-              <a:rPr lang="de-DE" baseline="0" dirty="0" err="1" smtClean="0"/>
-              <a:t>Decorator</a:t>
-            </a:r>
-            <a:endParaRPr lang="de-DE" baseline="0" dirty="0" smtClean="0"/>
-          </a:p>
-          <a:p>
-            <a:r>
-              <a:rPr lang="de-DE" baseline="0" dirty="0" smtClean="0"/>
-              <a:t>-&gt; Abstract Item und dann diverse Versionen davon, diese könnten durch Vererbung einzeln noch spezifiziert werden</a:t>
-            </a:r>
             <a:endParaRPr lang="de-DE" dirty="0"/>
           </a:p>
         </p:txBody>
@@ -2226,7 +2638,7 @@
           <a:p>
             <a:fld id="{6A2CFF65-CB9C-5A47-B7DE-47882B59B3DA}" type="slidenum">
               <a:rPr lang="de-DE" smtClean="0"/>
-              <a:t>10</a:t>
+              <a:t>8</a:t>
             </a:fld>
             <a:endParaRPr lang="de-DE"/>
           </a:p>
@@ -2291,17 +2703,11 @@
           <a:p>
             <a:r>
               <a:rPr lang="de-DE" dirty="0" smtClean="0"/>
-              <a:t>Design Pattern: Factory</a:t>
-            </a:r>
-          </a:p>
-          <a:p>
-            <a:r>
-              <a:rPr lang="de-DE" dirty="0" smtClean="0"/>
-              <a:t>Für jedes Item gibt es ein Tool, welches</a:t>
+              <a:t>Funktioniert bei Roboter/Ziel</a:t>
             </a:r>
             <a:r>
               <a:rPr lang="de-DE" baseline="0" dirty="0" smtClean="0"/>
-              <a:t> diese Erstellt. </a:t>
+              <a:t> setzten gleich</a:t>
             </a:r>
             <a:endParaRPr lang="de-DE" dirty="0"/>
           </a:p>
@@ -2324,7 +2730,7 @@
           <a:p>
             <a:fld id="{6A2CFF65-CB9C-5A47-B7DE-47882B59B3DA}" type="slidenum">
               <a:rPr lang="de-DE" smtClean="0"/>
-              <a:t>11</a:t>
+              <a:t>9</a:t>
             </a:fld>
             <a:endParaRPr lang="de-DE"/>
           </a:p>
@@ -2389,41 +2795,28 @@
           <a:p>
             <a:r>
               <a:rPr lang="de-DE" dirty="0" smtClean="0"/>
-              <a:t>Design Pattern: Observer</a:t>
-            </a:r>
-          </a:p>
-          <a:p>
-            <a:r>
-              <a:rPr lang="de-DE" dirty="0" smtClean="0"/>
-              <a:t>Jedes Item besitz</a:t>
+              <a:t>Funktioniert bei Roboter/Ziel</a:t>
             </a:r>
             <a:r>
               <a:rPr lang="de-DE" baseline="0" dirty="0" smtClean="0"/>
-              <a:t> mehrere </a:t>
+              <a:t> setzten gleich</a:t>
+            </a:r>
+          </a:p>
+          <a:p>
+            <a:r>
+              <a:rPr lang="de-DE" baseline="0" dirty="0" smtClean="0"/>
+              <a:t>Design Pattern: </a:t>
             </a:r>
             <a:r>
               <a:rPr lang="de-DE" baseline="0" dirty="0" err="1" smtClean="0"/>
-              <a:t>ItemChangedListeners</a:t>
-            </a:r>
+              <a:t>Decorator</a:t>
+            </a:r>
+            <a:endParaRPr lang="de-DE" baseline="0" dirty="0" smtClean="0"/>
+          </a:p>
+          <a:p>
             <a:r>
               <a:rPr lang="de-DE" baseline="0" dirty="0" smtClean="0"/>
-              <a:t> (Observer), dieser gibt eine Änderung (durch </a:t>
-            </a:r>
-            <a:r>
-              <a:rPr lang="de-DE" baseline="0" dirty="0" err="1" smtClean="0"/>
-              <a:t>notify</a:t>
-            </a:r>
-            <a:r>
-              <a:rPr lang="de-DE" baseline="0" dirty="0" smtClean="0"/>
-              <a:t> ausgelöst) des Items weiter an das Field und löst bspw. Ein </a:t>
-            </a:r>
-            <a:r>
-              <a:rPr lang="de-DE" baseline="0" dirty="0" err="1" smtClean="0"/>
-              <a:t>repaint</a:t>
-            </a:r>
-            <a:r>
-              <a:rPr lang="de-DE" baseline="0" dirty="0" smtClean="0"/>
-              <a:t> aus. </a:t>
+              <a:t>-&gt; Abstract Item und dann diverse Versionen davon, diese könnten durch Vererbung einzeln noch spezifiziert werden</a:t>
             </a:r>
             <a:endParaRPr lang="de-DE" dirty="0"/>
           </a:p>
@@ -2446,7 +2839,7 @@
           <a:p>
             <a:fld id="{6A2CFF65-CB9C-5A47-B7DE-47882B59B3DA}" type="slidenum">
               <a:rPr lang="de-DE" smtClean="0"/>
-              <a:t>12</a:t>
+              <a:t>10</a:t>
             </a:fld>
             <a:endParaRPr lang="de-DE"/>
           </a:p>
@@ -2511,33 +2904,17 @@
           <a:p>
             <a:r>
               <a:rPr lang="de-DE" dirty="0" smtClean="0"/>
-              <a:t>Design Pattern: Observer</a:t>
+              <a:t>Design Pattern: Factory</a:t>
             </a:r>
           </a:p>
           <a:p>
             <a:r>
               <a:rPr lang="de-DE" dirty="0" smtClean="0"/>
-              <a:t>Das Field ein</a:t>
+              <a:t>Für jedes Item gibt es ein Tool, welches</a:t>
             </a:r>
             <a:r>
               <a:rPr lang="de-DE" baseline="0" dirty="0" smtClean="0"/>
-              <a:t> </a:t>
-            </a:r>
-            <a:r>
-              <a:rPr lang="de-DE" baseline="0" dirty="0" err="1" smtClean="0"/>
-              <a:t>FieldChangedListener</a:t>
-            </a:r>
-            <a:r>
-              <a:rPr lang="de-DE" baseline="0" dirty="0" smtClean="0"/>
-              <a:t> (Observer), dieser gibt Änderungen (durch </a:t>
-            </a:r>
-            <a:r>
-              <a:rPr lang="de-DE" baseline="0" dirty="0" err="1" smtClean="0"/>
-              <a:t>notify</a:t>
-            </a:r>
-            <a:r>
-              <a:rPr lang="de-DE" baseline="0" dirty="0" smtClean="0"/>
-              <a:t> im Field aufgelöst) weiter an die View und löst bspw. Ein Repaint aus. </a:t>
+              <a:t> diese Erstellt. </a:t>
             </a:r>
             <a:endParaRPr lang="de-DE" dirty="0"/>
           </a:p>
@@ -2560,7 +2937,7 @@
           <a:p>
             <a:fld id="{6A2CFF65-CB9C-5A47-B7DE-47882B59B3DA}" type="slidenum">
               <a:rPr lang="de-DE" smtClean="0"/>
-              <a:t>13</a:t>
+              <a:t>11</a:t>
             </a:fld>
             <a:endParaRPr lang="de-DE"/>
           </a:p>
@@ -6695,7 +7072,11 @@
             </a:br>
             <a:r>
               <a:rPr lang="de-DE" sz="3200" dirty="0" smtClean="0"/>
-              <a:t>Hindernisse</a:t>
+              <a:t>Observer der H</a:t>
+            </a:r>
+            <a:r>
+              <a:rPr lang="de-DE" sz="3200" dirty="0" smtClean="0"/>
+              <a:t>indernisse</a:t>
             </a:r>
             <a:endParaRPr lang="de-DE" sz="3200" dirty="0"/>
           </a:p>
@@ -6847,7 +7228,11 @@
             </a:br>
             <a:r>
               <a:rPr lang="de-DE" sz="3200" dirty="0" smtClean="0"/>
-              <a:t>Field</a:t>
+              <a:t>Observer des F</a:t>
+            </a:r>
+            <a:r>
+              <a:rPr lang="de-DE" sz="3200" dirty="0" smtClean="0"/>
+              <a:t>ields</a:t>
             </a:r>
             <a:endParaRPr lang="de-DE" sz="3200" dirty="0"/>
           </a:p>
@@ -6998,8 +7383,12 @@
               <a:rPr lang="de-DE" dirty="0" smtClean="0"/>
             </a:br>
             <a:r>
+              <a:rPr lang="de-DE" sz="3200" dirty="0" err="1" smtClean="0"/>
+              <a:t>Selection</a:t>
+            </a:r>
+            <a:r>
               <a:rPr lang="de-DE" sz="3200" dirty="0" smtClean="0"/>
-              <a:t>State</a:t>
+              <a:t> State</a:t>
             </a:r>
             <a:endParaRPr lang="de-DE" sz="3200" dirty="0"/>
           </a:p>
@@ -7053,7 +7442,7 @@
       </p:sp>
       <p:pic>
         <p:nvPicPr>
-          <p:cNvPr id="3" name="Bild 2" descr="StateDiagramm.jpg"/>
+          <p:cNvPr id="6" name="Bild 5" descr="StateDiagramm.jpg"/>
           <p:cNvPicPr>
             <a:picLocks noChangeAspect="1"/>
           </p:cNvPicPr>
@@ -7067,13 +7456,13 @@
               </a:ext>
             </a:extLst>
           </a:blip>
-          <a:srcRect l="3872" t="10752" r="12753" b="15418"/>
+          <a:srcRect l="2407" t="10653" r="1666" b="8728"/>
           <a:stretch/>
         </p:blipFill>
         <p:spPr>
           <a:xfrm>
-            <a:off x="1141128" y="1641320"/>
-            <a:ext cx="7194911" cy="4747590"/>
+            <a:off x="303307" y="1625443"/>
+            <a:ext cx="8483601" cy="4798639"/>
           </a:xfrm>
           <a:prstGeom prst="rect">
             <a:avLst/>
@@ -7149,8 +7538,12 @@
               <a:rPr lang="de-DE" dirty="0" smtClean="0"/>
             </a:br>
             <a:r>
+              <a:rPr lang="de-DE" sz="3200" dirty="0" err="1" smtClean="0"/>
+              <a:t>Selection</a:t>
+            </a:r>
+            <a:r>
               <a:rPr lang="de-DE" sz="3200" dirty="0" smtClean="0"/>
-              <a:t>State</a:t>
+              <a:t> State</a:t>
             </a:r>
             <a:endParaRPr lang="de-DE" sz="3200" dirty="0"/>
           </a:p>
@@ -7321,7 +7714,6 @@
               <a:rPr lang="de-DE" dirty="0" smtClean="0"/>
               <a:t>Roboter Suche</a:t>
             </a:r>
-            <a:endParaRPr lang="de-DE" dirty="0" smtClean="0"/>
           </a:p>
           <a:p>
             <a:r>
@@ -7526,8 +7918,8 @@
         </p:blipFill>
         <p:spPr>
           <a:xfrm>
-            <a:off x="2713884" y="2720877"/>
-            <a:ext cx="3700959" cy="1414274"/>
+            <a:off x="1860138" y="2353733"/>
+            <a:ext cx="4661724" cy="1781418"/>
           </a:xfrm>
           <a:prstGeom prst="rect">
             <a:avLst/>
@@ -7594,10 +7986,6 @@
             <a:r>
               <a:rPr lang="de-DE" dirty="0" smtClean="0"/>
               <a:t>Roboter Suche</a:t>
-            </a:r>
-            <a:r>
-              <a:rPr lang="de-DE" dirty="0" smtClean="0"/>
-              <a:t/>
             </a:r>
             <a:br>
               <a:rPr lang="de-DE" dirty="0" smtClean="0"/>
@@ -7938,7 +8326,6 @@
               <a:rPr lang="de-DE" dirty="0" smtClean="0"/>
               <a:t>Domain Model</a:t>
             </a:r>
-            <a:endParaRPr lang="de-DE" dirty="0" smtClean="0"/>
           </a:p>
           <a:p>
             <a:r>
@@ -8143,20 +8530,42 @@
           <a:p>
             <a:r>
               <a:rPr lang="de-DE" dirty="0" smtClean="0"/>
-              <a:t>Kürzester </a:t>
-            </a:r>
-            <a:r>
-              <a:rPr lang="de-DE" dirty="0" smtClean="0"/>
-              <a:t>Weg zum nächsten unbekannten Feld </a:t>
-            </a:r>
-            <a:r>
-              <a:rPr lang="de-DE" dirty="0" smtClean="0"/>
-              <a:t>suchen</a:t>
+              <a:t>Kürzester Weg zum nächsten unbekannten Feld suchen</a:t>
             </a:r>
             <a:endParaRPr lang="de-DE" dirty="0"/>
           </a:p>
         </p:txBody>
       </p:sp>
+      <p:pic>
+        <p:nvPicPr>
+          <p:cNvPr id="3" name="Bild 2" descr="computePathPresentation.jpg"/>
+          <p:cNvPicPr>
+            <a:picLocks noChangeAspect="1"/>
+          </p:cNvPicPr>
+          <p:nvPr/>
+        </p:nvPicPr>
+        <p:blipFill>
+          <a:blip r:embed="rId3">
+            <a:extLst>
+              <a:ext uri="{28A0092B-C50C-407E-A947-70E740481C1C}">
+                <a14:useLocalDpi xmlns:a14="http://schemas.microsoft.com/office/drawing/2010/main" val="0"/>
+              </a:ext>
+            </a:extLst>
+          </a:blip>
+          <a:stretch>
+            <a:fillRect/>
+          </a:stretch>
+        </p:blipFill>
+        <p:spPr>
+          <a:xfrm>
+            <a:off x="2319867" y="2578100"/>
+            <a:ext cx="4876800" cy="4279900"/>
+          </a:xfrm>
+          <a:prstGeom prst="rect">
+            <a:avLst/>
+          </a:prstGeom>
+        </p:spPr>
+      </p:pic>
     </p:spTree>
     <p:extLst>
       <p:ext uri="{BB962C8B-B14F-4D97-AF65-F5344CB8AC3E}">
@@ -8371,25 +8780,6 @@
       </p:sp>
       <p:sp>
         <p:nvSpPr>
-          <p:cNvPr id="3" name="Inhaltsplatzhalter 2"/>
-          <p:cNvSpPr>
-            <a:spLocks noGrp="1"/>
-          </p:cNvSpPr>
-          <p:nvPr>
-            <p:ph idx="1"/>
-          </p:nvPr>
-        </p:nvSpPr>
-        <p:spPr/>
-        <p:txBody>
-          <a:bodyPr/>
-          <a:lstStyle/>
-          <a:p>
-            <a:endParaRPr lang="de-DE"/>
-          </a:p>
-        </p:txBody>
-      </p:sp>
-      <p:sp>
-        <p:nvSpPr>
           <p:cNvPr id="6" name="Foliennummernplatzhalter 5"/>
           <p:cNvSpPr>
             <a:spLocks noGrp="1"/>
@@ -8790,7 +9180,7 @@
           <p:nvPr/>
         </p:nvPicPr>
         <p:blipFill rotWithShape="1">
-          <a:blip r:embed="rId2">
+          <a:blip r:embed="rId3">
             <a:extLst>
               <a:ext uri="{28A0092B-C50C-407E-A947-70E740481C1C}">
                 <a14:useLocalDpi xmlns:a14="http://schemas.microsoft.com/office/drawing/2010/main" val="0"/>

--- a/SearchRobot/doc/presentation.pptx
+++ b/SearchRobot/doc/presentation.pptx
@@ -217,7 +217,7 @@
           <a:p>
             <a:fld id="{5700CF2B-8EF7-EB4B-86E2-A47F47DC1114}" type="datetime1">
               <a:rPr lang="de-CH" smtClean="0"/>
-              <a:t>07.01.14</a:t>
+              <a:t>14.01.2014</a:t>
             </a:fld>
             <a:endParaRPr lang="de-DE"/>
           </a:p>
@@ -283,7 +283,7 @@
           <a:p>
             <a:fld id="{22CA2CDD-C6FF-814D-81BD-6AF2B8E35686}" type="slidenum">
               <a:rPr lang="de-DE" smtClean="0"/>
-              <a:t>‹Nr.›</a:t>
+              <a:t>‹#›</a:t>
             </a:fld>
             <a:endParaRPr lang="de-DE"/>
           </a:p>
@@ -383,7 +383,7 @@
           <a:p>
             <a:fld id="{E92AB650-C135-D34D-93AB-17B8508C2308}" type="datetime1">
               <a:rPr lang="de-CH" smtClean="0"/>
-              <a:t>07.01.14</a:t>
+              <a:t>14.01.2014</a:t>
             </a:fld>
             <a:endParaRPr lang="de-DE"/>
           </a:p>
@@ -542,7 +542,7 @@
           <a:p>
             <a:fld id="{6A2CFF65-CB9C-5A47-B7DE-47882B59B3DA}" type="slidenum">
               <a:rPr lang="de-DE" smtClean="0"/>
-              <a:t>‹Nr.›</a:t>
+              <a:t>‹#›</a:t>
             </a:fld>
             <a:endParaRPr lang="de-DE"/>
           </a:p>
@@ -700,7 +700,6 @@
               <a:rPr lang="de-DE" dirty="0" smtClean="0"/>
               <a:t>Aufgabenstellung Robot erwähnen (Einleitung)</a:t>
             </a:r>
-            <a:endParaRPr lang="de-DE" dirty="0" smtClean="0"/>
           </a:p>
         </p:txBody>
       </p:sp>
@@ -812,7 +811,11 @@
             </a:r>
             <a:r>
               <a:rPr lang="de-DE" baseline="0" dirty="0" smtClean="0"/>
-              <a:t> ausgelöst) des Items weiter an das Field und löst bspw. Ein </a:t>
+              <a:t> </a:t>
+            </a:r>
+            <a:r>
+              <a:rPr lang="de-DE" baseline="0" dirty="0" smtClean="0"/>
+              <a:t>ausgelöst) des Items weiter an das Field und löst bspw. Ein </a:t>
             </a:r>
             <a:r>
               <a:rPr lang="de-DE" baseline="0" dirty="0" err="1" smtClean="0"/>
@@ -1917,15 +1920,7 @@
           <a:p>
             <a:r>
               <a:rPr lang="de-DE" dirty="0" smtClean="0"/>
-              <a:t>Teilung </a:t>
-            </a:r>
-            <a:r>
-              <a:rPr lang="de-DE" dirty="0" smtClean="0"/>
-              <a:t>Frontend/</a:t>
-            </a:r>
-            <a:r>
-              <a:rPr lang="de-DE" dirty="0" smtClean="0"/>
-              <a:t>Robot</a:t>
+              <a:t>Teilung Frontend/Robot</a:t>
             </a:r>
           </a:p>
           <a:p>
@@ -3142,7 +3137,7 @@
           <a:p>
             <a:fld id="{4BB9ED57-D06A-6841-AEF1-9EC3590845AD}" type="datetime1">
               <a:rPr lang="de-CH" smtClean="0"/>
-              <a:t>07.01.14</a:t>
+              <a:t>14.01.2014</a:t>
             </a:fld>
             <a:endParaRPr lang="en-US"/>
           </a:p>
@@ -3188,7 +3183,7 @@
           <a:p>
             <a:fld id="{D12AA694-00EB-4F4B-AABB-6F50FB178914}" type="slidenum">
               <a:rPr lang="en-US" smtClean="0"/>
-              <a:t>‹Nr.›</a:t>
+              <a:t>‹#›</a:t>
             </a:fld>
             <a:endParaRPr lang="en-US"/>
           </a:p>
@@ -3503,7 +3498,7 @@
           <a:p>
             <a:fld id="{95F272CE-041C-1C41-893C-DDA23BE0160F}" type="datetime1">
               <a:rPr lang="de-CH" smtClean="0"/>
-              <a:t>07.01.14</a:t>
+              <a:t>14.01.2014</a:t>
             </a:fld>
             <a:endParaRPr lang="en-US"/>
           </a:p>
@@ -3549,7 +3544,7 @@
           <a:p>
             <a:fld id="{D12AA694-00EB-4F4B-AABB-6F50FB178914}" type="slidenum">
               <a:rPr lang="en-US" smtClean="0"/>
-              <a:t>‹Nr.›</a:t>
+              <a:t>‹#›</a:t>
             </a:fld>
             <a:endParaRPr lang="en-US"/>
           </a:p>
@@ -3676,7 +3671,7 @@
           <a:p>
             <a:fld id="{89A08E58-8D68-9748-BF3C-59C04C017569}" type="datetime1">
               <a:rPr lang="de-CH" smtClean="0"/>
-              <a:t>07.01.14</a:t>
+              <a:t>14.01.2014</a:t>
             </a:fld>
             <a:endParaRPr lang="en-US"/>
           </a:p>
@@ -3722,7 +3717,7 @@
           <a:p>
             <a:fld id="{D12AA694-00EB-4F4B-AABB-6F50FB178914}" type="slidenum">
               <a:rPr lang="en-US" smtClean="0"/>
-              <a:t>‹Nr.›</a:t>
+              <a:t>‹#›</a:t>
             </a:fld>
             <a:endParaRPr lang="en-US"/>
           </a:p>
@@ -3859,7 +3854,7 @@
           <a:p>
             <a:fld id="{27BF19B1-2D39-624F-92F5-63033DC0C277}" type="datetime1">
               <a:rPr lang="de-CH" smtClean="0"/>
-              <a:t>07.01.14</a:t>
+              <a:t>14.01.2014</a:t>
             </a:fld>
             <a:endParaRPr lang="en-US"/>
           </a:p>
@@ -3905,7 +3900,7 @@
           <a:p>
             <a:fld id="{D12AA694-00EB-4F4B-AABB-6F50FB178914}" type="slidenum">
               <a:rPr lang="en-US" smtClean="0"/>
-              <a:t>‹Nr.›</a:t>
+              <a:t>‹#›</a:t>
             </a:fld>
             <a:endParaRPr lang="en-US"/>
           </a:p>
@@ -4032,7 +4027,7 @@
           <a:p>
             <a:fld id="{888DA9D7-FFEA-1B4A-AF78-999894C2A1ED}" type="datetime1">
               <a:rPr lang="de-CH" smtClean="0"/>
-              <a:t>07.01.14</a:t>
+              <a:t>14.01.2014</a:t>
             </a:fld>
             <a:endParaRPr lang="en-US"/>
           </a:p>
@@ -4078,7 +4073,7 @@
           <a:p>
             <a:fld id="{D12AA694-00EB-4F4B-AABB-6F50FB178914}" type="slidenum">
               <a:rPr lang="en-US" smtClean="0"/>
-              <a:t>‹Nr.›</a:t>
+              <a:t>‹#›</a:t>
             </a:fld>
             <a:endParaRPr lang="en-US"/>
           </a:p>
@@ -4313,7 +4308,7 @@
           <a:p>
             <a:fld id="{FBB35A6E-A281-A541-AD16-C55A808D744E}" type="datetime1">
               <a:rPr lang="de-CH" smtClean="0"/>
-              <a:t>07.01.14</a:t>
+              <a:t>14.01.2014</a:t>
             </a:fld>
             <a:endParaRPr lang="en-US"/>
           </a:p>
@@ -4359,7 +4354,7 @@
           <a:p>
             <a:fld id="{D12AA694-00EB-4F4B-AABB-6F50FB178914}" type="slidenum">
               <a:rPr lang="en-US" smtClean="0"/>
-              <a:t>‹Nr.›</a:t>
+              <a:t>‹#›</a:t>
             </a:fld>
             <a:endParaRPr lang="en-US"/>
           </a:p>
@@ -4609,7 +4604,7 @@
           <a:p>
             <a:fld id="{2E7962BB-C82D-F845-801E-BCD66FE917CE}" type="datetime1">
               <a:rPr lang="de-CH" smtClean="0"/>
-              <a:t>07.01.14</a:t>
+              <a:t>14.01.2014</a:t>
             </a:fld>
             <a:endParaRPr lang="en-US"/>
           </a:p>
@@ -4655,7 +4650,7 @@
           <a:p>
             <a:fld id="{D12AA694-00EB-4F4B-AABB-6F50FB178914}" type="slidenum">
               <a:rPr lang="en-US" smtClean="0"/>
-              <a:t>‹Nr.›</a:t>
+              <a:t>‹#›</a:t>
             </a:fld>
             <a:endParaRPr lang="en-US"/>
           </a:p>
@@ -5049,7 +5044,7 @@
           <a:p>
             <a:fld id="{4AFFAB72-D003-9A4F-9AD5-2977850EC029}" type="datetime1">
               <a:rPr lang="de-CH" smtClean="0"/>
-              <a:t>07.01.14</a:t>
+              <a:t>14.01.2014</a:t>
             </a:fld>
             <a:endParaRPr lang="en-US"/>
           </a:p>
@@ -5095,7 +5090,7 @@
           <a:p>
             <a:fld id="{D12AA694-00EB-4F4B-AABB-6F50FB178914}" type="slidenum">
               <a:rPr lang="en-US" smtClean="0"/>
-              <a:t>‹Nr.›</a:t>
+              <a:t>‹#›</a:t>
             </a:fld>
             <a:endParaRPr lang="en-US"/>
           </a:p>
@@ -5166,7 +5161,7 @@
           <a:p>
             <a:fld id="{0149C50A-A324-2749-86BA-B53E8B1F97D9}" type="datetime1">
               <a:rPr lang="de-CH" smtClean="0"/>
-              <a:t>07.01.14</a:t>
+              <a:t>14.01.2014</a:t>
             </a:fld>
             <a:endParaRPr lang="en-US"/>
           </a:p>
@@ -5212,7 +5207,7 @@
           <a:p>
             <a:fld id="{D12AA694-00EB-4F4B-AABB-6F50FB178914}" type="slidenum">
               <a:rPr lang="en-US" smtClean="0"/>
-              <a:t>‹Nr.›</a:t>
+              <a:t>‹#›</a:t>
             </a:fld>
             <a:endParaRPr lang="en-US"/>
           </a:p>
@@ -5260,7 +5255,7 @@
           <a:p>
             <a:fld id="{40076AA9-28AC-F74A-AEDA-D52A19FDEF6D}" type="datetime1">
               <a:rPr lang="de-CH" smtClean="0"/>
-              <a:t>07.01.14</a:t>
+              <a:t>14.01.2014</a:t>
             </a:fld>
             <a:endParaRPr lang="en-US"/>
           </a:p>
@@ -5306,7 +5301,7 @@
           <a:p>
             <a:fld id="{D12AA694-00EB-4F4B-AABB-6F50FB178914}" type="slidenum">
               <a:rPr lang="en-US" smtClean="0"/>
-              <a:t>‹Nr.›</a:t>
+              <a:t>‹#›</a:t>
             </a:fld>
             <a:endParaRPr lang="en-US"/>
           </a:p>
@@ -5601,7 +5596,7 @@
           <a:p>
             <a:fld id="{CAFB1E87-75BB-0747-B4D2-065C5EAE4DED}" type="datetime1">
               <a:rPr lang="de-CH" smtClean="0"/>
-              <a:t>07.01.14</a:t>
+              <a:t>14.01.2014</a:t>
             </a:fld>
             <a:endParaRPr lang="en-US"/>
           </a:p>
@@ -5647,7 +5642,7 @@
           <a:p>
             <a:fld id="{D12AA694-00EB-4F4B-AABB-6F50FB178914}" type="slidenum">
               <a:rPr lang="en-US" smtClean="0"/>
-              <a:t>‹Nr.›</a:t>
+              <a:t>‹#›</a:t>
             </a:fld>
             <a:endParaRPr lang="en-US"/>
           </a:p>
@@ -5920,7 +5915,7 @@
           <a:p>
             <a:fld id="{5EB17E15-638F-8B4A-BBAA-33880E209CDA}" type="datetime1">
               <a:rPr lang="de-CH" smtClean="0"/>
-              <a:t>07.01.14</a:t>
+              <a:t>14.01.2014</a:t>
             </a:fld>
             <a:endParaRPr lang="en-US"/>
           </a:p>
@@ -5966,7 +5961,7 @@
           <a:p>
             <a:fld id="{D12AA694-00EB-4F4B-AABB-6F50FB178914}" type="slidenum">
               <a:rPr lang="en-US" smtClean="0"/>
-              <a:t>‹Nr.›</a:t>
+              <a:t>‹#›</a:t>
             </a:fld>
             <a:endParaRPr lang="en-US"/>
           </a:p>
@@ -6170,7 +6165,7 @@
           <a:p>
             <a:fld id="{C652C00D-1E5F-7441-9ACF-E4D4A208330A}" type="datetime1">
               <a:rPr lang="de-CH" smtClean="0"/>
-              <a:t>07.01.14</a:t>
+              <a:t>14.01.2014</a:t>
             </a:fld>
             <a:endParaRPr lang="en-US"/>
           </a:p>
@@ -6266,7 +6261,7 @@
           <a:p>
             <a:fld id="{D12AA694-00EB-4F4B-AABB-6F50FB178914}" type="slidenum">
               <a:rPr lang="en-US" smtClean="0"/>
-              <a:t>‹Nr.›</a:t>
+              <a:t>‹#›</a:t>
             </a:fld>
             <a:endParaRPr lang="en-US"/>
           </a:p>
@@ -6711,7 +6706,7 @@
   <p:timing>
     <p:tnLst>
       <p:par>
-        <p:cTn xmlns:p14="http://schemas.microsoft.com/office/powerpoint/2010/main" id="1" dur="indefinite" restart="never" nodeType="tmRoot"/>
+        <p:cTn id="1" dur="indefinite" restart="never" nodeType="tmRoot"/>
       </p:par>
     </p:tnLst>
   </p:timing>
@@ -6829,7 +6824,7 @@
           <p:nvPr/>
         </p:nvPicPr>
         <p:blipFill>
-          <a:blip r:embed="rId3">
+          <a:blip r:embed="rId3" cstate="email">
             <a:extLst>
               <a:ext uri="{28A0092B-C50C-407E-A947-70E740481C1C}">
                 <a14:useLocalDpi xmlns:a14="http://schemas.microsoft.com/office/drawing/2010/main" val="0"/>
@@ -6863,7 +6858,7 @@
   <p:timing>
     <p:tnLst>
       <p:par>
-        <p:cTn xmlns:p14="http://schemas.microsoft.com/office/powerpoint/2010/main" id="1" dur="indefinite" restart="never" nodeType="tmRoot"/>
+        <p:cTn id="1" dur="indefinite" restart="never" nodeType="tmRoot"/>
       </p:par>
     </p:tnLst>
   </p:timing>
@@ -6981,7 +6976,7 @@
           <p:nvPr/>
         </p:nvPicPr>
         <p:blipFill>
-          <a:blip r:embed="rId3">
+          <a:blip r:embed="rId3" cstate="email">
             <a:extLst>
               <a:ext uri="{28A0092B-C50C-407E-A947-70E740481C1C}">
                 <a14:useLocalDpi xmlns:a14="http://schemas.microsoft.com/office/drawing/2010/main" val="0"/>
@@ -7015,7 +7010,7 @@
   <p:timing>
     <p:tnLst>
       <p:par>
-        <p:cTn xmlns:p14="http://schemas.microsoft.com/office/powerpoint/2010/main" id="1" dur="indefinite" restart="never" nodeType="tmRoot"/>
+        <p:cTn id="1" dur="indefinite" restart="never" nodeType="tmRoot"/>
       </p:par>
     </p:tnLst>
   </p:timing>
@@ -7072,11 +7067,7 @@
             </a:br>
             <a:r>
               <a:rPr lang="de-DE" sz="3200" dirty="0" smtClean="0"/>
-              <a:t>Observer der H</a:t>
-            </a:r>
-            <a:r>
-              <a:rPr lang="de-DE" sz="3200" dirty="0" smtClean="0"/>
-              <a:t>indernisse</a:t>
+              <a:t>Observer der Hindernisse</a:t>
             </a:r>
             <a:endParaRPr lang="de-DE" sz="3200" dirty="0"/>
           </a:p>
@@ -7137,7 +7128,7 @@
           <p:nvPr/>
         </p:nvPicPr>
         <p:blipFill>
-          <a:blip r:embed="rId3">
+          <a:blip r:embed="rId3" cstate="email">
             <a:extLst>
               <a:ext uri="{28A0092B-C50C-407E-A947-70E740481C1C}">
                 <a14:useLocalDpi xmlns:a14="http://schemas.microsoft.com/office/drawing/2010/main" val="0"/>
@@ -7171,7 +7162,7 @@
   <p:timing>
     <p:tnLst>
       <p:par>
-        <p:cTn xmlns:p14="http://schemas.microsoft.com/office/powerpoint/2010/main" id="1" dur="indefinite" restart="never" nodeType="tmRoot"/>
+        <p:cTn id="1" dur="indefinite" restart="never" nodeType="tmRoot"/>
       </p:par>
     </p:tnLst>
   </p:timing>
@@ -7228,11 +7219,7 @@
             </a:br>
             <a:r>
               <a:rPr lang="de-DE" sz="3200" dirty="0" smtClean="0"/>
-              <a:t>Observer des F</a:t>
-            </a:r>
-            <a:r>
-              <a:rPr lang="de-DE" sz="3200" dirty="0" smtClean="0"/>
-              <a:t>ields</a:t>
+              <a:t>Observer des Fields</a:t>
             </a:r>
             <a:endParaRPr lang="de-DE" sz="3200" dirty="0"/>
           </a:p>
@@ -7293,7 +7280,7 @@
           <p:nvPr/>
         </p:nvPicPr>
         <p:blipFill>
-          <a:blip r:embed="rId3">
+          <a:blip r:embed="rId3" cstate="email">
             <a:extLst>
               <a:ext uri="{28A0092B-C50C-407E-A947-70E740481C1C}">
                 <a14:useLocalDpi xmlns:a14="http://schemas.microsoft.com/office/drawing/2010/main" val="0"/>
@@ -7327,7 +7314,7 @@
   <p:timing>
     <p:tnLst>
       <p:par>
-        <p:cTn xmlns:p14="http://schemas.microsoft.com/office/powerpoint/2010/main" id="1" dur="indefinite" restart="never" nodeType="tmRoot"/>
+        <p:cTn id="1" dur="indefinite" restart="never" nodeType="tmRoot"/>
       </p:par>
     </p:tnLst>
   </p:timing>
@@ -7449,7 +7436,7 @@
           <p:nvPr/>
         </p:nvPicPr>
         <p:blipFill rotWithShape="1">
-          <a:blip r:embed="rId3">
+          <a:blip r:embed="rId3" cstate="email">
             <a:extLst>
               <a:ext uri="{28A0092B-C50C-407E-A947-70E740481C1C}">
                 <a14:useLocalDpi xmlns:a14="http://schemas.microsoft.com/office/drawing/2010/main" val="0"/>
@@ -7482,7 +7469,7 @@
   <p:timing>
     <p:tnLst>
       <p:par>
-        <p:cTn xmlns:p14="http://schemas.microsoft.com/office/powerpoint/2010/main" id="1" dur="indefinite" restart="never" nodeType="tmRoot"/>
+        <p:cTn id="1" dur="indefinite" restart="never" nodeType="tmRoot"/>
       </p:par>
     </p:tnLst>
   </p:timing>
@@ -7604,7 +7591,7 @@
           <p:nvPr/>
         </p:nvPicPr>
         <p:blipFill>
-          <a:blip r:embed="rId3">
+          <a:blip r:embed="rId3" cstate="email">
             <a:extLst>
               <a:ext uri="{28A0092B-C50C-407E-A947-70E740481C1C}">
                 <a14:useLocalDpi xmlns:a14="http://schemas.microsoft.com/office/drawing/2010/main" val="0"/>
@@ -7638,7 +7625,7 @@
   <p:timing>
     <p:tnLst>
       <p:par>
-        <p:cTn xmlns:p14="http://schemas.microsoft.com/office/powerpoint/2010/main" id="1" dur="indefinite" restart="never" nodeType="tmRoot"/>
+        <p:cTn id="1" dur="indefinite" restart="never" nodeType="tmRoot"/>
       </p:par>
     </p:tnLst>
   </p:timing>
@@ -7800,7 +7787,7 @@
   <p:timing>
     <p:tnLst>
       <p:par>
-        <p:cTn xmlns:p14="http://schemas.microsoft.com/office/powerpoint/2010/main" id="1" dur="indefinite" restart="never" nodeType="tmRoot"/>
+        <p:cTn id="1" dur="indefinite" restart="never" nodeType="tmRoot"/>
       </p:par>
     </p:tnLst>
   </p:timing>
@@ -7906,7 +7893,7 @@
           <p:nvPr/>
         </p:nvPicPr>
         <p:blipFill rotWithShape="1">
-          <a:blip r:embed="rId3">
+          <a:blip r:embed="rId3" cstate="email">
             <a:extLst>
               <a:ext uri="{28A0092B-C50C-407E-A947-70E740481C1C}">
                 <a14:useLocalDpi xmlns:a14="http://schemas.microsoft.com/office/drawing/2010/main" val="0"/>
@@ -7939,7 +7926,7 @@
   <p:timing>
     <p:tnLst>
       <p:par>
-        <p:cTn xmlns:p14="http://schemas.microsoft.com/office/powerpoint/2010/main" id="1" dur="indefinite" restart="never" nodeType="tmRoot"/>
+        <p:cTn id="1" dur="indefinite" restart="never" nodeType="tmRoot"/>
       </p:par>
     </p:tnLst>
   </p:timing>
@@ -8061,19 +8048,40 @@
           <a:lstStyle/>
           <a:p>
             <a:r>
-              <a:rPr lang="de-DE" dirty="0" err="1" smtClean="0"/>
+              <a:rPr lang="de-DE" dirty="0" smtClean="0"/>
+              <a:t>Matrix </a:t>
+            </a:r>
+            <a:r>
+              <a:rPr lang="de-DE" dirty="0" smtClean="0"/>
+              <a:t>mit bestehenden </a:t>
+            </a:r>
+            <a:r>
+              <a:rPr lang="de-DE" dirty="0" smtClean="0"/>
+              <a:t>Items </a:t>
+            </a:r>
+            <a:r>
+              <a:rPr lang="de-DE" dirty="0" smtClean="0"/>
+              <a:t>für schnelleres </a:t>
+            </a:r>
+            <a:r>
+              <a:rPr lang="de-DE" dirty="0" smtClean="0"/>
+              <a:t>Scannen</a:t>
+            </a:r>
+          </a:p>
+          <a:p>
+            <a:r>
+              <a:rPr lang="de-DE" dirty="0" err="1"/>
               <a:t>Grid</a:t>
             </a:r>
             <a:r>
+              <a:rPr lang="de-DE" dirty="0"/>
+              <a:t> 10x10 </a:t>
+            </a:r>
+            <a:r>
               <a:rPr lang="de-DE" dirty="0" smtClean="0"/>
-              <a:t> 10x10 Pixel</a:t>
-            </a:r>
-          </a:p>
-          <a:p>
-            <a:r>
-              <a:rPr lang="de-DE" dirty="0" smtClean="0"/>
-              <a:t>Matrix mit bestehenden Item für schnelleres Scannen</a:t>
-            </a:r>
+              <a:t>Pixel</a:t>
+            </a:r>
+            <a:endParaRPr lang="de-DE" dirty="0" smtClean="0"/>
           </a:p>
           <a:p>
             <a:r>
@@ -8109,7 +8117,7 @@
   <p:timing>
     <p:tnLst>
       <p:par>
-        <p:cTn xmlns:p14="http://schemas.microsoft.com/office/powerpoint/2010/main" id="1" dur="indefinite" restart="never" nodeType="tmRoot"/>
+        <p:cTn id="1" dur="indefinite" restart="never" nodeType="tmRoot"/>
       </p:par>
     </p:tnLst>
   </p:timing>
@@ -8252,7 +8260,7 @@
   <p:timing>
     <p:tnLst>
       <p:par>
-        <p:cTn xmlns:p14="http://schemas.microsoft.com/office/powerpoint/2010/main" id="1" dur="indefinite" restart="never" nodeType="tmRoot"/>
+        <p:cTn id="1" dur="indefinite" restart="never" nodeType="tmRoot"/>
       </p:par>
     </p:tnLst>
   </p:timing>
@@ -8407,7 +8415,7 @@
   <p:timing>
     <p:tnLst>
       <p:par>
-        <p:cTn xmlns:p14="http://schemas.microsoft.com/office/powerpoint/2010/main" id="1" dur="indefinite" restart="never" nodeType="tmRoot"/>
+        <p:cTn id="1" dur="indefinite" restart="never" nodeType="tmRoot"/>
       </p:par>
     </p:tnLst>
   </p:timing>
@@ -8579,7 +8587,7 @@
   <p:timing>
     <p:tnLst>
       <p:par>
-        <p:cTn xmlns:p14="http://schemas.microsoft.com/office/powerpoint/2010/main" id="1" dur="indefinite" restart="never" nodeType="tmRoot"/>
+        <p:cTn id="1" dur="indefinite" restart="never" nodeType="tmRoot"/>
       </p:par>
     </p:tnLst>
   </p:timing>
@@ -8697,7 +8705,7 @@
           <p:nvPr/>
         </p:nvPicPr>
         <p:blipFill>
-          <a:blip r:embed="rId3">
+          <a:blip r:embed="rId3" cstate="email">
             <a:extLst>
               <a:ext uri="{28A0092B-C50C-407E-A947-70E740481C1C}">
                 <a14:useLocalDpi xmlns:a14="http://schemas.microsoft.com/office/drawing/2010/main" val="0"/>
@@ -8731,7 +8739,7 @@
   <p:timing>
     <p:tnLst>
       <p:par>
-        <p:cTn xmlns:p14="http://schemas.microsoft.com/office/powerpoint/2010/main" id="1" dur="indefinite" restart="never" nodeType="tmRoot"/>
+        <p:cTn id="1" dur="indefinite" restart="never" nodeType="tmRoot"/>
       </p:par>
     </p:tnLst>
   </p:timing>
@@ -8824,6 +8832,70 @@
           </a:p>
         </p:txBody>
       </p:sp>
+      <p:pic>
+        <p:nvPicPr>
+          <p:cNvPr id="1026" name="Picture 2"/>
+          <p:cNvPicPr>
+            <a:picLocks noChangeAspect="1" noChangeArrowheads="1"/>
+          </p:cNvPicPr>
+          <p:nvPr/>
+        </p:nvPicPr>
+        <p:blipFill>
+          <a:blip r:embed="rId3" cstate="email">
+            <a:extLst>
+              <a:ext uri="{28A0092B-C50C-407E-A947-70E740481C1C}">
+                <a14:useLocalDpi xmlns:a14="http://schemas.microsoft.com/office/drawing/2010/main" val="0"/>
+              </a:ext>
+            </a:extLst>
+          </a:blip>
+          <a:srcRect/>
+          <a:stretch>
+            <a:fillRect/>
+          </a:stretch>
+        </p:blipFill>
+        <p:spPr bwMode="auto">
+          <a:xfrm>
+            <a:off x="1731386" y="2161308"/>
+            <a:ext cx="5546147" cy="3054927"/>
+          </a:xfrm>
+          <a:prstGeom prst="rect">
+            <a:avLst/>
+          </a:prstGeom>
+          <a:noFill/>
+          <a:ln>
+            <a:noFill/>
+          </a:ln>
+          <a:effectLst/>
+          <a:extLst>
+            <a:ext uri="{909E8E84-426E-40DD-AFC4-6F175D3DCCD1}">
+              <a14:hiddenFill xmlns:a14="http://schemas.microsoft.com/office/drawing/2010/main">
+                <a:solidFill>
+                  <a:schemeClr val="accent1"/>
+                </a:solidFill>
+              </a14:hiddenFill>
+            </a:ext>
+            <a:ext uri="{91240B29-F687-4F45-9708-019B960494DF}">
+              <a14:hiddenLine xmlns:a14="http://schemas.microsoft.com/office/drawing/2010/main" w="9525">
+                <a:solidFill>
+                  <a:schemeClr val="tx1"/>
+                </a:solidFill>
+                <a:miter lim="800000"/>
+                <a:headEnd/>
+                <a:tailEnd/>
+              </a14:hiddenLine>
+            </a:ext>
+            <a:ext uri="{AF507438-7753-43E0-B8FC-AC1667EBCBE1}">
+              <a14:hiddenEffects xmlns:a14="http://schemas.microsoft.com/office/drawing/2010/main">
+                <a:effectLst>
+                  <a:outerShdw dist="35921" dir="2700000" algn="ctr" rotWithShape="0">
+                    <a:schemeClr val="bg2"/>
+                  </a:outerShdw>
+                </a:effectLst>
+              </a14:hiddenEffects>
+            </a:ext>
+          </a:extLst>
+        </p:spPr>
+      </p:pic>
     </p:spTree>
     <p:extLst>
       <p:ext uri="{BB962C8B-B14F-4D97-AF65-F5344CB8AC3E}">
@@ -8837,7 +8909,7 @@
   <p:timing>
     <p:tnLst>
       <p:par>
-        <p:cTn xmlns:p14="http://schemas.microsoft.com/office/powerpoint/2010/main" id="1" dur="indefinite" restart="never" nodeType="tmRoot"/>
+        <p:cTn id="1" dur="indefinite" restart="never" nodeType="tmRoot"/>
       </p:par>
     </p:tnLst>
   </p:timing>
@@ -8873,7 +8945,7 @@
         </p:nvSpPr>
         <p:spPr>
           <a:xfrm>
-            <a:off x="779462" y="2044910"/>
+            <a:off x="779462" y="1099338"/>
             <a:ext cx="7581901" cy="2350721"/>
           </a:xfrm>
         </p:spPr>
@@ -8883,7 +8955,11 @@
           <a:p>
             <a:r>
               <a:rPr lang="de-DE" dirty="0" smtClean="0"/>
-              <a:t>Vielen Dank für Ihre Aufmerksamkeit</a:t>
+              <a:t>Vielen </a:t>
+            </a:r>
+            <a:r>
+              <a:rPr lang="de-DE" dirty="0" smtClean="0"/>
+              <a:t>Dank für Ihre Aufmerksamkeit</a:t>
             </a:r>
             <a:endParaRPr lang="de-DE" dirty="0"/>
           </a:p>
@@ -8935,6 +9011,47 @@
           </a:p>
         </p:txBody>
       </p:sp>
+      <p:pic>
+        <p:nvPicPr>
+          <p:cNvPr id="2050" name="Picture 2" descr="http://www.kpv.stvp.at/files/projektbilder/fragen.png"/>
+          <p:cNvPicPr>
+            <a:picLocks noChangeAspect="1" noChangeArrowheads="1"/>
+          </p:cNvPicPr>
+          <p:nvPr/>
+        </p:nvPicPr>
+        <p:blipFill>
+          <a:blip r:embed="rId3" cstate="email">
+            <a:extLst>
+              <a:ext uri="{28A0092B-C50C-407E-A947-70E740481C1C}">
+                <a14:useLocalDpi xmlns:a14="http://schemas.microsoft.com/office/drawing/2010/main" val="0"/>
+              </a:ext>
+            </a:extLst>
+          </a:blip>
+          <a:srcRect/>
+          <a:stretch>
+            <a:fillRect/>
+          </a:stretch>
+        </p:blipFill>
+        <p:spPr bwMode="auto">
+          <a:xfrm>
+            <a:off x="3649608" y="3675205"/>
+            <a:ext cx="2234335" cy="2234336"/>
+          </a:xfrm>
+          <a:prstGeom prst="rect">
+            <a:avLst/>
+          </a:prstGeom>
+          <a:noFill/>
+          <a:extLst>
+            <a:ext uri="{909E8E84-426E-40DD-AFC4-6F175D3DCCD1}">
+              <a14:hiddenFill xmlns:a14="http://schemas.microsoft.com/office/drawing/2010/main">
+                <a:solidFill>
+                  <a:srgbClr val="FFFFFF"/>
+                </a:solidFill>
+              </a14:hiddenFill>
+            </a:ext>
+          </a:extLst>
+        </p:spPr>
+      </p:pic>
     </p:spTree>
     <p:extLst>
       <p:ext uri="{BB962C8B-B14F-4D97-AF65-F5344CB8AC3E}">
@@ -8948,7 +9065,7 @@
   <p:timing>
     <p:tnLst>
       <p:par>
-        <p:cTn xmlns:p14="http://schemas.microsoft.com/office/powerpoint/2010/main" id="1" dur="indefinite" restart="never" nodeType="tmRoot"/>
+        <p:cTn id="1" dur="indefinite" restart="never" nodeType="tmRoot"/>
       </p:par>
     </p:tnLst>
   </p:timing>
@@ -9078,7 +9195,7 @@
   <p:timing>
     <p:tnLst>
       <p:par>
-        <p:cTn xmlns:p14="http://schemas.microsoft.com/office/powerpoint/2010/main" id="1" dur="indefinite" restart="never" nodeType="tmRoot"/>
+        <p:cTn id="1" dur="indefinite" restart="never" nodeType="tmRoot"/>
       </p:par>
     </p:tnLst>
   </p:timing>
@@ -9180,7 +9297,7 @@
           <p:nvPr/>
         </p:nvPicPr>
         <p:blipFill rotWithShape="1">
-          <a:blip r:embed="rId3">
+          <a:blip r:embed="rId3" cstate="email">
             <a:extLst>
               <a:ext uri="{28A0092B-C50C-407E-A947-70E740481C1C}">
                 <a14:useLocalDpi xmlns:a14="http://schemas.microsoft.com/office/drawing/2010/main" val="0"/>
@@ -9213,7 +9330,7 @@
   <p:timing>
     <p:tnLst>
       <p:par>
-        <p:cTn xmlns:p14="http://schemas.microsoft.com/office/powerpoint/2010/main" id="1" dur="indefinite" restart="never" nodeType="tmRoot"/>
+        <p:cTn id="1" dur="indefinite" restart="never" nodeType="tmRoot"/>
       </p:par>
     </p:tnLst>
   </p:timing>
@@ -9276,28 +9393,26 @@
           <a:lstStyle/>
           <a:p>
             <a:r>
-              <a:rPr lang="de-DE" dirty="0" smtClean="0"/>
-              <a:t>Domain Mode</a:t>
-            </a:r>
-          </a:p>
-          <a:p>
-            <a:r>
               <a:rPr lang="de-DE" dirty="0" err="1" smtClean="0"/>
               <a:t>Use</a:t>
             </a:r>
             <a:r>
               <a:rPr lang="de-DE" dirty="0" smtClean="0"/>
-              <a:t> Cases</a:t>
-            </a:r>
-          </a:p>
-          <a:p>
-            <a:r>
-              <a:rPr lang="de-DE" dirty="0" err="1" smtClean="0"/>
-              <a:t>Sequence</a:t>
+              <a:t> </a:t>
             </a:r>
             <a:r>
               <a:rPr lang="de-DE" dirty="0" smtClean="0"/>
-              <a:t> Diagramme</a:t>
+              <a:t>Cases</a:t>
+            </a:r>
+          </a:p>
+          <a:p>
+            <a:r>
+              <a:rPr lang="de-DE" dirty="0" smtClean="0"/>
+              <a:t>Sequenz </a:t>
+            </a:r>
+            <a:r>
+              <a:rPr lang="de-DE" dirty="0" smtClean="0"/>
+              <a:t>Diagramme</a:t>
             </a:r>
           </a:p>
           <a:p>
@@ -9368,7 +9483,7 @@
   <p:timing>
     <p:tnLst>
       <p:par>
-        <p:cTn xmlns:p14="http://schemas.microsoft.com/office/powerpoint/2010/main" id="1" dur="indefinite" restart="never" nodeType="tmRoot"/>
+        <p:cTn id="1" dur="indefinite" restart="never" nodeType="tmRoot"/>
       </p:par>
     </p:tnLst>
   </p:timing>
@@ -9474,7 +9589,7 @@
           <p:nvPr/>
         </p:nvPicPr>
         <p:blipFill rotWithShape="1">
-          <a:blip r:embed="rId3">
+          <a:blip r:embed="rId3" cstate="email">
             <a:extLst>
               <a:ext uri="{28A0092B-C50C-407E-A947-70E740481C1C}">
                 <a14:useLocalDpi xmlns:a14="http://schemas.microsoft.com/office/drawing/2010/main" val="0"/>
@@ -9507,7 +9622,7 @@
   <p:timing>
     <p:tnLst>
       <p:par>
-        <p:cTn xmlns:p14="http://schemas.microsoft.com/office/powerpoint/2010/main" id="1" dur="indefinite" restart="never" nodeType="tmRoot"/>
+        <p:cTn id="1" dur="indefinite" restart="never" nodeType="tmRoot"/>
       </p:par>
     </p:tnLst>
   </p:timing>
@@ -9547,16 +9662,8 @@
           <a:lstStyle/>
           <a:p>
             <a:r>
-              <a:rPr lang="de-DE" dirty="0" err="1" smtClean="0"/>
-              <a:t>Sequence</a:t>
-            </a:r>
-            <a:r>
               <a:rPr lang="de-DE" dirty="0" smtClean="0"/>
-              <a:t> </a:t>
-            </a:r>
-            <a:r>
-              <a:rPr lang="de-DE" dirty="0" err="1" smtClean="0"/>
-              <a:t>Diagram</a:t>
+              <a:t>Sequenz Diagramm</a:t>
             </a:r>
             <a:r>
               <a:rPr lang="de-DE" dirty="0" smtClean="0"/>
@@ -9628,7 +9735,7 @@
           <p:nvPr/>
         </p:nvPicPr>
         <p:blipFill rotWithShape="1">
-          <a:blip r:embed="rId3">
+          <a:blip r:embed="rId3" cstate="email">
             <a:extLst>
               <a:ext uri="{28A0092B-C50C-407E-A947-70E740481C1C}">
                 <a14:useLocalDpi xmlns:a14="http://schemas.microsoft.com/office/drawing/2010/main" val="0"/>
@@ -9661,7 +9768,7 @@
   <p:timing>
     <p:tnLst>
       <p:par>
-        <p:cTn xmlns:p14="http://schemas.microsoft.com/office/powerpoint/2010/main" id="1" dur="indefinite" restart="never" nodeType="tmRoot"/>
+        <p:cTn id="1" dur="indefinite" restart="never" nodeType="tmRoot"/>
       </p:par>
     </p:tnLst>
   </p:timing>
@@ -9701,16 +9808,8 @@
           <a:lstStyle/>
           <a:p>
             <a:r>
-              <a:rPr lang="de-DE" dirty="0" err="1" smtClean="0"/>
-              <a:t>Sequence</a:t>
-            </a:r>
-            <a:r>
               <a:rPr lang="de-DE" dirty="0" smtClean="0"/>
-              <a:t> </a:t>
-            </a:r>
-            <a:r>
-              <a:rPr lang="de-DE" dirty="0" err="1" smtClean="0"/>
-              <a:t>Diagram</a:t>
+              <a:t>Sequenz Diagramm</a:t>
             </a:r>
             <a:r>
               <a:rPr lang="de-DE" dirty="0" smtClean="0"/>
@@ -9782,7 +9881,7 @@
           <p:nvPr/>
         </p:nvPicPr>
         <p:blipFill rotWithShape="1">
-          <a:blip r:embed="rId3">
+          <a:blip r:embed="rId3" cstate="email">
             <a:extLst>
               <a:ext uri="{28A0092B-C50C-407E-A947-70E740481C1C}">
                 <a14:useLocalDpi xmlns:a14="http://schemas.microsoft.com/office/drawing/2010/main" val="0"/>
@@ -9815,7 +9914,7 @@
   <p:timing>
     <p:tnLst>
       <p:par>
-        <p:cTn xmlns:p14="http://schemas.microsoft.com/office/powerpoint/2010/main" id="1" dur="indefinite" restart="never" nodeType="tmRoot"/>
+        <p:cTn id="1" dur="indefinite" restart="never" nodeType="tmRoot"/>
       </p:par>
     </p:tnLst>
   </p:timing>
@@ -9855,16 +9954,8 @@
           <a:lstStyle/>
           <a:p>
             <a:r>
-              <a:rPr lang="de-DE" dirty="0" err="1" smtClean="0"/>
-              <a:t>Sequence</a:t>
-            </a:r>
-            <a:r>
               <a:rPr lang="de-DE" dirty="0" smtClean="0"/>
-              <a:t> </a:t>
-            </a:r>
-            <a:r>
-              <a:rPr lang="de-DE" dirty="0" err="1" smtClean="0"/>
-              <a:t>Diagram</a:t>
+              <a:t>Sequenz Diagramm</a:t>
             </a:r>
             <a:r>
               <a:rPr lang="de-DE" dirty="0" smtClean="0"/>
@@ -9936,7 +10027,7 @@
           <p:nvPr/>
         </p:nvPicPr>
         <p:blipFill rotWithShape="1">
-          <a:blip r:embed="rId3">
+          <a:blip r:embed="rId3" cstate="email">
             <a:extLst>
               <a:ext uri="{28A0092B-C50C-407E-A947-70E740481C1C}">
                 <a14:useLocalDpi xmlns:a14="http://schemas.microsoft.com/office/drawing/2010/main" val="0"/>
@@ -9969,7 +10060,7 @@
   <p:timing>
     <p:tnLst>
       <p:par>
-        <p:cTn xmlns:p14="http://schemas.microsoft.com/office/powerpoint/2010/main" id="1" dur="indefinite" restart="never" nodeType="tmRoot"/>
+        <p:cTn id="1" dur="indefinite" restart="never" nodeType="tmRoot"/>
       </p:par>
     </p:tnLst>
   </p:timing>
